--- a/Presentation.pptx
+++ b/Presentation.pptx
@@ -5,13 +5,17 @@
     <p:sldMasterId id="2147483660" r:id="rId1"/>
   </p:sldMasterIdLst>
   <p:notesMasterIdLst>
-    <p:notesMasterId r:id="rId6"/>
+    <p:notesMasterId r:id="rId10"/>
   </p:notesMasterIdLst>
   <p:sldIdLst>
     <p:sldId id="256" r:id="rId2"/>
-    <p:sldId id="257" r:id="rId3"/>
-    <p:sldId id="258" r:id="rId4"/>
-    <p:sldId id="259" r:id="rId5"/>
+    <p:sldId id="260" r:id="rId3"/>
+    <p:sldId id="257" r:id="rId4"/>
+    <p:sldId id="258" r:id="rId5"/>
+    <p:sldId id="259" r:id="rId6"/>
+    <p:sldId id="261" r:id="rId7"/>
+    <p:sldId id="263" r:id="rId8"/>
+    <p:sldId id="262" r:id="rId9"/>
   </p:sldIdLst>
   <p:sldSz cx="12192000" cy="6858000"/>
   <p:notesSz cx="6858000" cy="9144000"/>
@@ -1533,7 +1537,7 @@
           <a:p>
             <a:fld id="{BDC24B14-F755-42CC-88AF-26ADEEAA6547}" type="datetimeFigureOut">
               <a:rPr lang="en-GB" smtClean="0"/>
-              <a:t>18/02/2021</a:t>
+              <a:t>18/03/2021</a:t>
             </a:fld>
             <a:endParaRPr lang="en-GB"/>
           </a:p>
@@ -1878,7 +1882,7 @@
           <a:p>
             <a:fld id="{0B83ECC0-8215-4318-A3C0-552CE5E99E84}" type="slidenum">
               <a:rPr lang="en-GB" smtClean="0"/>
-              <a:t>3</a:t>
+              <a:t>4</a:t>
             </a:fld>
             <a:endParaRPr lang="en-GB"/>
           </a:p>
@@ -2345,7 +2349,7 @@
           <a:p>
             <a:fld id="{14F14F6C-64C6-4282-B92B-69416428ACE5}" type="datetimeFigureOut">
               <a:rPr lang="en-GB" smtClean="0"/>
-              <a:t>18/02/2021</a:t>
+              <a:t>18/03/2021</a:t>
             </a:fld>
             <a:endParaRPr lang="en-GB"/>
           </a:p>
@@ -2463,7 +2467,7 @@
           <a:p>
             <a:fld id="{14F14F6C-64C6-4282-B92B-69416428ACE5}" type="datetimeFigureOut">
               <a:rPr lang="en-GB" smtClean="0"/>
-              <a:t>18/02/2021</a:t>
+              <a:t>18/03/2021</a:t>
             </a:fld>
             <a:endParaRPr lang="en-GB"/>
           </a:p>
@@ -2853,7 +2857,7 @@
           <a:p>
             <a:fld id="{14F14F6C-64C6-4282-B92B-69416428ACE5}" type="datetimeFigureOut">
               <a:rPr lang="en-GB" smtClean="0"/>
-              <a:t>18/02/2021</a:t>
+              <a:t>18/03/2021</a:t>
             </a:fld>
             <a:endParaRPr lang="en-GB"/>
           </a:p>
@@ -3272,7 +3276,7 @@
           <a:p>
             <a:fld id="{14F14F6C-64C6-4282-B92B-69416428ACE5}" type="datetimeFigureOut">
               <a:rPr lang="en-GB" smtClean="0"/>
-              <a:t>18/02/2021</a:t>
+              <a:t>18/03/2021</a:t>
             </a:fld>
             <a:endParaRPr lang="en-GB"/>
           </a:p>
@@ -3431,7 +3435,7 @@
           <a:p>
             <a:fld id="{14F14F6C-64C6-4282-B92B-69416428ACE5}" type="datetimeFigureOut">
               <a:rPr lang="en-GB" smtClean="0"/>
-              <a:t>18/02/2021</a:t>
+              <a:t>18/03/2021</a:t>
             </a:fld>
             <a:endParaRPr lang="en-GB"/>
           </a:p>
@@ -3702,7 +3706,7 @@
           <a:p>
             <a:fld id="{14F14F6C-64C6-4282-B92B-69416428ACE5}" type="datetimeFigureOut">
               <a:rPr lang="en-GB" smtClean="0"/>
-              <a:t>18/02/2021</a:t>
+              <a:t>18/03/2021</a:t>
             </a:fld>
             <a:endParaRPr lang="en-GB"/>
           </a:p>
@@ -4020,7 +4024,7 @@
           <a:p>
             <a:fld id="{14F14F6C-64C6-4282-B92B-69416428ACE5}" type="datetimeFigureOut">
               <a:rPr lang="en-GB" smtClean="0"/>
-              <a:t>18/02/2021</a:t>
+              <a:t>18/03/2021</a:t>
             </a:fld>
             <a:endParaRPr lang="en-GB"/>
           </a:p>
@@ -4164,7 +4168,7 @@
           <a:p>
             <a:fld id="{14F14F6C-64C6-4282-B92B-69416428ACE5}" type="datetimeFigureOut">
               <a:rPr lang="en-GB" smtClean="0"/>
-              <a:t>18/02/2021</a:t>
+              <a:t>18/03/2021</a:t>
             </a:fld>
             <a:endParaRPr lang="en-GB"/>
           </a:p>
@@ -4645,7 +4649,7 @@
           <a:p>
             <a:fld id="{14F14F6C-64C6-4282-B92B-69416428ACE5}" type="datetimeFigureOut">
               <a:rPr lang="en-GB" smtClean="0"/>
-              <a:t>18/02/2021</a:t>
+              <a:t>18/03/2021</a:t>
             </a:fld>
             <a:endParaRPr lang="en-GB"/>
           </a:p>
@@ -4763,7 +4767,7 @@
           <a:p>
             <a:fld id="{14F14F6C-64C6-4282-B92B-69416428ACE5}" type="datetimeFigureOut">
               <a:rPr lang="en-GB" smtClean="0"/>
-              <a:t>18/02/2021</a:t>
+              <a:t>18/03/2021</a:t>
             </a:fld>
             <a:endParaRPr lang="en-GB"/>
           </a:p>
@@ -4881,7 +4885,7 @@
           <a:p>
             <a:fld id="{14F14F6C-64C6-4282-B92B-69416428ACE5}" type="datetimeFigureOut">
               <a:rPr lang="en-GB" smtClean="0"/>
-              <a:t>18/02/2021</a:t>
+              <a:t>18/03/2021</a:t>
             </a:fld>
             <a:endParaRPr lang="en-GB"/>
           </a:p>
@@ -5060,7 +5064,7 @@
           <a:p>
             <a:fld id="{14F14F6C-64C6-4282-B92B-69416428ACE5}" type="datetimeFigureOut">
               <a:rPr lang="en-GB" smtClean="0"/>
-              <a:t>18/02/2021</a:t>
+              <a:t>18/03/2021</a:t>
             </a:fld>
             <a:endParaRPr lang="en-GB"/>
           </a:p>
@@ -5346,7 +5350,7 @@
           <a:p>
             <a:fld id="{14F14F6C-64C6-4282-B92B-69416428ACE5}" type="datetimeFigureOut">
               <a:rPr lang="en-GB" smtClean="0"/>
-              <a:t>18/02/2021</a:t>
+              <a:t>18/03/2021</a:t>
             </a:fld>
             <a:endParaRPr lang="en-GB"/>
           </a:p>
@@ -6011,6 +6015,65 @@
       </p:grpSpPr>
       <p:sp>
         <p:nvSpPr>
+          <p:cNvPr id="5" name="Title 4">
+            <a:extLst>
+              <a:ext uri="{FF2B5EF4-FFF2-40B4-BE49-F238E27FC236}">
+                <a16:creationId xmlns:a16="http://schemas.microsoft.com/office/drawing/2014/main" id="{F1CF4F74-D405-4592-8324-AAA056781CDC}"/>
+              </a:ext>
+            </a:extLst>
+          </p:cNvPr>
+          <p:cNvSpPr>
+            <a:spLocks noGrp="1"/>
+          </p:cNvSpPr>
+          <p:nvPr>
+            <p:ph type="title"/>
+          </p:nvPr>
+        </p:nvSpPr>
+        <p:spPr/>
+        <p:txBody>
+          <a:bodyPr/>
+          <a:lstStyle/>
+          <a:p>
+            <a:r>
+              <a:rPr lang="nl-NL" dirty="0"/>
+              <a:t>Random Fit</a:t>
+            </a:r>
+            <a:endParaRPr lang="en-GB" dirty="0"/>
+          </a:p>
+        </p:txBody>
+      </p:sp>
+    </p:spTree>
+    <p:extLst>
+      <p:ext uri="{BB962C8B-B14F-4D97-AF65-F5344CB8AC3E}">
+        <p14:creationId xmlns:p14="http://schemas.microsoft.com/office/powerpoint/2010/main" val="2335521210"/>
+      </p:ext>
+    </p:extLst>
+  </p:cSld>
+  <p:clrMapOvr>
+    <a:masterClrMapping/>
+  </p:clrMapOvr>
+</p:sld>
+</file>
+
+<file path=ppt/slides/slide3.xml><?xml version="1.0" encoding="utf-8"?>
+<p:sld xmlns:a="http://schemas.openxmlformats.org/drawingml/2006/main" xmlns:r="http://schemas.openxmlformats.org/officeDocument/2006/relationships" xmlns:p="http://schemas.openxmlformats.org/presentationml/2006/main">
+  <p:cSld>
+    <p:spTree>
+      <p:nvGrpSpPr>
+        <p:cNvPr id="1" name=""/>
+        <p:cNvGrpSpPr/>
+        <p:nvPr/>
+      </p:nvGrpSpPr>
+      <p:grpSpPr>
+        <a:xfrm>
+          <a:off x="0" y="0"/>
+          <a:ext cx="0" cy="0"/>
+          <a:chOff x="0" y="0"/>
+          <a:chExt cx="0" cy="0"/>
+        </a:xfrm>
+      </p:grpSpPr>
+      <p:sp>
+        <p:nvSpPr>
           <p:cNvPr id="2" name="Content Placeholder 1">
             <a:extLst>
               <a:ext uri="{FF2B5EF4-FFF2-40B4-BE49-F238E27FC236}">
@@ -6209,7 +6272,7 @@
 </p:sld>
 </file>
 
-<file path=ppt/slides/slide3.xml><?xml version="1.0" encoding="utf-8"?>
+<file path=ppt/slides/slide4.xml><?xml version="1.0" encoding="utf-8"?>
 <p:sld xmlns:a="http://schemas.openxmlformats.org/drawingml/2006/main" xmlns:r="http://schemas.openxmlformats.org/officeDocument/2006/relationships" xmlns:p="http://schemas.openxmlformats.org/presentationml/2006/main">
   <p:cSld>
     <p:spTree>
@@ -6525,7 +6588,7 @@
 </p:sld>
 </file>
 
-<file path=ppt/slides/slide4.xml><?xml version="1.0" encoding="utf-8"?>
+<file path=ppt/slides/slide5.xml><?xml version="1.0" encoding="utf-8"?>
 <p:sld xmlns:a="http://schemas.openxmlformats.org/drawingml/2006/main" xmlns:r="http://schemas.openxmlformats.org/officeDocument/2006/relationships" xmlns:p="http://schemas.openxmlformats.org/presentationml/2006/main">
   <p:cSld>
     <p:spTree>
@@ -7056,6 +7119,204 @@
     <p:extLst>
       <p:ext uri="{BB962C8B-B14F-4D97-AF65-F5344CB8AC3E}">
         <p14:creationId xmlns:p14="http://schemas.microsoft.com/office/powerpoint/2010/main" val="1910749542"/>
+      </p:ext>
+    </p:extLst>
+  </p:cSld>
+  <p:clrMapOvr>
+    <a:masterClrMapping/>
+  </p:clrMapOvr>
+</p:sld>
+</file>
+
+<file path=ppt/slides/slide6.xml><?xml version="1.0" encoding="utf-8"?>
+<p:sld xmlns:a="http://schemas.openxmlformats.org/drawingml/2006/main" xmlns:r="http://schemas.openxmlformats.org/officeDocument/2006/relationships" xmlns:p="http://schemas.openxmlformats.org/presentationml/2006/main">
+  <p:cSld>
+    <p:spTree>
+      <p:nvGrpSpPr>
+        <p:cNvPr id="1" name=""/>
+        <p:cNvGrpSpPr/>
+        <p:nvPr/>
+      </p:nvGrpSpPr>
+      <p:grpSpPr>
+        <a:xfrm>
+          <a:off x="0" y="0"/>
+          <a:ext cx="0" cy="0"/>
+          <a:chOff x="0" y="0"/>
+          <a:chExt cx="0" cy="0"/>
+        </a:xfrm>
+      </p:grpSpPr>
+      <p:sp>
+        <p:nvSpPr>
+          <p:cNvPr id="2" name="Title 1">
+            <a:extLst>
+              <a:ext uri="{FF2B5EF4-FFF2-40B4-BE49-F238E27FC236}">
+                <a16:creationId xmlns:a16="http://schemas.microsoft.com/office/drawing/2014/main" id="{DBF098EE-F501-4148-BA06-B7B67C3F29FB}"/>
+              </a:ext>
+            </a:extLst>
+          </p:cNvPr>
+          <p:cNvSpPr>
+            <a:spLocks noGrp="1"/>
+          </p:cNvSpPr>
+          <p:nvPr>
+            <p:ph type="title"/>
+          </p:nvPr>
+        </p:nvSpPr>
+        <p:spPr/>
+        <p:txBody>
+          <a:bodyPr/>
+          <a:lstStyle/>
+          <a:p>
+            <a:r>
+              <a:rPr lang="nl-NL" dirty="0"/>
+              <a:t>Best Fit</a:t>
+            </a:r>
+            <a:endParaRPr lang="en-GB" dirty="0"/>
+          </a:p>
+        </p:txBody>
+      </p:sp>
+    </p:spTree>
+    <p:extLst>
+      <p:ext uri="{BB962C8B-B14F-4D97-AF65-F5344CB8AC3E}">
+        <p14:creationId xmlns:p14="http://schemas.microsoft.com/office/powerpoint/2010/main" val="2772562052"/>
+      </p:ext>
+    </p:extLst>
+  </p:cSld>
+  <p:clrMapOvr>
+    <a:masterClrMapping/>
+  </p:clrMapOvr>
+</p:sld>
+</file>
+
+<file path=ppt/slides/slide7.xml><?xml version="1.0" encoding="utf-8"?>
+<p:sld xmlns:a="http://schemas.openxmlformats.org/drawingml/2006/main" xmlns:r="http://schemas.openxmlformats.org/officeDocument/2006/relationships" xmlns:p="http://schemas.openxmlformats.org/presentationml/2006/main">
+  <p:cSld>
+    <p:spTree>
+      <p:nvGrpSpPr>
+        <p:cNvPr id="1" name=""/>
+        <p:cNvGrpSpPr/>
+        <p:nvPr/>
+      </p:nvGrpSpPr>
+      <p:grpSpPr>
+        <a:xfrm>
+          <a:off x="0" y="0"/>
+          <a:ext cx="0" cy="0"/>
+          <a:chOff x="0" y="0"/>
+          <a:chExt cx="0" cy="0"/>
+        </a:xfrm>
+      </p:grpSpPr>
+      <p:sp>
+        <p:nvSpPr>
+          <p:cNvPr id="4" name="Content Placeholder 3">
+            <a:extLst>
+              <a:ext uri="{FF2B5EF4-FFF2-40B4-BE49-F238E27FC236}">
+                <a16:creationId xmlns:a16="http://schemas.microsoft.com/office/drawing/2014/main" id="{F8544B24-0834-44E0-8580-5EE763E3DE98}"/>
+              </a:ext>
+            </a:extLst>
+          </p:cNvPr>
+          <p:cNvSpPr>
+            <a:spLocks noGrp="1"/>
+          </p:cNvSpPr>
+          <p:nvPr>
+            <p:ph idx="1"/>
+          </p:nvPr>
+        </p:nvSpPr>
+        <p:spPr/>
+        <p:txBody>
+          <a:bodyPr/>
+          <a:lstStyle/>
+          <a:p>
+            <a:endParaRPr lang="en-GB"/>
+          </a:p>
+        </p:txBody>
+      </p:sp>
+      <p:sp>
+        <p:nvSpPr>
+          <p:cNvPr id="3" name="Title 2">
+            <a:extLst>
+              <a:ext uri="{FF2B5EF4-FFF2-40B4-BE49-F238E27FC236}">
+                <a16:creationId xmlns:a16="http://schemas.microsoft.com/office/drawing/2014/main" id="{53E69D4D-8085-4A93-8904-FE08F62AD2DA}"/>
+              </a:ext>
+            </a:extLst>
+          </p:cNvPr>
+          <p:cNvSpPr>
+            <a:spLocks noGrp="1"/>
+          </p:cNvSpPr>
+          <p:nvPr>
+            <p:ph type="title"/>
+          </p:nvPr>
+        </p:nvSpPr>
+        <p:spPr/>
+        <p:txBody>
+          <a:bodyPr/>
+          <a:lstStyle/>
+          <a:p>
+            <a:endParaRPr lang="en-GB"/>
+          </a:p>
+        </p:txBody>
+      </p:sp>
+    </p:spTree>
+    <p:extLst>
+      <p:ext uri="{BB962C8B-B14F-4D97-AF65-F5344CB8AC3E}">
+        <p14:creationId xmlns:p14="http://schemas.microsoft.com/office/powerpoint/2010/main" val="2063916021"/>
+      </p:ext>
+    </p:extLst>
+  </p:cSld>
+  <p:clrMapOvr>
+    <a:masterClrMapping/>
+  </p:clrMapOvr>
+</p:sld>
+</file>
+
+<file path=ppt/slides/slide8.xml><?xml version="1.0" encoding="utf-8"?>
+<p:sld xmlns:a="http://schemas.openxmlformats.org/drawingml/2006/main" xmlns:r="http://schemas.openxmlformats.org/officeDocument/2006/relationships" xmlns:p="http://schemas.openxmlformats.org/presentationml/2006/main">
+  <p:cSld>
+    <p:spTree>
+      <p:nvGrpSpPr>
+        <p:cNvPr id="1" name=""/>
+        <p:cNvGrpSpPr/>
+        <p:nvPr/>
+      </p:nvGrpSpPr>
+      <p:grpSpPr>
+        <a:xfrm>
+          <a:off x="0" y="0"/>
+          <a:ext cx="0" cy="0"/>
+          <a:chOff x="0" y="0"/>
+          <a:chExt cx="0" cy="0"/>
+        </a:xfrm>
+      </p:grpSpPr>
+      <p:sp>
+        <p:nvSpPr>
+          <p:cNvPr id="2" name="Title 1">
+            <a:extLst>
+              <a:ext uri="{FF2B5EF4-FFF2-40B4-BE49-F238E27FC236}">
+                <a16:creationId xmlns:a16="http://schemas.microsoft.com/office/drawing/2014/main" id="{F5FDA3BD-9B20-496F-BBC4-09DAD8BBC0A4}"/>
+              </a:ext>
+            </a:extLst>
+          </p:cNvPr>
+          <p:cNvSpPr>
+            <a:spLocks noGrp="1"/>
+          </p:cNvSpPr>
+          <p:nvPr>
+            <p:ph type="title"/>
+          </p:nvPr>
+        </p:nvSpPr>
+        <p:spPr/>
+        <p:txBody>
+          <a:bodyPr/>
+          <a:lstStyle/>
+          <a:p>
+            <a:r>
+              <a:rPr lang="nl-NL" dirty="0" err="1"/>
+              <a:t>Self-learning</a:t>
+            </a:r>
+            <a:endParaRPr lang="en-GB" dirty="0"/>
+          </a:p>
+        </p:txBody>
+      </p:sp>
+    </p:spTree>
+    <p:extLst>
+      <p:ext uri="{BB962C8B-B14F-4D97-AF65-F5344CB8AC3E}">
+        <p14:creationId xmlns:p14="http://schemas.microsoft.com/office/powerpoint/2010/main" val="1616353867"/>
       </p:ext>
     </p:extLst>
   </p:cSld>

--- a/Presentation.pptx
+++ b/Presentation.pptx
@@ -5,17 +5,22 @@
     <p:sldMasterId id="2147483660" r:id="rId1"/>
   </p:sldMasterIdLst>
   <p:notesMasterIdLst>
-    <p:notesMasterId r:id="rId10"/>
+    <p:notesMasterId r:id="rId15"/>
   </p:notesMasterIdLst>
   <p:sldIdLst>
     <p:sldId id="256" r:id="rId2"/>
-    <p:sldId id="260" r:id="rId3"/>
-    <p:sldId id="257" r:id="rId4"/>
-    <p:sldId id="258" r:id="rId5"/>
-    <p:sldId id="259" r:id="rId6"/>
-    <p:sldId id="261" r:id="rId7"/>
-    <p:sldId id="263" r:id="rId8"/>
-    <p:sldId id="262" r:id="rId9"/>
+    <p:sldId id="265" r:id="rId3"/>
+    <p:sldId id="260" r:id="rId4"/>
+    <p:sldId id="257" r:id="rId5"/>
+    <p:sldId id="258" r:id="rId6"/>
+    <p:sldId id="259" r:id="rId7"/>
+    <p:sldId id="261" r:id="rId8"/>
+    <p:sldId id="263" r:id="rId9"/>
+    <p:sldId id="264" r:id="rId10"/>
+    <p:sldId id="267" r:id="rId11"/>
+    <p:sldId id="268" r:id="rId12"/>
+    <p:sldId id="262" r:id="rId13"/>
+    <p:sldId id="266" r:id="rId14"/>
   </p:sldIdLst>
   <p:sldSz cx="12192000" cy="6858000"/>
   <p:notesSz cx="6858000" cy="9144000"/>
@@ -125,7 +130,7 @@
 <file path=ppt/charts/chart1.xml><?xml version="1.0" encoding="utf-8"?>
 <c:chartSpace xmlns:c="http://schemas.openxmlformats.org/drawingml/2006/chart" xmlns:a="http://schemas.openxmlformats.org/drawingml/2006/main" xmlns:r="http://schemas.openxmlformats.org/officeDocument/2006/relationships" xmlns:c16r2="http://schemas.microsoft.com/office/drawing/2015/06/chart">
   <c:date1904 val="0"/>
-  <c:lang val="en-US"/>
+  <c:lang val="nl-NL"/>
   <c:roundedCorners val="0"/>
   <mc:AlternateContent xmlns:mc="http://schemas.openxmlformats.org/markup-compatibility/2006">
     <mc:Choice xmlns:c14="http://schemas.microsoft.com/office/drawing/2007/8/2/chart" Requires="c14">
@@ -196,7 +201,7 @@
               <a:cs typeface="+mn-cs"/>
             </a:defRPr>
           </a:pPr>
-          <a:endParaRPr lang="en-US"/>
+          <a:endParaRPr lang="nl-BE"/>
         </a:p>
       </c:txPr>
     </c:title>
@@ -669,7 +674,7 @@
                   <a:cs typeface="+mn-cs"/>
                 </a:defRPr>
               </a:pPr>
-              <a:endParaRPr lang="en-US"/>
+              <a:endParaRPr lang="nl-BE"/>
             </a:p>
           </c:txPr>
         </c:title>
@@ -707,7 +712,7 @@
                 <a:cs typeface="+mn-cs"/>
               </a:defRPr>
             </a:pPr>
-            <a:endParaRPr lang="en-US"/>
+            <a:endParaRPr lang="nl-BE"/>
           </a:p>
         </c:txPr>
         <c:crossAx val="811249647"/>
@@ -799,7 +804,7 @@
                   <a:cs typeface="+mn-cs"/>
                 </a:defRPr>
               </a:pPr>
-              <a:endParaRPr lang="en-US"/>
+              <a:endParaRPr lang="nl-BE"/>
             </a:p>
           </c:txPr>
         </c:title>
@@ -831,7 +836,7 @@
                 <a:cs typeface="+mn-cs"/>
               </a:defRPr>
             </a:pPr>
-            <a:endParaRPr lang="en-US"/>
+            <a:endParaRPr lang="nl-BE"/>
           </a:p>
         </c:txPr>
         <c:crossAx val="738174255"/>
@@ -875,7 +880,7 @@
               <a:cs typeface="+mn-cs"/>
             </a:defRPr>
           </a:pPr>
-          <a:endParaRPr lang="en-US"/>
+          <a:endParaRPr lang="nl-BE"/>
         </a:p>
       </c:txPr>
     </c:legend>
@@ -904,7 +909,7 @@
       <a:pPr>
         <a:defRPr/>
       </a:pPr>
-      <a:endParaRPr lang="en-US"/>
+      <a:endParaRPr lang="nl-BE"/>
     </a:p>
   </c:txPr>
   <c:externalData r:id="rId3">
@@ -1696,7 +1701,7 @@
           <a:p>
             <a:fld id="{0B83ECC0-8215-4318-A3C0-552CE5E99E84}" type="slidenum">
               <a:rPr lang="en-GB" smtClean="0"/>
-              <a:t>‹#›</a:t>
+              <a:t>‹nr.›</a:t>
             </a:fld>
             <a:endParaRPr lang="en-GB"/>
           </a:p>
@@ -1882,7 +1887,7 @@
           <a:p>
             <a:fld id="{0B83ECC0-8215-4318-A3C0-552CE5E99E84}" type="slidenum">
               <a:rPr lang="en-GB" smtClean="0"/>
-              <a:t>4</a:t>
+              <a:t>5</a:t>
             </a:fld>
             <a:endParaRPr lang="en-GB"/>
           </a:p>
@@ -1892,6 +1897,93 @@
     <p:extLst>
       <p:ext uri="{BB962C8B-B14F-4D97-AF65-F5344CB8AC3E}">
         <p14:creationId xmlns:p14="http://schemas.microsoft.com/office/powerpoint/2010/main" val="2241493547"/>
+      </p:ext>
+    </p:extLst>
+  </p:cSld>
+  <p:clrMapOvr>
+    <a:masterClrMapping/>
+  </p:clrMapOvr>
+</p:notes>
+</file>
+
+<file path=ppt/notesSlides/notesSlide2.xml><?xml version="1.0" encoding="utf-8"?>
+<p:notes xmlns:a="http://schemas.openxmlformats.org/drawingml/2006/main" xmlns:r="http://schemas.openxmlformats.org/officeDocument/2006/relationships" xmlns:p="http://schemas.openxmlformats.org/presentationml/2006/main">
+  <p:cSld>
+    <p:spTree>
+      <p:nvGrpSpPr>
+        <p:cNvPr id="1" name=""/>
+        <p:cNvGrpSpPr/>
+        <p:nvPr/>
+      </p:nvGrpSpPr>
+      <p:grpSpPr>
+        <a:xfrm>
+          <a:off x="0" y="0"/>
+          <a:ext cx="0" cy="0"/>
+          <a:chOff x="0" y="0"/>
+          <a:chExt cx="0" cy="0"/>
+        </a:xfrm>
+      </p:grpSpPr>
+      <p:sp>
+        <p:nvSpPr>
+          <p:cNvPr id="2" name="Tijdelijke aanduiding voor dia-afbeelding 1"/>
+          <p:cNvSpPr>
+            <a:spLocks noGrp="1" noRot="1" noChangeAspect="1"/>
+          </p:cNvSpPr>
+          <p:nvPr>
+            <p:ph type="sldImg"/>
+          </p:nvPr>
+        </p:nvSpPr>
+        <p:spPr/>
+      </p:sp>
+      <p:sp>
+        <p:nvSpPr>
+          <p:cNvPr id="3" name="Tijdelijke aanduiding voor notities 2"/>
+          <p:cNvSpPr>
+            <a:spLocks noGrp="1"/>
+          </p:cNvSpPr>
+          <p:nvPr>
+            <p:ph type="body" idx="1"/>
+          </p:nvPr>
+        </p:nvSpPr>
+        <p:spPr/>
+        <p:txBody>
+          <a:bodyPr/>
+          <a:lstStyle/>
+          <a:p>
+            <a:r>
+              <a:rPr lang="nl-BE" dirty="0"/>
+              <a:t>De strategieën uitleggen, en die gaan vergelijken met elkaar</a:t>
+            </a:r>
+          </a:p>
+        </p:txBody>
+      </p:sp>
+      <p:sp>
+        <p:nvSpPr>
+          <p:cNvPr id="4" name="Tijdelijke aanduiding voor dianummer 3"/>
+          <p:cNvSpPr>
+            <a:spLocks noGrp="1"/>
+          </p:cNvSpPr>
+          <p:nvPr>
+            <p:ph type="sldNum" sz="quarter" idx="5"/>
+          </p:nvPr>
+        </p:nvSpPr>
+        <p:spPr/>
+        <p:txBody>
+          <a:bodyPr/>
+          <a:lstStyle/>
+          <a:p>
+            <a:fld id="{0B83ECC0-8215-4318-A3C0-552CE5E99E84}" type="slidenum">
+              <a:rPr lang="en-GB" smtClean="0"/>
+              <a:t>7</a:t>
+            </a:fld>
+            <a:endParaRPr lang="en-GB"/>
+          </a:p>
+        </p:txBody>
+      </p:sp>
+    </p:spTree>
+    <p:extLst>
+      <p:ext uri="{BB962C8B-B14F-4D97-AF65-F5344CB8AC3E}">
+        <p14:creationId xmlns:p14="http://schemas.microsoft.com/office/powerpoint/2010/main" val="2696407095"/>
       </p:ext>
     </p:extLst>
   </p:cSld>
@@ -2391,7 +2483,7 @@
           <a:p>
             <a:fld id="{6ADAC059-B369-42F0-BE24-90278BB265F1}" type="slidenum">
               <a:rPr lang="en-GB" smtClean="0"/>
-              <a:t>‹#›</a:t>
+              <a:t>‹nr.›</a:t>
             </a:fld>
             <a:endParaRPr lang="en-GB"/>
           </a:p>
@@ -2509,7 +2601,7 @@
           <a:p>
             <a:fld id="{6ADAC059-B369-42F0-BE24-90278BB265F1}" type="slidenum">
               <a:rPr lang="en-GB" smtClean="0"/>
-              <a:t>‹#›</a:t>
+              <a:t>‹nr.›</a:t>
             </a:fld>
             <a:endParaRPr lang="en-GB"/>
           </a:p>
@@ -2899,7 +2991,7 @@
           <a:p>
             <a:fld id="{6ADAC059-B369-42F0-BE24-90278BB265F1}" type="slidenum">
               <a:rPr lang="en-GB" smtClean="0"/>
-              <a:t>‹#›</a:t>
+              <a:t>‹nr.›</a:t>
             </a:fld>
             <a:endParaRPr lang="en-GB"/>
           </a:p>
@@ -3330,7 +3422,7 @@
           <a:p>
             <a:fld id="{6ADAC059-B369-42F0-BE24-90278BB265F1}" type="slidenum">
               <a:rPr lang="en-GB" smtClean="0"/>
-              <a:t>‹#›</a:t>
+              <a:t>‹nr.›</a:t>
             </a:fld>
             <a:endParaRPr lang="en-GB"/>
           </a:p>
@@ -3477,7 +3569,7 @@
           <a:p>
             <a:fld id="{6ADAC059-B369-42F0-BE24-90278BB265F1}" type="slidenum">
               <a:rPr lang="en-GB" smtClean="0"/>
-              <a:t>‹#›</a:t>
+              <a:t>‹nr.›</a:t>
             </a:fld>
             <a:endParaRPr lang="en-GB"/>
           </a:p>
@@ -3748,7 +3840,7 @@
           <a:p>
             <a:fld id="{6ADAC059-B369-42F0-BE24-90278BB265F1}" type="slidenum">
               <a:rPr lang="en-GB" smtClean="0"/>
-              <a:t>‹#›</a:t>
+              <a:t>‹nr.›</a:t>
             </a:fld>
             <a:endParaRPr lang="en-GB"/>
           </a:p>
@@ -4066,7 +4158,7 @@
           <a:p>
             <a:fld id="{6ADAC059-B369-42F0-BE24-90278BB265F1}" type="slidenum">
               <a:rPr lang="en-GB" smtClean="0"/>
-              <a:t>‹#›</a:t>
+              <a:t>‹nr.›</a:t>
             </a:fld>
             <a:endParaRPr lang="en-GB"/>
           </a:p>
@@ -4210,7 +4302,7 @@
           <a:p>
             <a:fld id="{6ADAC059-B369-42F0-BE24-90278BB265F1}" type="slidenum">
               <a:rPr lang="en-GB" smtClean="0"/>
-              <a:t>‹#›</a:t>
+              <a:t>‹nr.›</a:t>
             </a:fld>
             <a:endParaRPr lang="en-GB"/>
           </a:p>
@@ -4691,7 +4783,7 @@
           <a:p>
             <a:fld id="{6ADAC059-B369-42F0-BE24-90278BB265F1}" type="slidenum">
               <a:rPr lang="en-GB" smtClean="0"/>
-              <a:t>‹#›</a:t>
+              <a:t>‹nr.›</a:t>
             </a:fld>
             <a:endParaRPr lang="en-GB"/>
           </a:p>
@@ -4809,7 +4901,7 @@
           <a:p>
             <a:fld id="{6ADAC059-B369-42F0-BE24-90278BB265F1}" type="slidenum">
               <a:rPr lang="en-GB" smtClean="0"/>
-              <a:t>‹#›</a:t>
+              <a:t>‹nr.›</a:t>
             </a:fld>
             <a:endParaRPr lang="en-GB"/>
           </a:p>
@@ -4927,7 +5019,7 @@
           <a:p>
             <a:fld id="{6ADAC059-B369-42F0-BE24-90278BB265F1}" type="slidenum">
               <a:rPr lang="en-GB" smtClean="0"/>
-              <a:t>‹#›</a:t>
+              <a:t>‹nr.›</a:t>
             </a:fld>
             <a:endParaRPr lang="en-GB"/>
           </a:p>
@@ -5106,7 +5198,7 @@
           <a:p>
             <a:fld id="{6ADAC059-B369-42F0-BE24-90278BB265F1}" type="slidenum">
               <a:rPr lang="en-GB" smtClean="0"/>
-              <a:t>‹#›</a:t>
+              <a:t>‹nr.›</a:t>
             </a:fld>
             <a:endParaRPr lang="en-GB"/>
           </a:p>
@@ -5426,7 +5518,7 @@
           <a:p>
             <a:fld id="{6ADAC059-B369-42F0-BE24-90278BB265F1}" type="slidenum">
               <a:rPr lang="en-GB" smtClean="0"/>
-              <a:t>‹#›</a:t>
+              <a:t>‹nr.›</a:t>
             </a:fld>
             <a:endParaRPr lang="en-GB"/>
           </a:p>
@@ -5899,10 +5991,10 @@
           <a:lstStyle/>
           <a:p>
             <a:r>
-              <a:rPr lang="nl-NL" dirty="0" err="1"/>
+              <a:rPr lang="nl-BE" noProof="0" dirty="0" err="1"/>
               <a:t>Pylos</a:t>
             </a:r>
-            <a:endParaRPr lang="en-GB" dirty="0"/>
+            <a:endParaRPr lang="nl-BE" noProof="0" dirty="0"/>
           </a:p>
         </p:txBody>
       </p:sp>
@@ -5935,16 +6027,23 @@
           <a:lstStyle/>
           <a:p>
             <a:r>
-              <a:rPr lang="nl-NL" dirty="0"/>
-              <a:t>- C. Lefevre -</a:t>
-            </a:r>
-          </a:p>
-          <a:p>
-            <a:r>
-              <a:rPr lang="nl-NL" dirty="0"/>
+              <a:rPr lang="nl-BE" noProof="0" dirty="0"/>
+              <a:t>- C. </a:t>
+            </a:r>
+            <a:r>
+              <a:rPr lang="nl-BE" noProof="0" dirty="0" err="1"/>
+              <a:t>Lefevre</a:t>
+            </a:r>
+            <a:r>
+              <a:rPr lang="nl-BE" noProof="0" dirty="0"/>
+              <a:t> -</a:t>
+            </a:r>
+          </a:p>
+          <a:p>
+            <a:r>
+              <a:rPr lang="nl-BE" noProof="0" dirty="0"/>
               <a:t>- R. Permentier -</a:t>
             </a:r>
-            <a:endParaRPr lang="en-GB" dirty="0"/>
           </a:p>
         </p:txBody>
       </p:sp>
@@ -5996,6 +6095,355 @@
 </p:sld>
 </file>
 
+<file path=ppt/slides/slide10.xml><?xml version="1.0" encoding="utf-8"?>
+<p:sld xmlns:a="http://schemas.openxmlformats.org/drawingml/2006/main" xmlns:r="http://schemas.openxmlformats.org/officeDocument/2006/relationships" xmlns:p="http://schemas.openxmlformats.org/presentationml/2006/main">
+  <p:cSld>
+    <p:spTree>
+      <p:nvGrpSpPr>
+        <p:cNvPr id="1" name=""/>
+        <p:cNvGrpSpPr/>
+        <p:nvPr/>
+      </p:nvGrpSpPr>
+      <p:grpSpPr>
+        <a:xfrm>
+          <a:off x="0" y="0"/>
+          <a:ext cx="0" cy="0"/>
+          <a:chOff x="0" y="0"/>
+          <a:chExt cx="0" cy="0"/>
+        </a:xfrm>
+      </p:grpSpPr>
+      <p:sp>
+        <p:nvSpPr>
+          <p:cNvPr id="2" name="Tijdelijke aanduiding voor inhoud 1">
+            <a:extLst>
+              <a:ext uri="{FF2B5EF4-FFF2-40B4-BE49-F238E27FC236}">
+                <a16:creationId xmlns:a16="http://schemas.microsoft.com/office/drawing/2014/main" id="{5A537257-FFBD-48D5-9C35-CA52D855778A}"/>
+              </a:ext>
+            </a:extLst>
+          </p:cNvPr>
+          <p:cNvSpPr>
+            <a:spLocks noGrp="1"/>
+          </p:cNvSpPr>
+          <p:nvPr>
+            <p:ph idx="1"/>
+          </p:nvPr>
+        </p:nvSpPr>
+        <p:spPr/>
+        <p:txBody>
+          <a:bodyPr/>
+          <a:lstStyle/>
+          <a:p>
+            <a:r>
+              <a:rPr lang="nl-BE" dirty="0"/>
+              <a:t>Welke volgorde veroorzaakt grootste winst %?</a:t>
+            </a:r>
+          </a:p>
+          <a:p>
+            <a:endParaRPr lang="nl-BE" dirty="0"/>
+          </a:p>
+          <a:p>
+            <a:r>
+              <a:rPr lang="nl-BE" dirty="0"/>
+              <a:t>RESULTATEN HIERONDER</a:t>
+            </a:r>
+          </a:p>
+        </p:txBody>
+      </p:sp>
+      <p:sp>
+        <p:nvSpPr>
+          <p:cNvPr id="3" name="Titel 2">
+            <a:extLst>
+              <a:ext uri="{FF2B5EF4-FFF2-40B4-BE49-F238E27FC236}">
+                <a16:creationId xmlns:a16="http://schemas.microsoft.com/office/drawing/2014/main" id="{E65BEBBA-833F-4874-B992-FFE6290803F8}"/>
+              </a:ext>
+            </a:extLst>
+          </p:cNvPr>
+          <p:cNvSpPr>
+            <a:spLocks noGrp="1"/>
+          </p:cNvSpPr>
+          <p:nvPr>
+            <p:ph type="title"/>
+          </p:nvPr>
+        </p:nvSpPr>
+        <p:spPr/>
+        <p:txBody>
+          <a:bodyPr/>
+          <a:lstStyle/>
+          <a:p>
+            <a:r>
+              <a:rPr lang="nl-BE" dirty="0"/>
+              <a:t>Onderzoek – Volgorde strategieën</a:t>
+            </a:r>
+          </a:p>
+        </p:txBody>
+      </p:sp>
+    </p:spTree>
+    <p:extLst>
+      <p:ext uri="{BB962C8B-B14F-4D97-AF65-F5344CB8AC3E}">
+        <p14:creationId xmlns:p14="http://schemas.microsoft.com/office/powerpoint/2010/main" val="4167623910"/>
+      </p:ext>
+    </p:extLst>
+  </p:cSld>
+  <p:clrMapOvr>
+    <a:masterClrMapping/>
+  </p:clrMapOvr>
+</p:sld>
+</file>
+
+<file path=ppt/slides/slide11.xml><?xml version="1.0" encoding="utf-8"?>
+<p:sld xmlns:a="http://schemas.openxmlformats.org/drawingml/2006/main" xmlns:r="http://schemas.openxmlformats.org/officeDocument/2006/relationships" xmlns:p="http://schemas.openxmlformats.org/presentationml/2006/main">
+  <p:cSld>
+    <p:spTree>
+      <p:nvGrpSpPr>
+        <p:cNvPr id="1" name=""/>
+        <p:cNvGrpSpPr/>
+        <p:nvPr/>
+      </p:nvGrpSpPr>
+      <p:grpSpPr>
+        <a:xfrm>
+          <a:off x="0" y="0"/>
+          <a:ext cx="0" cy="0"/>
+          <a:chOff x="0" y="0"/>
+          <a:chExt cx="0" cy="0"/>
+        </a:xfrm>
+      </p:grpSpPr>
+      <p:sp>
+        <p:nvSpPr>
+          <p:cNvPr id="2" name="Tijdelijke aanduiding voor inhoud 1">
+            <a:extLst>
+              <a:ext uri="{FF2B5EF4-FFF2-40B4-BE49-F238E27FC236}">
+                <a16:creationId xmlns:a16="http://schemas.microsoft.com/office/drawing/2014/main" id="{5A537257-FFBD-48D5-9C35-CA52D855778A}"/>
+              </a:ext>
+            </a:extLst>
+          </p:cNvPr>
+          <p:cNvSpPr>
+            <a:spLocks noGrp="1"/>
+          </p:cNvSpPr>
+          <p:nvPr>
+            <p:ph idx="1"/>
+          </p:nvPr>
+        </p:nvSpPr>
+        <p:spPr/>
+        <p:txBody>
+          <a:bodyPr/>
+          <a:lstStyle/>
+          <a:p>
+            <a:r>
+              <a:rPr lang="nl-BE" dirty="0"/>
+              <a:t>Onderzoek naar de effectiviteit</a:t>
+            </a:r>
+          </a:p>
+          <a:p>
+            <a:endParaRPr lang="nl-BE" dirty="0"/>
+          </a:p>
+          <a:p>
+            <a:r>
+              <a:rPr lang="nl-BE"/>
+              <a:t>RESULTATEN HIERONDER</a:t>
+            </a:r>
+            <a:endParaRPr lang="nl-BE" dirty="0"/>
+          </a:p>
+          <a:p>
+            <a:endParaRPr lang="nl-BE" dirty="0"/>
+          </a:p>
+        </p:txBody>
+      </p:sp>
+      <p:sp>
+        <p:nvSpPr>
+          <p:cNvPr id="3" name="Titel 2">
+            <a:extLst>
+              <a:ext uri="{FF2B5EF4-FFF2-40B4-BE49-F238E27FC236}">
+                <a16:creationId xmlns:a16="http://schemas.microsoft.com/office/drawing/2014/main" id="{E65BEBBA-833F-4874-B992-FFE6290803F8}"/>
+              </a:ext>
+            </a:extLst>
+          </p:cNvPr>
+          <p:cNvSpPr>
+            <a:spLocks noGrp="1"/>
+          </p:cNvSpPr>
+          <p:nvPr>
+            <p:ph type="title"/>
+          </p:nvPr>
+        </p:nvSpPr>
+        <p:spPr/>
+        <p:txBody>
+          <a:bodyPr/>
+          <a:lstStyle/>
+          <a:p>
+            <a:r>
+              <a:rPr lang="nl-BE" dirty="0"/>
+              <a:t>Onderzoek – Strategieën</a:t>
+            </a:r>
+          </a:p>
+        </p:txBody>
+      </p:sp>
+    </p:spTree>
+    <p:extLst>
+      <p:ext uri="{BB962C8B-B14F-4D97-AF65-F5344CB8AC3E}">
+        <p14:creationId xmlns:p14="http://schemas.microsoft.com/office/powerpoint/2010/main" val="3825861491"/>
+      </p:ext>
+    </p:extLst>
+  </p:cSld>
+  <p:clrMapOvr>
+    <a:masterClrMapping/>
+  </p:clrMapOvr>
+</p:sld>
+</file>
+
+<file path=ppt/slides/slide12.xml><?xml version="1.0" encoding="utf-8"?>
+<p:sld xmlns:a="http://schemas.openxmlformats.org/drawingml/2006/main" xmlns:r="http://schemas.openxmlformats.org/officeDocument/2006/relationships" xmlns:p="http://schemas.openxmlformats.org/presentationml/2006/main">
+  <p:cSld>
+    <p:spTree>
+      <p:nvGrpSpPr>
+        <p:cNvPr id="1" name=""/>
+        <p:cNvGrpSpPr/>
+        <p:nvPr/>
+      </p:nvGrpSpPr>
+      <p:grpSpPr>
+        <a:xfrm>
+          <a:off x="0" y="0"/>
+          <a:ext cx="0" cy="0"/>
+          <a:chOff x="0" y="0"/>
+          <a:chExt cx="0" cy="0"/>
+        </a:xfrm>
+      </p:grpSpPr>
+      <p:sp>
+        <p:nvSpPr>
+          <p:cNvPr id="2" name="Title 1">
+            <a:extLst>
+              <a:ext uri="{FF2B5EF4-FFF2-40B4-BE49-F238E27FC236}">
+                <a16:creationId xmlns:a16="http://schemas.microsoft.com/office/drawing/2014/main" id="{F5FDA3BD-9B20-496F-BBC4-09DAD8BBC0A4}"/>
+              </a:ext>
+            </a:extLst>
+          </p:cNvPr>
+          <p:cNvSpPr>
+            <a:spLocks noGrp="1"/>
+          </p:cNvSpPr>
+          <p:nvPr>
+            <p:ph type="title"/>
+          </p:nvPr>
+        </p:nvSpPr>
+        <p:spPr/>
+        <p:txBody>
+          <a:bodyPr/>
+          <a:lstStyle/>
+          <a:p>
+            <a:r>
+              <a:rPr lang="nl-BE" noProof="0" dirty="0" err="1"/>
+              <a:t>Self-learning</a:t>
+            </a:r>
+            <a:endParaRPr lang="nl-BE" noProof="0" dirty="0"/>
+          </a:p>
+        </p:txBody>
+      </p:sp>
+    </p:spTree>
+    <p:extLst>
+      <p:ext uri="{BB962C8B-B14F-4D97-AF65-F5344CB8AC3E}">
+        <p14:creationId xmlns:p14="http://schemas.microsoft.com/office/powerpoint/2010/main" val="1616353867"/>
+      </p:ext>
+    </p:extLst>
+  </p:cSld>
+  <p:clrMapOvr>
+    <a:masterClrMapping/>
+  </p:clrMapOvr>
+</p:sld>
+</file>
+
+<file path=ppt/slides/slide13.xml><?xml version="1.0" encoding="utf-8"?>
+<p:sld xmlns:a="http://schemas.openxmlformats.org/drawingml/2006/main" xmlns:r="http://schemas.openxmlformats.org/officeDocument/2006/relationships" xmlns:p="http://schemas.openxmlformats.org/presentationml/2006/main">
+  <p:cSld>
+    <p:spTree>
+      <p:nvGrpSpPr>
+        <p:cNvPr id="1" name=""/>
+        <p:cNvGrpSpPr/>
+        <p:nvPr/>
+      </p:nvGrpSpPr>
+      <p:grpSpPr>
+        <a:xfrm>
+          <a:off x="0" y="0"/>
+          <a:ext cx="0" cy="0"/>
+          <a:chOff x="0" y="0"/>
+          <a:chExt cx="0" cy="0"/>
+        </a:xfrm>
+      </p:grpSpPr>
+      <p:sp>
+        <p:nvSpPr>
+          <p:cNvPr id="2" name="Tijdelijke aanduiding voor inhoud 1">
+            <a:extLst>
+              <a:ext uri="{FF2B5EF4-FFF2-40B4-BE49-F238E27FC236}">
+                <a16:creationId xmlns:a16="http://schemas.microsoft.com/office/drawing/2014/main" id="{5D964522-561C-4B34-986E-35C529C6BE8C}"/>
+              </a:ext>
+            </a:extLst>
+          </p:cNvPr>
+          <p:cNvSpPr>
+            <a:spLocks noGrp="1"/>
+          </p:cNvSpPr>
+          <p:nvPr>
+            <p:ph idx="1"/>
+          </p:nvPr>
+        </p:nvSpPr>
+        <p:spPr/>
+        <p:txBody>
+          <a:bodyPr/>
+          <a:lstStyle/>
+          <a:p>
+            <a:r>
+              <a:rPr lang="nl-BE" dirty="0"/>
+              <a:t>Mini max algoritme:</a:t>
+            </a:r>
+          </a:p>
+          <a:p>
+            <a:pPr lvl="1"/>
+            <a:r>
+              <a:rPr lang="nl-BE" dirty="0"/>
+              <a:t>Per zet, alle mogelijkheden simuleren, kostfunctie bepaald</a:t>
+            </a:r>
+          </a:p>
+          <a:p>
+            <a:endParaRPr lang="nl-BE" dirty="0"/>
+          </a:p>
+        </p:txBody>
+      </p:sp>
+      <p:sp>
+        <p:nvSpPr>
+          <p:cNvPr id="3" name="Titel 2">
+            <a:extLst>
+              <a:ext uri="{FF2B5EF4-FFF2-40B4-BE49-F238E27FC236}">
+                <a16:creationId xmlns:a16="http://schemas.microsoft.com/office/drawing/2014/main" id="{8E5C8F18-94B8-459A-9BAF-8D06F741BE9E}"/>
+              </a:ext>
+            </a:extLst>
+          </p:cNvPr>
+          <p:cNvSpPr>
+            <a:spLocks noGrp="1"/>
+          </p:cNvSpPr>
+          <p:nvPr>
+            <p:ph type="title"/>
+          </p:nvPr>
+        </p:nvSpPr>
+        <p:spPr/>
+        <p:txBody>
+          <a:bodyPr/>
+          <a:lstStyle/>
+          <a:p>
+            <a:r>
+              <a:rPr lang="nl-BE" dirty="0"/>
+              <a:t>Suggesties</a:t>
+            </a:r>
+          </a:p>
+        </p:txBody>
+      </p:sp>
+    </p:spTree>
+    <p:extLst>
+      <p:ext uri="{BB962C8B-B14F-4D97-AF65-F5344CB8AC3E}">
+        <p14:creationId xmlns:p14="http://schemas.microsoft.com/office/powerpoint/2010/main" val="2837306618"/>
+      </p:ext>
+    </p:extLst>
+  </p:cSld>
+  <p:clrMapOvr>
+    <a:masterClrMapping/>
+  </p:clrMapOvr>
+</p:sld>
+</file>
+
 <file path=ppt/slides/slide2.xml><?xml version="1.0" encoding="utf-8"?>
 <p:sld xmlns:a="http://schemas.openxmlformats.org/drawingml/2006/main" xmlns:r="http://schemas.openxmlformats.org/officeDocument/2006/relationships" xmlns:p="http://schemas.openxmlformats.org/presentationml/2006/main">
   <p:cSld>
@@ -6015,10 +6463,10 @@
       </p:grpSpPr>
       <p:sp>
         <p:nvSpPr>
-          <p:cNvPr id="5" name="Title 4">
+          <p:cNvPr id="2" name="Tijdelijke aanduiding voor inhoud 1">
             <a:extLst>
               <a:ext uri="{FF2B5EF4-FFF2-40B4-BE49-F238E27FC236}">
-                <a16:creationId xmlns:a16="http://schemas.microsoft.com/office/drawing/2014/main" id="{F1CF4F74-D405-4592-8324-AAA056781CDC}"/>
+                <a16:creationId xmlns:a16="http://schemas.microsoft.com/office/drawing/2014/main" id="{31B5F281-3E8B-45F0-B90D-79C978DD6FD7}"/>
               </a:ext>
             </a:extLst>
           </p:cNvPr>
@@ -6026,6 +6474,54 @@
             <a:spLocks noGrp="1"/>
           </p:cNvSpPr>
           <p:nvPr>
+            <p:ph idx="1"/>
+          </p:nvPr>
+        </p:nvSpPr>
+        <p:spPr/>
+        <p:txBody>
+          <a:bodyPr/>
+          <a:lstStyle/>
+          <a:p>
+            <a:r>
+              <a:rPr lang="nl-BE" dirty="0"/>
+              <a:t>Best fit</a:t>
+            </a:r>
+          </a:p>
+          <a:p>
+            <a:pPr lvl="1"/>
+            <a:r>
+              <a:rPr lang="nl-BE" dirty="0"/>
+              <a:t>Strategieën</a:t>
+            </a:r>
+          </a:p>
+          <a:p>
+            <a:pPr lvl="1"/>
+            <a:r>
+              <a:rPr lang="nl-BE" dirty="0"/>
+              <a:t>Onderzoek</a:t>
+            </a:r>
+          </a:p>
+          <a:p>
+            <a:r>
+              <a:rPr lang="nl-BE" dirty="0"/>
+              <a:t>Zelf lerend systeem</a:t>
+            </a:r>
+          </a:p>
+        </p:txBody>
+      </p:sp>
+      <p:sp>
+        <p:nvSpPr>
+          <p:cNvPr id="3" name="Titel 2">
+            <a:extLst>
+              <a:ext uri="{FF2B5EF4-FFF2-40B4-BE49-F238E27FC236}">
+                <a16:creationId xmlns:a16="http://schemas.microsoft.com/office/drawing/2014/main" id="{8A3246E9-DF47-4CB4-891A-2E7158CAF4FB}"/>
+              </a:ext>
+            </a:extLst>
+          </p:cNvPr>
+          <p:cNvSpPr>
+            <a:spLocks noGrp="1"/>
+          </p:cNvSpPr>
+          <p:nvPr>
             <p:ph type="title"/>
           </p:nvPr>
         </p:nvSpPr>
@@ -6035,17 +6531,16 @@
           <a:lstStyle/>
           <a:p>
             <a:r>
-              <a:rPr lang="nl-NL" dirty="0"/>
-              <a:t>Random Fit</a:t>
-            </a:r>
-            <a:endParaRPr lang="en-GB" dirty="0"/>
+              <a:rPr lang="nl-BE" dirty="0"/>
+              <a:t>Inhoud</a:t>
+            </a:r>
           </a:p>
         </p:txBody>
       </p:sp>
     </p:spTree>
     <p:extLst>
       <p:ext uri="{BB962C8B-B14F-4D97-AF65-F5344CB8AC3E}">
-        <p14:creationId xmlns:p14="http://schemas.microsoft.com/office/powerpoint/2010/main" val="2335521210"/>
+        <p14:creationId xmlns:p14="http://schemas.microsoft.com/office/powerpoint/2010/main" val="3625649342"/>
       </p:ext>
     </p:extLst>
   </p:cSld>
@@ -6056,7 +6551,7 @@
 </file>
 
 <file path=ppt/slides/slide3.xml><?xml version="1.0" encoding="utf-8"?>
-<p:sld xmlns:a="http://schemas.openxmlformats.org/drawingml/2006/main" xmlns:r="http://schemas.openxmlformats.org/officeDocument/2006/relationships" xmlns:p="http://schemas.openxmlformats.org/presentationml/2006/main">
+<p:sld xmlns:a="http://schemas.openxmlformats.org/drawingml/2006/main" xmlns:r="http://schemas.openxmlformats.org/officeDocument/2006/relationships" xmlns:p="http://schemas.openxmlformats.org/presentationml/2006/main" show="0">
   <p:cSld>
     <p:spTree>
       <p:nvGrpSpPr>
@@ -6074,6 +6569,64 @@
       </p:grpSpPr>
       <p:sp>
         <p:nvSpPr>
+          <p:cNvPr id="5" name="Title 4">
+            <a:extLst>
+              <a:ext uri="{FF2B5EF4-FFF2-40B4-BE49-F238E27FC236}">
+                <a16:creationId xmlns:a16="http://schemas.microsoft.com/office/drawing/2014/main" id="{F1CF4F74-D405-4592-8324-AAA056781CDC}"/>
+              </a:ext>
+            </a:extLst>
+          </p:cNvPr>
+          <p:cNvSpPr>
+            <a:spLocks noGrp="1"/>
+          </p:cNvSpPr>
+          <p:nvPr>
+            <p:ph type="title"/>
+          </p:nvPr>
+        </p:nvSpPr>
+        <p:spPr/>
+        <p:txBody>
+          <a:bodyPr/>
+          <a:lstStyle/>
+          <a:p>
+            <a:r>
+              <a:rPr lang="nl-BE" noProof="0" dirty="0"/>
+              <a:t>Random Fit</a:t>
+            </a:r>
+          </a:p>
+        </p:txBody>
+      </p:sp>
+    </p:spTree>
+    <p:extLst>
+      <p:ext uri="{BB962C8B-B14F-4D97-AF65-F5344CB8AC3E}">
+        <p14:creationId xmlns:p14="http://schemas.microsoft.com/office/powerpoint/2010/main" val="2335521210"/>
+      </p:ext>
+    </p:extLst>
+  </p:cSld>
+  <p:clrMapOvr>
+    <a:masterClrMapping/>
+  </p:clrMapOvr>
+</p:sld>
+</file>
+
+<file path=ppt/slides/slide4.xml><?xml version="1.0" encoding="utf-8"?>
+<p:sld xmlns:a="http://schemas.openxmlformats.org/drawingml/2006/main" xmlns:r="http://schemas.openxmlformats.org/officeDocument/2006/relationships" xmlns:p="http://schemas.openxmlformats.org/presentationml/2006/main" show="0">
+  <p:cSld>
+    <p:spTree>
+      <p:nvGrpSpPr>
+        <p:cNvPr id="1" name=""/>
+        <p:cNvGrpSpPr/>
+        <p:nvPr/>
+      </p:nvGrpSpPr>
+      <p:grpSpPr>
+        <a:xfrm>
+          <a:off x="0" y="0"/>
+          <a:ext cx="0" cy="0"/>
+          <a:chOff x="0" y="0"/>
+          <a:chExt cx="0" cy="0"/>
+        </a:xfrm>
+      </p:grpSpPr>
+      <p:sp>
+        <p:nvSpPr>
           <p:cNvPr id="2" name="Content Placeholder 1">
             <a:extLst>
               <a:ext uri="{FF2B5EF4-FFF2-40B4-BE49-F238E27FC236}">
@@ -6094,134 +6647,70 @@
           <a:lstStyle/>
           <a:p>
             <a:r>
-              <a:rPr lang="nl-NL" dirty="0" err="1"/>
+              <a:rPr lang="nl-BE" noProof="0" dirty="0" err="1"/>
               <a:t>removeOrPass</a:t>
             </a:r>
             <a:r>
-              <a:rPr lang="nl-NL" dirty="0"/>
+              <a:rPr lang="nl-BE" noProof="0" dirty="0"/>
               <a:t>: 50/50 kans</a:t>
             </a:r>
           </a:p>
           <a:p>
             <a:pPr lvl="1"/>
             <a:r>
-              <a:rPr lang="nl-NL" dirty="0"/>
+              <a:rPr lang="nl-BE" noProof="0" dirty="0"/>
               <a:t>Ongelijke kansen (semi random): TODO</a:t>
             </a:r>
           </a:p>
           <a:p>
             <a:r>
-              <a:rPr lang="nl-NL" dirty="0" err="1"/>
+              <a:rPr lang="nl-BE" noProof="0" dirty="0" err="1"/>
               <a:t>Remove</a:t>
             </a:r>
             <a:r>
-              <a:rPr lang="nl-NL" dirty="0"/>
+              <a:rPr lang="nl-BE" noProof="0" dirty="0"/>
               <a:t>: past als het niet kan </a:t>
             </a:r>
             <a:r>
-              <a:rPr lang="nl-NL" dirty="0" err="1"/>
+              <a:rPr lang="nl-BE" noProof="0" dirty="0" err="1"/>
               <a:t>removen</a:t>
             </a:r>
-            <a:endParaRPr lang="nl-NL" dirty="0"/>
-          </a:p>
-          <a:p>
-            <a:r>
-              <a:rPr lang="nl-BE" dirty="0"/>
+            <a:endParaRPr lang="nl-BE" noProof="0" dirty="0"/>
+          </a:p>
+          <a:p>
+            <a:r>
+              <a:rPr lang="nl-BE" noProof="0" dirty="0"/>
               <a:t>random: speler die start heeft nadeel</a:t>
             </a:r>
           </a:p>
           <a:p>
             <a:r>
-              <a:rPr lang="en-GB" dirty="0"/>
-              <a:t>steeds </a:t>
-            </a:r>
-            <a:r>
-              <a:rPr lang="en-GB" dirty="0" err="1"/>
-              <a:t>dezelfde</a:t>
-            </a:r>
-            <a:r>
-              <a:rPr lang="en-GB" dirty="0"/>
-              <a:t> </a:t>
-            </a:r>
-            <a:r>
-              <a:rPr lang="en-GB" dirty="0" err="1"/>
-              <a:t>resultaten</a:t>
-            </a:r>
-            <a:r>
-              <a:rPr lang="en-GB" dirty="0"/>
-              <a:t> (</a:t>
-            </a:r>
-            <a:r>
-              <a:rPr lang="en-GB" dirty="0" err="1"/>
-              <a:t>indien</a:t>
-            </a:r>
-            <a:r>
-              <a:rPr lang="en-GB" dirty="0"/>
-              <a:t> </a:t>
-            </a:r>
-            <a:r>
-              <a:rPr lang="en-GB" dirty="0" err="1"/>
-              <a:t>zeer</a:t>
-            </a:r>
-            <a:r>
-              <a:rPr lang="en-GB" dirty="0"/>
-              <a:t> </a:t>
-            </a:r>
-            <a:r>
-              <a:rPr lang="en-GB" dirty="0" err="1"/>
-              <a:t>groot</a:t>
-            </a:r>
-            <a:r>
-              <a:rPr lang="en-GB" dirty="0"/>
-              <a:t> </a:t>
-            </a:r>
-            <a:r>
-              <a:rPr lang="en-GB" dirty="0" err="1"/>
-              <a:t>aantal</a:t>
-            </a:r>
-            <a:r>
-              <a:rPr lang="en-GB" dirty="0"/>
-              <a:t> games) ookal </a:t>
-            </a:r>
-            <a:r>
-              <a:rPr lang="en-GB" dirty="0" err="1"/>
-              <a:t>geen</a:t>
-            </a:r>
-            <a:r>
-              <a:rPr lang="en-GB" dirty="0"/>
-              <a:t> seed</a:t>
-            </a:r>
-          </a:p>
-          <a:p>
-            <a:r>
-              <a:rPr lang="en-GB" dirty="0" err="1"/>
+              <a:rPr lang="nl-BE" noProof="0" dirty="0"/>
+              <a:t>steeds dezelfde resultaten (indien zeer groot aantal games) </a:t>
+            </a:r>
+            <a:r>
+              <a:rPr lang="nl-BE" noProof="0" dirty="0" err="1"/>
+              <a:t>ookal</a:t>
+            </a:r>
+            <a:r>
+              <a:rPr lang="nl-BE" noProof="0" dirty="0"/>
+              <a:t> geen </a:t>
+            </a:r>
+            <a:r>
+              <a:rPr lang="nl-BE" noProof="0" dirty="0" err="1"/>
+              <a:t>seed</a:t>
+            </a:r>
+            <a:endParaRPr lang="nl-BE" noProof="0" dirty="0"/>
+          </a:p>
+          <a:p>
+            <a:r>
+              <a:rPr lang="nl-BE" noProof="0" dirty="0" err="1"/>
               <a:t>PylosPlayerRandomFit</a:t>
             </a:r>
             <a:r>
-              <a:rPr lang="en-GB" dirty="0"/>
-              <a:t>: bound-1, </a:t>
-            </a:r>
-            <a:r>
-              <a:rPr lang="en-GB" dirty="0" err="1"/>
-              <a:t>buitenste</a:t>
-            </a:r>
-            <a:r>
-              <a:rPr lang="en-GB" dirty="0"/>
-              <a:t> </a:t>
-            </a:r>
-            <a:r>
-              <a:rPr lang="en-GB" dirty="0" err="1"/>
-              <a:t>waarde</a:t>
-            </a:r>
-            <a:r>
-              <a:rPr lang="en-GB" dirty="0"/>
-              <a:t> nooit </a:t>
-            </a:r>
-            <a:r>
-              <a:rPr lang="en-GB" dirty="0" err="1"/>
-              <a:t>meegenomen</a:t>
-            </a:r>
-            <a:endParaRPr lang="en-GB" dirty="0"/>
+              <a:rPr lang="nl-BE" noProof="0" dirty="0"/>
+              <a:t>: bound-1, buitenste waarde nooit meegenomen</a:t>
+            </a:r>
           </a:p>
         </p:txBody>
       </p:sp>
@@ -6252,10 +6741,9 @@
           <a:lstStyle/>
           <a:p>
             <a:r>
-              <a:rPr lang="nl-NL" dirty="0"/>
+              <a:rPr lang="nl-BE" noProof="0" dirty="0"/>
               <a:t>Random fit</a:t>
             </a:r>
-            <a:endParaRPr lang="en-GB" dirty="0"/>
           </a:p>
         </p:txBody>
       </p:sp>
@@ -6272,8 +6760,8 @@
 </p:sld>
 </file>
 
-<file path=ppt/slides/slide4.xml><?xml version="1.0" encoding="utf-8"?>
-<p:sld xmlns:a="http://schemas.openxmlformats.org/drawingml/2006/main" xmlns:r="http://schemas.openxmlformats.org/officeDocument/2006/relationships" xmlns:p="http://schemas.openxmlformats.org/presentationml/2006/main">
+<file path=ppt/slides/slide5.xml><?xml version="1.0" encoding="utf-8"?>
+<p:sld xmlns:a="http://schemas.openxmlformats.org/drawingml/2006/main" xmlns:r="http://schemas.openxmlformats.org/officeDocument/2006/relationships" xmlns:p="http://schemas.openxmlformats.org/presentationml/2006/main" show="0">
   <p:cSld>
     <p:spTree>
       <p:nvGrpSpPr>
@@ -6588,8 +7076,8 @@
 </p:sld>
 </file>
 
-<file path=ppt/slides/slide5.xml><?xml version="1.0" encoding="utf-8"?>
-<p:sld xmlns:a="http://schemas.openxmlformats.org/drawingml/2006/main" xmlns:r="http://schemas.openxmlformats.org/officeDocument/2006/relationships" xmlns:p="http://schemas.openxmlformats.org/presentationml/2006/main">
+<file path=ppt/slides/slide6.xml><?xml version="1.0" encoding="utf-8"?>
+<p:sld xmlns:a="http://schemas.openxmlformats.org/drawingml/2006/main" xmlns:r="http://schemas.openxmlformats.org/officeDocument/2006/relationships" xmlns:p="http://schemas.openxmlformats.org/presentationml/2006/main" show="0">
   <p:cSld>
     <p:spTree>
       <p:nvGrpSpPr>
@@ -7128,65 +7616,6 @@
 </p:sld>
 </file>
 
-<file path=ppt/slides/slide6.xml><?xml version="1.0" encoding="utf-8"?>
-<p:sld xmlns:a="http://schemas.openxmlformats.org/drawingml/2006/main" xmlns:r="http://schemas.openxmlformats.org/officeDocument/2006/relationships" xmlns:p="http://schemas.openxmlformats.org/presentationml/2006/main">
-  <p:cSld>
-    <p:spTree>
-      <p:nvGrpSpPr>
-        <p:cNvPr id="1" name=""/>
-        <p:cNvGrpSpPr/>
-        <p:nvPr/>
-      </p:nvGrpSpPr>
-      <p:grpSpPr>
-        <a:xfrm>
-          <a:off x="0" y="0"/>
-          <a:ext cx="0" cy="0"/>
-          <a:chOff x="0" y="0"/>
-          <a:chExt cx="0" cy="0"/>
-        </a:xfrm>
-      </p:grpSpPr>
-      <p:sp>
-        <p:nvSpPr>
-          <p:cNvPr id="2" name="Title 1">
-            <a:extLst>
-              <a:ext uri="{FF2B5EF4-FFF2-40B4-BE49-F238E27FC236}">
-                <a16:creationId xmlns:a16="http://schemas.microsoft.com/office/drawing/2014/main" id="{DBF098EE-F501-4148-BA06-B7B67C3F29FB}"/>
-              </a:ext>
-            </a:extLst>
-          </p:cNvPr>
-          <p:cNvSpPr>
-            <a:spLocks noGrp="1"/>
-          </p:cNvSpPr>
-          <p:nvPr>
-            <p:ph type="title"/>
-          </p:nvPr>
-        </p:nvSpPr>
-        <p:spPr/>
-        <p:txBody>
-          <a:bodyPr/>
-          <a:lstStyle/>
-          <a:p>
-            <a:r>
-              <a:rPr lang="nl-NL" dirty="0"/>
-              <a:t>Best Fit</a:t>
-            </a:r>
-            <a:endParaRPr lang="en-GB" dirty="0"/>
-          </a:p>
-        </p:txBody>
-      </p:sp>
-    </p:spTree>
-    <p:extLst>
-      <p:ext uri="{BB962C8B-B14F-4D97-AF65-F5344CB8AC3E}">
-        <p14:creationId xmlns:p14="http://schemas.microsoft.com/office/powerpoint/2010/main" val="2772562052"/>
-      </p:ext>
-    </p:extLst>
-  </p:cSld>
-  <p:clrMapOvr>
-    <a:masterClrMapping/>
-  </p:clrMapOvr>
-</p:sld>
-</file>
-
 <file path=ppt/slides/slide7.xml><?xml version="1.0" encoding="utf-8"?>
 <p:sld xmlns:a="http://schemas.openxmlformats.org/drawingml/2006/main" xmlns:r="http://schemas.openxmlformats.org/officeDocument/2006/relationships" xmlns:p="http://schemas.openxmlformats.org/presentationml/2006/main">
   <p:cSld>
@@ -7206,10 +7635,10 @@
       </p:grpSpPr>
       <p:sp>
         <p:nvSpPr>
-          <p:cNvPr id="4" name="Content Placeholder 3">
+          <p:cNvPr id="2" name="Title 1">
             <a:extLst>
               <a:ext uri="{FF2B5EF4-FFF2-40B4-BE49-F238E27FC236}">
-                <a16:creationId xmlns:a16="http://schemas.microsoft.com/office/drawing/2014/main" id="{F8544B24-0834-44E0-8580-5EE763E3DE98}"/>
+                <a16:creationId xmlns:a16="http://schemas.microsoft.com/office/drawing/2014/main" id="{DBF098EE-F501-4148-BA06-B7B67C3F29FB}"/>
               </a:ext>
             </a:extLst>
           </p:cNvPr>
@@ -7217,7 +7646,7 @@
             <a:spLocks noGrp="1"/>
           </p:cNvSpPr>
           <p:nvPr>
-            <p:ph idx="1"/>
+            <p:ph type="title"/>
           </p:nvPr>
         </p:nvSpPr>
         <p:spPr/>
@@ -7225,39 +7654,17 @@
           <a:bodyPr/>
           <a:lstStyle/>
           <a:p>
-            <a:endParaRPr lang="en-GB"/>
-          </a:p>
-        </p:txBody>
-      </p:sp>
-      <p:sp>
-        <p:nvSpPr>
-          <p:cNvPr id="3" name="Title 2">
-            <a:extLst>
-              <a:ext uri="{FF2B5EF4-FFF2-40B4-BE49-F238E27FC236}">
-                <a16:creationId xmlns:a16="http://schemas.microsoft.com/office/drawing/2014/main" id="{53E69D4D-8085-4A93-8904-FE08F62AD2DA}"/>
-              </a:ext>
-            </a:extLst>
-          </p:cNvPr>
-          <p:cNvSpPr>
-            <a:spLocks noGrp="1"/>
-          </p:cNvSpPr>
-          <p:nvPr>
-            <p:ph type="title"/>
-          </p:nvPr>
-        </p:nvSpPr>
-        <p:spPr/>
-        <p:txBody>
-          <a:bodyPr/>
-          <a:lstStyle/>
-          <a:p>
-            <a:endParaRPr lang="en-GB"/>
+            <a:r>
+              <a:rPr lang="nl-BE" noProof="0" dirty="0"/>
+              <a:t>Best Fit</a:t>
+            </a:r>
           </a:p>
         </p:txBody>
       </p:sp>
     </p:spTree>
     <p:extLst>
       <p:ext uri="{BB962C8B-B14F-4D97-AF65-F5344CB8AC3E}">
-        <p14:creationId xmlns:p14="http://schemas.microsoft.com/office/powerpoint/2010/main" val="2063916021"/>
+        <p14:creationId xmlns:p14="http://schemas.microsoft.com/office/powerpoint/2010/main" val="2772562052"/>
       </p:ext>
     </p:extLst>
   </p:cSld>
@@ -7286,10 +7693,10 @@
       </p:grpSpPr>
       <p:sp>
         <p:nvSpPr>
-          <p:cNvPr id="2" name="Title 1">
+          <p:cNvPr id="4" name="Content Placeholder 3">
             <a:extLst>
               <a:ext uri="{FF2B5EF4-FFF2-40B4-BE49-F238E27FC236}">
-                <a16:creationId xmlns:a16="http://schemas.microsoft.com/office/drawing/2014/main" id="{F5FDA3BD-9B20-496F-BBC4-09DAD8BBC0A4}"/>
+                <a16:creationId xmlns:a16="http://schemas.microsoft.com/office/drawing/2014/main" id="{F8544B24-0834-44E0-8580-5EE763E3DE98}"/>
               </a:ext>
             </a:extLst>
           </p:cNvPr>
@@ -7297,6 +7704,154 @@
             <a:spLocks noGrp="1"/>
           </p:cNvSpPr>
           <p:nvPr>
+            <p:ph idx="1"/>
+          </p:nvPr>
+        </p:nvSpPr>
+        <p:spPr/>
+        <p:txBody>
+          <a:bodyPr>
+            <a:normAutofit lnSpcReduction="10000"/>
+          </a:bodyPr>
+          <a:lstStyle/>
+          <a:p>
+            <a:r>
+              <a:rPr lang="nl-BE" dirty="0"/>
+              <a:t>A: </a:t>
+            </a:r>
+            <a:r>
+              <a:rPr lang="nl-BE" noProof="0" dirty="0"/>
+              <a:t>Zoeken naar L structuren</a:t>
+            </a:r>
+          </a:p>
+          <a:p>
+            <a:pPr lvl="1"/>
+            <a:r>
+              <a:rPr lang="nl-BE" noProof="0" dirty="0"/>
+              <a:t>A1: L structuur eigen kleur</a:t>
+            </a:r>
+          </a:p>
+          <a:p>
+            <a:pPr lvl="1"/>
+            <a:r>
+              <a:rPr lang="nl-BE" dirty="0"/>
+              <a:t>A2: L structuur andere kleur</a:t>
+            </a:r>
+          </a:p>
+          <a:p>
+            <a:pPr lvl="2"/>
+            <a:r>
+              <a:rPr lang="nl-BE" noProof="0" dirty="0"/>
+              <a:t>A21: 4</a:t>
+            </a:r>
+            <a:r>
+              <a:rPr lang="nl-BE" baseline="30000" noProof="0" dirty="0"/>
+              <a:t>de</a:t>
+            </a:r>
+            <a:r>
+              <a:rPr lang="nl-BE" noProof="0" dirty="0"/>
+              <a:t> plek eigen kleur</a:t>
+            </a:r>
+          </a:p>
+          <a:p>
+            <a:pPr lvl="2"/>
+            <a:r>
+              <a:rPr lang="nl-BE" dirty="0"/>
+              <a:t>A22: 4</a:t>
+            </a:r>
+            <a:r>
+              <a:rPr lang="nl-BE" baseline="30000" dirty="0"/>
+              <a:t>de</a:t>
+            </a:r>
+            <a:r>
+              <a:rPr lang="nl-BE" dirty="0"/>
+              <a:t> plek ander kleur</a:t>
+            </a:r>
+          </a:p>
+          <a:p>
+            <a:r>
+              <a:rPr lang="nl-BE" dirty="0"/>
+              <a:t>B: Midden van 1</a:t>
+            </a:r>
+            <a:r>
+              <a:rPr lang="nl-BE" baseline="30000" dirty="0"/>
+              <a:t>ste</a:t>
+            </a:r>
+            <a:r>
+              <a:rPr lang="nl-BE" dirty="0"/>
+              <a:t> verdiep claimen</a:t>
+            </a:r>
+          </a:p>
+          <a:p>
+            <a:r>
+              <a:rPr lang="nl-BE" dirty="0"/>
+              <a:t>C: Midden van 1</a:t>
+            </a:r>
+            <a:r>
+              <a:rPr lang="nl-BE" baseline="30000" dirty="0"/>
+              <a:t>ste</a:t>
+            </a:r>
+            <a:r>
+              <a:rPr lang="nl-BE" dirty="0"/>
+              <a:t> verdiep geclaimd</a:t>
+            </a:r>
+          </a:p>
+          <a:p>
+            <a:pPr lvl="1"/>
+            <a:r>
+              <a:rPr lang="nl-BE" dirty="0"/>
+              <a:t>C1: Midden eigen kleur</a:t>
+            </a:r>
+          </a:p>
+          <a:p>
+            <a:pPr lvl="1"/>
+            <a:r>
+              <a:rPr lang="nl-BE" dirty="0"/>
+              <a:t>C2: Midden ander kleur</a:t>
+            </a:r>
+          </a:p>
+          <a:p>
+            <a:pPr lvl="2"/>
+            <a:r>
+              <a:rPr lang="nl-BE" dirty="0"/>
+              <a:t>C21: Eigen kleur op het midden van de rand</a:t>
+            </a:r>
+          </a:p>
+          <a:p>
+            <a:pPr lvl="2"/>
+            <a:r>
+              <a:rPr lang="nl-BE" dirty="0"/>
+              <a:t>C22: Geen eigen kleur op het 1</a:t>
+            </a:r>
+            <a:r>
+              <a:rPr lang="nl-BE" baseline="30000" dirty="0"/>
+              <a:t>ste</a:t>
+            </a:r>
+            <a:r>
+              <a:rPr lang="nl-BE" dirty="0"/>
+              <a:t> verdiep</a:t>
+            </a:r>
+          </a:p>
+          <a:p>
+            <a:endParaRPr lang="nl-BE" noProof="0" dirty="0"/>
+          </a:p>
+          <a:p>
+            <a:endParaRPr lang="nl-BE" noProof="0" dirty="0"/>
+          </a:p>
+        </p:txBody>
+      </p:sp>
+      <p:sp>
+        <p:nvSpPr>
+          <p:cNvPr id="3" name="Title 2">
+            <a:extLst>
+              <a:ext uri="{FF2B5EF4-FFF2-40B4-BE49-F238E27FC236}">
+                <a16:creationId xmlns:a16="http://schemas.microsoft.com/office/drawing/2014/main" id="{53E69D4D-8085-4A93-8904-FE08F62AD2DA}"/>
+              </a:ext>
+            </a:extLst>
+          </p:cNvPr>
+          <p:cNvSpPr>
+            <a:spLocks noGrp="1"/>
+          </p:cNvSpPr>
+          <p:nvPr>
             <p:ph type="title"/>
           </p:nvPr>
         </p:nvSpPr>
@@ -7306,17 +7861,150 @@
           <a:lstStyle/>
           <a:p>
             <a:r>
-              <a:rPr lang="nl-NL" dirty="0" err="1"/>
-              <a:t>Self-learning</a:t>
-            </a:r>
-            <a:endParaRPr lang="en-GB" dirty="0"/>
-          </a:p>
-        </p:txBody>
-      </p:sp>
+              <a:rPr lang="nl-BE" noProof="0" dirty="0"/>
+              <a:t>Strategieën</a:t>
+            </a:r>
+          </a:p>
+        </p:txBody>
+      </p:sp>
+      <p:pic>
+        <p:nvPicPr>
+          <p:cNvPr id="5" name="Afbeelding 4">
+            <a:extLst>
+              <a:ext uri="{FF2B5EF4-FFF2-40B4-BE49-F238E27FC236}">
+                <a16:creationId xmlns:a16="http://schemas.microsoft.com/office/drawing/2014/main" id="{AC6E77A6-7DBA-469C-AE16-CCF3A6D3A9A6}"/>
+              </a:ext>
+            </a:extLst>
+          </p:cNvPr>
+          <p:cNvPicPr>
+            <a:picLocks noChangeAspect="1"/>
+          </p:cNvPicPr>
+          <p:nvPr/>
+        </p:nvPicPr>
+        <p:blipFill>
+          <a:blip r:embed="rId2"/>
+          <a:stretch>
+            <a:fillRect/>
+          </a:stretch>
+        </p:blipFill>
+        <p:spPr>
+          <a:xfrm>
+            <a:off x="7272170" y="2258045"/>
+            <a:ext cx="4743776" cy="3861955"/>
+          </a:xfrm>
+          <a:prstGeom prst="rect">
+            <a:avLst/>
+          </a:prstGeom>
+        </p:spPr>
+      </p:pic>
     </p:spTree>
     <p:extLst>
       <p:ext uri="{BB962C8B-B14F-4D97-AF65-F5344CB8AC3E}">
-        <p14:creationId xmlns:p14="http://schemas.microsoft.com/office/powerpoint/2010/main" val="1616353867"/>
+        <p14:creationId xmlns:p14="http://schemas.microsoft.com/office/powerpoint/2010/main" val="2063916021"/>
+      </p:ext>
+    </p:extLst>
+  </p:cSld>
+  <p:clrMapOvr>
+    <a:masterClrMapping/>
+  </p:clrMapOvr>
+</p:sld>
+</file>
+
+<file path=ppt/slides/slide9.xml><?xml version="1.0" encoding="utf-8"?>
+<p:sld xmlns:a="http://schemas.openxmlformats.org/drawingml/2006/main" xmlns:r="http://schemas.openxmlformats.org/officeDocument/2006/relationships" xmlns:p="http://schemas.openxmlformats.org/presentationml/2006/main">
+  <p:cSld>
+    <p:spTree>
+      <p:nvGrpSpPr>
+        <p:cNvPr id="1" name=""/>
+        <p:cNvGrpSpPr/>
+        <p:nvPr/>
+      </p:nvGrpSpPr>
+      <p:grpSpPr>
+        <a:xfrm>
+          <a:off x="0" y="0"/>
+          <a:ext cx="0" cy="0"/>
+          <a:chOff x="0" y="0"/>
+          <a:chExt cx="0" cy="0"/>
+        </a:xfrm>
+      </p:grpSpPr>
+      <p:sp>
+        <p:nvSpPr>
+          <p:cNvPr id="2" name="Tijdelijke aanduiding voor inhoud 1">
+            <a:extLst>
+              <a:ext uri="{FF2B5EF4-FFF2-40B4-BE49-F238E27FC236}">
+                <a16:creationId xmlns:a16="http://schemas.microsoft.com/office/drawing/2014/main" id="{5B21E4C0-8AD6-4066-BCB6-E908C61891DA}"/>
+              </a:ext>
+            </a:extLst>
+          </p:cNvPr>
+          <p:cNvSpPr>
+            <a:spLocks noGrp="1"/>
+          </p:cNvSpPr>
+          <p:nvPr>
+            <p:ph idx="1"/>
+          </p:nvPr>
+        </p:nvSpPr>
+        <p:spPr/>
+        <p:txBody>
+          <a:bodyPr/>
+          <a:lstStyle/>
+          <a:p>
+            <a:r>
+              <a:rPr lang="nl-BE" dirty="0"/>
+              <a:t>D: Midden op grond claimen, indien er geen L structuur aanwezig is</a:t>
+            </a:r>
+          </a:p>
+          <a:p>
+            <a:r>
+              <a:rPr lang="nl-BE" dirty="0"/>
+              <a:t>E: Zoek het vierkant waar het eigen kleur meest vertegenwoordigd is</a:t>
+            </a:r>
+          </a:p>
+          <a:p>
+            <a:r>
+              <a:rPr lang="nl-BE" dirty="0"/>
+              <a:t>F: Random mogelijke locatie claimen</a:t>
+            </a:r>
+          </a:p>
+          <a:p>
+            <a:r>
+              <a:rPr lang="nl-BE" dirty="0"/>
+              <a:t>G: Claim een zo hoog mogelijke locatie </a:t>
+            </a:r>
+          </a:p>
+        </p:txBody>
+      </p:sp>
+      <p:sp>
+        <p:nvSpPr>
+          <p:cNvPr id="3" name="Titel 2">
+            <a:extLst>
+              <a:ext uri="{FF2B5EF4-FFF2-40B4-BE49-F238E27FC236}">
+                <a16:creationId xmlns:a16="http://schemas.microsoft.com/office/drawing/2014/main" id="{4A916F1C-9273-4694-9C90-8488E0D8B5D2}"/>
+              </a:ext>
+            </a:extLst>
+          </p:cNvPr>
+          <p:cNvSpPr>
+            <a:spLocks noGrp="1"/>
+          </p:cNvSpPr>
+          <p:nvPr>
+            <p:ph type="title"/>
+          </p:nvPr>
+        </p:nvSpPr>
+        <p:spPr/>
+        <p:txBody>
+          <a:bodyPr/>
+          <a:lstStyle/>
+          <a:p>
+            <a:r>
+              <a:rPr lang="nl-BE" dirty="0"/>
+              <a:t>Strategieën</a:t>
+            </a:r>
+          </a:p>
+        </p:txBody>
+      </p:sp>
+    </p:spTree>
+    <p:extLst>
+      <p:ext uri="{BB962C8B-B14F-4D97-AF65-F5344CB8AC3E}">
+        <p14:creationId xmlns:p14="http://schemas.microsoft.com/office/powerpoint/2010/main" val="2940620396"/>
       </p:ext>
     </p:extLst>
   </p:cSld>

--- a/Presentation.pptx
+++ b/Presentation.pptx
@@ -5,7 +5,7 @@
     <p:sldMasterId id="2147483660" r:id="rId1"/>
   </p:sldMasterIdLst>
   <p:notesMasterIdLst>
-    <p:notesMasterId r:id="rId15"/>
+    <p:notesMasterId r:id="rId19"/>
   </p:notesMasterIdLst>
   <p:sldIdLst>
     <p:sldId id="256" r:id="rId2"/>
@@ -15,12 +15,16 @@
     <p:sldId id="258" r:id="rId6"/>
     <p:sldId id="259" r:id="rId7"/>
     <p:sldId id="261" r:id="rId8"/>
-    <p:sldId id="263" r:id="rId9"/>
-    <p:sldId id="264" r:id="rId10"/>
-    <p:sldId id="267" r:id="rId11"/>
-    <p:sldId id="268" r:id="rId12"/>
-    <p:sldId id="262" r:id="rId13"/>
-    <p:sldId id="266" r:id="rId14"/>
+    <p:sldId id="278" r:id="rId9"/>
+    <p:sldId id="280" r:id="rId10"/>
+    <p:sldId id="283" r:id="rId11"/>
+    <p:sldId id="284" r:id="rId12"/>
+    <p:sldId id="285" r:id="rId13"/>
+    <p:sldId id="274" r:id="rId14"/>
+    <p:sldId id="267" r:id="rId15"/>
+    <p:sldId id="268" r:id="rId16"/>
+    <p:sldId id="262" r:id="rId17"/>
+    <p:sldId id="266" r:id="rId18"/>
   </p:sldIdLst>
   <p:sldSz cx="12192000" cy="6858000"/>
   <p:notesSz cx="6858000" cy="9144000"/>
@@ -127,10 +131,22 @@
 </p:presentation>
 </file>
 
+<file path=ppt/commentAuthors.xml><?xml version="1.0" encoding="utf-8"?>
+<p:cmAuthorLst xmlns:a="http://schemas.openxmlformats.org/drawingml/2006/main" xmlns:r="http://schemas.openxmlformats.org/officeDocument/2006/relationships" xmlns:p="http://schemas.openxmlformats.org/presentationml/2006/main">
+  <p:cmAuthor id="1" name="Romeo Permentier" initials="RP" lastIdx="1" clrIdx="0">
+    <p:extLst>
+      <p:ext uri="{19B8F6BF-5375-455C-9EA6-DF929625EA0E}">
+        <p15:presenceInfo xmlns:p15="http://schemas.microsoft.com/office/powerpoint/2012/main" userId="731f69d7b070bbcb" providerId="Windows Live"/>
+      </p:ext>
+    </p:extLst>
+  </p:cmAuthor>
+</p:cmAuthorLst>
+</file>
+
 <file path=ppt/charts/chart1.xml><?xml version="1.0" encoding="utf-8"?>
 <c:chartSpace xmlns:c="http://schemas.openxmlformats.org/drawingml/2006/chart" xmlns:a="http://schemas.openxmlformats.org/drawingml/2006/main" xmlns:r="http://schemas.openxmlformats.org/officeDocument/2006/relationships" xmlns:c16r2="http://schemas.microsoft.com/office/drawing/2015/06/chart">
   <c:date1904 val="0"/>
-  <c:lang val="nl-NL"/>
+  <c:lang val="en-US"/>
   <c:roundedCorners val="0"/>
   <mc:AlternateContent xmlns:mc="http://schemas.openxmlformats.org/markup-compatibility/2006">
     <mc:Choice xmlns:c14="http://schemas.microsoft.com/office/drawing/2007/8/2/chart" Requires="c14">
@@ -166,11 +182,7 @@
             </a:r>
             <a:r>
               <a:rPr lang="en-GB" baseline="0" dirty="0"/>
-              <a:t> </a:t>
-            </a:r>
-            <a:r>
-              <a:rPr lang="en-GB" baseline="0" dirty="0" err="1"/>
-              <a:t>CODeS</a:t>
+              <a:t> CODeS</a:t>
             </a:r>
             <a:endParaRPr lang="en-GB" dirty="0"/>
           </a:p>
@@ -201,7 +213,7 @@
               <a:cs typeface="+mn-cs"/>
             </a:defRPr>
           </a:pPr>
-          <a:endParaRPr lang="nl-BE"/>
+          <a:endParaRPr lang="en-US"/>
         </a:p>
       </c:txPr>
     </c:title>
@@ -638,7 +650,7 @@
                   </a:defRPr>
                 </a:pPr>
                 <a:r>
-                  <a:rPr lang="nl-NL" dirty="0" err="1"/>
+                  <a:rPr lang="nl-BE" noProof="0" dirty="0" err="1"/>
                   <a:t>Statistic</a:t>
                 </a:r>
                 <a:r>
@@ -674,7 +686,7 @@
                   <a:cs typeface="+mn-cs"/>
                 </a:defRPr>
               </a:pPr>
-              <a:endParaRPr lang="nl-BE"/>
+              <a:endParaRPr lang="en-US"/>
             </a:p>
           </c:txPr>
         </c:title>
@@ -712,7 +724,7 @@
                 <a:cs typeface="+mn-cs"/>
               </a:defRPr>
             </a:pPr>
-            <a:endParaRPr lang="nl-BE"/>
+            <a:endParaRPr lang="en-US"/>
           </a:p>
         </c:txPr>
         <c:crossAx val="811249647"/>
@@ -804,7 +816,7 @@
                   <a:cs typeface="+mn-cs"/>
                 </a:defRPr>
               </a:pPr>
-              <a:endParaRPr lang="nl-BE"/>
+              <a:endParaRPr lang="en-US"/>
             </a:p>
           </c:txPr>
         </c:title>
@@ -836,7 +848,7 @@
                 <a:cs typeface="+mn-cs"/>
               </a:defRPr>
             </a:pPr>
-            <a:endParaRPr lang="nl-BE"/>
+            <a:endParaRPr lang="en-US"/>
           </a:p>
         </c:txPr>
         <c:crossAx val="738174255"/>
@@ -880,7 +892,7 @@
               <a:cs typeface="+mn-cs"/>
             </a:defRPr>
           </a:pPr>
-          <a:endParaRPr lang="nl-BE"/>
+          <a:endParaRPr lang="en-US"/>
         </a:p>
       </c:txPr>
     </c:legend>
@@ -909,7 +921,7 @@
       <a:pPr>
         <a:defRPr/>
       </a:pPr>
-      <a:endParaRPr lang="nl-BE"/>
+      <a:endParaRPr lang="en-US"/>
     </a:p>
   </c:txPr>
   <c:externalData r:id="rId3">
@@ -1701,7 +1713,7 @@
           <a:p>
             <a:fld id="{0B83ECC0-8215-4318-A3C0-552CE5E99E84}" type="slidenum">
               <a:rPr lang="en-GB" smtClean="0"/>
-              <a:t>‹nr.›</a:t>
+              <a:t>‹#›</a:t>
             </a:fld>
             <a:endParaRPr lang="en-GB"/>
           </a:p>
@@ -1993,6 +2005,2514 @@
 </p:notes>
 </file>
 
+<file path=ppt/notesSlides/notesSlide3.xml><?xml version="1.0" encoding="utf-8"?>
+<p:notes xmlns:a="http://schemas.openxmlformats.org/drawingml/2006/main" xmlns:r="http://schemas.openxmlformats.org/officeDocument/2006/relationships" xmlns:p="http://schemas.openxmlformats.org/presentationml/2006/main">
+  <p:cSld>
+    <p:spTree>
+      <p:nvGrpSpPr>
+        <p:cNvPr id="1" name=""/>
+        <p:cNvGrpSpPr/>
+        <p:nvPr/>
+      </p:nvGrpSpPr>
+      <p:grpSpPr>
+        <a:xfrm>
+          <a:off x="0" y="0"/>
+          <a:ext cx="0" cy="0"/>
+          <a:chOff x="0" y="0"/>
+          <a:chExt cx="0" cy="0"/>
+        </a:xfrm>
+      </p:grpSpPr>
+      <p:sp>
+        <p:nvSpPr>
+          <p:cNvPr id="2" name="Slide Image Placeholder 1"/>
+          <p:cNvSpPr>
+            <a:spLocks noGrp="1" noRot="1" noChangeAspect="1"/>
+          </p:cNvSpPr>
+          <p:nvPr>
+            <p:ph type="sldImg"/>
+          </p:nvPr>
+        </p:nvSpPr>
+        <p:spPr/>
+      </p:sp>
+      <p:sp>
+        <p:nvSpPr>
+          <p:cNvPr id="3" name="Notes Placeholder 2"/>
+          <p:cNvSpPr>
+            <a:spLocks noGrp="1"/>
+          </p:cNvSpPr>
+          <p:nvPr>
+            <p:ph type="body" idx="1"/>
+          </p:nvPr>
+        </p:nvSpPr>
+        <p:spPr/>
+        <p:txBody>
+          <a:bodyPr/>
+          <a:lstStyle/>
+          <a:p>
+            <a:r>
+              <a:rPr lang="en-GB" dirty="0">
+                <a:solidFill>
+                  <a:srgbClr val="FF78FD"/>
+                </a:solidFill>
+                <a:effectLst/>
+              </a:rPr>
+              <a:t>/*</a:t>
+            </a:r>
+            <a:br>
+              <a:rPr lang="en-GB" dirty="0">
+                <a:solidFill>
+                  <a:srgbClr val="FF78FD"/>
+                </a:solidFill>
+                <a:effectLst/>
+              </a:rPr>
+            </a:br>
+            <a:r>
+              <a:rPr lang="en-GB" dirty="0">
+                <a:solidFill>
+                  <a:srgbClr val="FF78FD"/>
+                </a:solidFill>
+                <a:effectLst/>
+              </a:rPr>
+              <a:t>A. Check for 3/4 Square</a:t>
+            </a:r>
+            <a:br>
+              <a:rPr lang="en-GB" dirty="0">
+                <a:solidFill>
+                  <a:srgbClr val="FF78FD"/>
+                </a:solidFill>
+                <a:effectLst/>
+              </a:rPr>
+            </a:br>
+            <a:r>
+              <a:rPr lang="en-GB" dirty="0">
+                <a:solidFill>
+                  <a:srgbClr val="FF78FD"/>
+                </a:solidFill>
+                <a:effectLst/>
+              </a:rPr>
+              <a:t>    A1. 3/4 own </a:t>
+            </a:r>
+            <a:r>
+              <a:rPr lang="en-GB" dirty="0" err="1">
+                <a:solidFill>
+                  <a:srgbClr val="FF78FD"/>
+                </a:solidFill>
+                <a:effectLst/>
+              </a:rPr>
+              <a:t>color</a:t>
+            </a:r>
+            <a:r>
+              <a:rPr lang="en-GB" dirty="0">
+                <a:solidFill>
+                  <a:srgbClr val="FF78FD"/>
+                </a:solidFill>
+                <a:effectLst/>
+              </a:rPr>
+              <a:t>                           : put fourth</a:t>
+            </a:r>
+            <a:br>
+              <a:rPr lang="en-GB" dirty="0">
+                <a:solidFill>
+                  <a:srgbClr val="FF78FD"/>
+                </a:solidFill>
+                <a:effectLst/>
+              </a:rPr>
+            </a:br>
+            <a:r>
+              <a:rPr lang="en-GB" dirty="0">
+                <a:solidFill>
+                  <a:srgbClr val="FF78FD"/>
+                </a:solidFill>
+                <a:effectLst/>
+              </a:rPr>
+              <a:t>    A2. 3/4 other </a:t>
+            </a:r>
+            <a:r>
+              <a:rPr lang="en-GB" dirty="0" err="1">
+                <a:solidFill>
+                  <a:srgbClr val="FF78FD"/>
+                </a:solidFill>
+                <a:effectLst/>
+              </a:rPr>
+              <a:t>color</a:t>
+            </a:r>
+            <a:br>
+              <a:rPr lang="en-GB" dirty="0">
+                <a:solidFill>
+                  <a:srgbClr val="FF78FD"/>
+                </a:solidFill>
+                <a:effectLst/>
+              </a:rPr>
+            </a:br>
+            <a:r>
+              <a:rPr lang="en-GB" dirty="0">
+                <a:solidFill>
+                  <a:srgbClr val="FF78FD"/>
+                </a:solidFill>
+                <a:effectLst/>
+              </a:rPr>
+              <a:t>        A21. 1/4 own </a:t>
+            </a:r>
+            <a:r>
+              <a:rPr lang="en-GB" dirty="0" err="1">
+                <a:solidFill>
+                  <a:srgbClr val="FF78FD"/>
+                </a:solidFill>
+                <a:effectLst/>
+              </a:rPr>
+              <a:t>color</a:t>
+            </a:r>
+            <a:r>
+              <a:rPr lang="en-GB" dirty="0">
+                <a:solidFill>
+                  <a:srgbClr val="FF78FD"/>
+                </a:solidFill>
+                <a:effectLst/>
+              </a:rPr>
+              <a:t>                      : put on top</a:t>
+            </a:r>
+            <a:br>
+              <a:rPr lang="en-GB" dirty="0">
+                <a:solidFill>
+                  <a:srgbClr val="FF78FD"/>
+                </a:solidFill>
+                <a:effectLst/>
+              </a:rPr>
+            </a:br>
+            <a:r>
+              <a:rPr lang="en-GB" dirty="0">
+                <a:solidFill>
+                  <a:srgbClr val="FF78FD"/>
+                </a:solidFill>
+                <a:effectLst/>
+              </a:rPr>
+              <a:t>        A22. 1/4 empty                          : put forth (if not middle)</a:t>
+            </a:r>
+            <a:br>
+              <a:rPr lang="en-GB" dirty="0">
+                <a:solidFill>
+                  <a:srgbClr val="FF78FD"/>
+                </a:solidFill>
+                <a:effectLst/>
+              </a:rPr>
+            </a:br>
+            <a:br>
+              <a:rPr lang="en-GB" dirty="0">
+                <a:solidFill>
+                  <a:srgbClr val="FF78FD"/>
+                </a:solidFill>
+                <a:effectLst/>
+              </a:rPr>
+            </a:br>
+            <a:r>
+              <a:rPr lang="en-GB" dirty="0">
+                <a:solidFill>
+                  <a:srgbClr val="FF78FD"/>
+                </a:solidFill>
+                <a:effectLst/>
+              </a:rPr>
+              <a:t>B. CHECK IF MIDDLE 4/4                          : put on top</a:t>
+            </a:r>
+            <a:br>
+              <a:rPr lang="en-GB" dirty="0">
+                <a:solidFill>
+                  <a:srgbClr val="FF78FD"/>
+                </a:solidFill>
+                <a:effectLst/>
+              </a:rPr>
+            </a:br>
+            <a:r>
+              <a:rPr lang="en-GB" dirty="0">
+                <a:solidFill>
+                  <a:srgbClr val="FF78FD"/>
+                </a:solidFill>
+                <a:effectLst/>
+              </a:rPr>
+              <a:t>C. L1 MIDDLE IS TAKEN</a:t>
+            </a:r>
+            <a:br>
+              <a:rPr lang="en-GB" dirty="0">
+                <a:solidFill>
+                  <a:srgbClr val="FF78FD"/>
+                </a:solidFill>
+                <a:effectLst/>
+              </a:rPr>
+            </a:br>
+            <a:r>
+              <a:rPr lang="en-GB" dirty="0">
+                <a:solidFill>
+                  <a:srgbClr val="FF78FD"/>
+                </a:solidFill>
+                <a:effectLst/>
+              </a:rPr>
+              <a:t>    C1. MIDDLE SPHERE IS OWN COLOR              : try put on middle of border</a:t>
+            </a:r>
+            <a:br>
+              <a:rPr lang="en-GB" dirty="0">
+                <a:solidFill>
+                  <a:srgbClr val="FF78FD"/>
+                </a:solidFill>
+                <a:effectLst/>
+              </a:rPr>
+            </a:br>
+            <a:r>
+              <a:rPr lang="en-GB" dirty="0">
+                <a:solidFill>
+                  <a:srgbClr val="FF78FD"/>
+                </a:solidFill>
+                <a:effectLst/>
+              </a:rPr>
+              <a:t>    C2. MIDDLE SPHERE IS OTHER COLOR</a:t>
+            </a:r>
+            <a:br>
+              <a:rPr lang="en-GB" dirty="0">
+                <a:solidFill>
+                  <a:srgbClr val="FF78FD"/>
+                </a:solidFill>
+                <a:effectLst/>
+              </a:rPr>
+            </a:br>
+            <a:r>
+              <a:rPr lang="en-GB" dirty="0">
+                <a:solidFill>
+                  <a:srgbClr val="FF78FD"/>
+                </a:solidFill>
+                <a:effectLst/>
+              </a:rPr>
+              <a:t>        C21. ONE (OR MORE) BLACK SPHERES ON L2  : try to put on opposite side</a:t>
+            </a:r>
+            <a:br>
+              <a:rPr lang="en-GB" dirty="0">
+                <a:solidFill>
+                  <a:srgbClr val="FF78FD"/>
+                </a:solidFill>
+                <a:effectLst/>
+              </a:rPr>
+            </a:br>
+            <a:r>
+              <a:rPr lang="en-GB" dirty="0">
+                <a:solidFill>
+                  <a:srgbClr val="FF78FD"/>
+                </a:solidFill>
+                <a:effectLst/>
+              </a:rPr>
+              <a:t>        C22. NO/ MULTIPLE BLACK SPHERES ON L2   : try put on middle of border</a:t>
+            </a:r>
+            <a:br>
+              <a:rPr lang="en-GB" dirty="0">
+                <a:solidFill>
+                  <a:srgbClr val="FF78FD"/>
+                </a:solidFill>
+                <a:effectLst/>
+              </a:rPr>
+            </a:br>
+            <a:r>
+              <a:rPr lang="en-GB" dirty="0">
+                <a:solidFill>
+                  <a:srgbClr val="FF78FD"/>
+                </a:solidFill>
+                <a:effectLst/>
+              </a:rPr>
+              <a:t>D. CHECK IF L0 MIDDLE SQUARE IS NOT 3/4 FILLED  : put in middle square</a:t>
+            </a:r>
+            <a:br>
+              <a:rPr lang="en-GB" dirty="0">
+                <a:solidFill>
+                  <a:srgbClr val="FF78FD"/>
+                </a:solidFill>
+                <a:effectLst/>
+              </a:rPr>
+            </a:br>
+            <a:r>
+              <a:rPr lang="en-GB" dirty="0">
+                <a:solidFill>
+                  <a:srgbClr val="FF78FD"/>
+                </a:solidFill>
+                <a:effectLst/>
+              </a:rPr>
+              <a:t>E. SEARCH FOR SQUARE REPRESENTED MOST           : put there</a:t>
+            </a:r>
+            <a:br>
+              <a:rPr lang="en-GB" dirty="0">
+                <a:solidFill>
+                  <a:srgbClr val="FF78FD"/>
+                </a:solidFill>
+                <a:effectLst/>
+              </a:rPr>
+            </a:br>
+            <a:r>
+              <a:rPr lang="en-GB" dirty="0">
+                <a:solidFill>
+                  <a:srgbClr val="FF78FD"/>
+                </a:solidFill>
+                <a:effectLst/>
+              </a:rPr>
+              <a:t>F. IF NO MOVES COULD BE PERFORMED               : put random, same as random fit</a:t>
+            </a:r>
+            <a:br>
+              <a:rPr lang="en-GB" dirty="0">
+                <a:solidFill>
+                  <a:srgbClr val="FF78FD"/>
+                </a:solidFill>
+                <a:effectLst/>
+              </a:rPr>
+            </a:br>
+            <a:r>
+              <a:rPr lang="en-GB" dirty="0">
+                <a:solidFill>
+                  <a:srgbClr val="FF78FD"/>
+                </a:solidFill>
+                <a:effectLst/>
+              </a:rPr>
+              <a:t>G. PUTS AS HIGH AS POSSIBLE</a:t>
+            </a:r>
+            <a:br>
+              <a:rPr lang="en-GB" dirty="0">
+                <a:solidFill>
+                  <a:srgbClr val="FF78FD"/>
+                </a:solidFill>
+                <a:effectLst/>
+              </a:rPr>
+            </a:br>
+            <a:r>
+              <a:rPr lang="en-GB" dirty="0">
+                <a:solidFill>
+                  <a:srgbClr val="FF78FD"/>
+                </a:solidFill>
+                <a:effectLst/>
+              </a:rPr>
+              <a:t>*/</a:t>
+            </a:r>
+            <a:endParaRPr lang="en-GB" dirty="0"/>
+          </a:p>
+        </p:txBody>
+      </p:sp>
+      <p:sp>
+        <p:nvSpPr>
+          <p:cNvPr id="4" name="Slide Number Placeholder 3"/>
+          <p:cNvSpPr>
+            <a:spLocks noGrp="1"/>
+          </p:cNvSpPr>
+          <p:nvPr>
+            <p:ph type="sldNum" sz="quarter" idx="5"/>
+          </p:nvPr>
+        </p:nvSpPr>
+        <p:spPr/>
+        <p:txBody>
+          <a:bodyPr/>
+          <a:lstStyle/>
+          <a:p>
+            <a:fld id="{0B83ECC0-8215-4318-A3C0-552CE5E99E84}" type="slidenum">
+              <a:rPr lang="en-GB" smtClean="0"/>
+              <a:t>8</a:t>
+            </a:fld>
+            <a:endParaRPr lang="en-GB"/>
+          </a:p>
+        </p:txBody>
+      </p:sp>
+    </p:spTree>
+    <p:extLst>
+      <p:ext uri="{BB962C8B-B14F-4D97-AF65-F5344CB8AC3E}">
+        <p14:creationId xmlns:p14="http://schemas.microsoft.com/office/powerpoint/2010/main" val="1935583060"/>
+      </p:ext>
+    </p:extLst>
+  </p:cSld>
+  <p:clrMapOvr>
+    <a:masterClrMapping/>
+  </p:clrMapOvr>
+</p:notes>
+</file>
+
+<file path=ppt/notesSlides/notesSlide4.xml><?xml version="1.0" encoding="utf-8"?>
+<p:notes xmlns:a="http://schemas.openxmlformats.org/drawingml/2006/main" xmlns:r="http://schemas.openxmlformats.org/officeDocument/2006/relationships" xmlns:p="http://schemas.openxmlformats.org/presentationml/2006/main">
+  <p:cSld>
+    <p:spTree>
+      <p:nvGrpSpPr>
+        <p:cNvPr id="1" name=""/>
+        <p:cNvGrpSpPr/>
+        <p:nvPr/>
+      </p:nvGrpSpPr>
+      <p:grpSpPr>
+        <a:xfrm>
+          <a:off x="0" y="0"/>
+          <a:ext cx="0" cy="0"/>
+          <a:chOff x="0" y="0"/>
+          <a:chExt cx="0" cy="0"/>
+        </a:xfrm>
+      </p:grpSpPr>
+      <p:sp>
+        <p:nvSpPr>
+          <p:cNvPr id="2" name="Slide Image Placeholder 1"/>
+          <p:cNvSpPr>
+            <a:spLocks noGrp="1" noRot="1" noChangeAspect="1"/>
+          </p:cNvSpPr>
+          <p:nvPr>
+            <p:ph type="sldImg"/>
+          </p:nvPr>
+        </p:nvSpPr>
+        <p:spPr/>
+      </p:sp>
+      <p:sp>
+        <p:nvSpPr>
+          <p:cNvPr id="3" name="Notes Placeholder 2"/>
+          <p:cNvSpPr>
+            <a:spLocks noGrp="1"/>
+          </p:cNvSpPr>
+          <p:nvPr>
+            <p:ph type="body" idx="1"/>
+          </p:nvPr>
+        </p:nvSpPr>
+        <p:spPr/>
+        <p:txBody>
+          <a:bodyPr/>
+          <a:lstStyle/>
+          <a:p>
+            <a:r>
+              <a:rPr lang="en-GB" dirty="0">
+                <a:solidFill>
+                  <a:srgbClr val="FF78FD"/>
+                </a:solidFill>
+                <a:effectLst/>
+              </a:rPr>
+              <a:t>/*</a:t>
+            </a:r>
+            <a:br>
+              <a:rPr lang="en-GB" dirty="0">
+                <a:solidFill>
+                  <a:srgbClr val="FF78FD"/>
+                </a:solidFill>
+                <a:effectLst/>
+              </a:rPr>
+            </a:br>
+            <a:r>
+              <a:rPr lang="en-GB" dirty="0">
+                <a:solidFill>
+                  <a:srgbClr val="FF78FD"/>
+                </a:solidFill>
+                <a:effectLst/>
+              </a:rPr>
+              <a:t>A. Check for 3/4 Square</a:t>
+            </a:r>
+            <a:br>
+              <a:rPr lang="en-GB" dirty="0">
+                <a:solidFill>
+                  <a:srgbClr val="FF78FD"/>
+                </a:solidFill>
+                <a:effectLst/>
+              </a:rPr>
+            </a:br>
+            <a:r>
+              <a:rPr lang="en-GB" dirty="0">
+                <a:solidFill>
+                  <a:srgbClr val="FF78FD"/>
+                </a:solidFill>
+                <a:effectLst/>
+              </a:rPr>
+              <a:t>    A1. 3/4 own </a:t>
+            </a:r>
+            <a:r>
+              <a:rPr lang="en-GB" dirty="0" err="1">
+                <a:solidFill>
+                  <a:srgbClr val="FF78FD"/>
+                </a:solidFill>
+                <a:effectLst/>
+              </a:rPr>
+              <a:t>color</a:t>
+            </a:r>
+            <a:r>
+              <a:rPr lang="en-GB" dirty="0">
+                <a:solidFill>
+                  <a:srgbClr val="FF78FD"/>
+                </a:solidFill>
+                <a:effectLst/>
+              </a:rPr>
+              <a:t>                           : put fourth</a:t>
+            </a:r>
+            <a:br>
+              <a:rPr lang="en-GB" dirty="0">
+                <a:solidFill>
+                  <a:srgbClr val="FF78FD"/>
+                </a:solidFill>
+                <a:effectLst/>
+              </a:rPr>
+            </a:br>
+            <a:r>
+              <a:rPr lang="en-GB" dirty="0">
+                <a:solidFill>
+                  <a:srgbClr val="FF78FD"/>
+                </a:solidFill>
+                <a:effectLst/>
+              </a:rPr>
+              <a:t>    A2. 3/4 other </a:t>
+            </a:r>
+            <a:r>
+              <a:rPr lang="en-GB" dirty="0" err="1">
+                <a:solidFill>
+                  <a:srgbClr val="FF78FD"/>
+                </a:solidFill>
+                <a:effectLst/>
+              </a:rPr>
+              <a:t>color</a:t>
+            </a:r>
+            <a:br>
+              <a:rPr lang="en-GB" dirty="0">
+                <a:solidFill>
+                  <a:srgbClr val="FF78FD"/>
+                </a:solidFill>
+                <a:effectLst/>
+              </a:rPr>
+            </a:br>
+            <a:r>
+              <a:rPr lang="en-GB" dirty="0">
+                <a:solidFill>
+                  <a:srgbClr val="FF78FD"/>
+                </a:solidFill>
+                <a:effectLst/>
+              </a:rPr>
+              <a:t>        A21. 1/4 own </a:t>
+            </a:r>
+            <a:r>
+              <a:rPr lang="en-GB" dirty="0" err="1">
+                <a:solidFill>
+                  <a:srgbClr val="FF78FD"/>
+                </a:solidFill>
+                <a:effectLst/>
+              </a:rPr>
+              <a:t>color</a:t>
+            </a:r>
+            <a:r>
+              <a:rPr lang="en-GB" dirty="0">
+                <a:solidFill>
+                  <a:srgbClr val="FF78FD"/>
+                </a:solidFill>
+                <a:effectLst/>
+              </a:rPr>
+              <a:t>                      : put on top</a:t>
+            </a:r>
+            <a:br>
+              <a:rPr lang="en-GB" dirty="0">
+                <a:solidFill>
+                  <a:srgbClr val="FF78FD"/>
+                </a:solidFill>
+                <a:effectLst/>
+              </a:rPr>
+            </a:br>
+            <a:r>
+              <a:rPr lang="en-GB" dirty="0">
+                <a:solidFill>
+                  <a:srgbClr val="FF78FD"/>
+                </a:solidFill>
+                <a:effectLst/>
+              </a:rPr>
+              <a:t>        A22. 1/4 empty                          : put forth (if not middle)</a:t>
+            </a:r>
+            <a:br>
+              <a:rPr lang="en-GB" dirty="0">
+                <a:solidFill>
+                  <a:srgbClr val="FF78FD"/>
+                </a:solidFill>
+                <a:effectLst/>
+              </a:rPr>
+            </a:br>
+            <a:br>
+              <a:rPr lang="en-GB" dirty="0">
+                <a:solidFill>
+                  <a:srgbClr val="FF78FD"/>
+                </a:solidFill>
+                <a:effectLst/>
+              </a:rPr>
+            </a:br>
+            <a:r>
+              <a:rPr lang="en-GB" dirty="0">
+                <a:solidFill>
+                  <a:srgbClr val="FF78FD"/>
+                </a:solidFill>
+                <a:effectLst/>
+              </a:rPr>
+              <a:t>B. CHECK IF MIDDLE 4/4                          : put on top</a:t>
+            </a:r>
+            <a:br>
+              <a:rPr lang="en-GB" dirty="0">
+                <a:solidFill>
+                  <a:srgbClr val="FF78FD"/>
+                </a:solidFill>
+                <a:effectLst/>
+              </a:rPr>
+            </a:br>
+            <a:r>
+              <a:rPr lang="en-GB" dirty="0">
+                <a:solidFill>
+                  <a:srgbClr val="FF78FD"/>
+                </a:solidFill>
+                <a:effectLst/>
+              </a:rPr>
+              <a:t>C. L1 MIDDLE IS TAKEN</a:t>
+            </a:r>
+            <a:br>
+              <a:rPr lang="en-GB" dirty="0">
+                <a:solidFill>
+                  <a:srgbClr val="FF78FD"/>
+                </a:solidFill>
+                <a:effectLst/>
+              </a:rPr>
+            </a:br>
+            <a:r>
+              <a:rPr lang="en-GB" dirty="0">
+                <a:solidFill>
+                  <a:srgbClr val="FF78FD"/>
+                </a:solidFill>
+                <a:effectLst/>
+              </a:rPr>
+              <a:t>    C1. MIDDLE SPHERE IS OWN COLOR              : try put on middle of border</a:t>
+            </a:r>
+            <a:br>
+              <a:rPr lang="en-GB" dirty="0">
+                <a:solidFill>
+                  <a:srgbClr val="FF78FD"/>
+                </a:solidFill>
+                <a:effectLst/>
+              </a:rPr>
+            </a:br>
+            <a:r>
+              <a:rPr lang="en-GB" dirty="0">
+                <a:solidFill>
+                  <a:srgbClr val="FF78FD"/>
+                </a:solidFill>
+                <a:effectLst/>
+              </a:rPr>
+              <a:t>    C2. MIDDLE SPHERE IS OTHER COLOR</a:t>
+            </a:r>
+            <a:br>
+              <a:rPr lang="en-GB" dirty="0">
+                <a:solidFill>
+                  <a:srgbClr val="FF78FD"/>
+                </a:solidFill>
+                <a:effectLst/>
+              </a:rPr>
+            </a:br>
+            <a:r>
+              <a:rPr lang="en-GB" dirty="0">
+                <a:solidFill>
+                  <a:srgbClr val="FF78FD"/>
+                </a:solidFill>
+                <a:effectLst/>
+              </a:rPr>
+              <a:t>        C21. ONE (OR MORE) BLACK SPHERES ON L2  : try to put on opposite side</a:t>
+            </a:r>
+            <a:br>
+              <a:rPr lang="en-GB" dirty="0">
+                <a:solidFill>
+                  <a:srgbClr val="FF78FD"/>
+                </a:solidFill>
+                <a:effectLst/>
+              </a:rPr>
+            </a:br>
+            <a:r>
+              <a:rPr lang="en-GB" dirty="0">
+                <a:solidFill>
+                  <a:srgbClr val="FF78FD"/>
+                </a:solidFill>
+                <a:effectLst/>
+              </a:rPr>
+              <a:t>        C22. NO/ MULTIPLE BLACK SPHERES ON L2   : try put on middle of border</a:t>
+            </a:r>
+            <a:br>
+              <a:rPr lang="en-GB" dirty="0">
+                <a:solidFill>
+                  <a:srgbClr val="FF78FD"/>
+                </a:solidFill>
+                <a:effectLst/>
+              </a:rPr>
+            </a:br>
+            <a:r>
+              <a:rPr lang="en-GB" dirty="0">
+                <a:solidFill>
+                  <a:srgbClr val="FF78FD"/>
+                </a:solidFill>
+                <a:effectLst/>
+              </a:rPr>
+              <a:t>D. CHECK IF L0 MIDDLE SQUARE IS NOT 3/4 FILLED  : put in middle square</a:t>
+            </a:r>
+            <a:br>
+              <a:rPr lang="en-GB" dirty="0">
+                <a:solidFill>
+                  <a:srgbClr val="FF78FD"/>
+                </a:solidFill>
+                <a:effectLst/>
+              </a:rPr>
+            </a:br>
+            <a:r>
+              <a:rPr lang="en-GB" dirty="0">
+                <a:solidFill>
+                  <a:srgbClr val="FF78FD"/>
+                </a:solidFill>
+                <a:effectLst/>
+              </a:rPr>
+              <a:t>E. SEARCH FOR SQUARE REPRESENTED MOST           : put there</a:t>
+            </a:r>
+            <a:br>
+              <a:rPr lang="en-GB" dirty="0">
+                <a:solidFill>
+                  <a:srgbClr val="FF78FD"/>
+                </a:solidFill>
+                <a:effectLst/>
+              </a:rPr>
+            </a:br>
+            <a:r>
+              <a:rPr lang="en-GB" dirty="0">
+                <a:solidFill>
+                  <a:srgbClr val="FF78FD"/>
+                </a:solidFill>
+                <a:effectLst/>
+              </a:rPr>
+              <a:t>F. IF NO MOVES COULD BE PERFORMED               : put random, same as random fit</a:t>
+            </a:r>
+            <a:br>
+              <a:rPr lang="en-GB" dirty="0">
+                <a:solidFill>
+                  <a:srgbClr val="FF78FD"/>
+                </a:solidFill>
+                <a:effectLst/>
+              </a:rPr>
+            </a:br>
+            <a:r>
+              <a:rPr lang="en-GB" dirty="0">
+                <a:solidFill>
+                  <a:srgbClr val="FF78FD"/>
+                </a:solidFill>
+                <a:effectLst/>
+              </a:rPr>
+              <a:t>G. PUTS AS HIGH AS POSSIBLE</a:t>
+            </a:r>
+            <a:br>
+              <a:rPr lang="en-GB" dirty="0">
+                <a:solidFill>
+                  <a:srgbClr val="FF78FD"/>
+                </a:solidFill>
+                <a:effectLst/>
+              </a:rPr>
+            </a:br>
+            <a:r>
+              <a:rPr lang="en-GB" dirty="0">
+                <a:solidFill>
+                  <a:srgbClr val="FF78FD"/>
+                </a:solidFill>
+                <a:effectLst/>
+              </a:rPr>
+              <a:t>*/</a:t>
+            </a:r>
+            <a:endParaRPr lang="en-GB" dirty="0"/>
+          </a:p>
+        </p:txBody>
+      </p:sp>
+      <p:sp>
+        <p:nvSpPr>
+          <p:cNvPr id="4" name="Slide Number Placeholder 3"/>
+          <p:cNvSpPr>
+            <a:spLocks noGrp="1"/>
+          </p:cNvSpPr>
+          <p:nvPr>
+            <p:ph type="sldNum" sz="quarter" idx="5"/>
+          </p:nvPr>
+        </p:nvSpPr>
+        <p:spPr/>
+        <p:txBody>
+          <a:bodyPr/>
+          <a:lstStyle/>
+          <a:p>
+            <a:fld id="{0B83ECC0-8215-4318-A3C0-552CE5E99E84}" type="slidenum">
+              <a:rPr lang="en-GB" smtClean="0"/>
+              <a:t>9</a:t>
+            </a:fld>
+            <a:endParaRPr lang="en-GB"/>
+          </a:p>
+        </p:txBody>
+      </p:sp>
+    </p:spTree>
+    <p:extLst>
+      <p:ext uri="{BB962C8B-B14F-4D97-AF65-F5344CB8AC3E}">
+        <p14:creationId xmlns:p14="http://schemas.microsoft.com/office/powerpoint/2010/main" val="3572535018"/>
+      </p:ext>
+    </p:extLst>
+  </p:cSld>
+  <p:clrMapOvr>
+    <a:masterClrMapping/>
+  </p:clrMapOvr>
+</p:notes>
+</file>
+
+<file path=ppt/notesSlides/notesSlide5.xml><?xml version="1.0" encoding="utf-8"?>
+<p:notes xmlns:a="http://schemas.openxmlformats.org/drawingml/2006/main" xmlns:r="http://schemas.openxmlformats.org/officeDocument/2006/relationships" xmlns:p="http://schemas.openxmlformats.org/presentationml/2006/main">
+  <p:cSld>
+    <p:spTree>
+      <p:nvGrpSpPr>
+        <p:cNvPr id="1" name=""/>
+        <p:cNvGrpSpPr/>
+        <p:nvPr/>
+      </p:nvGrpSpPr>
+      <p:grpSpPr>
+        <a:xfrm>
+          <a:off x="0" y="0"/>
+          <a:ext cx="0" cy="0"/>
+          <a:chOff x="0" y="0"/>
+          <a:chExt cx="0" cy="0"/>
+        </a:xfrm>
+      </p:grpSpPr>
+      <p:sp>
+        <p:nvSpPr>
+          <p:cNvPr id="2" name="Slide Image Placeholder 1"/>
+          <p:cNvSpPr>
+            <a:spLocks noGrp="1" noRot="1" noChangeAspect="1"/>
+          </p:cNvSpPr>
+          <p:nvPr>
+            <p:ph type="sldImg"/>
+          </p:nvPr>
+        </p:nvSpPr>
+        <p:spPr/>
+      </p:sp>
+      <p:sp>
+        <p:nvSpPr>
+          <p:cNvPr id="3" name="Notes Placeholder 2"/>
+          <p:cNvSpPr>
+            <a:spLocks noGrp="1"/>
+          </p:cNvSpPr>
+          <p:nvPr>
+            <p:ph type="body" idx="1"/>
+          </p:nvPr>
+        </p:nvSpPr>
+        <p:spPr/>
+        <p:txBody>
+          <a:bodyPr/>
+          <a:lstStyle/>
+          <a:p>
+            <a:r>
+              <a:rPr lang="en-GB" dirty="0">
+                <a:solidFill>
+                  <a:srgbClr val="FF78FD"/>
+                </a:solidFill>
+                <a:effectLst/>
+              </a:rPr>
+              <a:t>/*</a:t>
+            </a:r>
+            <a:br>
+              <a:rPr lang="en-GB" dirty="0">
+                <a:solidFill>
+                  <a:srgbClr val="FF78FD"/>
+                </a:solidFill>
+                <a:effectLst/>
+              </a:rPr>
+            </a:br>
+            <a:r>
+              <a:rPr lang="en-GB" dirty="0">
+                <a:solidFill>
+                  <a:srgbClr val="FF78FD"/>
+                </a:solidFill>
+                <a:effectLst/>
+              </a:rPr>
+              <a:t>A. Check for 3/4 Square</a:t>
+            </a:r>
+            <a:br>
+              <a:rPr lang="en-GB" dirty="0">
+                <a:solidFill>
+                  <a:srgbClr val="FF78FD"/>
+                </a:solidFill>
+                <a:effectLst/>
+              </a:rPr>
+            </a:br>
+            <a:r>
+              <a:rPr lang="en-GB" dirty="0">
+                <a:solidFill>
+                  <a:srgbClr val="FF78FD"/>
+                </a:solidFill>
+                <a:effectLst/>
+              </a:rPr>
+              <a:t>    A1. 3/4 own </a:t>
+            </a:r>
+            <a:r>
+              <a:rPr lang="en-GB" dirty="0" err="1">
+                <a:solidFill>
+                  <a:srgbClr val="FF78FD"/>
+                </a:solidFill>
+                <a:effectLst/>
+              </a:rPr>
+              <a:t>color</a:t>
+            </a:r>
+            <a:r>
+              <a:rPr lang="en-GB" dirty="0">
+                <a:solidFill>
+                  <a:srgbClr val="FF78FD"/>
+                </a:solidFill>
+                <a:effectLst/>
+              </a:rPr>
+              <a:t>                           : put fourth</a:t>
+            </a:r>
+            <a:br>
+              <a:rPr lang="en-GB" dirty="0">
+                <a:solidFill>
+                  <a:srgbClr val="FF78FD"/>
+                </a:solidFill>
+                <a:effectLst/>
+              </a:rPr>
+            </a:br>
+            <a:r>
+              <a:rPr lang="en-GB" dirty="0">
+                <a:solidFill>
+                  <a:srgbClr val="FF78FD"/>
+                </a:solidFill>
+                <a:effectLst/>
+              </a:rPr>
+              <a:t>    A2. 3/4 other </a:t>
+            </a:r>
+            <a:r>
+              <a:rPr lang="en-GB" dirty="0" err="1">
+                <a:solidFill>
+                  <a:srgbClr val="FF78FD"/>
+                </a:solidFill>
+                <a:effectLst/>
+              </a:rPr>
+              <a:t>color</a:t>
+            </a:r>
+            <a:br>
+              <a:rPr lang="en-GB" dirty="0">
+                <a:solidFill>
+                  <a:srgbClr val="FF78FD"/>
+                </a:solidFill>
+                <a:effectLst/>
+              </a:rPr>
+            </a:br>
+            <a:r>
+              <a:rPr lang="en-GB" dirty="0">
+                <a:solidFill>
+                  <a:srgbClr val="FF78FD"/>
+                </a:solidFill>
+                <a:effectLst/>
+              </a:rPr>
+              <a:t>        A21. 1/4 own </a:t>
+            </a:r>
+            <a:r>
+              <a:rPr lang="en-GB" dirty="0" err="1">
+                <a:solidFill>
+                  <a:srgbClr val="FF78FD"/>
+                </a:solidFill>
+                <a:effectLst/>
+              </a:rPr>
+              <a:t>color</a:t>
+            </a:r>
+            <a:r>
+              <a:rPr lang="en-GB" dirty="0">
+                <a:solidFill>
+                  <a:srgbClr val="FF78FD"/>
+                </a:solidFill>
+                <a:effectLst/>
+              </a:rPr>
+              <a:t>                      : put on top</a:t>
+            </a:r>
+            <a:br>
+              <a:rPr lang="en-GB" dirty="0">
+                <a:solidFill>
+                  <a:srgbClr val="FF78FD"/>
+                </a:solidFill>
+                <a:effectLst/>
+              </a:rPr>
+            </a:br>
+            <a:r>
+              <a:rPr lang="en-GB" dirty="0">
+                <a:solidFill>
+                  <a:srgbClr val="FF78FD"/>
+                </a:solidFill>
+                <a:effectLst/>
+              </a:rPr>
+              <a:t>        A22. 1/4 empty                          : put forth (if not middle)</a:t>
+            </a:r>
+            <a:br>
+              <a:rPr lang="en-GB" dirty="0">
+                <a:solidFill>
+                  <a:srgbClr val="FF78FD"/>
+                </a:solidFill>
+                <a:effectLst/>
+              </a:rPr>
+            </a:br>
+            <a:br>
+              <a:rPr lang="en-GB" dirty="0">
+                <a:solidFill>
+                  <a:srgbClr val="FF78FD"/>
+                </a:solidFill>
+                <a:effectLst/>
+              </a:rPr>
+            </a:br>
+            <a:r>
+              <a:rPr lang="en-GB" dirty="0">
+                <a:solidFill>
+                  <a:srgbClr val="FF78FD"/>
+                </a:solidFill>
+                <a:effectLst/>
+              </a:rPr>
+              <a:t>B. CHECK IF MIDDLE 4/4                          : put on top</a:t>
+            </a:r>
+            <a:br>
+              <a:rPr lang="en-GB" dirty="0">
+                <a:solidFill>
+                  <a:srgbClr val="FF78FD"/>
+                </a:solidFill>
+                <a:effectLst/>
+              </a:rPr>
+            </a:br>
+            <a:r>
+              <a:rPr lang="en-GB" dirty="0">
+                <a:solidFill>
+                  <a:srgbClr val="FF78FD"/>
+                </a:solidFill>
+                <a:effectLst/>
+              </a:rPr>
+              <a:t>C. L1 MIDDLE IS TAKEN</a:t>
+            </a:r>
+            <a:br>
+              <a:rPr lang="en-GB" dirty="0">
+                <a:solidFill>
+                  <a:srgbClr val="FF78FD"/>
+                </a:solidFill>
+                <a:effectLst/>
+              </a:rPr>
+            </a:br>
+            <a:r>
+              <a:rPr lang="en-GB" dirty="0">
+                <a:solidFill>
+                  <a:srgbClr val="FF78FD"/>
+                </a:solidFill>
+                <a:effectLst/>
+              </a:rPr>
+              <a:t>    C1. MIDDLE SPHERE IS OWN COLOR              : try put on middle of border</a:t>
+            </a:r>
+            <a:br>
+              <a:rPr lang="en-GB" dirty="0">
+                <a:solidFill>
+                  <a:srgbClr val="FF78FD"/>
+                </a:solidFill>
+                <a:effectLst/>
+              </a:rPr>
+            </a:br>
+            <a:r>
+              <a:rPr lang="en-GB" dirty="0">
+                <a:solidFill>
+                  <a:srgbClr val="FF78FD"/>
+                </a:solidFill>
+                <a:effectLst/>
+              </a:rPr>
+              <a:t>    C2. MIDDLE SPHERE IS OTHER COLOR</a:t>
+            </a:r>
+            <a:br>
+              <a:rPr lang="en-GB" dirty="0">
+                <a:solidFill>
+                  <a:srgbClr val="FF78FD"/>
+                </a:solidFill>
+                <a:effectLst/>
+              </a:rPr>
+            </a:br>
+            <a:r>
+              <a:rPr lang="en-GB" dirty="0">
+                <a:solidFill>
+                  <a:srgbClr val="FF78FD"/>
+                </a:solidFill>
+                <a:effectLst/>
+              </a:rPr>
+              <a:t>        C21. ONE (OR MORE) BLACK SPHERES ON L2  : try to put on opposite side</a:t>
+            </a:r>
+            <a:br>
+              <a:rPr lang="en-GB" dirty="0">
+                <a:solidFill>
+                  <a:srgbClr val="FF78FD"/>
+                </a:solidFill>
+                <a:effectLst/>
+              </a:rPr>
+            </a:br>
+            <a:r>
+              <a:rPr lang="en-GB" dirty="0">
+                <a:solidFill>
+                  <a:srgbClr val="FF78FD"/>
+                </a:solidFill>
+                <a:effectLst/>
+              </a:rPr>
+              <a:t>        C22. NO/ MULTIPLE BLACK SPHERES ON L2   : try put on middle of border</a:t>
+            </a:r>
+            <a:br>
+              <a:rPr lang="en-GB" dirty="0">
+                <a:solidFill>
+                  <a:srgbClr val="FF78FD"/>
+                </a:solidFill>
+                <a:effectLst/>
+              </a:rPr>
+            </a:br>
+            <a:r>
+              <a:rPr lang="en-GB" dirty="0">
+                <a:solidFill>
+                  <a:srgbClr val="FF78FD"/>
+                </a:solidFill>
+                <a:effectLst/>
+              </a:rPr>
+              <a:t>D. CHECK IF L0 MIDDLE SQUARE IS NOT 3/4 FILLED  : put in middle square</a:t>
+            </a:r>
+            <a:br>
+              <a:rPr lang="en-GB" dirty="0">
+                <a:solidFill>
+                  <a:srgbClr val="FF78FD"/>
+                </a:solidFill>
+                <a:effectLst/>
+              </a:rPr>
+            </a:br>
+            <a:r>
+              <a:rPr lang="en-GB" dirty="0">
+                <a:solidFill>
+                  <a:srgbClr val="FF78FD"/>
+                </a:solidFill>
+                <a:effectLst/>
+              </a:rPr>
+              <a:t>E. SEARCH FOR SQUARE REPRESENTED MOST           : put there</a:t>
+            </a:r>
+            <a:br>
+              <a:rPr lang="en-GB" dirty="0">
+                <a:solidFill>
+                  <a:srgbClr val="FF78FD"/>
+                </a:solidFill>
+                <a:effectLst/>
+              </a:rPr>
+            </a:br>
+            <a:r>
+              <a:rPr lang="en-GB" dirty="0">
+                <a:solidFill>
+                  <a:srgbClr val="FF78FD"/>
+                </a:solidFill>
+                <a:effectLst/>
+              </a:rPr>
+              <a:t>F. IF NO MOVES COULD BE PERFORMED               : put random, same as random fit</a:t>
+            </a:r>
+            <a:br>
+              <a:rPr lang="en-GB" dirty="0">
+                <a:solidFill>
+                  <a:srgbClr val="FF78FD"/>
+                </a:solidFill>
+                <a:effectLst/>
+              </a:rPr>
+            </a:br>
+            <a:r>
+              <a:rPr lang="en-GB" dirty="0">
+                <a:solidFill>
+                  <a:srgbClr val="FF78FD"/>
+                </a:solidFill>
+                <a:effectLst/>
+              </a:rPr>
+              <a:t>G. PUTS AS HIGH AS POSSIBLE</a:t>
+            </a:r>
+            <a:br>
+              <a:rPr lang="en-GB" dirty="0">
+                <a:solidFill>
+                  <a:srgbClr val="FF78FD"/>
+                </a:solidFill>
+                <a:effectLst/>
+              </a:rPr>
+            </a:br>
+            <a:r>
+              <a:rPr lang="en-GB" dirty="0">
+                <a:solidFill>
+                  <a:srgbClr val="FF78FD"/>
+                </a:solidFill>
+                <a:effectLst/>
+              </a:rPr>
+              <a:t>*/</a:t>
+            </a:r>
+            <a:endParaRPr lang="en-GB" dirty="0"/>
+          </a:p>
+        </p:txBody>
+      </p:sp>
+      <p:sp>
+        <p:nvSpPr>
+          <p:cNvPr id="4" name="Slide Number Placeholder 3"/>
+          <p:cNvSpPr>
+            <a:spLocks noGrp="1"/>
+          </p:cNvSpPr>
+          <p:nvPr>
+            <p:ph type="sldNum" sz="quarter" idx="5"/>
+          </p:nvPr>
+        </p:nvSpPr>
+        <p:spPr/>
+        <p:txBody>
+          <a:bodyPr/>
+          <a:lstStyle/>
+          <a:p>
+            <a:fld id="{0B83ECC0-8215-4318-A3C0-552CE5E99E84}" type="slidenum">
+              <a:rPr lang="en-GB" smtClean="0"/>
+              <a:t>10</a:t>
+            </a:fld>
+            <a:endParaRPr lang="en-GB"/>
+          </a:p>
+        </p:txBody>
+      </p:sp>
+    </p:spTree>
+    <p:extLst>
+      <p:ext uri="{BB962C8B-B14F-4D97-AF65-F5344CB8AC3E}">
+        <p14:creationId xmlns:p14="http://schemas.microsoft.com/office/powerpoint/2010/main" val="3677716481"/>
+      </p:ext>
+    </p:extLst>
+  </p:cSld>
+  <p:clrMapOvr>
+    <a:masterClrMapping/>
+  </p:clrMapOvr>
+</p:notes>
+</file>
+
+<file path=ppt/notesSlides/notesSlide6.xml><?xml version="1.0" encoding="utf-8"?>
+<p:notes xmlns:a="http://schemas.openxmlformats.org/drawingml/2006/main" xmlns:r="http://schemas.openxmlformats.org/officeDocument/2006/relationships" xmlns:p="http://schemas.openxmlformats.org/presentationml/2006/main">
+  <p:cSld>
+    <p:spTree>
+      <p:nvGrpSpPr>
+        <p:cNvPr id="1" name=""/>
+        <p:cNvGrpSpPr/>
+        <p:nvPr/>
+      </p:nvGrpSpPr>
+      <p:grpSpPr>
+        <a:xfrm>
+          <a:off x="0" y="0"/>
+          <a:ext cx="0" cy="0"/>
+          <a:chOff x="0" y="0"/>
+          <a:chExt cx="0" cy="0"/>
+        </a:xfrm>
+      </p:grpSpPr>
+      <p:sp>
+        <p:nvSpPr>
+          <p:cNvPr id="2" name="Slide Image Placeholder 1"/>
+          <p:cNvSpPr>
+            <a:spLocks noGrp="1" noRot="1" noChangeAspect="1"/>
+          </p:cNvSpPr>
+          <p:nvPr>
+            <p:ph type="sldImg"/>
+          </p:nvPr>
+        </p:nvSpPr>
+        <p:spPr/>
+      </p:sp>
+      <p:sp>
+        <p:nvSpPr>
+          <p:cNvPr id="3" name="Notes Placeholder 2"/>
+          <p:cNvSpPr>
+            <a:spLocks noGrp="1"/>
+          </p:cNvSpPr>
+          <p:nvPr>
+            <p:ph type="body" idx="1"/>
+          </p:nvPr>
+        </p:nvSpPr>
+        <p:spPr/>
+        <p:txBody>
+          <a:bodyPr/>
+          <a:lstStyle/>
+          <a:p>
+            <a:r>
+              <a:rPr lang="en-GB" dirty="0">
+                <a:solidFill>
+                  <a:srgbClr val="FF78FD"/>
+                </a:solidFill>
+                <a:effectLst/>
+              </a:rPr>
+              <a:t>/*</a:t>
+            </a:r>
+            <a:br>
+              <a:rPr lang="en-GB" dirty="0">
+                <a:solidFill>
+                  <a:srgbClr val="FF78FD"/>
+                </a:solidFill>
+                <a:effectLst/>
+              </a:rPr>
+            </a:br>
+            <a:r>
+              <a:rPr lang="en-GB" dirty="0">
+                <a:solidFill>
+                  <a:srgbClr val="FF78FD"/>
+                </a:solidFill>
+                <a:effectLst/>
+              </a:rPr>
+              <a:t>A. Check for 3/4 Square</a:t>
+            </a:r>
+            <a:br>
+              <a:rPr lang="en-GB" dirty="0">
+                <a:solidFill>
+                  <a:srgbClr val="FF78FD"/>
+                </a:solidFill>
+                <a:effectLst/>
+              </a:rPr>
+            </a:br>
+            <a:r>
+              <a:rPr lang="en-GB" dirty="0">
+                <a:solidFill>
+                  <a:srgbClr val="FF78FD"/>
+                </a:solidFill>
+                <a:effectLst/>
+              </a:rPr>
+              <a:t>    A1. 3/4 own </a:t>
+            </a:r>
+            <a:r>
+              <a:rPr lang="en-GB" dirty="0" err="1">
+                <a:solidFill>
+                  <a:srgbClr val="FF78FD"/>
+                </a:solidFill>
+                <a:effectLst/>
+              </a:rPr>
+              <a:t>color</a:t>
+            </a:r>
+            <a:r>
+              <a:rPr lang="en-GB" dirty="0">
+                <a:solidFill>
+                  <a:srgbClr val="FF78FD"/>
+                </a:solidFill>
+                <a:effectLst/>
+              </a:rPr>
+              <a:t>                           : put fourth</a:t>
+            </a:r>
+            <a:br>
+              <a:rPr lang="en-GB" dirty="0">
+                <a:solidFill>
+                  <a:srgbClr val="FF78FD"/>
+                </a:solidFill>
+                <a:effectLst/>
+              </a:rPr>
+            </a:br>
+            <a:r>
+              <a:rPr lang="en-GB" dirty="0">
+                <a:solidFill>
+                  <a:srgbClr val="FF78FD"/>
+                </a:solidFill>
+                <a:effectLst/>
+              </a:rPr>
+              <a:t>    A2. 3/4 other </a:t>
+            </a:r>
+            <a:r>
+              <a:rPr lang="en-GB" dirty="0" err="1">
+                <a:solidFill>
+                  <a:srgbClr val="FF78FD"/>
+                </a:solidFill>
+                <a:effectLst/>
+              </a:rPr>
+              <a:t>color</a:t>
+            </a:r>
+            <a:br>
+              <a:rPr lang="en-GB" dirty="0">
+                <a:solidFill>
+                  <a:srgbClr val="FF78FD"/>
+                </a:solidFill>
+                <a:effectLst/>
+              </a:rPr>
+            </a:br>
+            <a:r>
+              <a:rPr lang="en-GB" dirty="0">
+                <a:solidFill>
+                  <a:srgbClr val="FF78FD"/>
+                </a:solidFill>
+                <a:effectLst/>
+              </a:rPr>
+              <a:t>        A21. 1/4 own </a:t>
+            </a:r>
+            <a:r>
+              <a:rPr lang="en-GB" dirty="0" err="1">
+                <a:solidFill>
+                  <a:srgbClr val="FF78FD"/>
+                </a:solidFill>
+                <a:effectLst/>
+              </a:rPr>
+              <a:t>color</a:t>
+            </a:r>
+            <a:r>
+              <a:rPr lang="en-GB" dirty="0">
+                <a:solidFill>
+                  <a:srgbClr val="FF78FD"/>
+                </a:solidFill>
+                <a:effectLst/>
+              </a:rPr>
+              <a:t>                      : put on top</a:t>
+            </a:r>
+            <a:br>
+              <a:rPr lang="en-GB" dirty="0">
+                <a:solidFill>
+                  <a:srgbClr val="FF78FD"/>
+                </a:solidFill>
+                <a:effectLst/>
+              </a:rPr>
+            </a:br>
+            <a:r>
+              <a:rPr lang="en-GB" dirty="0">
+                <a:solidFill>
+                  <a:srgbClr val="FF78FD"/>
+                </a:solidFill>
+                <a:effectLst/>
+              </a:rPr>
+              <a:t>        A22. 1/4 empty                          : put forth (if not middle)</a:t>
+            </a:r>
+            <a:br>
+              <a:rPr lang="en-GB" dirty="0">
+                <a:solidFill>
+                  <a:srgbClr val="FF78FD"/>
+                </a:solidFill>
+                <a:effectLst/>
+              </a:rPr>
+            </a:br>
+            <a:br>
+              <a:rPr lang="en-GB" dirty="0">
+                <a:solidFill>
+                  <a:srgbClr val="FF78FD"/>
+                </a:solidFill>
+                <a:effectLst/>
+              </a:rPr>
+            </a:br>
+            <a:r>
+              <a:rPr lang="en-GB" dirty="0">
+                <a:solidFill>
+                  <a:srgbClr val="FF78FD"/>
+                </a:solidFill>
+                <a:effectLst/>
+              </a:rPr>
+              <a:t>B. CHECK IF MIDDLE 4/4                          : put on top</a:t>
+            </a:r>
+            <a:br>
+              <a:rPr lang="en-GB" dirty="0">
+                <a:solidFill>
+                  <a:srgbClr val="FF78FD"/>
+                </a:solidFill>
+                <a:effectLst/>
+              </a:rPr>
+            </a:br>
+            <a:r>
+              <a:rPr lang="en-GB" dirty="0">
+                <a:solidFill>
+                  <a:srgbClr val="FF78FD"/>
+                </a:solidFill>
+                <a:effectLst/>
+              </a:rPr>
+              <a:t>C. L1 MIDDLE IS TAKEN</a:t>
+            </a:r>
+            <a:br>
+              <a:rPr lang="en-GB" dirty="0">
+                <a:solidFill>
+                  <a:srgbClr val="FF78FD"/>
+                </a:solidFill>
+                <a:effectLst/>
+              </a:rPr>
+            </a:br>
+            <a:r>
+              <a:rPr lang="en-GB" dirty="0">
+                <a:solidFill>
+                  <a:srgbClr val="FF78FD"/>
+                </a:solidFill>
+                <a:effectLst/>
+              </a:rPr>
+              <a:t>    C1. MIDDLE SPHERE IS OWN COLOR              : try put on middle of border</a:t>
+            </a:r>
+            <a:br>
+              <a:rPr lang="en-GB" dirty="0">
+                <a:solidFill>
+                  <a:srgbClr val="FF78FD"/>
+                </a:solidFill>
+                <a:effectLst/>
+              </a:rPr>
+            </a:br>
+            <a:r>
+              <a:rPr lang="en-GB" dirty="0">
+                <a:solidFill>
+                  <a:srgbClr val="FF78FD"/>
+                </a:solidFill>
+                <a:effectLst/>
+              </a:rPr>
+              <a:t>    C2. MIDDLE SPHERE IS OTHER COLOR</a:t>
+            </a:r>
+            <a:br>
+              <a:rPr lang="en-GB" dirty="0">
+                <a:solidFill>
+                  <a:srgbClr val="FF78FD"/>
+                </a:solidFill>
+                <a:effectLst/>
+              </a:rPr>
+            </a:br>
+            <a:r>
+              <a:rPr lang="en-GB" dirty="0">
+                <a:solidFill>
+                  <a:srgbClr val="FF78FD"/>
+                </a:solidFill>
+                <a:effectLst/>
+              </a:rPr>
+              <a:t>        C21. ONE (OR MORE) BLACK SPHERES ON L2  : try to put on opposite side</a:t>
+            </a:r>
+            <a:br>
+              <a:rPr lang="en-GB" dirty="0">
+                <a:solidFill>
+                  <a:srgbClr val="FF78FD"/>
+                </a:solidFill>
+                <a:effectLst/>
+              </a:rPr>
+            </a:br>
+            <a:r>
+              <a:rPr lang="en-GB" dirty="0">
+                <a:solidFill>
+                  <a:srgbClr val="FF78FD"/>
+                </a:solidFill>
+                <a:effectLst/>
+              </a:rPr>
+              <a:t>        C22. NO/ MULTIPLE BLACK SPHERES ON L2   : try put on middle of border</a:t>
+            </a:r>
+            <a:br>
+              <a:rPr lang="en-GB" dirty="0">
+                <a:solidFill>
+                  <a:srgbClr val="FF78FD"/>
+                </a:solidFill>
+                <a:effectLst/>
+              </a:rPr>
+            </a:br>
+            <a:r>
+              <a:rPr lang="en-GB" dirty="0">
+                <a:solidFill>
+                  <a:srgbClr val="FF78FD"/>
+                </a:solidFill>
+                <a:effectLst/>
+              </a:rPr>
+              <a:t>D. CHECK IF L0 MIDDLE SQUARE IS NOT 3/4 FILLED  : put in middle square</a:t>
+            </a:r>
+            <a:br>
+              <a:rPr lang="en-GB" dirty="0">
+                <a:solidFill>
+                  <a:srgbClr val="FF78FD"/>
+                </a:solidFill>
+                <a:effectLst/>
+              </a:rPr>
+            </a:br>
+            <a:r>
+              <a:rPr lang="en-GB" dirty="0">
+                <a:solidFill>
+                  <a:srgbClr val="FF78FD"/>
+                </a:solidFill>
+                <a:effectLst/>
+              </a:rPr>
+              <a:t>E. SEARCH FOR SQUARE REPRESENTED MOST           : put there</a:t>
+            </a:r>
+            <a:br>
+              <a:rPr lang="en-GB" dirty="0">
+                <a:solidFill>
+                  <a:srgbClr val="FF78FD"/>
+                </a:solidFill>
+                <a:effectLst/>
+              </a:rPr>
+            </a:br>
+            <a:r>
+              <a:rPr lang="en-GB" dirty="0">
+                <a:solidFill>
+                  <a:srgbClr val="FF78FD"/>
+                </a:solidFill>
+                <a:effectLst/>
+              </a:rPr>
+              <a:t>F. IF NO MOVES COULD BE PERFORMED               : put random, same as random fit</a:t>
+            </a:r>
+            <a:br>
+              <a:rPr lang="en-GB" dirty="0">
+                <a:solidFill>
+                  <a:srgbClr val="FF78FD"/>
+                </a:solidFill>
+                <a:effectLst/>
+              </a:rPr>
+            </a:br>
+            <a:r>
+              <a:rPr lang="en-GB" dirty="0">
+                <a:solidFill>
+                  <a:srgbClr val="FF78FD"/>
+                </a:solidFill>
+                <a:effectLst/>
+              </a:rPr>
+              <a:t>G. PUTS AS HIGH AS POSSIBLE</a:t>
+            </a:r>
+            <a:br>
+              <a:rPr lang="en-GB" dirty="0">
+                <a:solidFill>
+                  <a:srgbClr val="FF78FD"/>
+                </a:solidFill>
+                <a:effectLst/>
+              </a:rPr>
+            </a:br>
+            <a:r>
+              <a:rPr lang="en-GB" dirty="0">
+                <a:solidFill>
+                  <a:srgbClr val="FF78FD"/>
+                </a:solidFill>
+                <a:effectLst/>
+              </a:rPr>
+              <a:t>*/</a:t>
+            </a:r>
+            <a:endParaRPr lang="en-GB" dirty="0"/>
+          </a:p>
+        </p:txBody>
+      </p:sp>
+      <p:sp>
+        <p:nvSpPr>
+          <p:cNvPr id="4" name="Slide Number Placeholder 3"/>
+          <p:cNvSpPr>
+            <a:spLocks noGrp="1"/>
+          </p:cNvSpPr>
+          <p:nvPr>
+            <p:ph type="sldNum" sz="quarter" idx="5"/>
+          </p:nvPr>
+        </p:nvSpPr>
+        <p:spPr/>
+        <p:txBody>
+          <a:bodyPr/>
+          <a:lstStyle/>
+          <a:p>
+            <a:fld id="{0B83ECC0-8215-4318-A3C0-552CE5E99E84}" type="slidenum">
+              <a:rPr lang="en-GB" smtClean="0"/>
+              <a:t>11</a:t>
+            </a:fld>
+            <a:endParaRPr lang="en-GB"/>
+          </a:p>
+        </p:txBody>
+      </p:sp>
+    </p:spTree>
+    <p:extLst>
+      <p:ext uri="{BB962C8B-B14F-4D97-AF65-F5344CB8AC3E}">
+        <p14:creationId xmlns:p14="http://schemas.microsoft.com/office/powerpoint/2010/main" val="33150627"/>
+      </p:ext>
+    </p:extLst>
+  </p:cSld>
+  <p:clrMapOvr>
+    <a:masterClrMapping/>
+  </p:clrMapOvr>
+</p:notes>
+</file>
+
+<file path=ppt/notesSlides/notesSlide7.xml><?xml version="1.0" encoding="utf-8"?>
+<p:notes xmlns:a="http://schemas.openxmlformats.org/drawingml/2006/main" xmlns:r="http://schemas.openxmlformats.org/officeDocument/2006/relationships" xmlns:p="http://schemas.openxmlformats.org/presentationml/2006/main">
+  <p:cSld>
+    <p:spTree>
+      <p:nvGrpSpPr>
+        <p:cNvPr id="1" name=""/>
+        <p:cNvGrpSpPr/>
+        <p:nvPr/>
+      </p:nvGrpSpPr>
+      <p:grpSpPr>
+        <a:xfrm>
+          <a:off x="0" y="0"/>
+          <a:ext cx="0" cy="0"/>
+          <a:chOff x="0" y="0"/>
+          <a:chExt cx="0" cy="0"/>
+        </a:xfrm>
+      </p:grpSpPr>
+      <p:sp>
+        <p:nvSpPr>
+          <p:cNvPr id="2" name="Slide Image Placeholder 1"/>
+          <p:cNvSpPr>
+            <a:spLocks noGrp="1" noRot="1" noChangeAspect="1"/>
+          </p:cNvSpPr>
+          <p:nvPr>
+            <p:ph type="sldImg"/>
+          </p:nvPr>
+        </p:nvSpPr>
+        <p:spPr/>
+      </p:sp>
+      <p:sp>
+        <p:nvSpPr>
+          <p:cNvPr id="3" name="Notes Placeholder 2"/>
+          <p:cNvSpPr>
+            <a:spLocks noGrp="1"/>
+          </p:cNvSpPr>
+          <p:nvPr>
+            <p:ph type="body" idx="1"/>
+          </p:nvPr>
+        </p:nvSpPr>
+        <p:spPr/>
+        <p:txBody>
+          <a:bodyPr/>
+          <a:lstStyle/>
+          <a:p>
+            <a:r>
+              <a:rPr lang="en-GB" dirty="0">
+                <a:solidFill>
+                  <a:srgbClr val="FF78FD"/>
+                </a:solidFill>
+                <a:effectLst/>
+              </a:rPr>
+              <a:t>/*</a:t>
+            </a:r>
+            <a:br>
+              <a:rPr lang="en-GB" dirty="0">
+                <a:solidFill>
+                  <a:srgbClr val="FF78FD"/>
+                </a:solidFill>
+                <a:effectLst/>
+              </a:rPr>
+            </a:br>
+            <a:r>
+              <a:rPr lang="en-GB" dirty="0">
+                <a:solidFill>
+                  <a:srgbClr val="FF78FD"/>
+                </a:solidFill>
+                <a:effectLst/>
+              </a:rPr>
+              <a:t>A. Check for 3/4 Square</a:t>
+            </a:r>
+            <a:br>
+              <a:rPr lang="en-GB" dirty="0">
+                <a:solidFill>
+                  <a:srgbClr val="FF78FD"/>
+                </a:solidFill>
+                <a:effectLst/>
+              </a:rPr>
+            </a:br>
+            <a:r>
+              <a:rPr lang="en-GB" dirty="0">
+                <a:solidFill>
+                  <a:srgbClr val="FF78FD"/>
+                </a:solidFill>
+                <a:effectLst/>
+              </a:rPr>
+              <a:t>    A1. 3/4 own </a:t>
+            </a:r>
+            <a:r>
+              <a:rPr lang="en-GB" dirty="0" err="1">
+                <a:solidFill>
+                  <a:srgbClr val="FF78FD"/>
+                </a:solidFill>
+                <a:effectLst/>
+              </a:rPr>
+              <a:t>color</a:t>
+            </a:r>
+            <a:r>
+              <a:rPr lang="en-GB" dirty="0">
+                <a:solidFill>
+                  <a:srgbClr val="FF78FD"/>
+                </a:solidFill>
+                <a:effectLst/>
+              </a:rPr>
+              <a:t>                           : put fourth</a:t>
+            </a:r>
+            <a:br>
+              <a:rPr lang="en-GB" dirty="0">
+                <a:solidFill>
+                  <a:srgbClr val="FF78FD"/>
+                </a:solidFill>
+                <a:effectLst/>
+              </a:rPr>
+            </a:br>
+            <a:r>
+              <a:rPr lang="en-GB" dirty="0">
+                <a:solidFill>
+                  <a:srgbClr val="FF78FD"/>
+                </a:solidFill>
+                <a:effectLst/>
+              </a:rPr>
+              <a:t>    A2. 3/4 other </a:t>
+            </a:r>
+            <a:r>
+              <a:rPr lang="en-GB" dirty="0" err="1">
+                <a:solidFill>
+                  <a:srgbClr val="FF78FD"/>
+                </a:solidFill>
+                <a:effectLst/>
+              </a:rPr>
+              <a:t>color</a:t>
+            </a:r>
+            <a:br>
+              <a:rPr lang="en-GB" dirty="0">
+                <a:solidFill>
+                  <a:srgbClr val="FF78FD"/>
+                </a:solidFill>
+                <a:effectLst/>
+              </a:rPr>
+            </a:br>
+            <a:r>
+              <a:rPr lang="en-GB" dirty="0">
+                <a:solidFill>
+                  <a:srgbClr val="FF78FD"/>
+                </a:solidFill>
+                <a:effectLst/>
+              </a:rPr>
+              <a:t>        A21. 1/4 own </a:t>
+            </a:r>
+            <a:r>
+              <a:rPr lang="en-GB" dirty="0" err="1">
+                <a:solidFill>
+                  <a:srgbClr val="FF78FD"/>
+                </a:solidFill>
+                <a:effectLst/>
+              </a:rPr>
+              <a:t>color</a:t>
+            </a:r>
+            <a:r>
+              <a:rPr lang="en-GB" dirty="0">
+                <a:solidFill>
+                  <a:srgbClr val="FF78FD"/>
+                </a:solidFill>
+                <a:effectLst/>
+              </a:rPr>
+              <a:t>                      : put on top</a:t>
+            </a:r>
+            <a:br>
+              <a:rPr lang="en-GB" dirty="0">
+                <a:solidFill>
+                  <a:srgbClr val="FF78FD"/>
+                </a:solidFill>
+                <a:effectLst/>
+              </a:rPr>
+            </a:br>
+            <a:r>
+              <a:rPr lang="en-GB" dirty="0">
+                <a:solidFill>
+                  <a:srgbClr val="FF78FD"/>
+                </a:solidFill>
+                <a:effectLst/>
+              </a:rPr>
+              <a:t>        A22. 1/4 empty                          : put forth (if not middle)</a:t>
+            </a:r>
+            <a:br>
+              <a:rPr lang="en-GB" dirty="0">
+                <a:solidFill>
+                  <a:srgbClr val="FF78FD"/>
+                </a:solidFill>
+                <a:effectLst/>
+              </a:rPr>
+            </a:br>
+            <a:br>
+              <a:rPr lang="en-GB" dirty="0">
+                <a:solidFill>
+                  <a:srgbClr val="FF78FD"/>
+                </a:solidFill>
+                <a:effectLst/>
+              </a:rPr>
+            </a:br>
+            <a:r>
+              <a:rPr lang="en-GB" dirty="0">
+                <a:solidFill>
+                  <a:srgbClr val="FF78FD"/>
+                </a:solidFill>
+                <a:effectLst/>
+              </a:rPr>
+              <a:t>B. CHECK IF MIDDLE 4/4                          : put on top</a:t>
+            </a:r>
+            <a:br>
+              <a:rPr lang="en-GB" dirty="0">
+                <a:solidFill>
+                  <a:srgbClr val="FF78FD"/>
+                </a:solidFill>
+                <a:effectLst/>
+              </a:rPr>
+            </a:br>
+            <a:r>
+              <a:rPr lang="en-GB" dirty="0">
+                <a:solidFill>
+                  <a:srgbClr val="FF78FD"/>
+                </a:solidFill>
+                <a:effectLst/>
+              </a:rPr>
+              <a:t>C. L1 MIDDLE IS TAKEN</a:t>
+            </a:r>
+            <a:br>
+              <a:rPr lang="en-GB" dirty="0">
+                <a:solidFill>
+                  <a:srgbClr val="FF78FD"/>
+                </a:solidFill>
+                <a:effectLst/>
+              </a:rPr>
+            </a:br>
+            <a:r>
+              <a:rPr lang="en-GB" dirty="0">
+                <a:solidFill>
+                  <a:srgbClr val="FF78FD"/>
+                </a:solidFill>
+                <a:effectLst/>
+              </a:rPr>
+              <a:t>    C1. MIDDLE SPHERE IS OWN COLOR              : try put on middle of border</a:t>
+            </a:r>
+            <a:br>
+              <a:rPr lang="en-GB" dirty="0">
+                <a:solidFill>
+                  <a:srgbClr val="FF78FD"/>
+                </a:solidFill>
+                <a:effectLst/>
+              </a:rPr>
+            </a:br>
+            <a:r>
+              <a:rPr lang="en-GB" dirty="0">
+                <a:solidFill>
+                  <a:srgbClr val="FF78FD"/>
+                </a:solidFill>
+                <a:effectLst/>
+              </a:rPr>
+              <a:t>    C2. MIDDLE SPHERE IS OTHER COLOR</a:t>
+            </a:r>
+            <a:br>
+              <a:rPr lang="en-GB" dirty="0">
+                <a:solidFill>
+                  <a:srgbClr val="FF78FD"/>
+                </a:solidFill>
+                <a:effectLst/>
+              </a:rPr>
+            </a:br>
+            <a:r>
+              <a:rPr lang="en-GB" dirty="0">
+                <a:solidFill>
+                  <a:srgbClr val="FF78FD"/>
+                </a:solidFill>
+                <a:effectLst/>
+              </a:rPr>
+              <a:t>        C21. ONE (OR MORE) BLACK SPHERES ON L2  : try to put on opposite side</a:t>
+            </a:r>
+            <a:br>
+              <a:rPr lang="en-GB" dirty="0">
+                <a:solidFill>
+                  <a:srgbClr val="FF78FD"/>
+                </a:solidFill>
+                <a:effectLst/>
+              </a:rPr>
+            </a:br>
+            <a:r>
+              <a:rPr lang="en-GB" dirty="0">
+                <a:solidFill>
+                  <a:srgbClr val="FF78FD"/>
+                </a:solidFill>
+                <a:effectLst/>
+              </a:rPr>
+              <a:t>        C22. NO/ MULTIPLE BLACK SPHERES ON L2   : try put on middle of border</a:t>
+            </a:r>
+            <a:br>
+              <a:rPr lang="en-GB" dirty="0">
+                <a:solidFill>
+                  <a:srgbClr val="FF78FD"/>
+                </a:solidFill>
+                <a:effectLst/>
+              </a:rPr>
+            </a:br>
+            <a:r>
+              <a:rPr lang="en-GB" dirty="0">
+                <a:solidFill>
+                  <a:srgbClr val="FF78FD"/>
+                </a:solidFill>
+                <a:effectLst/>
+              </a:rPr>
+              <a:t>D. CHECK IF L0 MIDDLE SQUARE IS NOT 3/4 FILLED  : put in middle square</a:t>
+            </a:r>
+            <a:br>
+              <a:rPr lang="en-GB" dirty="0">
+                <a:solidFill>
+                  <a:srgbClr val="FF78FD"/>
+                </a:solidFill>
+                <a:effectLst/>
+              </a:rPr>
+            </a:br>
+            <a:r>
+              <a:rPr lang="en-GB" dirty="0">
+                <a:solidFill>
+                  <a:srgbClr val="FF78FD"/>
+                </a:solidFill>
+                <a:effectLst/>
+              </a:rPr>
+              <a:t>E. SEARCH FOR SQUARE REPRESENTED MOST           : put there</a:t>
+            </a:r>
+            <a:br>
+              <a:rPr lang="en-GB" dirty="0">
+                <a:solidFill>
+                  <a:srgbClr val="FF78FD"/>
+                </a:solidFill>
+                <a:effectLst/>
+              </a:rPr>
+            </a:br>
+            <a:r>
+              <a:rPr lang="en-GB" dirty="0">
+                <a:solidFill>
+                  <a:srgbClr val="FF78FD"/>
+                </a:solidFill>
+                <a:effectLst/>
+              </a:rPr>
+              <a:t>F. IF NO MOVES COULD BE PERFORMED               : put random, same as random fit</a:t>
+            </a:r>
+            <a:br>
+              <a:rPr lang="en-GB" dirty="0">
+                <a:solidFill>
+                  <a:srgbClr val="FF78FD"/>
+                </a:solidFill>
+                <a:effectLst/>
+              </a:rPr>
+            </a:br>
+            <a:r>
+              <a:rPr lang="en-GB" dirty="0">
+                <a:solidFill>
+                  <a:srgbClr val="FF78FD"/>
+                </a:solidFill>
+                <a:effectLst/>
+              </a:rPr>
+              <a:t>G. PUTS AS HIGH AS POSSIBLE</a:t>
+            </a:r>
+            <a:br>
+              <a:rPr lang="en-GB" dirty="0">
+                <a:solidFill>
+                  <a:srgbClr val="FF78FD"/>
+                </a:solidFill>
+                <a:effectLst/>
+              </a:rPr>
+            </a:br>
+            <a:r>
+              <a:rPr lang="en-GB" dirty="0">
+                <a:solidFill>
+                  <a:srgbClr val="FF78FD"/>
+                </a:solidFill>
+                <a:effectLst/>
+              </a:rPr>
+              <a:t>*/</a:t>
+            </a:r>
+            <a:endParaRPr lang="en-GB" dirty="0"/>
+          </a:p>
+        </p:txBody>
+      </p:sp>
+      <p:sp>
+        <p:nvSpPr>
+          <p:cNvPr id="4" name="Slide Number Placeholder 3"/>
+          <p:cNvSpPr>
+            <a:spLocks noGrp="1"/>
+          </p:cNvSpPr>
+          <p:nvPr>
+            <p:ph type="sldNum" sz="quarter" idx="5"/>
+          </p:nvPr>
+        </p:nvSpPr>
+        <p:spPr/>
+        <p:txBody>
+          <a:bodyPr/>
+          <a:lstStyle/>
+          <a:p>
+            <a:fld id="{0B83ECC0-8215-4318-A3C0-552CE5E99E84}" type="slidenum">
+              <a:rPr lang="en-GB" smtClean="0"/>
+              <a:t>12</a:t>
+            </a:fld>
+            <a:endParaRPr lang="en-GB"/>
+          </a:p>
+        </p:txBody>
+      </p:sp>
+    </p:spTree>
+    <p:extLst>
+      <p:ext uri="{BB962C8B-B14F-4D97-AF65-F5344CB8AC3E}">
+        <p14:creationId xmlns:p14="http://schemas.microsoft.com/office/powerpoint/2010/main" val="583940508"/>
+      </p:ext>
+    </p:extLst>
+  </p:cSld>
+  <p:clrMapOvr>
+    <a:masterClrMapping/>
+  </p:clrMapOvr>
+</p:notes>
+</file>
+
+<file path=ppt/notesSlides/notesSlide8.xml><?xml version="1.0" encoding="utf-8"?>
+<p:notes xmlns:a="http://schemas.openxmlformats.org/drawingml/2006/main" xmlns:r="http://schemas.openxmlformats.org/officeDocument/2006/relationships" xmlns:p="http://schemas.openxmlformats.org/presentationml/2006/main">
+  <p:cSld>
+    <p:spTree>
+      <p:nvGrpSpPr>
+        <p:cNvPr id="1" name=""/>
+        <p:cNvGrpSpPr/>
+        <p:nvPr/>
+      </p:nvGrpSpPr>
+      <p:grpSpPr>
+        <a:xfrm>
+          <a:off x="0" y="0"/>
+          <a:ext cx="0" cy="0"/>
+          <a:chOff x="0" y="0"/>
+          <a:chExt cx="0" cy="0"/>
+        </a:xfrm>
+      </p:grpSpPr>
+      <p:sp>
+        <p:nvSpPr>
+          <p:cNvPr id="2" name="Slide Image Placeholder 1"/>
+          <p:cNvSpPr>
+            <a:spLocks noGrp="1" noRot="1" noChangeAspect="1"/>
+          </p:cNvSpPr>
+          <p:nvPr>
+            <p:ph type="sldImg"/>
+          </p:nvPr>
+        </p:nvSpPr>
+        <p:spPr/>
+      </p:sp>
+      <p:sp>
+        <p:nvSpPr>
+          <p:cNvPr id="3" name="Notes Placeholder 2"/>
+          <p:cNvSpPr>
+            <a:spLocks noGrp="1"/>
+          </p:cNvSpPr>
+          <p:nvPr>
+            <p:ph type="body" idx="1"/>
+          </p:nvPr>
+        </p:nvSpPr>
+        <p:spPr/>
+        <p:txBody>
+          <a:bodyPr/>
+          <a:lstStyle/>
+          <a:p>
+            <a:r>
+              <a:rPr lang="en-GB" dirty="0">
+                <a:solidFill>
+                  <a:srgbClr val="FF78FD"/>
+                </a:solidFill>
+                <a:effectLst/>
+              </a:rPr>
+              <a:t>/*</a:t>
+            </a:r>
+            <a:br>
+              <a:rPr lang="en-GB" dirty="0">
+                <a:solidFill>
+                  <a:srgbClr val="FF78FD"/>
+                </a:solidFill>
+                <a:effectLst/>
+              </a:rPr>
+            </a:br>
+            <a:r>
+              <a:rPr lang="en-GB" dirty="0">
+                <a:solidFill>
+                  <a:srgbClr val="FF78FD"/>
+                </a:solidFill>
+                <a:effectLst/>
+              </a:rPr>
+              <a:t>A. Check for 3/4 Square</a:t>
+            </a:r>
+            <a:br>
+              <a:rPr lang="en-GB" dirty="0">
+                <a:solidFill>
+                  <a:srgbClr val="FF78FD"/>
+                </a:solidFill>
+                <a:effectLst/>
+              </a:rPr>
+            </a:br>
+            <a:r>
+              <a:rPr lang="en-GB" dirty="0">
+                <a:solidFill>
+                  <a:srgbClr val="FF78FD"/>
+                </a:solidFill>
+                <a:effectLst/>
+              </a:rPr>
+              <a:t>    A1. 3/4 own </a:t>
+            </a:r>
+            <a:r>
+              <a:rPr lang="en-GB" dirty="0" err="1">
+                <a:solidFill>
+                  <a:srgbClr val="FF78FD"/>
+                </a:solidFill>
+                <a:effectLst/>
+              </a:rPr>
+              <a:t>color</a:t>
+            </a:r>
+            <a:r>
+              <a:rPr lang="en-GB" dirty="0">
+                <a:solidFill>
+                  <a:srgbClr val="FF78FD"/>
+                </a:solidFill>
+                <a:effectLst/>
+              </a:rPr>
+              <a:t>                           : put fourth</a:t>
+            </a:r>
+            <a:br>
+              <a:rPr lang="en-GB" dirty="0">
+                <a:solidFill>
+                  <a:srgbClr val="FF78FD"/>
+                </a:solidFill>
+                <a:effectLst/>
+              </a:rPr>
+            </a:br>
+            <a:r>
+              <a:rPr lang="en-GB" dirty="0">
+                <a:solidFill>
+                  <a:srgbClr val="FF78FD"/>
+                </a:solidFill>
+                <a:effectLst/>
+              </a:rPr>
+              <a:t>    A2. 3/4 other </a:t>
+            </a:r>
+            <a:r>
+              <a:rPr lang="en-GB" dirty="0" err="1">
+                <a:solidFill>
+                  <a:srgbClr val="FF78FD"/>
+                </a:solidFill>
+                <a:effectLst/>
+              </a:rPr>
+              <a:t>color</a:t>
+            </a:r>
+            <a:br>
+              <a:rPr lang="en-GB" dirty="0">
+                <a:solidFill>
+                  <a:srgbClr val="FF78FD"/>
+                </a:solidFill>
+                <a:effectLst/>
+              </a:rPr>
+            </a:br>
+            <a:r>
+              <a:rPr lang="en-GB" dirty="0">
+                <a:solidFill>
+                  <a:srgbClr val="FF78FD"/>
+                </a:solidFill>
+                <a:effectLst/>
+              </a:rPr>
+              <a:t>        A21. 1/4 own </a:t>
+            </a:r>
+            <a:r>
+              <a:rPr lang="en-GB" dirty="0" err="1">
+                <a:solidFill>
+                  <a:srgbClr val="FF78FD"/>
+                </a:solidFill>
+                <a:effectLst/>
+              </a:rPr>
+              <a:t>color</a:t>
+            </a:r>
+            <a:r>
+              <a:rPr lang="en-GB" dirty="0">
+                <a:solidFill>
+                  <a:srgbClr val="FF78FD"/>
+                </a:solidFill>
+                <a:effectLst/>
+              </a:rPr>
+              <a:t>                      : put on top</a:t>
+            </a:r>
+            <a:br>
+              <a:rPr lang="en-GB" dirty="0">
+                <a:solidFill>
+                  <a:srgbClr val="FF78FD"/>
+                </a:solidFill>
+                <a:effectLst/>
+              </a:rPr>
+            </a:br>
+            <a:r>
+              <a:rPr lang="en-GB" dirty="0">
+                <a:solidFill>
+                  <a:srgbClr val="FF78FD"/>
+                </a:solidFill>
+                <a:effectLst/>
+              </a:rPr>
+              <a:t>        A22. 1/4 empty                          : put forth (if not middle)</a:t>
+            </a:r>
+            <a:br>
+              <a:rPr lang="en-GB" dirty="0">
+                <a:solidFill>
+                  <a:srgbClr val="FF78FD"/>
+                </a:solidFill>
+                <a:effectLst/>
+              </a:rPr>
+            </a:br>
+            <a:br>
+              <a:rPr lang="en-GB" dirty="0">
+                <a:solidFill>
+                  <a:srgbClr val="FF78FD"/>
+                </a:solidFill>
+                <a:effectLst/>
+              </a:rPr>
+            </a:br>
+            <a:r>
+              <a:rPr lang="en-GB" dirty="0">
+                <a:solidFill>
+                  <a:srgbClr val="FF78FD"/>
+                </a:solidFill>
+                <a:effectLst/>
+              </a:rPr>
+              <a:t>B. CHECK IF MIDDLE 4/4                          : put on top</a:t>
+            </a:r>
+            <a:br>
+              <a:rPr lang="en-GB" dirty="0">
+                <a:solidFill>
+                  <a:srgbClr val="FF78FD"/>
+                </a:solidFill>
+                <a:effectLst/>
+              </a:rPr>
+            </a:br>
+            <a:r>
+              <a:rPr lang="en-GB" dirty="0">
+                <a:solidFill>
+                  <a:srgbClr val="FF78FD"/>
+                </a:solidFill>
+                <a:effectLst/>
+              </a:rPr>
+              <a:t>C. L1 MIDDLE IS TAKEN</a:t>
+            </a:r>
+            <a:br>
+              <a:rPr lang="en-GB" dirty="0">
+                <a:solidFill>
+                  <a:srgbClr val="FF78FD"/>
+                </a:solidFill>
+                <a:effectLst/>
+              </a:rPr>
+            </a:br>
+            <a:r>
+              <a:rPr lang="en-GB" dirty="0">
+                <a:solidFill>
+                  <a:srgbClr val="FF78FD"/>
+                </a:solidFill>
+                <a:effectLst/>
+              </a:rPr>
+              <a:t>    C1. MIDDLE SPHERE IS OWN COLOR              : try put on middle of border</a:t>
+            </a:r>
+            <a:br>
+              <a:rPr lang="en-GB" dirty="0">
+                <a:solidFill>
+                  <a:srgbClr val="FF78FD"/>
+                </a:solidFill>
+                <a:effectLst/>
+              </a:rPr>
+            </a:br>
+            <a:r>
+              <a:rPr lang="en-GB" dirty="0">
+                <a:solidFill>
+                  <a:srgbClr val="FF78FD"/>
+                </a:solidFill>
+                <a:effectLst/>
+              </a:rPr>
+              <a:t>    C2. MIDDLE SPHERE IS OTHER COLOR</a:t>
+            </a:r>
+            <a:br>
+              <a:rPr lang="en-GB" dirty="0">
+                <a:solidFill>
+                  <a:srgbClr val="FF78FD"/>
+                </a:solidFill>
+                <a:effectLst/>
+              </a:rPr>
+            </a:br>
+            <a:r>
+              <a:rPr lang="en-GB" dirty="0">
+                <a:solidFill>
+                  <a:srgbClr val="FF78FD"/>
+                </a:solidFill>
+                <a:effectLst/>
+              </a:rPr>
+              <a:t>        C21. ONE (OR MORE) BLACK SPHERES ON L2  : try to put on opposite side</a:t>
+            </a:r>
+            <a:br>
+              <a:rPr lang="en-GB" dirty="0">
+                <a:solidFill>
+                  <a:srgbClr val="FF78FD"/>
+                </a:solidFill>
+                <a:effectLst/>
+              </a:rPr>
+            </a:br>
+            <a:r>
+              <a:rPr lang="en-GB" dirty="0">
+                <a:solidFill>
+                  <a:srgbClr val="FF78FD"/>
+                </a:solidFill>
+                <a:effectLst/>
+              </a:rPr>
+              <a:t>        C22. NO/ MULTIPLE BLACK SPHERES ON L2   : try put on middle of border</a:t>
+            </a:r>
+            <a:br>
+              <a:rPr lang="en-GB" dirty="0">
+                <a:solidFill>
+                  <a:srgbClr val="FF78FD"/>
+                </a:solidFill>
+                <a:effectLst/>
+              </a:rPr>
+            </a:br>
+            <a:r>
+              <a:rPr lang="en-GB" dirty="0">
+                <a:solidFill>
+                  <a:srgbClr val="FF78FD"/>
+                </a:solidFill>
+                <a:effectLst/>
+              </a:rPr>
+              <a:t>D. CHECK IF L0 MIDDLE SQUARE IS NOT 3/4 FILLED  : put in middle square</a:t>
+            </a:r>
+            <a:br>
+              <a:rPr lang="en-GB" dirty="0">
+                <a:solidFill>
+                  <a:srgbClr val="FF78FD"/>
+                </a:solidFill>
+                <a:effectLst/>
+              </a:rPr>
+            </a:br>
+            <a:r>
+              <a:rPr lang="en-GB" dirty="0">
+                <a:solidFill>
+                  <a:srgbClr val="FF78FD"/>
+                </a:solidFill>
+                <a:effectLst/>
+              </a:rPr>
+              <a:t>E. SEARCH FOR SQUARE REPRESENTED MOST           : put there</a:t>
+            </a:r>
+            <a:br>
+              <a:rPr lang="en-GB" dirty="0">
+                <a:solidFill>
+                  <a:srgbClr val="FF78FD"/>
+                </a:solidFill>
+                <a:effectLst/>
+              </a:rPr>
+            </a:br>
+            <a:r>
+              <a:rPr lang="en-GB" dirty="0">
+                <a:solidFill>
+                  <a:srgbClr val="FF78FD"/>
+                </a:solidFill>
+                <a:effectLst/>
+              </a:rPr>
+              <a:t>F. IF NO MOVES COULD BE PERFORMED               : put random, same as random fit</a:t>
+            </a:r>
+            <a:br>
+              <a:rPr lang="en-GB" dirty="0">
+                <a:solidFill>
+                  <a:srgbClr val="FF78FD"/>
+                </a:solidFill>
+                <a:effectLst/>
+              </a:rPr>
+            </a:br>
+            <a:r>
+              <a:rPr lang="en-GB" dirty="0">
+                <a:solidFill>
+                  <a:srgbClr val="FF78FD"/>
+                </a:solidFill>
+                <a:effectLst/>
+              </a:rPr>
+              <a:t>G. PUTS AS HIGH AS POSSIBLE</a:t>
+            </a:r>
+            <a:br>
+              <a:rPr lang="en-GB" dirty="0">
+                <a:solidFill>
+                  <a:srgbClr val="FF78FD"/>
+                </a:solidFill>
+                <a:effectLst/>
+              </a:rPr>
+            </a:br>
+            <a:r>
+              <a:rPr lang="en-GB" dirty="0">
+                <a:solidFill>
+                  <a:srgbClr val="FF78FD"/>
+                </a:solidFill>
+                <a:effectLst/>
+              </a:rPr>
+              <a:t>*/</a:t>
+            </a:r>
+            <a:endParaRPr lang="en-GB" dirty="0"/>
+          </a:p>
+        </p:txBody>
+      </p:sp>
+      <p:sp>
+        <p:nvSpPr>
+          <p:cNvPr id="4" name="Slide Number Placeholder 3"/>
+          <p:cNvSpPr>
+            <a:spLocks noGrp="1"/>
+          </p:cNvSpPr>
+          <p:nvPr>
+            <p:ph type="sldNum" sz="quarter" idx="5"/>
+          </p:nvPr>
+        </p:nvSpPr>
+        <p:spPr/>
+        <p:txBody>
+          <a:bodyPr/>
+          <a:lstStyle/>
+          <a:p>
+            <a:fld id="{0B83ECC0-8215-4318-A3C0-552CE5E99E84}" type="slidenum">
+              <a:rPr lang="en-GB" smtClean="0"/>
+              <a:t>13</a:t>
+            </a:fld>
+            <a:endParaRPr lang="en-GB"/>
+          </a:p>
+        </p:txBody>
+      </p:sp>
+    </p:spTree>
+    <p:extLst>
+      <p:ext uri="{BB962C8B-B14F-4D97-AF65-F5344CB8AC3E}">
+        <p14:creationId xmlns:p14="http://schemas.microsoft.com/office/powerpoint/2010/main" val="672486476"/>
+      </p:ext>
+    </p:extLst>
+  </p:cSld>
+  <p:clrMapOvr>
+    <a:masterClrMapping/>
+  </p:clrMapOvr>
+</p:notes>
+</file>
+
 <file path=ppt/slideLayouts/slideLayout1.xml><?xml version="1.0" encoding="utf-8"?>
 <p:sldLayout xmlns:a="http://schemas.openxmlformats.org/drawingml/2006/main" xmlns:r="http://schemas.openxmlformats.org/officeDocument/2006/relationships" xmlns:p="http://schemas.openxmlformats.org/presentationml/2006/main" preserve="1">
   <p:cSld name="Title Slide">
@@ -2483,7 +5003,7 @@
           <a:p>
             <a:fld id="{6ADAC059-B369-42F0-BE24-90278BB265F1}" type="slidenum">
               <a:rPr lang="en-GB" smtClean="0"/>
-              <a:t>‹nr.›</a:t>
+              <a:t>‹#›</a:t>
             </a:fld>
             <a:endParaRPr lang="en-GB"/>
           </a:p>
@@ -2601,7 +5121,7 @@
           <a:p>
             <a:fld id="{6ADAC059-B369-42F0-BE24-90278BB265F1}" type="slidenum">
               <a:rPr lang="en-GB" smtClean="0"/>
-              <a:t>‹nr.›</a:t>
+              <a:t>‹#›</a:t>
             </a:fld>
             <a:endParaRPr lang="en-GB"/>
           </a:p>
@@ -2991,7 +5511,7 @@
           <a:p>
             <a:fld id="{6ADAC059-B369-42F0-BE24-90278BB265F1}" type="slidenum">
               <a:rPr lang="en-GB" smtClean="0"/>
-              <a:t>‹nr.›</a:t>
+              <a:t>‹#›</a:t>
             </a:fld>
             <a:endParaRPr lang="en-GB"/>
           </a:p>
@@ -3422,7 +5942,7 @@
           <a:p>
             <a:fld id="{6ADAC059-B369-42F0-BE24-90278BB265F1}" type="slidenum">
               <a:rPr lang="en-GB" smtClean="0"/>
-              <a:t>‹nr.›</a:t>
+              <a:t>‹#›</a:t>
             </a:fld>
             <a:endParaRPr lang="en-GB"/>
           </a:p>
@@ -3432,6 +5952,999 @@
     <p:extLst>
       <p:ext uri="{BB962C8B-B14F-4D97-AF65-F5344CB8AC3E}">
         <p14:creationId xmlns:p14="http://schemas.microsoft.com/office/powerpoint/2010/main" val="2396918457"/>
+      </p:ext>
+    </p:extLst>
+  </p:cSld>
+  <p:clrMapOvr>
+    <a:masterClrMapping/>
+  </p:clrMapOvr>
+</p:sldLayout>
+</file>
+
+<file path=ppt/slideLayouts/slideLayout15.xml><?xml version="1.0" encoding="utf-8"?>
+<p:sldLayout xmlns:a="http://schemas.openxmlformats.org/drawingml/2006/main" xmlns:r="http://schemas.openxmlformats.org/officeDocument/2006/relationships" xmlns:p="http://schemas.openxmlformats.org/presentationml/2006/main" preserve="1" userDrawn="1">
+  <p:cSld name="3 Elements">
+    <p:spTree>
+      <p:nvGrpSpPr>
+        <p:cNvPr id="1" name=""/>
+        <p:cNvGrpSpPr/>
+        <p:nvPr/>
+      </p:nvGrpSpPr>
+      <p:grpSpPr>
+        <a:xfrm>
+          <a:off x="0" y="0"/>
+          <a:ext cx="0" cy="0"/>
+          <a:chOff x="0" y="0"/>
+          <a:chExt cx="0" cy="0"/>
+        </a:xfrm>
+      </p:grpSpPr>
+      <p:sp>
+        <p:nvSpPr>
+          <p:cNvPr id="2" name="Title 1">
+            <a:extLst>
+              <a:ext uri="{FF2B5EF4-FFF2-40B4-BE49-F238E27FC236}">
+                <a16:creationId xmlns:a16="http://schemas.microsoft.com/office/drawing/2014/main" id="{3695397F-D0A5-4448-A2B1-0E15AD1B785E}"/>
+              </a:ext>
+            </a:extLst>
+          </p:cNvPr>
+          <p:cNvSpPr>
+            <a:spLocks noGrp="1"/>
+          </p:cNvSpPr>
+          <p:nvPr>
+            <p:ph type="title"/>
+          </p:nvPr>
+        </p:nvSpPr>
+        <p:spPr/>
+        <p:txBody>
+          <a:bodyPr/>
+          <a:lstStyle/>
+          <a:p>
+            <a:r>
+              <a:rPr lang="en-US"/>
+              <a:t>Click to edit Master title style</a:t>
+            </a:r>
+            <a:endParaRPr lang="en-GB"/>
+          </a:p>
+        </p:txBody>
+      </p:sp>
+      <p:sp>
+        <p:nvSpPr>
+          <p:cNvPr id="3" name="Date Placeholder 2">
+            <a:extLst>
+              <a:ext uri="{FF2B5EF4-FFF2-40B4-BE49-F238E27FC236}">
+                <a16:creationId xmlns:a16="http://schemas.microsoft.com/office/drawing/2014/main" id="{A21834A8-5217-468B-B305-7FADC58E1746}"/>
+              </a:ext>
+            </a:extLst>
+          </p:cNvPr>
+          <p:cNvSpPr>
+            <a:spLocks noGrp="1"/>
+          </p:cNvSpPr>
+          <p:nvPr>
+            <p:ph type="dt" sz="half" idx="10"/>
+          </p:nvPr>
+        </p:nvSpPr>
+        <p:spPr/>
+        <p:txBody>
+          <a:bodyPr/>
+          <a:lstStyle/>
+          <a:p>
+            <a:fld id="{14F14F6C-64C6-4282-B92B-69416428ACE5}" type="datetimeFigureOut">
+              <a:rPr lang="en-GB" smtClean="0"/>
+              <a:t>18/03/2021</a:t>
+            </a:fld>
+            <a:endParaRPr lang="en-GB"/>
+          </a:p>
+        </p:txBody>
+      </p:sp>
+      <p:sp>
+        <p:nvSpPr>
+          <p:cNvPr id="4" name="Footer Placeholder 3">
+            <a:extLst>
+              <a:ext uri="{FF2B5EF4-FFF2-40B4-BE49-F238E27FC236}">
+                <a16:creationId xmlns:a16="http://schemas.microsoft.com/office/drawing/2014/main" id="{F181D868-F480-48D4-B910-A5DCA8FC5BF3}"/>
+              </a:ext>
+            </a:extLst>
+          </p:cNvPr>
+          <p:cNvSpPr>
+            <a:spLocks noGrp="1"/>
+          </p:cNvSpPr>
+          <p:nvPr>
+            <p:ph type="ftr" sz="quarter" idx="11"/>
+          </p:nvPr>
+        </p:nvSpPr>
+        <p:spPr/>
+        <p:txBody>
+          <a:bodyPr/>
+          <a:lstStyle/>
+          <a:p>
+            <a:endParaRPr lang="en-GB"/>
+          </a:p>
+        </p:txBody>
+      </p:sp>
+      <p:sp>
+        <p:nvSpPr>
+          <p:cNvPr id="5" name="Slide Number Placeholder 4">
+            <a:extLst>
+              <a:ext uri="{FF2B5EF4-FFF2-40B4-BE49-F238E27FC236}">
+                <a16:creationId xmlns:a16="http://schemas.microsoft.com/office/drawing/2014/main" id="{9DBD3BB8-9CE1-484A-83E9-FCE3A0338743}"/>
+              </a:ext>
+            </a:extLst>
+          </p:cNvPr>
+          <p:cNvSpPr>
+            <a:spLocks noGrp="1"/>
+          </p:cNvSpPr>
+          <p:nvPr>
+            <p:ph type="sldNum" sz="quarter" idx="12"/>
+          </p:nvPr>
+        </p:nvSpPr>
+        <p:spPr/>
+        <p:txBody>
+          <a:bodyPr/>
+          <a:lstStyle/>
+          <a:p>
+            <a:fld id="{6ADAC059-B369-42F0-BE24-90278BB265F1}" type="slidenum">
+              <a:rPr lang="en-GB" smtClean="0"/>
+              <a:t>‹#›</a:t>
+            </a:fld>
+            <a:endParaRPr lang="en-GB"/>
+          </a:p>
+        </p:txBody>
+      </p:sp>
+      <p:sp>
+        <p:nvSpPr>
+          <p:cNvPr id="9" name="Rectangle: Diagonal Corners Snipped 8">
+            <a:extLst>
+              <a:ext uri="{FF2B5EF4-FFF2-40B4-BE49-F238E27FC236}">
+                <a16:creationId xmlns:a16="http://schemas.microsoft.com/office/drawing/2014/main" id="{005AA570-791C-40DB-8A9A-5F6876DFE103}"/>
+              </a:ext>
+            </a:extLst>
+          </p:cNvPr>
+          <p:cNvSpPr/>
+          <p:nvPr userDrawn="1"/>
+        </p:nvSpPr>
+        <p:spPr>
+          <a:xfrm>
+            <a:off x="83730" y="1986624"/>
+            <a:ext cx="3960000" cy="3960000"/>
+          </a:xfrm>
+          <a:prstGeom prst="snip2DiagRect">
+            <a:avLst/>
+          </a:prstGeom>
+          <a:noFill/>
+          <a:ln>
+            <a:solidFill>
+              <a:srgbClr val="2E2E2E"/>
+            </a:solidFill>
+          </a:ln>
+        </p:spPr>
+        <p:style>
+          <a:lnRef idx="2">
+            <a:schemeClr val="accent1">
+              <a:shade val="50000"/>
+            </a:schemeClr>
+          </a:lnRef>
+          <a:fillRef idx="1">
+            <a:schemeClr val="accent1"/>
+          </a:fillRef>
+          <a:effectRef idx="0">
+            <a:schemeClr val="accent1"/>
+          </a:effectRef>
+          <a:fontRef idx="minor">
+            <a:schemeClr val="lt1"/>
+          </a:fontRef>
+        </p:style>
+        <p:txBody>
+          <a:bodyPr rtlCol="0" anchor="ctr"/>
+          <a:lstStyle/>
+          <a:p>
+            <a:pPr algn="ctr"/>
+            <a:endParaRPr lang="en-GB"/>
+          </a:p>
+        </p:txBody>
+      </p:sp>
+      <p:sp>
+        <p:nvSpPr>
+          <p:cNvPr id="10" name="Rectangle: Diagonal Corners Snipped 9">
+            <a:extLst>
+              <a:ext uri="{FF2B5EF4-FFF2-40B4-BE49-F238E27FC236}">
+                <a16:creationId xmlns:a16="http://schemas.microsoft.com/office/drawing/2014/main" id="{743E78A3-F4E7-4E4A-8B0B-DD11E89B9069}"/>
+              </a:ext>
+            </a:extLst>
+          </p:cNvPr>
+          <p:cNvSpPr/>
+          <p:nvPr userDrawn="1"/>
+        </p:nvSpPr>
+        <p:spPr>
+          <a:xfrm>
+            <a:off x="4119820" y="1986624"/>
+            <a:ext cx="3960000" cy="3960000"/>
+          </a:xfrm>
+          <a:prstGeom prst="snip2DiagRect">
+            <a:avLst/>
+          </a:prstGeom>
+          <a:noFill/>
+          <a:ln>
+            <a:solidFill>
+              <a:srgbClr val="2E2E2E"/>
+            </a:solidFill>
+          </a:ln>
+        </p:spPr>
+        <p:style>
+          <a:lnRef idx="2">
+            <a:schemeClr val="accent1">
+              <a:shade val="50000"/>
+            </a:schemeClr>
+          </a:lnRef>
+          <a:fillRef idx="1">
+            <a:schemeClr val="accent1"/>
+          </a:fillRef>
+          <a:effectRef idx="0">
+            <a:schemeClr val="accent1"/>
+          </a:effectRef>
+          <a:fontRef idx="minor">
+            <a:schemeClr val="lt1"/>
+          </a:fontRef>
+        </p:style>
+        <p:txBody>
+          <a:bodyPr rtlCol="0" anchor="ctr"/>
+          <a:lstStyle/>
+          <a:p>
+            <a:pPr algn="ctr"/>
+            <a:endParaRPr lang="en-GB"/>
+          </a:p>
+        </p:txBody>
+      </p:sp>
+      <p:sp>
+        <p:nvSpPr>
+          <p:cNvPr id="11" name="Rectangle: Diagonal Corners Snipped 10">
+            <a:extLst>
+              <a:ext uri="{FF2B5EF4-FFF2-40B4-BE49-F238E27FC236}">
+                <a16:creationId xmlns:a16="http://schemas.microsoft.com/office/drawing/2014/main" id="{2B73468E-5010-422D-BE88-C28A38528777}"/>
+              </a:ext>
+            </a:extLst>
+          </p:cNvPr>
+          <p:cNvSpPr/>
+          <p:nvPr userDrawn="1"/>
+        </p:nvSpPr>
+        <p:spPr>
+          <a:xfrm>
+            <a:off x="8155910" y="1986624"/>
+            <a:ext cx="3960000" cy="3960000"/>
+          </a:xfrm>
+          <a:prstGeom prst="snip2DiagRect">
+            <a:avLst/>
+          </a:prstGeom>
+          <a:noFill/>
+          <a:ln>
+            <a:solidFill>
+              <a:srgbClr val="2E2E2E"/>
+            </a:solidFill>
+          </a:ln>
+        </p:spPr>
+        <p:style>
+          <a:lnRef idx="2">
+            <a:schemeClr val="accent1">
+              <a:shade val="50000"/>
+            </a:schemeClr>
+          </a:lnRef>
+          <a:fillRef idx="1">
+            <a:schemeClr val="accent1"/>
+          </a:fillRef>
+          <a:effectRef idx="0">
+            <a:schemeClr val="accent1"/>
+          </a:effectRef>
+          <a:fontRef idx="minor">
+            <a:schemeClr val="lt1"/>
+          </a:fontRef>
+        </p:style>
+        <p:txBody>
+          <a:bodyPr rtlCol="0" anchor="ctr"/>
+          <a:lstStyle/>
+          <a:p>
+            <a:pPr algn="ctr"/>
+            <a:endParaRPr lang="en-GB"/>
+          </a:p>
+        </p:txBody>
+      </p:sp>
+      <p:sp>
+        <p:nvSpPr>
+          <p:cNvPr id="13" name="Text Placeholder 1">
+            <a:extLst>
+              <a:ext uri="{FF2B5EF4-FFF2-40B4-BE49-F238E27FC236}">
+                <a16:creationId xmlns:a16="http://schemas.microsoft.com/office/drawing/2014/main" id="{6407F75B-9701-448B-BE1B-46CF2EDF2C96}"/>
+              </a:ext>
+            </a:extLst>
+          </p:cNvPr>
+          <p:cNvSpPr>
+            <a:spLocks noGrp="1"/>
+          </p:cNvSpPr>
+          <p:nvPr>
+            <p:ph type="body" idx="1"/>
+          </p:nvPr>
+        </p:nvSpPr>
+        <p:spPr>
+          <a:xfrm>
+            <a:off x="83729" y="1440112"/>
+            <a:ext cx="3960001" cy="540000"/>
+          </a:xfrm>
+        </p:spPr>
+        <p:txBody>
+          <a:bodyPr numCol="1"/>
+          <a:lstStyle>
+            <a:lvl1pPr marL="0" indent="0" algn="ctr">
+              <a:buFont typeface="Arial" panose="020B0604020202020204" pitchFamily="34" charset="0"/>
+              <a:buNone/>
+              <a:defRPr>
+                <a:solidFill>
+                  <a:srgbClr val="2E2E2E"/>
+                </a:solidFill>
+              </a:defRPr>
+            </a:lvl1pPr>
+          </a:lstStyle>
+          <a:p>
+            <a:pPr algn="ctr"/>
+            <a:endParaRPr lang="en-GB" dirty="0"/>
+          </a:p>
+        </p:txBody>
+      </p:sp>
+      <p:sp>
+        <p:nvSpPr>
+          <p:cNvPr id="14" name="Text Placeholder 3">
+            <a:extLst>
+              <a:ext uri="{FF2B5EF4-FFF2-40B4-BE49-F238E27FC236}">
+                <a16:creationId xmlns:a16="http://schemas.microsoft.com/office/drawing/2014/main" id="{ACC66604-9C87-4C33-B032-A02E9A16526F}"/>
+              </a:ext>
+            </a:extLst>
+          </p:cNvPr>
+          <p:cNvSpPr>
+            <a:spLocks noGrp="1"/>
+          </p:cNvSpPr>
+          <p:nvPr>
+            <p:ph type="body" sz="quarter" idx="3"/>
+          </p:nvPr>
+        </p:nvSpPr>
+        <p:spPr>
+          <a:xfrm>
+            <a:off x="4119819" y="1440171"/>
+            <a:ext cx="3959999" cy="540000"/>
+          </a:xfrm>
+        </p:spPr>
+        <p:txBody>
+          <a:bodyPr numCol="1"/>
+          <a:lstStyle>
+            <a:lvl1pPr marL="0" indent="0" algn="ctr">
+              <a:buFont typeface="Arial" panose="020B0604020202020204" pitchFamily="34" charset="0"/>
+              <a:buNone/>
+              <a:defRPr>
+                <a:solidFill>
+                  <a:srgbClr val="2E2E2E"/>
+                </a:solidFill>
+              </a:defRPr>
+            </a:lvl1pPr>
+          </a:lstStyle>
+          <a:p>
+            <a:pPr algn="ctr"/>
+            <a:endParaRPr lang="en-GB" dirty="0"/>
+          </a:p>
+        </p:txBody>
+      </p:sp>
+      <p:sp>
+        <p:nvSpPr>
+          <p:cNvPr id="15" name="Text Placeholder 3">
+            <a:extLst>
+              <a:ext uri="{FF2B5EF4-FFF2-40B4-BE49-F238E27FC236}">
+                <a16:creationId xmlns:a16="http://schemas.microsoft.com/office/drawing/2014/main" id="{E97957E0-715A-4F84-B67B-F2275E7852E3}"/>
+              </a:ext>
+            </a:extLst>
+          </p:cNvPr>
+          <p:cNvSpPr>
+            <a:spLocks noGrp="1"/>
+          </p:cNvSpPr>
+          <p:nvPr>
+            <p:ph type="body" sz="quarter" idx="13"/>
+          </p:nvPr>
+        </p:nvSpPr>
+        <p:spPr>
+          <a:xfrm>
+            <a:off x="8155906" y="1440112"/>
+            <a:ext cx="3960003" cy="540000"/>
+          </a:xfrm>
+        </p:spPr>
+        <p:txBody>
+          <a:bodyPr numCol="1"/>
+          <a:lstStyle>
+            <a:lvl1pPr marL="0" indent="0" algn="ctr">
+              <a:buFont typeface="Arial" panose="020B0604020202020204" pitchFamily="34" charset="0"/>
+              <a:buNone/>
+              <a:defRPr>
+                <a:solidFill>
+                  <a:srgbClr val="2E2E2E"/>
+                </a:solidFill>
+              </a:defRPr>
+            </a:lvl1pPr>
+          </a:lstStyle>
+          <a:p>
+            <a:pPr algn="ctr"/>
+            <a:endParaRPr lang="en-GB" dirty="0"/>
+          </a:p>
+        </p:txBody>
+      </p:sp>
+    </p:spTree>
+    <p:extLst>
+      <p:ext uri="{BB962C8B-B14F-4D97-AF65-F5344CB8AC3E}">
+        <p14:creationId xmlns:p14="http://schemas.microsoft.com/office/powerpoint/2010/main" val="3179478778"/>
+      </p:ext>
+    </p:extLst>
+  </p:cSld>
+  <p:clrMapOvr>
+    <a:masterClrMapping/>
+  </p:clrMapOvr>
+</p:sldLayout>
+</file>
+
+<file path=ppt/slideLayouts/slideLayout16.xml><?xml version="1.0" encoding="utf-8"?>
+<p:sldLayout xmlns:a="http://schemas.openxmlformats.org/drawingml/2006/main" xmlns:r="http://schemas.openxmlformats.org/officeDocument/2006/relationships" xmlns:p="http://schemas.openxmlformats.org/presentationml/2006/main" preserve="1" userDrawn="1">
+  <p:cSld name="2 Elements">
+    <p:spTree>
+      <p:nvGrpSpPr>
+        <p:cNvPr id="1" name=""/>
+        <p:cNvGrpSpPr/>
+        <p:nvPr/>
+      </p:nvGrpSpPr>
+      <p:grpSpPr>
+        <a:xfrm>
+          <a:off x="0" y="0"/>
+          <a:ext cx="0" cy="0"/>
+          <a:chOff x="0" y="0"/>
+          <a:chExt cx="0" cy="0"/>
+        </a:xfrm>
+      </p:grpSpPr>
+      <p:sp>
+        <p:nvSpPr>
+          <p:cNvPr id="2" name="Title 1">
+            <a:extLst>
+              <a:ext uri="{FF2B5EF4-FFF2-40B4-BE49-F238E27FC236}">
+                <a16:creationId xmlns:a16="http://schemas.microsoft.com/office/drawing/2014/main" id="{3695397F-D0A5-4448-A2B1-0E15AD1B785E}"/>
+              </a:ext>
+            </a:extLst>
+          </p:cNvPr>
+          <p:cNvSpPr>
+            <a:spLocks noGrp="1"/>
+          </p:cNvSpPr>
+          <p:nvPr>
+            <p:ph type="title"/>
+          </p:nvPr>
+        </p:nvSpPr>
+        <p:spPr/>
+        <p:txBody>
+          <a:bodyPr/>
+          <a:lstStyle/>
+          <a:p>
+            <a:r>
+              <a:rPr lang="en-US"/>
+              <a:t>Click to edit Master title style</a:t>
+            </a:r>
+            <a:endParaRPr lang="en-GB"/>
+          </a:p>
+        </p:txBody>
+      </p:sp>
+      <p:sp>
+        <p:nvSpPr>
+          <p:cNvPr id="3" name="Date Placeholder 2">
+            <a:extLst>
+              <a:ext uri="{FF2B5EF4-FFF2-40B4-BE49-F238E27FC236}">
+                <a16:creationId xmlns:a16="http://schemas.microsoft.com/office/drawing/2014/main" id="{A21834A8-5217-468B-B305-7FADC58E1746}"/>
+              </a:ext>
+            </a:extLst>
+          </p:cNvPr>
+          <p:cNvSpPr>
+            <a:spLocks noGrp="1"/>
+          </p:cNvSpPr>
+          <p:nvPr>
+            <p:ph type="dt" sz="half" idx="10"/>
+          </p:nvPr>
+        </p:nvSpPr>
+        <p:spPr/>
+        <p:txBody>
+          <a:bodyPr/>
+          <a:lstStyle/>
+          <a:p>
+            <a:fld id="{14F14F6C-64C6-4282-B92B-69416428ACE5}" type="datetimeFigureOut">
+              <a:rPr lang="en-GB" smtClean="0"/>
+              <a:t>18/03/2021</a:t>
+            </a:fld>
+            <a:endParaRPr lang="en-GB"/>
+          </a:p>
+        </p:txBody>
+      </p:sp>
+      <p:sp>
+        <p:nvSpPr>
+          <p:cNvPr id="4" name="Footer Placeholder 3">
+            <a:extLst>
+              <a:ext uri="{FF2B5EF4-FFF2-40B4-BE49-F238E27FC236}">
+                <a16:creationId xmlns:a16="http://schemas.microsoft.com/office/drawing/2014/main" id="{F181D868-F480-48D4-B910-A5DCA8FC5BF3}"/>
+              </a:ext>
+            </a:extLst>
+          </p:cNvPr>
+          <p:cNvSpPr>
+            <a:spLocks noGrp="1"/>
+          </p:cNvSpPr>
+          <p:nvPr>
+            <p:ph type="ftr" sz="quarter" idx="11"/>
+          </p:nvPr>
+        </p:nvSpPr>
+        <p:spPr/>
+        <p:txBody>
+          <a:bodyPr/>
+          <a:lstStyle/>
+          <a:p>
+            <a:endParaRPr lang="en-GB"/>
+          </a:p>
+        </p:txBody>
+      </p:sp>
+      <p:sp>
+        <p:nvSpPr>
+          <p:cNvPr id="5" name="Slide Number Placeholder 4">
+            <a:extLst>
+              <a:ext uri="{FF2B5EF4-FFF2-40B4-BE49-F238E27FC236}">
+                <a16:creationId xmlns:a16="http://schemas.microsoft.com/office/drawing/2014/main" id="{9DBD3BB8-9CE1-484A-83E9-FCE3A0338743}"/>
+              </a:ext>
+            </a:extLst>
+          </p:cNvPr>
+          <p:cNvSpPr>
+            <a:spLocks noGrp="1"/>
+          </p:cNvSpPr>
+          <p:nvPr>
+            <p:ph type="sldNum" sz="quarter" idx="12"/>
+          </p:nvPr>
+        </p:nvSpPr>
+        <p:spPr/>
+        <p:txBody>
+          <a:bodyPr/>
+          <a:lstStyle/>
+          <a:p>
+            <a:fld id="{6ADAC059-B369-42F0-BE24-90278BB265F1}" type="slidenum">
+              <a:rPr lang="en-GB" smtClean="0"/>
+              <a:t>‹#›</a:t>
+            </a:fld>
+            <a:endParaRPr lang="en-GB"/>
+          </a:p>
+        </p:txBody>
+      </p:sp>
+      <p:sp>
+        <p:nvSpPr>
+          <p:cNvPr id="17" name="Rectangle: Diagonal Corners Snipped 16">
+            <a:extLst>
+              <a:ext uri="{FF2B5EF4-FFF2-40B4-BE49-F238E27FC236}">
+                <a16:creationId xmlns:a16="http://schemas.microsoft.com/office/drawing/2014/main" id="{A8367EF7-6126-49F7-9F2F-AE3D8D8193DC}"/>
+              </a:ext>
+            </a:extLst>
+          </p:cNvPr>
+          <p:cNvSpPr/>
+          <p:nvPr userDrawn="1"/>
+        </p:nvSpPr>
+        <p:spPr>
+          <a:xfrm>
+            <a:off x="1742379" y="1905548"/>
+            <a:ext cx="3960000" cy="3960000"/>
+          </a:xfrm>
+          <a:prstGeom prst="snip2DiagRect">
+            <a:avLst/>
+          </a:prstGeom>
+          <a:noFill/>
+          <a:ln>
+            <a:solidFill>
+              <a:srgbClr val="2E2E2E"/>
+            </a:solidFill>
+          </a:ln>
+        </p:spPr>
+        <p:style>
+          <a:lnRef idx="2">
+            <a:schemeClr val="accent1">
+              <a:shade val="50000"/>
+            </a:schemeClr>
+          </a:lnRef>
+          <a:fillRef idx="1">
+            <a:schemeClr val="accent1"/>
+          </a:fillRef>
+          <a:effectRef idx="0">
+            <a:schemeClr val="accent1"/>
+          </a:effectRef>
+          <a:fontRef idx="minor">
+            <a:schemeClr val="lt1"/>
+          </a:fontRef>
+        </p:style>
+        <p:txBody>
+          <a:bodyPr rtlCol="0" anchor="ctr"/>
+          <a:lstStyle/>
+          <a:p>
+            <a:pPr algn="ctr"/>
+            <a:endParaRPr lang="en-GB"/>
+          </a:p>
+        </p:txBody>
+      </p:sp>
+      <p:sp>
+        <p:nvSpPr>
+          <p:cNvPr id="18" name="Rectangle: Diagonal Corners Snipped 17">
+            <a:extLst>
+              <a:ext uri="{FF2B5EF4-FFF2-40B4-BE49-F238E27FC236}">
+                <a16:creationId xmlns:a16="http://schemas.microsoft.com/office/drawing/2014/main" id="{72AC1822-E1C6-4688-97BA-20A1DE7D041C}"/>
+              </a:ext>
+            </a:extLst>
+          </p:cNvPr>
+          <p:cNvSpPr/>
+          <p:nvPr userDrawn="1"/>
+        </p:nvSpPr>
+        <p:spPr>
+          <a:xfrm>
+            <a:off x="6489627" y="1905548"/>
+            <a:ext cx="3960000" cy="3960000"/>
+          </a:xfrm>
+          <a:prstGeom prst="snip2DiagRect">
+            <a:avLst/>
+          </a:prstGeom>
+          <a:noFill/>
+          <a:ln>
+            <a:solidFill>
+              <a:srgbClr val="2E2E2E"/>
+            </a:solidFill>
+          </a:ln>
+        </p:spPr>
+        <p:style>
+          <a:lnRef idx="2">
+            <a:schemeClr val="accent1">
+              <a:shade val="50000"/>
+            </a:schemeClr>
+          </a:lnRef>
+          <a:fillRef idx="1">
+            <a:schemeClr val="accent1"/>
+          </a:fillRef>
+          <a:effectRef idx="0">
+            <a:schemeClr val="accent1"/>
+          </a:effectRef>
+          <a:fontRef idx="minor">
+            <a:schemeClr val="lt1"/>
+          </a:fontRef>
+        </p:style>
+        <p:txBody>
+          <a:bodyPr rtlCol="0" anchor="ctr"/>
+          <a:lstStyle/>
+          <a:p>
+            <a:pPr algn="ctr"/>
+            <a:endParaRPr lang="en-GB"/>
+          </a:p>
+        </p:txBody>
+      </p:sp>
+      <p:sp>
+        <p:nvSpPr>
+          <p:cNvPr id="19" name="Text Placeholder 3">
+            <a:extLst>
+              <a:ext uri="{FF2B5EF4-FFF2-40B4-BE49-F238E27FC236}">
+                <a16:creationId xmlns:a16="http://schemas.microsoft.com/office/drawing/2014/main" id="{413BBD4F-C480-46F3-BF7B-456469108B0A}"/>
+              </a:ext>
+            </a:extLst>
+          </p:cNvPr>
+          <p:cNvSpPr>
+            <a:spLocks noGrp="1"/>
+          </p:cNvSpPr>
+          <p:nvPr>
+            <p:ph type="body" sz="quarter" idx="3"/>
+          </p:nvPr>
+        </p:nvSpPr>
+        <p:spPr>
+          <a:xfrm>
+            <a:off x="1742378" y="1359095"/>
+            <a:ext cx="3959999" cy="540000"/>
+          </a:xfrm>
+        </p:spPr>
+        <p:txBody>
+          <a:bodyPr vert="horz" lIns="91440" tIns="45720" rIns="91440" bIns="45720" numCol="1" rtlCol="0">
+            <a:normAutofit/>
+          </a:bodyPr>
+          <a:lstStyle>
+            <a:lvl1pPr>
+              <a:defRPr lang="en-GB" dirty="0">
+                <a:solidFill>
+                  <a:srgbClr val="2E2E2E"/>
+                </a:solidFill>
+              </a:defRPr>
+            </a:lvl1pPr>
+          </a:lstStyle>
+          <a:p>
+            <a:pPr marL="0" lvl="0" indent="0" algn="ctr">
+              <a:buFont typeface="Arial" panose="020B0604020202020204" pitchFamily="34" charset="0"/>
+              <a:buNone/>
+            </a:pPr>
+            <a:endParaRPr lang="en-GB" dirty="0"/>
+          </a:p>
+        </p:txBody>
+      </p:sp>
+      <p:sp>
+        <p:nvSpPr>
+          <p:cNvPr id="20" name="Text Placeholder 3">
+            <a:extLst>
+              <a:ext uri="{FF2B5EF4-FFF2-40B4-BE49-F238E27FC236}">
+                <a16:creationId xmlns:a16="http://schemas.microsoft.com/office/drawing/2014/main" id="{25081988-4473-4A9E-9F1B-0D13A170F3F4}"/>
+              </a:ext>
+            </a:extLst>
+          </p:cNvPr>
+          <p:cNvSpPr>
+            <a:spLocks noGrp="1"/>
+          </p:cNvSpPr>
+          <p:nvPr>
+            <p:ph type="body" sz="quarter" idx="13"/>
+          </p:nvPr>
+        </p:nvSpPr>
+        <p:spPr>
+          <a:xfrm>
+            <a:off x="6489623" y="1359036"/>
+            <a:ext cx="3960003" cy="540000"/>
+          </a:xfrm>
+        </p:spPr>
+        <p:txBody>
+          <a:bodyPr vert="horz" lIns="91440" tIns="45720" rIns="91440" bIns="45720" numCol="1" rtlCol="0">
+            <a:normAutofit/>
+          </a:bodyPr>
+          <a:lstStyle>
+            <a:lvl1pPr>
+              <a:defRPr lang="en-GB" dirty="0">
+                <a:solidFill>
+                  <a:srgbClr val="2E2E2E"/>
+                </a:solidFill>
+              </a:defRPr>
+            </a:lvl1pPr>
+          </a:lstStyle>
+          <a:p>
+            <a:pPr marL="0" lvl="0" indent="0" algn="ctr">
+              <a:buFont typeface="Arial" panose="020B0604020202020204" pitchFamily="34" charset="0"/>
+              <a:buNone/>
+            </a:pPr>
+            <a:endParaRPr lang="en-GB" dirty="0"/>
+          </a:p>
+        </p:txBody>
+      </p:sp>
+    </p:spTree>
+    <p:extLst>
+      <p:ext uri="{BB962C8B-B14F-4D97-AF65-F5344CB8AC3E}">
+        <p14:creationId xmlns:p14="http://schemas.microsoft.com/office/powerpoint/2010/main" val="3901502008"/>
+      </p:ext>
+    </p:extLst>
+  </p:cSld>
+  <p:clrMapOvr>
+    <a:masterClrMapping/>
+  </p:clrMapOvr>
+</p:sldLayout>
+</file>
+
+<file path=ppt/slideLayouts/slideLayout17.xml><?xml version="1.0" encoding="utf-8"?>
+<p:sldLayout xmlns:a="http://schemas.openxmlformats.org/drawingml/2006/main" xmlns:r="http://schemas.openxmlformats.org/officeDocument/2006/relationships" xmlns:p="http://schemas.openxmlformats.org/presentationml/2006/main" preserve="1" userDrawn="1">
+  <p:cSld name="1 Element">
+    <p:spTree>
+      <p:nvGrpSpPr>
+        <p:cNvPr id="1" name=""/>
+        <p:cNvGrpSpPr/>
+        <p:nvPr/>
+      </p:nvGrpSpPr>
+      <p:grpSpPr>
+        <a:xfrm>
+          <a:off x="0" y="0"/>
+          <a:ext cx="0" cy="0"/>
+          <a:chOff x="0" y="0"/>
+          <a:chExt cx="0" cy="0"/>
+        </a:xfrm>
+      </p:grpSpPr>
+      <p:sp>
+        <p:nvSpPr>
+          <p:cNvPr id="2" name="Title 1">
+            <a:extLst>
+              <a:ext uri="{FF2B5EF4-FFF2-40B4-BE49-F238E27FC236}">
+                <a16:creationId xmlns:a16="http://schemas.microsoft.com/office/drawing/2014/main" id="{3695397F-D0A5-4448-A2B1-0E15AD1B785E}"/>
+              </a:ext>
+            </a:extLst>
+          </p:cNvPr>
+          <p:cNvSpPr>
+            <a:spLocks noGrp="1"/>
+          </p:cNvSpPr>
+          <p:nvPr>
+            <p:ph type="title"/>
+          </p:nvPr>
+        </p:nvSpPr>
+        <p:spPr/>
+        <p:txBody>
+          <a:bodyPr/>
+          <a:lstStyle/>
+          <a:p>
+            <a:r>
+              <a:rPr lang="en-US"/>
+              <a:t>Click to edit Master title style</a:t>
+            </a:r>
+            <a:endParaRPr lang="en-GB"/>
+          </a:p>
+        </p:txBody>
+      </p:sp>
+      <p:sp>
+        <p:nvSpPr>
+          <p:cNvPr id="3" name="Date Placeholder 2">
+            <a:extLst>
+              <a:ext uri="{FF2B5EF4-FFF2-40B4-BE49-F238E27FC236}">
+                <a16:creationId xmlns:a16="http://schemas.microsoft.com/office/drawing/2014/main" id="{A21834A8-5217-468B-B305-7FADC58E1746}"/>
+              </a:ext>
+            </a:extLst>
+          </p:cNvPr>
+          <p:cNvSpPr>
+            <a:spLocks noGrp="1"/>
+          </p:cNvSpPr>
+          <p:nvPr>
+            <p:ph type="dt" sz="half" idx="10"/>
+          </p:nvPr>
+        </p:nvSpPr>
+        <p:spPr/>
+        <p:txBody>
+          <a:bodyPr/>
+          <a:lstStyle/>
+          <a:p>
+            <a:fld id="{14F14F6C-64C6-4282-B92B-69416428ACE5}" type="datetimeFigureOut">
+              <a:rPr lang="en-GB" smtClean="0"/>
+              <a:t>18/03/2021</a:t>
+            </a:fld>
+            <a:endParaRPr lang="en-GB"/>
+          </a:p>
+        </p:txBody>
+      </p:sp>
+      <p:sp>
+        <p:nvSpPr>
+          <p:cNvPr id="4" name="Footer Placeholder 3">
+            <a:extLst>
+              <a:ext uri="{FF2B5EF4-FFF2-40B4-BE49-F238E27FC236}">
+                <a16:creationId xmlns:a16="http://schemas.microsoft.com/office/drawing/2014/main" id="{F181D868-F480-48D4-B910-A5DCA8FC5BF3}"/>
+              </a:ext>
+            </a:extLst>
+          </p:cNvPr>
+          <p:cNvSpPr>
+            <a:spLocks noGrp="1"/>
+          </p:cNvSpPr>
+          <p:nvPr>
+            <p:ph type="ftr" sz="quarter" idx="11"/>
+          </p:nvPr>
+        </p:nvSpPr>
+        <p:spPr/>
+        <p:txBody>
+          <a:bodyPr/>
+          <a:lstStyle/>
+          <a:p>
+            <a:endParaRPr lang="en-GB"/>
+          </a:p>
+        </p:txBody>
+      </p:sp>
+      <p:sp>
+        <p:nvSpPr>
+          <p:cNvPr id="5" name="Slide Number Placeholder 4">
+            <a:extLst>
+              <a:ext uri="{FF2B5EF4-FFF2-40B4-BE49-F238E27FC236}">
+                <a16:creationId xmlns:a16="http://schemas.microsoft.com/office/drawing/2014/main" id="{9DBD3BB8-9CE1-484A-83E9-FCE3A0338743}"/>
+              </a:ext>
+            </a:extLst>
+          </p:cNvPr>
+          <p:cNvSpPr>
+            <a:spLocks noGrp="1"/>
+          </p:cNvSpPr>
+          <p:nvPr>
+            <p:ph type="sldNum" sz="quarter" idx="12"/>
+          </p:nvPr>
+        </p:nvSpPr>
+        <p:spPr/>
+        <p:txBody>
+          <a:bodyPr/>
+          <a:lstStyle/>
+          <a:p>
+            <a:fld id="{6ADAC059-B369-42F0-BE24-90278BB265F1}" type="slidenum">
+              <a:rPr lang="en-GB" smtClean="0"/>
+              <a:t>‹#›</a:t>
+            </a:fld>
+            <a:endParaRPr lang="en-GB"/>
+          </a:p>
+        </p:txBody>
+      </p:sp>
+      <p:sp>
+        <p:nvSpPr>
+          <p:cNvPr id="13" name="Rectangle: Diagonal Corners Snipped 12">
+            <a:extLst>
+              <a:ext uri="{FF2B5EF4-FFF2-40B4-BE49-F238E27FC236}">
+                <a16:creationId xmlns:a16="http://schemas.microsoft.com/office/drawing/2014/main" id="{5A1F8775-5BBF-4CA2-85B1-1700E5AE5B61}"/>
+              </a:ext>
+            </a:extLst>
+          </p:cNvPr>
+          <p:cNvSpPr/>
+          <p:nvPr userDrawn="1"/>
+        </p:nvSpPr>
+        <p:spPr>
+          <a:xfrm>
+            <a:off x="4116000" y="1905489"/>
+            <a:ext cx="3960000" cy="3960000"/>
+          </a:xfrm>
+          <a:prstGeom prst="snip2DiagRect">
+            <a:avLst/>
+          </a:prstGeom>
+          <a:noFill/>
+          <a:ln>
+            <a:solidFill>
+              <a:srgbClr val="2E2E2E"/>
+            </a:solidFill>
+          </a:ln>
+        </p:spPr>
+        <p:style>
+          <a:lnRef idx="2">
+            <a:schemeClr val="accent1">
+              <a:shade val="50000"/>
+            </a:schemeClr>
+          </a:lnRef>
+          <a:fillRef idx="1">
+            <a:schemeClr val="accent1"/>
+          </a:fillRef>
+          <a:effectRef idx="0">
+            <a:schemeClr val="accent1"/>
+          </a:effectRef>
+          <a:fontRef idx="minor">
+            <a:schemeClr val="lt1"/>
+          </a:fontRef>
+        </p:style>
+        <p:txBody>
+          <a:bodyPr rtlCol="0" anchor="ctr"/>
+          <a:lstStyle/>
+          <a:p>
+            <a:pPr algn="ctr"/>
+            <a:endParaRPr lang="en-GB"/>
+          </a:p>
+        </p:txBody>
+      </p:sp>
+      <p:sp>
+        <p:nvSpPr>
+          <p:cNvPr id="14" name="Text Placeholder 3">
+            <a:extLst>
+              <a:ext uri="{FF2B5EF4-FFF2-40B4-BE49-F238E27FC236}">
+                <a16:creationId xmlns:a16="http://schemas.microsoft.com/office/drawing/2014/main" id="{6462C779-76F8-48FC-9283-EFB6F0EA68A7}"/>
+              </a:ext>
+            </a:extLst>
+          </p:cNvPr>
+          <p:cNvSpPr>
+            <a:spLocks noGrp="1"/>
+          </p:cNvSpPr>
+          <p:nvPr>
+            <p:ph type="body" sz="quarter" idx="3"/>
+          </p:nvPr>
+        </p:nvSpPr>
+        <p:spPr>
+          <a:xfrm>
+            <a:off x="4116001" y="1359036"/>
+            <a:ext cx="3959999" cy="540000"/>
+          </a:xfrm>
+        </p:spPr>
+        <p:txBody>
+          <a:bodyPr vert="horz" lIns="91440" tIns="45720" rIns="91440" bIns="45720" numCol="1" rtlCol="0">
+            <a:normAutofit/>
+          </a:bodyPr>
+          <a:lstStyle>
+            <a:lvl1pPr>
+              <a:defRPr lang="en-GB" dirty="0">
+                <a:solidFill>
+                  <a:srgbClr val="2E2E2E"/>
+                </a:solidFill>
+              </a:defRPr>
+            </a:lvl1pPr>
+          </a:lstStyle>
+          <a:p>
+            <a:pPr marL="0" lvl="0" indent="0" algn="ctr">
+              <a:buFont typeface="Arial" panose="020B0604020202020204" pitchFamily="34" charset="0"/>
+              <a:buNone/>
+            </a:pPr>
+            <a:endParaRPr lang="en-GB" dirty="0"/>
+          </a:p>
+        </p:txBody>
+      </p:sp>
+    </p:spTree>
+    <p:extLst>
+      <p:ext uri="{BB962C8B-B14F-4D97-AF65-F5344CB8AC3E}">
+        <p14:creationId xmlns:p14="http://schemas.microsoft.com/office/powerpoint/2010/main" val="3389272224"/>
       </p:ext>
     </p:extLst>
   </p:cSld>
@@ -3569,7 +7082,7 @@
           <a:p>
             <a:fld id="{6ADAC059-B369-42F0-BE24-90278BB265F1}" type="slidenum">
               <a:rPr lang="en-GB" smtClean="0"/>
-              <a:t>‹nr.›</a:t>
+              <a:t>‹#›</a:t>
             </a:fld>
             <a:endParaRPr lang="en-GB"/>
           </a:p>
@@ -3840,7 +7353,7 @@
           <a:p>
             <a:fld id="{6ADAC059-B369-42F0-BE24-90278BB265F1}" type="slidenum">
               <a:rPr lang="en-GB" smtClean="0"/>
-              <a:t>‹nr.›</a:t>
+              <a:t>‹#›</a:t>
             </a:fld>
             <a:endParaRPr lang="en-GB"/>
           </a:p>
@@ -4158,7 +7671,7 @@
           <a:p>
             <a:fld id="{6ADAC059-B369-42F0-BE24-90278BB265F1}" type="slidenum">
               <a:rPr lang="en-GB" smtClean="0"/>
-              <a:t>‹nr.›</a:t>
+              <a:t>‹#›</a:t>
             </a:fld>
             <a:endParaRPr lang="en-GB"/>
           </a:p>
@@ -4302,7 +7815,7 @@
           <a:p>
             <a:fld id="{6ADAC059-B369-42F0-BE24-90278BB265F1}" type="slidenum">
               <a:rPr lang="en-GB" smtClean="0"/>
-              <a:t>‹nr.›</a:t>
+              <a:t>‹#›</a:t>
             </a:fld>
             <a:endParaRPr lang="en-GB"/>
           </a:p>
@@ -4783,7 +8296,7 @@
           <a:p>
             <a:fld id="{6ADAC059-B369-42F0-BE24-90278BB265F1}" type="slidenum">
               <a:rPr lang="en-GB" smtClean="0"/>
-              <a:t>‹nr.›</a:t>
+              <a:t>‹#›</a:t>
             </a:fld>
             <a:endParaRPr lang="en-GB"/>
           </a:p>
@@ -4901,7 +8414,7 @@
           <a:p>
             <a:fld id="{6ADAC059-B369-42F0-BE24-90278BB265F1}" type="slidenum">
               <a:rPr lang="en-GB" smtClean="0"/>
-              <a:t>‹nr.›</a:t>
+              <a:t>‹#›</a:t>
             </a:fld>
             <a:endParaRPr lang="en-GB"/>
           </a:p>
@@ -5019,7 +8532,7 @@
           <a:p>
             <a:fld id="{6ADAC059-B369-42F0-BE24-90278BB265F1}" type="slidenum">
               <a:rPr lang="en-GB" smtClean="0"/>
-              <a:t>‹nr.›</a:t>
+              <a:t>‹#›</a:t>
             </a:fld>
             <a:endParaRPr lang="en-GB"/>
           </a:p>
@@ -5198,7 +8711,7 @@
           <a:p>
             <a:fld id="{6ADAC059-B369-42F0-BE24-90278BB265F1}" type="slidenum">
               <a:rPr lang="en-GB" smtClean="0"/>
-              <a:t>‹nr.›</a:t>
+              <a:t>‹#›</a:t>
             </a:fld>
             <a:endParaRPr lang="en-GB"/>
           </a:p>
@@ -5294,7 +8807,7 @@
           <p:nvPr/>
         </p:nvPicPr>
         <p:blipFill>
-          <a:blip r:embed="rId16" cstate="print">
+          <a:blip r:embed="rId19" cstate="print">
             <a:extLst>
               <a:ext uri="{28A0092B-C50C-407E-A947-70E740481C1C}">
                 <a14:useLocalDpi xmlns:a14="http://schemas.microsoft.com/office/drawing/2010/main" val="0"/>
@@ -5518,7 +9031,7 @@
           <a:p>
             <a:fld id="{6ADAC059-B369-42F0-BE24-90278BB265F1}" type="slidenum">
               <a:rPr lang="en-GB" smtClean="0"/>
-              <a:t>‹nr.›</a:t>
+              <a:t>‹#›</a:t>
             </a:fld>
             <a:endParaRPr lang="en-GB"/>
           </a:p>
@@ -5591,7 +9104,7 @@
           <p:nvPr/>
         </p:nvPicPr>
         <p:blipFill>
-          <a:blip r:embed="rId16" cstate="print">
+          <a:blip r:embed="rId19" cstate="print">
             <a:extLst>
               <a:ext uri="{28A0092B-C50C-407E-A947-70E740481C1C}">
                 <a14:useLocalDpi xmlns:a14="http://schemas.microsoft.com/office/drawing/2010/main" val="0"/>
@@ -5635,6 +9148,9 @@
     <p:sldLayoutId id="2147483672" r:id="rId12"/>
     <p:sldLayoutId id="2147483673" r:id="rId13"/>
     <p:sldLayoutId id="2147483674" r:id="rId14"/>
+    <p:sldLayoutId id="2147483675" r:id="rId15"/>
+    <p:sldLayoutId id="2147483676" r:id="rId16"/>
+    <p:sldLayoutId id="2147483677" r:id="rId17"/>
   </p:sldLayoutIdLst>
   <p:txStyles>
     <p:titleStyle>
@@ -6114,10 +9630,10 @@
       </p:grpSpPr>
       <p:sp>
         <p:nvSpPr>
-          <p:cNvPr id="2" name="Tijdelijke aanduiding voor inhoud 1">
+          <p:cNvPr id="2" name="Title 1">
             <a:extLst>
               <a:ext uri="{FF2B5EF4-FFF2-40B4-BE49-F238E27FC236}">
-                <a16:creationId xmlns:a16="http://schemas.microsoft.com/office/drawing/2014/main" id="{5A537257-FFBD-48D5-9C35-CA52D855778A}"/>
+                <a16:creationId xmlns:a16="http://schemas.microsoft.com/office/drawing/2014/main" id="{C8D2928E-069A-4723-9839-89710A1B6A58}"/>
               </a:ext>
             </a:extLst>
           </p:cNvPr>
@@ -6125,7 +9641,7 @@
             <a:spLocks noGrp="1"/>
           </p:cNvSpPr>
           <p:nvPr>
-            <p:ph idx="1"/>
+            <p:ph type="title"/>
           </p:nvPr>
         </p:nvSpPr>
         <p:spPr/>
@@ -6134,27 +9650,19 @@
           <a:lstStyle/>
           <a:p>
             <a:r>
-              <a:rPr lang="nl-BE" dirty="0"/>
-              <a:t>Welke volgorde veroorzaakt grootste winst %?</a:t>
-            </a:r>
-          </a:p>
-          <a:p>
-            <a:endParaRPr lang="nl-BE" dirty="0"/>
-          </a:p>
-          <a:p>
-            <a:r>
-              <a:rPr lang="nl-BE" dirty="0"/>
-              <a:t>RESULTATEN HIERONDER</a:t>
-            </a:r>
-          </a:p>
-        </p:txBody>
-      </p:sp>
-      <p:sp>
-        <p:nvSpPr>
-          <p:cNvPr id="3" name="Titel 2">
+              <a:rPr lang="nl-NL" dirty="0"/>
+              <a:t>Defensief</a:t>
+            </a:r>
+            <a:endParaRPr lang="en-GB" dirty="0"/>
+          </a:p>
+        </p:txBody>
+      </p:sp>
+      <p:sp>
+        <p:nvSpPr>
+          <p:cNvPr id="3" name="Text Placeholder 2">
             <a:extLst>
               <a:ext uri="{FF2B5EF4-FFF2-40B4-BE49-F238E27FC236}">
-                <a16:creationId xmlns:a16="http://schemas.microsoft.com/office/drawing/2014/main" id="{E65BEBBA-833F-4874-B992-FFE6290803F8}"/>
+                <a16:creationId xmlns:a16="http://schemas.microsoft.com/office/drawing/2014/main" id="{5503B0F5-F158-48FC-A38F-708265DE7B6F}"/>
               </a:ext>
             </a:extLst>
           </p:cNvPr>
@@ -6162,7 +9670,7 @@
             <a:spLocks noGrp="1"/>
           </p:cNvSpPr>
           <p:nvPr>
-            <p:ph type="title"/>
+            <p:ph type="body" sz="quarter" idx="3"/>
           </p:nvPr>
         </p:nvSpPr>
         <p:spPr/>
@@ -6171,16 +9679,104 @@
           <a:lstStyle/>
           <a:p>
             <a:r>
-              <a:rPr lang="nl-BE" dirty="0"/>
-              <a:t>Onderzoek – Volgorde strategieën</a:t>
-            </a:r>
-          </a:p>
-        </p:txBody>
-      </p:sp>
+              <a:rPr lang="nl-NL" dirty="0"/>
+              <a:t>A22</a:t>
+            </a:r>
+            <a:endParaRPr lang="en-GB" dirty="0"/>
+          </a:p>
+        </p:txBody>
+      </p:sp>
+      <p:sp>
+        <p:nvSpPr>
+          <p:cNvPr id="4" name="Text Placeholder 3">
+            <a:extLst>
+              <a:ext uri="{FF2B5EF4-FFF2-40B4-BE49-F238E27FC236}">
+                <a16:creationId xmlns:a16="http://schemas.microsoft.com/office/drawing/2014/main" id="{D241B18C-1E87-403E-A827-2586AAAC247C}"/>
+              </a:ext>
+            </a:extLst>
+          </p:cNvPr>
+          <p:cNvSpPr>
+            <a:spLocks noGrp="1"/>
+          </p:cNvSpPr>
+          <p:nvPr>
+            <p:ph type="body" sz="quarter" idx="13"/>
+          </p:nvPr>
+        </p:nvSpPr>
+        <p:spPr/>
+        <p:txBody>
+          <a:bodyPr/>
+          <a:lstStyle/>
+          <a:p>
+            <a:r>
+              <a:rPr lang="nl-NL" dirty="0"/>
+              <a:t>A21</a:t>
+            </a:r>
+            <a:endParaRPr lang="en-GB" dirty="0"/>
+          </a:p>
+        </p:txBody>
+      </p:sp>
+      <p:pic>
+        <p:nvPicPr>
+          <p:cNvPr id="5" name="Picture 4">
+            <a:extLst>
+              <a:ext uri="{FF2B5EF4-FFF2-40B4-BE49-F238E27FC236}">
+                <a16:creationId xmlns:a16="http://schemas.microsoft.com/office/drawing/2014/main" id="{C58D2446-1204-4C2D-BF53-AFD5E12F6474}"/>
+              </a:ext>
+            </a:extLst>
+          </p:cNvPr>
+          <p:cNvPicPr>
+            <a:picLocks noChangeAspect="1"/>
+          </p:cNvPicPr>
+          <p:nvPr/>
+        </p:nvPicPr>
+        <p:blipFill rotWithShape="1">
+          <a:blip r:embed="rId3"/>
+          <a:srcRect l="9433" t="8117" r="11153" b="11338"/>
+          <a:stretch/>
+        </p:blipFill>
+        <p:spPr>
+          <a:xfrm>
+            <a:off x="6669623" y="2096713"/>
+            <a:ext cx="3600000" cy="3600000"/>
+          </a:xfrm>
+          <a:prstGeom prst="snip2DiagRect">
+            <a:avLst/>
+          </a:prstGeom>
+        </p:spPr>
+      </p:pic>
+      <p:pic>
+        <p:nvPicPr>
+          <p:cNvPr id="6" name="Picture 5">
+            <a:extLst>
+              <a:ext uri="{FF2B5EF4-FFF2-40B4-BE49-F238E27FC236}">
+                <a16:creationId xmlns:a16="http://schemas.microsoft.com/office/drawing/2014/main" id="{81F53985-4024-40D3-9B70-7CF49AD1D59B}"/>
+              </a:ext>
+            </a:extLst>
+          </p:cNvPr>
+          <p:cNvPicPr>
+            <a:picLocks noChangeAspect="1"/>
+          </p:cNvPicPr>
+          <p:nvPr/>
+        </p:nvPicPr>
+        <p:blipFill rotWithShape="1">
+          <a:blip r:embed="rId4"/>
+          <a:srcRect l="25407" t="21277" r="25869" b="17819"/>
+          <a:stretch/>
+        </p:blipFill>
+        <p:spPr>
+          <a:xfrm>
+            <a:off x="1922377" y="2096713"/>
+            <a:ext cx="3600000" cy="3600000"/>
+          </a:xfrm>
+          <a:prstGeom prst="snip2DiagRect">
+            <a:avLst/>
+          </a:prstGeom>
+        </p:spPr>
+      </p:pic>
     </p:spTree>
     <p:extLst>
       <p:ext uri="{BB962C8B-B14F-4D97-AF65-F5344CB8AC3E}">
-        <p14:creationId xmlns:p14="http://schemas.microsoft.com/office/powerpoint/2010/main" val="4167623910"/>
+        <p14:creationId xmlns:p14="http://schemas.microsoft.com/office/powerpoint/2010/main" val="2852423912"/>
       </p:ext>
     </p:extLst>
   </p:cSld>
@@ -6209,10 +9805,10 @@
       </p:grpSpPr>
       <p:sp>
         <p:nvSpPr>
-          <p:cNvPr id="2" name="Tijdelijke aanduiding voor inhoud 1">
+          <p:cNvPr id="2" name="Title 1">
             <a:extLst>
               <a:ext uri="{FF2B5EF4-FFF2-40B4-BE49-F238E27FC236}">
-                <a16:creationId xmlns:a16="http://schemas.microsoft.com/office/drawing/2014/main" id="{5A537257-FFBD-48D5-9C35-CA52D855778A}"/>
+                <a16:creationId xmlns:a16="http://schemas.microsoft.com/office/drawing/2014/main" id="{692EC2F1-6437-40CA-84D1-2099C27CDCBE}"/>
               </a:ext>
             </a:extLst>
           </p:cNvPr>
@@ -6220,7 +9816,7 @@
             <a:spLocks noGrp="1"/>
           </p:cNvSpPr>
           <p:nvPr>
-            <p:ph idx="1"/>
+            <p:ph type="title"/>
           </p:nvPr>
         </p:nvSpPr>
         <p:spPr/>
@@ -6229,31 +9825,19 @@
           <a:lstStyle/>
           <a:p>
             <a:r>
-              <a:rPr lang="nl-BE" dirty="0"/>
-              <a:t>Onderzoek naar de effectiviteit</a:t>
-            </a:r>
-          </a:p>
-          <a:p>
-            <a:endParaRPr lang="nl-BE" dirty="0"/>
-          </a:p>
-          <a:p>
-            <a:r>
-              <a:rPr lang="nl-BE"/>
-              <a:t>RESULTATEN HIERONDER</a:t>
-            </a:r>
-            <a:endParaRPr lang="nl-BE" dirty="0"/>
-          </a:p>
-          <a:p>
-            <a:endParaRPr lang="nl-BE" dirty="0"/>
-          </a:p>
-        </p:txBody>
-      </p:sp>
-      <p:sp>
-        <p:nvSpPr>
-          <p:cNvPr id="3" name="Titel 2">
+              <a:rPr lang="nl-NL" dirty="0"/>
+              <a:t>Combinatie</a:t>
+            </a:r>
+            <a:endParaRPr lang="en-GB" dirty="0"/>
+          </a:p>
+        </p:txBody>
+      </p:sp>
+      <p:sp>
+        <p:nvSpPr>
+          <p:cNvPr id="3" name="Text Placeholder 2">
             <a:extLst>
               <a:ext uri="{FF2B5EF4-FFF2-40B4-BE49-F238E27FC236}">
-                <a16:creationId xmlns:a16="http://schemas.microsoft.com/office/drawing/2014/main" id="{E65BEBBA-833F-4874-B992-FFE6290803F8}"/>
+                <a16:creationId xmlns:a16="http://schemas.microsoft.com/office/drawing/2014/main" id="{9EDB8924-578D-4626-AED7-68A3658CB38C}"/>
               </a:ext>
             </a:extLst>
           </p:cNvPr>
@@ -6261,7 +9845,7 @@
             <a:spLocks noGrp="1"/>
           </p:cNvSpPr>
           <p:nvPr>
-            <p:ph type="title"/>
+            <p:ph type="body" sz="quarter" idx="3"/>
           </p:nvPr>
         </p:nvSpPr>
         <p:spPr/>
@@ -6270,16 +9854,319 @@
           <a:lstStyle/>
           <a:p>
             <a:r>
-              <a:rPr lang="nl-BE" dirty="0"/>
-              <a:t>Onderzoek – Strategieën</a:t>
-            </a:r>
+              <a:rPr lang="nl-NL" dirty="0"/>
+              <a:t>B</a:t>
+            </a:r>
+            <a:endParaRPr lang="en-GB" dirty="0"/>
+          </a:p>
+        </p:txBody>
+      </p:sp>
+      <p:sp>
+        <p:nvSpPr>
+          <p:cNvPr id="7" name="Text Placeholder 6">
+            <a:extLst>
+              <a:ext uri="{FF2B5EF4-FFF2-40B4-BE49-F238E27FC236}">
+                <a16:creationId xmlns:a16="http://schemas.microsoft.com/office/drawing/2014/main" id="{6AA307D3-378B-4324-86D5-108944967472}"/>
+              </a:ext>
+            </a:extLst>
+          </p:cNvPr>
+          <p:cNvSpPr>
+            <a:spLocks noGrp="1"/>
+          </p:cNvSpPr>
+          <p:nvPr>
+            <p:ph type="body" sz="quarter" idx="13"/>
+          </p:nvPr>
+        </p:nvSpPr>
+        <p:spPr/>
+        <p:txBody>
+          <a:bodyPr/>
+          <a:lstStyle/>
+          <a:p>
+            <a:pPr marL="0" indent="0">
+              <a:buNone/>
+            </a:pPr>
+            <a:r>
+              <a:rPr lang="nl-NL" dirty="0"/>
+              <a:t>Waarom ?</a:t>
+            </a:r>
+            <a:endParaRPr lang="en-GB" dirty="0"/>
+          </a:p>
+        </p:txBody>
+      </p:sp>
+      <p:pic>
+        <p:nvPicPr>
+          <p:cNvPr id="5" name="Picture 4">
+            <a:extLst>
+              <a:ext uri="{FF2B5EF4-FFF2-40B4-BE49-F238E27FC236}">
+                <a16:creationId xmlns:a16="http://schemas.microsoft.com/office/drawing/2014/main" id="{08B872DA-5744-4B4F-BFD1-961E82504983}"/>
+              </a:ext>
+            </a:extLst>
+          </p:cNvPr>
+          <p:cNvPicPr>
+            <a:picLocks noChangeAspect="1"/>
+          </p:cNvPicPr>
+          <p:nvPr/>
+        </p:nvPicPr>
+        <p:blipFill rotWithShape="1">
+          <a:blip r:embed="rId3"/>
+          <a:srcRect l="1677" r="1677"/>
+          <a:stretch/>
+        </p:blipFill>
+        <p:spPr>
+          <a:xfrm>
+            <a:off x="1922377" y="2072573"/>
+            <a:ext cx="3600000" cy="3600000"/>
+          </a:xfrm>
+          <a:prstGeom prst="snip2DiagRect">
+            <a:avLst/>
+          </a:prstGeom>
+        </p:spPr>
+      </p:pic>
+      <p:pic>
+        <p:nvPicPr>
+          <p:cNvPr id="6" name="Picture 5">
+            <a:extLst>
+              <a:ext uri="{FF2B5EF4-FFF2-40B4-BE49-F238E27FC236}">
+                <a16:creationId xmlns:a16="http://schemas.microsoft.com/office/drawing/2014/main" id="{2548A42A-16D8-4E2B-B6FD-2625887469AC}"/>
+              </a:ext>
+            </a:extLst>
+          </p:cNvPr>
+          <p:cNvPicPr>
+            <a:picLocks noChangeAspect="1"/>
+          </p:cNvPicPr>
+          <p:nvPr/>
+        </p:nvPicPr>
+        <p:blipFill rotWithShape="1">
+          <a:blip r:embed="rId4"/>
+          <a:srcRect l="2750" r="2750"/>
+          <a:stretch/>
+        </p:blipFill>
+        <p:spPr>
+          <a:xfrm>
+            <a:off x="6669623" y="2072573"/>
+            <a:ext cx="3600000" cy="3600000"/>
+          </a:xfrm>
+          <a:prstGeom prst="snip2DiagRect">
+            <a:avLst/>
+          </a:prstGeom>
+        </p:spPr>
+      </p:pic>
+      <p:sp>
+        <p:nvSpPr>
+          <p:cNvPr id="9" name="Rectangle 8">
+            <a:extLst>
+              <a:ext uri="{FF2B5EF4-FFF2-40B4-BE49-F238E27FC236}">
+                <a16:creationId xmlns:a16="http://schemas.microsoft.com/office/drawing/2014/main" id="{1FDB36F7-0B77-45E4-8949-471E8FD6B372}"/>
+              </a:ext>
+            </a:extLst>
+          </p:cNvPr>
+          <p:cNvSpPr/>
+          <p:nvPr/>
+        </p:nvSpPr>
+        <p:spPr>
+          <a:xfrm>
+            <a:off x="8389380" y="3544911"/>
+            <a:ext cx="792000" cy="792000"/>
+          </a:xfrm>
+          <a:prstGeom prst="rect">
+            <a:avLst/>
+          </a:prstGeom>
+          <a:noFill/>
+          <a:ln>
+            <a:solidFill>
+              <a:schemeClr val="bg1"/>
+            </a:solidFill>
+          </a:ln>
+        </p:spPr>
+        <p:style>
+          <a:lnRef idx="2">
+            <a:schemeClr val="accent1">
+              <a:shade val="50000"/>
+            </a:schemeClr>
+          </a:lnRef>
+          <a:fillRef idx="1">
+            <a:schemeClr val="accent1"/>
+          </a:fillRef>
+          <a:effectRef idx="0">
+            <a:schemeClr val="accent1"/>
+          </a:effectRef>
+          <a:fontRef idx="minor">
+            <a:schemeClr val="lt1"/>
+          </a:fontRef>
+        </p:style>
+        <p:txBody>
+          <a:bodyPr rtlCol="0" anchor="ctr"/>
+          <a:lstStyle/>
+          <a:p>
+            <a:pPr algn="ctr"/>
+            <a:endParaRPr lang="en-GB"/>
+          </a:p>
+        </p:txBody>
+      </p:sp>
+      <p:sp>
+        <p:nvSpPr>
+          <p:cNvPr id="10" name="Rectangle 9">
+            <a:extLst>
+              <a:ext uri="{FF2B5EF4-FFF2-40B4-BE49-F238E27FC236}">
+                <a16:creationId xmlns:a16="http://schemas.microsoft.com/office/drawing/2014/main" id="{1007586C-CF97-4163-865C-EE3E0A022BAD}"/>
+              </a:ext>
+            </a:extLst>
+          </p:cNvPr>
+          <p:cNvSpPr/>
+          <p:nvPr/>
+        </p:nvSpPr>
+        <p:spPr>
+          <a:xfrm>
+            <a:off x="7993380" y="3940911"/>
+            <a:ext cx="792000" cy="792000"/>
+          </a:xfrm>
+          <a:prstGeom prst="rect">
+            <a:avLst/>
+          </a:prstGeom>
+          <a:noFill/>
+          <a:ln>
+            <a:solidFill>
+              <a:schemeClr val="bg1"/>
+            </a:solidFill>
+          </a:ln>
+        </p:spPr>
+        <p:style>
+          <a:lnRef idx="2">
+            <a:schemeClr val="accent1">
+              <a:shade val="50000"/>
+            </a:schemeClr>
+          </a:lnRef>
+          <a:fillRef idx="1">
+            <a:schemeClr val="accent1"/>
+          </a:fillRef>
+          <a:effectRef idx="0">
+            <a:schemeClr val="accent1"/>
+          </a:effectRef>
+          <a:fontRef idx="minor">
+            <a:schemeClr val="lt1"/>
+          </a:fontRef>
+        </p:style>
+        <p:txBody>
+          <a:bodyPr rtlCol="0" anchor="ctr"/>
+          <a:lstStyle/>
+          <a:p>
+            <a:pPr algn="ctr"/>
+            <a:endParaRPr lang="en-GB"/>
+          </a:p>
+        </p:txBody>
+      </p:sp>
+      <p:sp>
+        <p:nvSpPr>
+          <p:cNvPr id="11" name="Rectangle 10">
+            <a:extLst>
+              <a:ext uri="{FF2B5EF4-FFF2-40B4-BE49-F238E27FC236}">
+                <a16:creationId xmlns:a16="http://schemas.microsoft.com/office/drawing/2014/main" id="{447E22BC-8ED0-4479-9963-9A2808BA8D8E}"/>
+              </a:ext>
+            </a:extLst>
+          </p:cNvPr>
+          <p:cNvSpPr/>
+          <p:nvPr/>
+        </p:nvSpPr>
+        <p:spPr>
+          <a:xfrm>
+            <a:off x="8389380" y="3940911"/>
+            <a:ext cx="792000" cy="792000"/>
+          </a:xfrm>
+          <a:prstGeom prst="rect">
+            <a:avLst/>
+          </a:prstGeom>
+          <a:noFill/>
+          <a:ln>
+            <a:solidFill>
+              <a:schemeClr val="bg1"/>
+            </a:solidFill>
+          </a:ln>
+        </p:spPr>
+        <p:style>
+          <a:lnRef idx="2">
+            <a:schemeClr val="accent1">
+              <a:shade val="50000"/>
+            </a:schemeClr>
+          </a:lnRef>
+          <a:fillRef idx="1">
+            <a:schemeClr val="accent1"/>
+          </a:fillRef>
+          <a:effectRef idx="0">
+            <a:schemeClr val="accent1"/>
+          </a:effectRef>
+          <a:fontRef idx="minor">
+            <a:schemeClr val="lt1"/>
+          </a:fontRef>
+        </p:style>
+        <p:txBody>
+          <a:bodyPr rtlCol="0" anchor="ctr"/>
+          <a:lstStyle/>
+          <a:p>
+            <a:pPr algn="ctr"/>
+            <a:endParaRPr lang="en-GB"/>
+          </a:p>
+        </p:txBody>
+      </p:sp>
+      <p:sp>
+        <p:nvSpPr>
+          <p:cNvPr id="8" name="Rectangle 7">
+            <a:extLst>
+              <a:ext uri="{FF2B5EF4-FFF2-40B4-BE49-F238E27FC236}">
+                <a16:creationId xmlns:a16="http://schemas.microsoft.com/office/drawing/2014/main" id="{DF381875-2B77-4D8C-86C2-1E78F46CB914}"/>
+              </a:ext>
+            </a:extLst>
+          </p:cNvPr>
+          <p:cNvSpPr/>
+          <p:nvPr/>
+        </p:nvSpPr>
+        <p:spPr>
+          <a:xfrm>
+            <a:off x="7993380" y="3544911"/>
+            <a:ext cx="792000" cy="792000"/>
+          </a:xfrm>
+          <a:prstGeom prst="rect">
+            <a:avLst/>
+          </a:prstGeom>
+          <a:solidFill>
+            <a:srgbClr val="DCE7F0">
+              <a:alpha val="50196"/>
+            </a:srgbClr>
+          </a:solidFill>
+          <a:ln>
+            <a:solidFill>
+              <a:srgbClr val="C00000"/>
+            </a:solidFill>
+          </a:ln>
+        </p:spPr>
+        <p:style>
+          <a:lnRef idx="2">
+            <a:schemeClr val="accent1">
+              <a:shade val="50000"/>
+            </a:schemeClr>
+          </a:lnRef>
+          <a:fillRef idx="1">
+            <a:schemeClr val="accent1"/>
+          </a:fillRef>
+          <a:effectRef idx="0">
+            <a:schemeClr val="accent1"/>
+          </a:effectRef>
+          <a:fontRef idx="minor">
+            <a:schemeClr val="lt1"/>
+          </a:fontRef>
+        </p:style>
+        <p:txBody>
+          <a:bodyPr rtlCol="0" anchor="ctr"/>
+          <a:lstStyle/>
+          <a:p>
+            <a:pPr algn="ctr"/>
+            <a:endParaRPr lang="en-GB"/>
           </a:p>
         </p:txBody>
       </p:sp>
     </p:spTree>
     <p:extLst>
       <p:ext uri="{BB962C8B-B14F-4D97-AF65-F5344CB8AC3E}">
-        <p14:creationId xmlns:p14="http://schemas.microsoft.com/office/powerpoint/2010/main" val="3825861491"/>
+        <p14:creationId xmlns:p14="http://schemas.microsoft.com/office/powerpoint/2010/main" val="361011908"/>
       </p:ext>
     </p:extLst>
   </p:cSld>
@@ -6308,6 +10195,1014 @@
       </p:grpSpPr>
       <p:sp>
         <p:nvSpPr>
+          <p:cNvPr id="7" name="Title 6">
+            <a:extLst>
+              <a:ext uri="{FF2B5EF4-FFF2-40B4-BE49-F238E27FC236}">
+                <a16:creationId xmlns:a16="http://schemas.microsoft.com/office/drawing/2014/main" id="{7635D215-BC3D-4764-A43A-C197642E2846}"/>
+              </a:ext>
+            </a:extLst>
+          </p:cNvPr>
+          <p:cNvSpPr>
+            <a:spLocks noGrp="1"/>
+          </p:cNvSpPr>
+          <p:nvPr>
+            <p:ph type="title"/>
+          </p:nvPr>
+        </p:nvSpPr>
+        <p:spPr/>
+        <p:txBody>
+          <a:bodyPr/>
+          <a:lstStyle/>
+          <a:p>
+            <a:r>
+              <a:rPr lang="nl-NL" dirty="0"/>
+              <a:t>Combinatie</a:t>
+            </a:r>
+            <a:endParaRPr lang="en-GB" dirty="0"/>
+          </a:p>
+        </p:txBody>
+      </p:sp>
+      <p:sp>
+        <p:nvSpPr>
+          <p:cNvPr id="3" name="Text Placeholder 2">
+            <a:extLst>
+              <a:ext uri="{FF2B5EF4-FFF2-40B4-BE49-F238E27FC236}">
+                <a16:creationId xmlns:a16="http://schemas.microsoft.com/office/drawing/2014/main" id="{DE732FCC-C63A-4584-AB6A-1FD7F3039997}"/>
+              </a:ext>
+            </a:extLst>
+          </p:cNvPr>
+          <p:cNvSpPr>
+            <a:spLocks noGrp="1"/>
+          </p:cNvSpPr>
+          <p:nvPr>
+            <p:ph type="body" idx="1"/>
+          </p:nvPr>
+        </p:nvSpPr>
+        <p:spPr/>
+        <p:txBody>
+          <a:bodyPr/>
+          <a:lstStyle/>
+          <a:p>
+            <a:r>
+              <a:rPr lang="nl-NL" dirty="0"/>
+              <a:t>C1</a:t>
+            </a:r>
+            <a:endParaRPr lang="en-GB" dirty="0"/>
+          </a:p>
+        </p:txBody>
+      </p:sp>
+      <p:sp>
+        <p:nvSpPr>
+          <p:cNvPr id="4" name="Text Placeholder 3">
+            <a:extLst>
+              <a:ext uri="{FF2B5EF4-FFF2-40B4-BE49-F238E27FC236}">
+                <a16:creationId xmlns:a16="http://schemas.microsoft.com/office/drawing/2014/main" id="{10EC7353-20AC-4B40-BFF3-ADB4ED0974DC}"/>
+              </a:ext>
+            </a:extLst>
+          </p:cNvPr>
+          <p:cNvSpPr>
+            <a:spLocks noGrp="1"/>
+          </p:cNvSpPr>
+          <p:nvPr>
+            <p:ph type="body" sz="quarter" idx="3"/>
+          </p:nvPr>
+        </p:nvSpPr>
+        <p:spPr/>
+        <p:txBody>
+          <a:bodyPr/>
+          <a:lstStyle/>
+          <a:p>
+            <a:r>
+              <a:rPr lang="nl-NL" dirty="0"/>
+              <a:t>C21, C22</a:t>
+            </a:r>
+            <a:endParaRPr lang="en-GB" dirty="0"/>
+          </a:p>
+        </p:txBody>
+      </p:sp>
+      <p:sp>
+        <p:nvSpPr>
+          <p:cNvPr id="5" name="Text Placeholder 4">
+            <a:extLst>
+              <a:ext uri="{FF2B5EF4-FFF2-40B4-BE49-F238E27FC236}">
+                <a16:creationId xmlns:a16="http://schemas.microsoft.com/office/drawing/2014/main" id="{9B528B98-4B0F-40EC-B150-3A2B14FDD78D}"/>
+              </a:ext>
+            </a:extLst>
+          </p:cNvPr>
+          <p:cNvSpPr>
+            <a:spLocks noGrp="1"/>
+          </p:cNvSpPr>
+          <p:nvPr>
+            <p:ph type="body" sz="quarter" idx="13"/>
+          </p:nvPr>
+        </p:nvSpPr>
+        <p:spPr>
+          <a:xfrm>
+            <a:off x="8155907" y="1400924"/>
+            <a:ext cx="3960003" cy="540000"/>
+          </a:xfrm>
+        </p:spPr>
+        <p:txBody>
+          <a:bodyPr/>
+          <a:lstStyle/>
+          <a:p>
+            <a:r>
+              <a:rPr lang="nl-NL" dirty="0"/>
+              <a:t>Waarom ?</a:t>
+            </a:r>
+            <a:endParaRPr lang="en-GB" dirty="0"/>
+          </a:p>
+        </p:txBody>
+      </p:sp>
+      <p:pic>
+        <p:nvPicPr>
+          <p:cNvPr id="10" name="Picture 9">
+            <a:extLst>
+              <a:ext uri="{FF2B5EF4-FFF2-40B4-BE49-F238E27FC236}">
+                <a16:creationId xmlns:a16="http://schemas.microsoft.com/office/drawing/2014/main" id="{5A01E779-A0C8-45B6-974E-4B81CDA52FC5}"/>
+              </a:ext>
+            </a:extLst>
+          </p:cNvPr>
+          <p:cNvPicPr>
+            <a:picLocks noChangeAspect="1"/>
+          </p:cNvPicPr>
+          <p:nvPr/>
+        </p:nvPicPr>
+        <p:blipFill rotWithShape="1">
+          <a:blip r:embed="rId3"/>
+          <a:srcRect l="2750" r="2750"/>
+          <a:stretch/>
+        </p:blipFill>
+        <p:spPr>
+          <a:xfrm>
+            <a:off x="8346023" y="2129777"/>
+            <a:ext cx="3600000" cy="3600000"/>
+          </a:xfrm>
+          <a:prstGeom prst="snip2DiagRect">
+            <a:avLst/>
+          </a:prstGeom>
+        </p:spPr>
+      </p:pic>
+      <p:sp>
+        <p:nvSpPr>
+          <p:cNvPr id="14" name="Rectangle 13">
+            <a:extLst>
+              <a:ext uri="{FF2B5EF4-FFF2-40B4-BE49-F238E27FC236}">
+                <a16:creationId xmlns:a16="http://schemas.microsoft.com/office/drawing/2014/main" id="{E59AE3AD-FAF8-4829-B42B-74B435B13580}"/>
+              </a:ext>
+            </a:extLst>
+          </p:cNvPr>
+          <p:cNvSpPr/>
+          <p:nvPr/>
+        </p:nvSpPr>
+        <p:spPr>
+          <a:xfrm>
+            <a:off x="10469400" y="4005735"/>
+            <a:ext cx="396000" cy="396000"/>
+          </a:xfrm>
+          <a:prstGeom prst="rect">
+            <a:avLst/>
+          </a:prstGeom>
+          <a:solidFill>
+            <a:srgbClr val="DCE7F0">
+              <a:alpha val="50196"/>
+            </a:srgbClr>
+          </a:solidFill>
+          <a:ln>
+            <a:solidFill>
+              <a:schemeClr val="bg1"/>
+            </a:solidFill>
+          </a:ln>
+        </p:spPr>
+        <p:style>
+          <a:lnRef idx="2">
+            <a:schemeClr val="accent1">
+              <a:shade val="50000"/>
+            </a:schemeClr>
+          </a:lnRef>
+          <a:fillRef idx="1">
+            <a:schemeClr val="accent1"/>
+          </a:fillRef>
+          <a:effectRef idx="0">
+            <a:schemeClr val="accent1"/>
+          </a:effectRef>
+          <a:fontRef idx="minor">
+            <a:schemeClr val="lt1"/>
+          </a:fontRef>
+        </p:style>
+        <p:txBody>
+          <a:bodyPr rtlCol="0" anchor="ctr"/>
+          <a:lstStyle/>
+          <a:p>
+            <a:pPr algn="ctr"/>
+            <a:endParaRPr lang="en-GB"/>
+          </a:p>
+        </p:txBody>
+      </p:sp>
+      <p:sp>
+        <p:nvSpPr>
+          <p:cNvPr id="15" name="Rectangle 14">
+            <a:extLst>
+              <a:ext uri="{FF2B5EF4-FFF2-40B4-BE49-F238E27FC236}">
+                <a16:creationId xmlns:a16="http://schemas.microsoft.com/office/drawing/2014/main" id="{66AC684B-7E13-4212-85DA-4D885660D220}"/>
+              </a:ext>
+            </a:extLst>
+          </p:cNvPr>
+          <p:cNvSpPr/>
+          <p:nvPr/>
+        </p:nvSpPr>
+        <p:spPr>
+          <a:xfrm>
+            <a:off x="9677400" y="4005735"/>
+            <a:ext cx="396000" cy="396000"/>
+          </a:xfrm>
+          <a:prstGeom prst="rect">
+            <a:avLst/>
+          </a:prstGeom>
+          <a:solidFill>
+            <a:srgbClr val="DCE7F0">
+              <a:alpha val="50196"/>
+            </a:srgbClr>
+          </a:solidFill>
+          <a:ln>
+            <a:solidFill>
+              <a:schemeClr val="bg1"/>
+            </a:solidFill>
+          </a:ln>
+        </p:spPr>
+        <p:style>
+          <a:lnRef idx="2">
+            <a:schemeClr val="accent1">
+              <a:shade val="50000"/>
+            </a:schemeClr>
+          </a:lnRef>
+          <a:fillRef idx="1">
+            <a:schemeClr val="accent1"/>
+          </a:fillRef>
+          <a:effectRef idx="0">
+            <a:schemeClr val="accent1"/>
+          </a:effectRef>
+          <a:fontRef idx="minor">
+            <a:schemeClr val="lt1"/>
+          </a:fontRef>
+        </p:style>
+        <p:txBody>
+          <a:bodyPr rtlCol="0" anchor="ctr"/>
+          <a:lstStyle/>
+          <a:p>
+            <a:pPr algn="ctr"/>
+            <a:endParaRPr lang="en-GB"/>
+          </a:p>
+        </p:txBody>
+      </p:sp>
+      <p:sp>
+        <p:nvSpPr>
+          <p:cNvPr id="16" name="Rectangle 15">
+            <a:extLst>
+              <a:ext uri="{FF2B5EF4-FFF2-40B4-BE49-F238E27FC236}">
+                <a16:creationId xmlns:a16="http://schemas.microsoft.com/office/drawing/2014/main" id="{4C8F49E3-4BD0-4136-8E49-9B466FD62F4E}"/>
+              </a:ext>
+            </a:extLst>
+          </p:cNvPr>
+          <p:cNvSpPr/>
+          <p:nvPr/>
+        </p:nvSpPr>
+        <p:spPr>
+          <a:xfrm>
+            <a:off x="10073400" y="3609735"/>
+            <a:ext cx="396000" cy="396000"/>
+          </a:xfrm>
+          <a:prstGeom prst="rect">
+            <a:avLst/>
+          </a:prstGeom>
+          <a:solidFill>
+            <a:srgbClr val="DCE7F0">
+              <a:alpha val="50196"/>
+            </a:srgbClr>
+          </a:solidFill>
+          <a:ln>
+            <a:solidFill>
+              <a:schemeClr val="bg1"/>
+            </a:solidFill>
+          </a:ln>
+        </p:spPr>
+        <p:style>
+          <a:lnRef idx="2">
+            <a:schemeClr val="accent1">
+              <a:shade val="50000"/>
+            </a:schemeClr>
+          </a:lnRef>
+          <a:fillRef idx="1">
+            <a:schemeClr val="accent1"/>
+          </a:fillRef>
+          <a:effectRef idx="0">
+            <a:schemeClr val="accent1"/>
+          </a:effectRef>
+          <a:fontRef idx="minor">
+            <a:schemeClr val="lt1"/>
+          </a:fontRef>
+        </p:style>
+        <p:txBody>
+          <a:bodyPr rtlCol="0" anchor="ctr"/>
+          <a:lstStyle/>
+          <a:p>
+            <a:pPr algn="ctr"/>
+            <a:endParaRPr lang="en-GB"/>
+          </a:p>
+        </p:txBody>
+      </p:sp>
+      <p:sp>
+        <p:nvSpPr>
+          <p:cNvPr id="17" name="Rectangle 16">
+            <a:extLst>
+              <a:ext uri="{FF2B5EF4-FFF2-40B4-BE49-F238E27FC236}">
+                <a16:creationId xmlns:a16="http://schemas.microsoft.com/office/drawing/2014/main" id="{D24B8F6E-07C7-4A49-9AA5-40F02197C642}"/>
+              </a:ext>
+            </a:extLst>
+          </p:cNvPr>
+          <p:cNvSpPr/>
+          <p:nvPr/>
+        </p:nvSpPr>
+        <p:spPr>
+          <a:xfrm>
+            <a:off x="10073400" y="4401735"/>
+            <a:ext cx="396000" cy="396000"/>
+          </a:xfrm>
+          <a:prstGeom prst="rect">
+            <a:avLst/>
+          </a:prstGeom>
+          <a:solidFill>
+            <a:srgbClr val="DCE7F0">
+              <a:alpha val="50196"/>
+            </a:srgbClr>
+          </a:solidFill>
+          <a:ln>
+            <a:solidFill>
+              <a:schemeClr val="bg1"/>
+            </a:solidFill>
+          </a:ln>
+        </p:spPr>
+        <p:style>
+          <a:lnRef idx="2">
+            <a:schemeClr val="accent1">
+              <a:shade val="50000"/>
+            </a:schemeClr>
+          </a:lnRef>
+          <a:fillRef idx="1">
+            <a:schemeClr val="accent1"/>
+          </a:fillRef>
+          <a:effectRef idx="0">
+            <a:schemeClr val="accent1"/>
+          </a:effectRef>
+          <a:fontRef idx="minor">
+            <a:schemeClr val="lt1"/>
+          </a:fontRef>
+        </p:style>
+        <p:txBody>
+          <a:bodyPr rtlCol="0" anchor="ctr"/>
+          <a:lstStyle/>
+          <a:p>
+            <a:pPr algn="ctr"/>
+            <a:endParaRPr lang="en-GB"/>
+          </a:p>
+        </p:txBody>
+      </p:sp>
+      <p:pic>
+        <p:nvPicPr>
+          <p:cNvPr id="23" name="Picture 22">
+            <a:extLst>
+              <a:ext uri="{FF2B5EF4-FFF2-40B4-BE49-F238E27FC236}">
+                <a16:creationId xmlns:a16="http://schemas.microsoft.com/office/drawing/2014/main" id="{32275175-B058-45D3-BB6C-A607000961E3}"/>
+              </a:ext>
+            </a:extLst>
+          </p:cNvPr>
+          <p:cNvPicPr>
+            <a:picLocks noChangeAspect="1"/>
+          </p:cNvPicPr>
+          <p:nvPr/>
+        </p:nvPicPr>
+        <p:blipFill rotWithShape="1">
+          <a:blip r:embed="rId4"/>
+          <a:srcRect l="15002" t="7623" r="7357" b="6731"/>
+          <a:stretch/>
+        </p:blipFill>
+        <p:spPr>
+          <a:xfrm>
+            <a:off x="245977" y="2129777"/>
+            <a:ext cx="3600000" cy="3600000"/>
+          </a:xfrm>
+          <a:prstGeom prst="snip2DiagRect">
+            <a:avLst/>
+          </a:prstGeom>
+        </p:spPr>
+      </p:pic>
+      <p:sp>
+        <p:nvSpPr>
+          <p:cNvPr id="32" name="Rectangle 31">
+            <a:extLst>
+              <a:ext uri="{FF2B5EF4-FFF2-40B4-BE49-F238E27FC236}">
+                <a16:creationId xmlns:a16="http://schemas.microsoft.com/office/drawing/2014/main" id="{CA84F414-3862-42B8-9796-7A8A05490D42}"/>
+              </a:ext>
+            </a:extLst>
+          </p:cNvPr>
+          <p:cNvSpPr/>
+          <p:nvPr/>
+        </p:nvSpPr>
+        <p:spPr>
+          <a:xfrm>
+            <a:off x="1618427" y="3926670"/>
+            <a:ext cx="792000" cy="792000"/>
+          </a:xfrm>
+          <a:prstGeom prst="rect">
+            <a:avLst/>
+          </a:prstGeom>
+          <a:noFill/>
+          <a:ln>
+            <a:solidFill>
+              <a:schemeClr val="bg1"/>
+            </a:solidFill>
+          </a:ln>
+        </p:spPr>
+        <p:style>
+          <a:lnRef idx="2">
+            <a:schemeClr val="accent1">
+              <a:shade val="50000"/>
+            </a:schemeClr>
+          </a:lnRef>
+          <a:fillRef idx="1">
+            <a:schemeClr val="accent1"/>
+          </a:fillRef>
+          <a:effectRef idx="0">
+            <a:schemeClr val="accent1"/>
+          </a:effectRef>
+          <a:fontRef idx="minor">
+            <a:schemeClr val="lt1"/>
+          </a:fontRef>
+        </p:style>
+        <p:txBody>
+          <a:bodyPr rtlCol="0" anchor="ctr"/>
+          <a:lstStyle/>
+          <a:p>
+            <a:pPr algn="ctr"/>
+            <a:endParaRPr lang="en-GB"/>
+          </a:p>
+        </p:txBody>
+      </p:sp>
+      <p:sp>
+        <p:nvSpPr>
+          <p:cNvPr id="33" name="Rectangle 32">
+            <a:extLst>
+              <a:ext uri="{FF2B5EF4-FFF2-40B4-BE49-F238E27FC236}">
+                <a16:creationId xmlns:a16="http://schemas.microsoft.com/office/drawing/2014/main" id="{5FC87334-AD59-46C5-A7E9-FF92D2F89B5C}"/>
+              </a:ext>
+            </a:extLst>
+          </p:cNvPr>
+          <p:cNvSpPr/>
+          <p:nvPr/>
+        </p:nvSpPr>
+        <p:spPr>
+          <a:xfrm>
+            <a:off x="2014427" y="3926670"/>
+            <a:ext cx="792000" cy="792000"/>
+          </a:xfrm>
+          <a:prstGeom prst="rect">
+            <a:avLst/>
+          </a:prstGeom>
+          <a:noFill/>
+          <a:ln>
+            <a:solidFill>
+              <a:srgbClr val="C00000"/>
+            </a:solidFill>
+          </a:ln>
+        </p:spPr>
+        <p:style>
+          <a:lnRef idx="2">
+            <a:schemeClr val="accent1">
+              <a:shade val="50000"/>
+            </a:schemeClr>
+          </a:lnRef>
+          <a:fillRef idx="1">
+            <a:schemeClr val="accent1"/>
+          </a:fillRef>
+          <a:effectRef idx="0">
+            <a:schemeClr val="accent1"/>
+          </a:effectRef>
+          <a:fontRef idx="minor">
+            <a:schemeClr val="lt1"/>
+          </a:fontRef>
+        </p:style>
+        <p:txBody>
+          <a:bodyPr rtlCol="0" anchor="ctr"/>
+          <a:lstStyle/>
+          <a:p>
+            <a:pPr algn="ctr"/>
+            <a:endParaRPr lang="en-GB"/>
+          </a:p>
+        </p:txBody>
+      </p:sp>
+    </p:spTree>
+    <p:extLst>
+      <p:ext uri="{BB962C8B-B14F-4D97-AF65-F5344CB8AC3E}">
+        <p14:creationId xmlns:p14="http://schemas.microsoft.com/office/powerpoint/2010/main" val="2065385163"/>
+      </p:ext>
+    </p:extLst>
+  </p:cSld>
+  <p:clrMapOvr>
+    <a:masterClrMapping/>
+  </p:clrMapOvr>
+</p:sld>
+</file>
+
+<file path=ppt/slides/slide13.xml><?xml version="1.0" encoding="utf-8"?>
+<p:sld xmlns:a="http://schemas.openxmlformats.org/drawingml/2006/main" xmlns:r="http://schemas.openxmlformats.org/officeDocument/2006/relationships" xmlns:p="http://schemas.openxmlformats.org/presentationml/2006/main">
+  <p:cSld>
+    <p:spTree>
+      <p:nvGrpSpPr>
+        <p:cNvPr id="1" name=""/>
+        <p:cNvGrpSpPr/>
+        <p:nvPr/>
+      </p:nvGrpSpPr>
+      <p:grpSpPr>
+        <a:xfrm>
+          <a:off x="0" y="0"/>
+          <a:ext cx="0" cy="0"/>
+          <a:chOff x="0" y="0"/>
+          <a:chExt cx="0" cy="0"/>
+        </a:xfrm>
+      </p:grpSpPr>
+      <p:sp>
+        <p:nvSpPr>
+          <p:cNvPr id="4" name="Content Placeholder 3">
+            <a:extLst>
+              <a:ext uri="{FF2B5EF4-FFF2-40B4-BE49-F238E27FC236}">
+                <a16:creationId xmlns:a16="http://schemas.microsoft.com/office/drawing/2014/main" id="{F8544B24-0834-44E0-8580-5EE763E3DE98}"/>
+              </a:ext>
+            </a:extLst>
+          </p:cNvPr>
+          <p:cNvSpPr>
+            <a:spLocks noGrp="1"/>
+          </p:cNvSpPr>
+          <p:nvPr>
+            <p:ph idx="1"/>
+          </p:nvPr>
+        </p:nvSpPr>
+        <p:spPr/>
+        <p:txBody>
+          <a:bodyPr>
+            <a:normAutofit lnSpcReduction="10000"/>
+          </a:bodyPr>
+          <a:lstStyle/>
+          <a:p>
+            <a:r>
+              <a:rPr lang="nl-BE" dirty="0"/>
+              <a:t>A: </a:t>
+            </a:r>
+            <a:r>
+              <a:rPr lang="nl-BE" noProof="0" dirty="0"/>
+              <a:t>Zoeken naar L structuren</a:t>
+            </a:r>
+          </a:p>
+          <a:p>
+            <a:pPr lvl="1"/>
+            <a:r>
+              <a:rPr lang="nl-BE" noProof="0" dirty="0"/>
+              <a:t>A1: L structuur eigen kleur</a:t>
+            </a:r>
+          </a:p>
+          <a:p>
+            <a:pPr lvl="1"/>
+            <a:r>
+              <a:rPr lang="nl-BE" dirty="0"/>
+              <a:t>A2: L structuur andere kleur</a:t>
+            </a:r>
+          </a:p>
+          <a:p>
+            <a:pPr lvl="2"/>
+            <a:r>
+              <a:rPr lang="nl-BE" noProof="0" dirty="0"/>
+              <a:t>A21: 4</a:t>
+            </a:r>
+            <a:r>
+              <a:rPr lang="nl-BE" baseline="30000" noProof="0" dirty="0"/>
+              <a:t>de</a:t>
+            </a:r>
+            <a:r>
+              <a:rPr lang="nl-BE" noProof="0" dirty="0"/>
+              <a:t> plek eigen kleur</a:t>
+            </a:r>
+          </a:p>
+          <a:p>
+            <a:pPr lvl="2"/>
+            <a:r>
+              <a:rPr lang="nl-BE" dirty="0"/>
+              <a:t>A22: 4</a:t>
+            </a:r>
+            <a:r>
+              <a:rPr lang="nl-BE" baseline="30000" dirty="0"/>
+              <a:t>de</a:t>
+            </a:r>
+            <a:r>
+              <a:rPr lang="nl-BE" dirty="0"/>
+              <a:t> </a:t>
+            </a:r>
+            <a:r>
+              <a:rPr lang="nl-BE" noProof="0" dirty="0"/>
+              <a:t>plek leeg</a:t>
+            </a:r>
+          </a:p>
+          <a:p>
+            <a:r>
+              <a:rPr lang="nl-BE" dirty="0"/>
+              <a:t>B: Midden van 1</a:t>
+            </a:r>
+            <a:r>
+              <a:rPr lang="nl-BE" baseline="30000" dirty="0"/>
+              <a:t>ste</a:t>
+            </a:r>
+            <a:r>
+              <a:rPr lang="nl-BE" dirty="0"/>
+              <a:t> verdiep claimen</a:t>
+            </a:r>
+          </a:p>
+          <a:p>
+            <a:r>
+              <a:rPr lang="nl-BE" dirty="0"/>
+              <a:t>C: Midden van 1</a:t>
+            </a:r>
+            <a:r>
+              <a:rPr lang="nl-BE" baseline="30000" dirty="0"/>
+              <a:t>ste</a:t>
+            </a:r>
+            <a:r>
+              <a:rPr lang="nl-BE" dirty="0"/>
+              <a:t> verdiep bezet</a:t>
+            </a:r>
+          </a:p>
+          <a:p>
+            <a:pPr lvl="1"/>
+            <a:r>
+              <a:rPr lang="nl-BE" dirty="0"/>
+              <a:t>C1: Midden eigen kleur</a:t>
+            </a:r>
+          </a:p>
+          <a:p>
+            <a:pPr lvl="1"/>
+            <a:r>
+              <a:rPr lang="nl-BE" dirty="0"/>
+              <a:t>C2: Midden ander kleur</a:t>
+            </a:r>
+          </a:p>
+          <a:p>
+            <a:pPr lvl="2"/>
+            <a:r>
+              <a:rPr lang="nl-BE" dirty="0"/>
+              <a:t>C21: Eigen kleur op het midden van de rand</a:t>
+            </a:r>
+          </a:p>
+          <a:p>
+            <a:pPr lvl="2"/>
+            <a:r>
+              <a:rPr lang="nl-BE" dirty="0"/>
+              <a:t>C22: Geen eigen kleur op het 1</a:t>
+            </a:r>
+            <a:r>
+              <a:rPr lang="nl-BE" baseline="30000" dirty="0"/>
+              <a:t>ste</a:t>
+            </a:r>
+            <a:r>
+              <a:rPr lang="nl-BE" dirty="0"/>
+              <a:t> verdiep</a:t>
+            </a:r>
+          </a:p>
+          <a:p>
+            <a:endParaRPr lang="nl-BE" noProof="0" dirty="0"/>
+          </a:p>
+          <a:p>
+            <a:endParaRPr lang="nl-BE" noProof="0" dirty="0"/>
+          </a:p>
+        </p:txBody>
+      </p:sp>
+      <p:sp>
+        <p:nvSpPr>
+          <p:cNvPr id="3" name="Title 2">
+            <a:extLst>
+              <a:ext uri="{FF2B5EF4-FFF2-40B4-BE49-F238E27FC236}">
+                <a16:creationId xmlns:a16="http://schemas.microsoft.com/office/drawing/2014/main" id="{53E69D4D-8085-4A93-8904-FE08F62AD2DA}"/>
+              </a:ext>
+            </a:extLst>
+          </p:cNvPr>
+          <p:cNvSpPr>
+            <a:spLocks noGrp="1"/>
+          </p:cNvSpPr>
+          <p:nvPr>
+            <p:ph type="title"/>
+          </p:nvPr>
+        </p:nvSpPr>
+        <p:spPr/>
+        <p:txBody>
+          <a:bodyPr/>
+          <a:lstStyle/>
+          <a:p>
+            <a:r>
+              <a:rPr lang="nl-BE" noProof="0" dirty="0"/>
+              <a:t>Strategieën</a:t>
+            </a:r>
+          </a:p>
+        </p:txBody>
+      </p:sp>
+      <p:pic>
+        <p:nvPicPr>
+          <p:cNvPr id="5" name="Afbeelding 4">
+            <a:extLst>
+              <a:ext uri="{FF2B5EF4-FFF2-40B4-BE49-F238E27FC236}">
+                <a16:creationId xmlns:a16="http://schemas.microsoft.com/office/drawing/2014/main" id="{AC6E77A6-7DBA-469C-AE16-CCF3A6D3A9A6}"/>
+              </a:ext>
+            </a:extLst>
+          </p:cNvPr>
+          <p:cNvPicPr>
+            <a:picLocks noChangeAspect="1"/>
+          </p:cNvPicPr>
+          <p:nvPr/>
+        </p:nvPicPr>
+        <p:blipFill>
+          <a:blip r:embed="rId3"/>
+          <a:stretch>
+            <a:fillRect/>
+          </a:stretch>
+        </p:blipFill>
+        <p:spPr>
+          <a:xfrm>
+            <a:off x="7241690" y="1498022"/>
+            <a:ext cx="4743776" cy="3861955"/>
+          </a:xfrm>
+          <a:prstGeom prst="rect">
+            <a:avLst/>
+          </a:prstGeom>
+        </p:spPr>
+      </p:pic>
+      <p:sp>
+        <p:nvSpPr>
+          <p:cNvPr id="2" name="TextBox 1">
+            <a:extLst>
+              <a:ext uri="{FF2B5EF4-FFF2-40B4-BE49-F238E27FC236}">
+                <a16:creationId xmlns:a16="http://schemas.microsoft.com/office/drawing/2014/main" id="{906595AB-CA33-4863-8EE2-842DD75DDB9A}"/>
+              </a:ext>
+            </a:extLst>
+          </p:cNvPr>
+          <p:cNvSpPr txBox="1"/>
+          <p:nvPr/>
+        </p:nvSpPr>
+        <p:spPr>
+          <a:xfrm>
+            <a:off x="7241690" y="5346451"/>
+            <a:ext cx="4743776" cy="369332"/>
+          </a:xfrm>
+          <a:prstGeom prst="rect">
+            <a:avLst/>
+          </a:prstGeom>
+          <a:noFill/>
+        </p:spPr>
+        <p:txBody>
+          <a:bodyPr wrap="square" rtlCol="0">
+            <a:spAutoFit/>
+          </a:bodyPr>
+          <a:lstStyle/>
+          <a:p>
+            <a:pPr algn="ctr"/>
+            <a:r>
+              <a:rPr lang="nl-NL" dirty="0"/>
+              <a:t>Illustratie: ‘Belang van claimen middens’</a:t>
+            </a:r>
+            <a:endParaRPr lang="en-GB" dirty="0"/>
+          </a:p>
+        </p:txBody>
+      </p:sp>
+    </p:spTree>
+    <p:extLst>
+      <p:ext uri="{BB962C8B-B14F-4D97-AF65-F5344CB8AC3E}">
+        <p14:creationId xmlns:p14="http://schemas.microsoft.com/office/powerpoint/2010/main" val="148679185"/>
+      </p:ext>
+    </p:extLst>
+  </p:cSld>
+  <p:clrMapOvr>
+    <a:masterClrMapping/>
+  </p:clrMapOvr>
+</p:sld>
+</file>
+
+<file path=ppt/slides/slide14.xml><?xml version="1.0" encoding="utf-8"?>
+<p:sld xmlns:a="http://schemas.openxmlformats.org/drawingml/2006/main" xmlns:r="http://schemas.openxmlformats.org/officeDocument/2006/relationships" xmlns:p="http://schemas.openxmlformats.org/presentationml/2006/main">
+  <p:cSld>
+    <p:spTree>
+      <p:nvGrpSpPr>
+        <p:cNvPr id="1" name=""/>
+        <p:cNvGrpSpPr/>
+        <p:nvPr/>
+      </p:nvGrpSpPr>
+      <p:grpSpPr>
+        <a:xfrm>
+          <a:off x="0" y="0"/>
+          <a:ext cx="0" cy="0"/>
+          <a:chOff x="0" y="0"/>
+          <a:chExt cx="0" cy="0"/>
+        </a:xfrm>
+      </p:grpSpPr>
+      <p:sp>
+        <p:nvSpPr>
+          <p:cNvPr id="2" name="Tijdelijke aanduiding voor inhoud 1">
+            <a:extLst>
+              <a:ext uri="{FF2B5EF4-FFF2-40B4-BE49-F238E27FC236}">
+                <a16:creationId xmlns:a16="http://schemas.microsoft.com/office/drawing/2014/main" id="{5A537257-FFBD-48D5-9C35-CA52D855778A}"/>
+              </a:ext>
+            </a:extLst>
+          </p:cNvPr>
+          <p:cNvSpPr>
+            <a:spLocks noGrp="1"/>
+          </p:cNvSpPr>
+          <p:nvPr>
+            <p:ph idx="1"/>
+          </p:nvPr>
+        </p:nvSpPr>
+        <p:spPr/>
+        <p:txBody>
+          <a:bodyPr/>
+          <a:lstStyle/>
+          <a:p>
+            <a:r>
+              <a:rPr lang="nl-BE" dirty="0"/>
+              <a:t>Welke volgorde veroorzaakt grootste winst %?</a:t>
+            </a:r>
+          </a:p>
+          <a:p>
+            <a:endParaRPr lang="nl-BE" dirty="0"/>
+          </a:p>
+          <a:p>
+            <a:r>
+              <a:rPr lang="nl-BE" dirty="0"/>
+              <a:t>RESULTATEN HIERONDER</a:t>
+            </a:r>
+          </a:p>
+        </p:txBody>
+      </p:sp>
+      <p:sp>
+        <p:nvSpPr>
+          <p:cNvPr id="3" name="Titel 2">
+            <a:extLst>
+              <a:ext uri="{FF2B5EF4-FFF2-40B4-BE49-F238E27FC236}">
+                <a16:creationId xmlns:a16="http://schemas.microsoft.com/office/drawing/2014/main" id="{E65BEBBA-833F-4874-B992-FFE6290803F8}"/>
+              </a:ext>
+            </a:extLst>
+          </p:cNvPr>
+          <p:cNvSpPr>
+            <a:spLocks noGrp="1"/>
+          </p:cNvSpPr>
+          <p:nvPr>
+            <p:ph type="title"/>
+          </p:nvPr>
+        </p:nvSpPr>
+        <p:spPr/>
+        <p:txBody>
+          <a:bodyPr/>
+          <a:lstStyle/>
+          <a:p>
+            <a:r>
+              <a:rPr lang="nl-BE" dirty="0"/>
+              <a:t>Onderzoek – Volgorde strategieën</a:t>
+            </a:r>
+          </a:p>
+        </p:txBody>
+      </p:sp>
+    </p:spTree>
+    <p:extLst>
+      <p:ext uri="{BB962C8B-B14F-4D97-AF65-F5344CB8AC3E}">
+        <p14:creationId xmlns:p14="http://schemas.microsoft.com/office/powerpoint/2010/main" val="4167623910"/>
+      </p:ext>
+    </p:extLst>
+  </p:cSld>
+  <p:clrMapOvr>
+    <a:masterClrMapping/>
+  </p:clrMapOvr>
+</p:sld>
+</file>
+
+<file path=ppt/slides/slide15.xml><?xml version="1.0" encoding="utf-8"?>
+<p:sld xmlns:a="http://schemas.openxmlformats.org/drawingml/2006/main" xmlns:r="http://schemas.openxmlformats.org/officeDocument/2006/relationships" xmlns:p="http://schemas.openxmlformats.org/presentationml/2006/main">
+  <p:cSld>
+    <p:spTree>
+      <p:nvGrpSpPr>
+        <p:cNvPr id="1" name=""/>
+        <p:cNvGrpSpPr/>
+        <p:nvPr/>
+      </p:nvGrpSpPr>
+      <p:grpSpPr>
+        <a:xfrm>
+          <a:off x="0" y="0"/>
+          <a:ext cx="0" cy="0"/>
+          <a:chOff x="0" y="0"/>
+          <a:chExt cx="0" cy="0"/>
+        </a:xfrm>
+      </p:grpSpPr>
+      <p:sp>
+        <p:nvSpPr>
+          <p:cNvPr id="2" name="Tijdelijke aanduiding voor inhoud 1">
+            <a:extLst>
+              <a:ext uri="{FF2B5EF4-FFF2-40B4-BE49-F238E27FC236}">
+                <a16:creationId xmlns:a16="http://schemas.microsoft.com/office/drawing/2014/main" id="{5A537257-FFBD-48D5-9C35-CA52D855778A}"/>
+              </a:ext>
+            </a:extLst>
+          </p:cNvPr>
+          <p:cNvSpPr>
+            <a:spLocks noGrp="1"/>
+          </p:cNvSpPr>
+          <p:nvPr>
+            <p:ph idx="1"/>
+          </p:nvPr>
+        </p:nvSpPr>
+        <p:spPr/>
+        <p:txBody>
+          <a:bodyPr/>
+          <a:lstStyle/>
+          <a:p>
+            <a:r>
+              <a:rPr lang="nl-BE" dirty="0"/>
+              <a:t>Onderzoek naar de effectiviteit</a:t>
+            </a:r>
+          </a:p>
+          <a:p>
+            <a:endParaRPr lang="nl-BE" dirty="0"/>
+          </a:p>
+          <a:p>
+            <a:r>
+              <a:rPr lang="nl-BE"/>
+              <a:t>RESULTATEN HIERONDER</a:t>
+            </a:r>
+            <a:endParaRPr lang="nl-BE" dirty="0"/>
+          </a:p>
+          <a:p>
+            <a:endParaRPr lang="nl-BE" dirty="0"/>
+          </a:p>
+        </p:txBody>
+      </p:sp>
+      <p:sp>
+        <p:nvSpPr>
+          <p:cNvPr id="3" name="Titel 2">
+            <a:extLst>
+              <a:ext uri="{FF2B5EF4-FFF2-40B4-BE49-F238E27FC236}">
+                <a16:creationId xmlns:a16="http://schemas.microsoft.com/office/drawing/2014/main" id="{E65BEBBA-833F-4874-B992-FFE6290803F8}"/>
+              </a:ext>
+            </a:extLst>
+          </p:cNvPr>
+          <p:cNvSpPr>
+            <a:spLocks noGrp="1"/>
+          </p:cNvSpPr>
+          <p:nvPr>
+            <p:ph type="title"/>
+          </p:nvPr>
+        </p:nvSpPr>
+        <p:spPr/>
+        <p:txBody>
+          <a:bodyPr/>
+          <a:lstStyle/>
+          <a:p>
+            <a:r>
+              <a:rPr lang="nl-BE" dirty="0"/>
+              <a:t>Onderzoek – Strategieën</a:t>
+            </a:r>
+          </a:p>
+        </p:txBody>
+      </p:sp>
+    </p:spTree>
+    <p:extLst>
+      <p:ext uri="{BB962C8B-B14F-4D97-AF65-F5344CB8AC3E}">
+        <p14:creationId xmlns:p14="http://schemas.microsoft.com/office/powerpoint/2010/main" val="3825861491"/>
+      </p:ext>
+    </p:extLst>
+  </p:cSld>
+  <p:clrMapOvr>
+    <a:masterClrMapping/>
+  </p:clrMapOvr>
+</p:sld>
+</file>
+
+<file path=ppt/slides/slide16.xml><?xml version="1.0" encoding="utf-8"?>
+<p:sld xmlns:a="http://schemas.openxmlformats.org/drawingml/2006/main" xmlns:r="http://schemas.openxmlformats.org/officeDocument/2006/relationships" xmlns:p="http://schemas.openxmlformats.org/presentationml/2006/main">
+  <p:cSld>
+    <p:spTree>
+      <p:nvGrpSpPr>
+        <p:cNvPr id="1" name=""/>
+        <p:cNvGrpSpPr/>
+        <p:nvPr/>
+      </p:nvGrpSpPr>
+      <p:grpSpPr>
+        <a:xfrm>
+          <a:off x="0" y="0"/>
+          <a:ext cx="0" cy="0"/>
+          <a:chOff x="0" y="0"/>
+          <a:chExt cx="0" cy="0"/>
+        </a:xfrm>
+      </p:grpSpPr>
+      <p:sp>
+        <p:nvSpPr>
           <p:cNvPr id="2" name="Title 1">
             <a:extLst>
               <a:ext uri="{FF2B5EF4-FFF2-40B4-BE49-F238E27FC236}">
@@ -6348,7 +11243,7 @@
 </p:sld>
 </file>
 
-<file path=ppt/slides/slide13.xml><?xml version="1.0" encoding="utf-8"?>
+<file path=ppt/slides/slide17.xml><?xml version="1.0" encoding="utf-8"?>
 <p:sld xmlns:a="http://schemas.openxmlformats.org/drawingml/2006/main" xmlns:r="http://schemas.openxmlformats.org/officeDocument/2006/relationships" xmlns:p="http://schemas.openxmlformats.org/presentationml/2006/main">
   <p:cSld>
     <p:spTree>
@@ -7106,7 +12001,7 @@
           <p:nvPr>
             <p:extLst>
               <p:ext uri="{D42A27DB-BD31-4B8C-83A1-F6EECF244321}">
-                <p14:modId xmlns:p14="http://schemas.microsoft.com/office/powerpoint/2010/main" val="2296357904"/>
+                <p14:modId xmlns:p14="http://schemas.microsoft.com/office/powerpoint/2010/main" val="1314139310"/>
               </p:ext>
             </p:extLst>
           </p:nvPr>
@@ -7693,10 +12588,10 @@
       </p:grpSpPr>
       <p:sp>
         <p:nvSpPr>
-          <p:cNvPr id="4" name="Content Placeholder 3">
+          <p:cNvPr id="2" name="Content Placeholder 1">
             <a:extLst>
               <a:ext uri="{FF2B5EF4-FFF2-40B4-BE49-F238E27FC236}">
-                <a16:creationId xmlns:a16="http://schemas.microsoft.com/office/drawing/2014/main" id="{F8544B24-0834-44E0-8580-5EE763E3DE98}"/>
+                <a16:creationId xmlns:a16="http://schemas.microsoft.com/office/drawing/2014/main" id="{357FB862-E6E5-47DA-9FF7-0BA26CFF81DE}"/>
               </a:ext>
             </a:extLst>
           </p:cNvPr>
@@ -7710,132 +12605,104 @@
         <p:spPr/>
         <p:txBody>
           <a:bodyPr>
-            <a:normAutofit lnSpcReduction="10000"/>
+            <a:normAutofit fontScale="92500" lnSpcReduction="10000"/>
           </a:bodyPr>
           <a:lstStyle/>
           <a:p>
             <a:r>
+              <a:rPr lang="nl-NL" dirty="0"/>
+              <a:t>Offensief (A1)</a:t>
+            </a:r>
+          </a:p>
+          <a:p>
+            <a:pPr lvl="1"/>
+            <a:r>
+              <a:rPr lang="nl-NL" dirty="0"/>
+              <a:t>Maak een vierkant (A1)</a:t>
+            </a:r>
+          </a:p>
+          <a:p>
+            <a:pPr lvl="1"/>
+            <a:r>
+              <a:rPr lang="nl-NL" dirty="0"/>
+              <a:t>Leg in meest vertegenwoordigde vierkant (E)</a:t>
+            </a:r>
+          </a:p>
+          <a:p>
+            <a:pPr lvl="1"/>
+            <a:r>
               <a:rPr lang="nl-BE" dirty="0"/>
-              <a:t>A: </a:t>
-            </a:r>
-            <a:r>
-              <a:rPr lang="nl-BE" noProof="0" dirty="0"/>
-              <a:t>Zoeken naar L structuren</a:t>
+              <a:t>Claim een zo hoog mogelijke locatie (G)</a:t>
+            </a:r>
+            <a:endParaRPr lang="nl-NL" dirty="0"/>
+          </a:p>
+          <a:p>
+            <a:r>
+              <a:rPr lang="nl-NL" dirty="0"/>
+              <a:t>Defensief (A21, A22)</a:t>
+            </a:r>
+          </a:p>
+          <a:p>
+            <a:r>
+              <a:rPr lang="nl-NL" dirty="0"/>
+              <a:t>Combinatie</a:t>
             </a:r>
           </a:p>
           <a:p>
             <a:pPr lvl="1"/>
             <a:r>
-              <a:rPr lang="nl-BE" noProof="0" dirty="0"/>
-              <a:t>A1: L structuur eigen kleur</a:t>
+              <a:rPr lang="nl-NL" dirty="0"/>
+              <a:t>claim midden niveau 1 (B)</a:t>
             </a:r>
           </a:p>
           <a:p>
             <a:pPr lvl="1"/>
             <a:r>
+              <a:rPr lang="en-GB" dirty="0"/>
+              <a:t>claim midden van </a:t>
+            </a:r>
+            <a:r>
+              <a:rPr lang="en-GB" dirty="0" err="1"/>
+              <a:t>randen</a:t>
+            </a:r>
+            <a:r>
+              <a:rPr lang="en-GB" dirty="0"/>
+              <a:t> op </a:t>
+            </a:r>
+            <a:r>
+              <a:rPr lang="en-GB" dirty="0" err="1"/>
+              <a:t>niveau</a:t>
+            </a:r>
+            <a:r>
+              <a:rPr lang="en-GB" dirty="0"/>
+              <a:t> 1 </a:t>
+            </a:r>
+            <a:r>
+              <a:rPr lang="nl-NL" dirty="0"/>
+              <a:t>(</a:t>
+            </a:r>
+            <a:r>
+              <a:rPr lang="en-GB" dirty="0"/>
+              <a:t>C1, C21, C22)</a:t>
+            </a:r>
+          </a:p>
+          <a:p>
+            <a:r>
               <a:rPr lang="nl-BE" dirty="0"/>
-              <a:t>A2: L structuur andere kleur</a:t>
-            </a:r>
-          </a:p>
-          <a:p>
-            <a:pPr lvl="2"/>
-            <a:r>
-              <a:rPr lang="nl-BE" noProof="0" dirty="0"/>
-              <a:t>A21: 4</a:t>
-            </a:r>
-            <a:r>
-              <a:rPr lang="nl-BE" baseline="30000" noProof="0" dirty="0"/>
-              <a:t>de</a:t>
-            </a:r>
-            <a:r>
-              <a:rPr lang="nl-BE" noProof="0" dirty="0"/>
-              <a:t> plek eigen kleur</a:t>
-            </a:r>
-          </a:p>
-          <a:p>
-            <a:pPr lvl="2"/>
+              <a:t>Random (F)</a:t>
+            </a:r>
+          </a:p>
+          <a:p>
+            <a:endParaRPr lang="nl-BE" dirty="0"/>
+          </a:p>
+          <a:p>
             <a:r>
               <a:rPr lang="nl-BE" dirty="0"/>
-              <a:t>A22: 4</a:t>
-            </a:r>
-            <a:r>
-              <a:rPr lang="nl-BE" baseline="30000" dirty="0"/>
-              <a:t>de</a:t>
-            </a:r>
-            <a:r>
-              <a:rPr lang="nl-BE" dirty="0"/>
-              <a:t> plek ander kleur</a:t>
-            </a:r>
-          </a:p>
-          <a:p>
-            <a:r>
-              <a:rPr lang="nl-BE" dirty="0"/>
-              <a:t>B: Midden van 1</a:t>
-            </a:r>
-            <a:r>
-              <a:rPr lang="nl-BE" baseline="30000" dirty="0"/>
-              <a:t>ste</a:t>
-            </a:r>
-            <a:r>
-              <a:rPr lang="nl-BE" dirty="0"/>
-              <a:t> verdiep claimen</a:t>
-            </a:r>
-          </a:p>
-          <a:p>
-            <a:r>
-              <a:rPr lang="nl-BE" dirty="0"/>
-              <a:t>C: Midden van 1</a:t>
-            </a:r>
-            <a:r>
-              <a:rPr lang="nl-BE" baseline="30000" dirty="0"/>
-              <a:t>ste</a:t>
-            </a:r>
-            <a:r>
-              <a:rPr lang="nl-BE" dirty="0"/>
-              <a:t> verdiep geclaimd</a:t>
-            </a:r>
-          </a:p>
-          <a:p>
-            <a:pPr lvl="1"/>
-            <a:r>
-              <a:rPr lang="nl-BE" dirty="0"/>
-              <a:t>C1: Midden eigen kleur</a:t>
-            </a:r>
-          </a:p>
-          <a:p>
-            <a:pPr lvl="1"/>
-            <a:r>
-              <a:rPr lang="nl-BE" dirty="0"/>
-              <a:t>C2: Midden ander kleur</a:t>
-            </a:r>
-          </a:p>
-          <a:p>
-            <a:pPr lvl="2"/>
-            <a:r>
-              <a:rPr lang="nl-BE" dirty="0"/>
-              <a:t>C21: Eigen kleur op het midden van de rand</a:t>
-            </a:r>
-          </a:p>
-          <a:p>
-            <a:pPr lvl="2"/>
-            <a:r>
-              <a:rPr lang="nl-BE" dirty="0"/>
-              <a:t>C22: Geen eigen kleur op het 1</a:t>
-            </a:r>
-            <a:r>
-              <a:rPr lang="nl-BE" baseline="30000" dirty="0"/>
-              <a:t>ste</a:t>
-            </a:r>
-            <a:r>
-              <a:rPr lang="nl-BE" dirty="0"/>
-              <a:t> verdiep</a:t>
-            </a:r>
-          </a:p>
-          <a:p>
-            <a:endParaRPr lang="nl-BE" noProof="0" dirty="0"/>
-          </a:p>
-          <a:p>
-            <a:endParaRPr lang="nl-BE" noProof="0" dirty="0"/>
+              <a:t>(D: Midden op grond claimen, indien er geen L structuur aanwezig is)</a:t>
+            </a:r>
+          </a:p>
+          <a:p>
+            <a:endParaRPr lang="nl-BE" dirty="0"/>
           </a:p>
         </p:txBody>
       </p:sp>
@@ -7844,7 +12711,7 @@
           <p:cNvPr id="3" name="Title 2">
             <a:extLst>
               <a:ext uri="{FF2B5EF4-FFF2-40B4-BE49-F238E27FC236}">
-                <a16:creationId xmlns:a16="http://schemas.microsoft.com/office/drawing/2014/main" id="{53E69D4D-8085-4A93-8904-FE08F62AD2DA}"/>
+                <a16:creationId xmlns:a16="http://schemas.microsoft.com/office/drawing/2014/main" id="{97F18511-16FE-4A49-9BB8-23A36F1193C0}"/>
               </a:ext>
             </a:extLst>
           </p:cNvPr>
@@ -7861,46 +12728,16 @@
           <a:lstStyle/>
           <a:p>
             <a:r>
-              <a:rPr lang="nl-BE" noProof="0" dirty="0"/>
-              <a:t>Strategieën</a:t>
-            </a:r>
-          </a:p>
-        </p:txBody>
-      </p:sp>
-      <p:pic>
-        <p:nvPicPr>
-          <p:cNvPr id="5" name="Afbeelding 4">
-            <a:extLst>
-              <a:ext uri="{FF2B5EF4-FFF2-40B4-BE49-F238E27FC236}">
-                <a16:creationId xmlns:a16="http://schemas.microsoft.com/office/drawing/2014/main" id="{AC6E77A6-7DBA-469C-AE16-CCF3A6D3A9A6}"/>
-              </a:ext>
-            </a:extLst>
-          </p:cNvPr>
-          <p:cNvPicPr>
-            <a:picLocks noChangeAspect="1"/>
-          </p:cNvPicPr>
-          <p:nvPr/>
-        </p:nvPicPr>
-        <p:blipFill>
-          <a:blip r:embed="rId2"/>
-          <a:stretch>
-            <a:fillRect/>
-          </a:stretch>
-        </p:blipFill>
-        <p:spPr>
-          <a:xfrm>
-            <a:off x="7272170" y="2258045"/>
-            <a:ext cx="4743776" cy="3861955"/>
-          </a:xfrm>
-          <a:prstGeom prst="rect">
-            <a:avLst/>
-          </a:prstGeom>
-        </p:spPr>
-      </p:pic>
+              <a:rPr lang="nl-BE" noProof="1"/>
+              <a:t>Strategiën</a:t>
+            </a:r>
+          </a:p>
+        </p:txBody>
+      </p:sp>
     </p:spTree>
     <p:extLst>
       <p:ext uri="{BB962C8B-B14F-4D97-AF65-F5344CB8AC3E}">
-        <p14:creationId xmlns:p14="http://schemas.microsoft.com/office/powerpoint/2010/main" val="2063916021"/>
+        <p14:creationId xmlns:p14="http://schemas.microsoft.com/office/powerpoint/2010/main" val="3995068531"/>
       </p:ext>
     </p:extLst>
   </p:cSld>
@@ -7929,10 +12766,10 @@
       </p:grpSpPr>
       <p:sp>
         <p:nvSpPr>
-          <p:cNvPr id="2" name="Tijdelijke aanduiding voor inhoud 1">
+          <p:cNvPr id="6" name="Title 5">
             <a:extLst>
               <a:ext uri="{FF2B5EF4-FFF2-40B4-BE49-F238E27FC236}">
-                <a16:creationId xmlns:a16="http://schemas.microsoft.com/office/drawing/2014/main" id="{5B21E4C0-8AD6-4066-BCB6-E908C61891DA}"/>
+                <a16:creationId xmlns:a16="http://schemas.microsoft.com/office/drawing/2014/main" id="{B72D440E-F87A-40E4-87BE-C55D57997929}"/>
               </a:ext>
             </a:extLst>
           </p:cNvPr>
@@ -7940,7 +12777,7 @@
             <a:spLocks noGrp="1"/>
           </p:cNvSpPr>
           <p:nvPr>
-            <p:ph idx="1"/>
+            <p:ph type="title"/>
           </p:nvPr>
         </p:nvSpPr>
         <p:spPr/>
@@ -7949,36 +12786,19 @@
           <a:lstStyle/>
           <a:p>
             <a:r>
-              <a:rPr lang="nl-BE" dirty="0"/>
-              <a:t>D: Midden op grond claimen, indien er geen L structuur aanwezig is</a:t>
-            </a:r>
-          </a:p>
-          <a:p>
-            <a:r>
-              <a:rPr lang="nl-BE" dirty="0"/>
-              <a:t>E: Zoek het vierkant waar het eigen kleur meest vertegenwoordigd is</a:t>
-            </a:r>
-          </a:p>
-          <a:p>
-            <a:r>
-              <a:rPr lang="nl-BE" dirty="0"/>
-              <a:t>F: Random mogelijke locatie claimen</a:t>
-            </a:r>
-          </a:p>
-          <a:p>
-            <a:r>
-              <a:rPr lang="nl-BE" dirty="0"/>
-              <a:t>G: Claim een zo hoog mogelijke locatie </a:t>
-            </a:r>
-          </a:p>
-        </p:txBody>
-      </p:sp>
-      <p:sp>
-        <p:nvSpPr>
-          <p:cNvPr id="3" name="Titel 2">
+              <a:rPr lang="nl-NL" dirty="0"/>
+              <a:t>Offensief</a:t>
+            </a:r>
+            <a:endParaRPr lang="en-GB" dirty="0"/>
+          </a:p>
+        </p:txBody>
+      </p:sp>
+      <p:sp>
+        <p:nvSpPr>
+          <p:cNvPr id="2" name="Text Placeholder 1">
             <a:extLst>
               <a:ext uri="{FF2B5EF4-FFF2-40B4-BE49-F238E27FC236}">
-                <a16:creationId xmlns:a16="http://schemas.microsoft.com/office/drawing/2014/main" id="{4A916F1C-9273-4694-9C90-8488E0D8B5D2}"/>
+                <a16:creationId xmlns:a16="http://schemas.microsoft.com/office/drawing/2014/main" id="{F3F1C8C8-8A47-439A-ABDA-1B31E45DA0C1}"/>
               </a:ext>
             </a:extLst>
           </p:cNvPr>
@@ -7986,7 +12806,7 @@
             <a:spLocks noGrp="1"/>
           </p:cNvSpPr>
           <p:nvPr>
-            <p:ph type="title"/>
+            <p:ph type="body" idx="1"/>
           </p:nvPr>
         </p:nvSpPr>
         <p:spPr/>
@@ -7994,17 +12814,201 @@
           <a:bodyPr/>
           <a:lstStyle/>
           <a:p>
-            <a:r>
-              <a:rPr lang="nl-BE" dirty="0"/>
-              <a:t>Strategieën</a:t>
-            </a:r>
-          </a:p>
-        </p:txBody>
-      </p:sp>
+            <a:pPr marL="342900" indent="-342900" algn="l">
+              <a:buFont typeface="Arial" panose="020B0604020202020204" pitchFamily="34" charset="0"/>
+              <a:buChar char="•"/>
+            </a:pPr>
+            <a:r>
+              <a:rPr lang="nl-NL" dirty="0">
+                <a:solidFill>
+                  <a:srgbClr val="2E2E2E"/>
+                </a:solidFill>
+              </a:rPr>
+              <a:t>A1</a:t>
+            </a:r>
+            <a:endParaRPr lang="en-GB" dirty="0">
+              <a:solidFill>
+                <a:srgbClr val="2E2E2E"/>
+              </a:solidFill>
+            </a:endParaRPr>
+          </a:p>
+        </p:txBody>
+      </p:sp>
+      <p:sp>
+        <p:nvSpPr>
+          <p:cNvPr id="4" name="Text Placeholder 3">
+            <a:extLst>
+              <a:ext uri="{FF2B5EF4-FFF2-40B4-BE49-F238E27FC236}">
+                <a16:creationId xmlns:a16="http://schemas.microsoft.com/office/drawing/2014/main" id="{B54C950C-06E0-46CE-9268-C26A0A4CFF89}"/>
+              </a:ext>
+            </a:extLst>
+          </p:cNvPr>
+          <p:cNvSpPr>
+            <a:spLocks noGrp="1"/>
+          </p:cNvSpPr>
+          <p:nvPr>
+            <p:ph type="body" sz="quarter" idx="3"/>
+          </p:nvPr>
+        </p:nvSpPr>
+        <p:spPr/>
+        <p:txBody>
+          <a:bodyPr>
+            <a:normAutofit/>
+          </a:bodyPr>
+          <a:lstStyle/>
+          <a:p>
+            <a:pPr marL="342900" indent="-342900" algn="l">
+              <a:buFont typeface="Arial" panose="020B0604020202020204" pitchFamily="34" charset="0"/>
+              <a:buChar char="•"/>
+            </a:pPr>
+            <a:r>
+              <a:rPr lang="nl-NL" dirty="0">
+                <a:solidFill>
+                  <a:srgbClr val="2E2E2E"/>
+                </a:solidFill>
+              </a:rPr>
+              <a:t>E</a:t>
+            </a:r>
+            <a:endParaRPr lang="en-GB" dirty="0">
+              <a:solidFill>
+                <a:srgbClr val="2E2E2E"/>
+              </a:solidFill>
+            </a:endParaRPr>
+          </a:p>
+        </p:txBody>
+      </p:sp>
+      <p:sp>
+        <p:nvSpPr>
+          <p:cNvPr id="16" name="Text Placeholder 15">
+            <a:extLst>
+              <a:ext uri="{FF2B5EF4-FFF2-40B4-BE49-F238E27FC236}">
+                <a16:creationId xmlns:a16="http://schemas.microsoft.com/office/drawing/2014/main" id="{6444EC8A-A0B7-4DC1-8812-7C1723AC073E}"/>
+              </a:ext>
+            </a:extLst>
+          </p:cNvPr>
+          <p:cNvSpPr>
+            <a:spLocks noGrp="1"/>
+          </p:cNvSpPr>
+          <p:nvPr>
+            <p:ph type="body" sz="quarter" idx="13"/>
+          </p:nvPr>
+        </p:nvSpPr>
+        <p:spPr/>
+        <p:txBody>
+          <a:bodyPr/>
+          <a:lstStyle/>
+          <a:p>
+            <a:pPr marL="342900" indent="-342900" algn="l">
+              <a:buFont typeface="Arial" panose="020B0604020202020204" pitchFamily="34" charset="0"/>
+              <a:buChar char="•"/>
+            </a:pPr>
+            <a:r>
+              <a:rPr lang="nl-NL" dirty="0">
+                <a:solidFill>
+                  <a:srgbClr val="2E2E2E"/>
+                </a:solidFill>
+              </a:rPr>
+              <a:t>G</a:t>
+            </a:r>
+            <a:endParaRPr lang="en-GB" dirty="0">
+              <a:solidFill>
+                <a:srgbClr val="2E2E2E"/>
+              </a:solidFill>
+            </a:endParaRPr>
+          </a:p>
+        </p:txBody>
+      </p:sp>
+      <p:pic>
+        <p:nvPicPr>
+          <p:cNvPr id="15" name="Picture 14">
+            <a:extLst>
+              <a:ext uri="{FF2B5EF4-FFF2-40B4-BE49-F238E27FC236}">
+                <a16:creationId xmlns:a16="http://schemas.microsoft.com/office/drawing/2014/main" id="{E937FA31-2329-4B8C-B9A5-D5A458A02155}"/>
+              </a:ext>
+            </a:extLst>
+          </p:cNvPr>
+          <p:cNvPicPr>
+            <a:picLocks noChangeAspect="1"/>
+          </p:cNvPicPr>
+          <p:nvPr/>
+        </p:nvPicPr>
+        <p:blipFill rotWithShape="1">
+          <a:blip r:embed="rId3"/>
+          <a:srcRect l="28144" t="26079" r="28405" b="19608"/>
+          <a:stretch/>
+        </p:blipFill>
+        <p:spPr>
+          <a:xfrm>
+            <a:off x="286653" y="2150408"/>
+            <a:ext cx="3600000" cy="3600000"/>
+          </a:xfrm>
+          <a:prstGeom prst="snip2DiagRect">
+            <a:avLst/>
+          </a:prstGeom>
+        </p:spPr>
+      </p:pic>
+      <p:pic>
+        <p:nvPicPr>
+          <p:cNvPr id="27" name="Picture 26">
+            <a:extLst>
+              <a:ext uri="{FF2B5EF4-FFF2-40B4-BE49-F238E27FC236}">
+                <a16:creationId xmlns:a16="http://schemas.microsoft.com/office/drawing/2014/main" id="{5FB377C0-6708-4900-9992-337D584CB58D}"/>
+              </a:ext>
+            </a:extLst>
+          </p:cNvPr>
+          <p:cNvPicPr>
+            <a:picLocks noChangeAspect="1"/>
+          </p:cNvPicPr>
+          <p:nvPr/>
+        </p:nvPicPr>
+        <p:blipFill rotWithShape="1">
+          <a:blip r:embed="rId4"/>
+          <a:srcRect l="1829" r="8599" b="6493"/>
+          <a:stretch/>
+        </p:blipFill>
+        <p:spPr>
+          <a:xfrm>
+            <a:off x="4296000" y="2150408"/>
+            <a:ext cx="3600000" cy="3600000"/>
+          </a:xfrm>
+          <a:prstGeom prst="snip2DiagRect">
+            <a:avLst/>
+          </a:prstGeom>
+        </p:spPr>
+      </p:pic>
+      <p:pic>
+        <p:nvPicPr>
+          <p:cNvPr id="32" name="Picture 31">
+            <a:extLst>
+              <a:ext uri="{FF2B5EF4-FFF2-40B4-BE49-F238E27FC236}">
+                <a16:creationId xmlns:a16="http://schemas.microsoft.com/office/drawing/2014/main" id="{79D44B7B-CF17-49AD-BAC7-8D54905F7962}"/>
+              </a:ext>
+            </a:extLst>
+          </p:cNvPr>
+          <p:cNvPicPr>
+            <a:picLocks noChangeAspect="1"/>
+          </p:cNvPicPr>
+          <p:nvPr/>
+        </p:nvPicPr>
+        <p:blipFill rotWithShape="1">
+          <a:blip r:embed="rId5"/>
+          <a:srcRect l="7374" t="5694" r="11011" b="9279"/>
+          <a:stretch/>
+        </p:blipFill>
+        <p:spPr>
+          <a:xfrm>
+            <a:off x="8335907" y="2150408"/>
+            <a:ext cx="3600000" cy="3600000"/>
+          </a:xfrm>
+          <a:prstGeom prst="snip2DiagRect">
+            <a:avLst/>
+          </a:prstGeom>
+        </p:spPr>
+      </p:pic>
     </p:spTree>
     <p:extLst>
       <p:ext uri="{BB962C8B-B14F-4D97-AF65-F5344CB8AC3E}">
-        <p14:creationId xmlns:p14="http://schemas.microsoft.com/office/powerpoint/2010/main" val="2940620396"/>
+        <p14:creationId xmlns:p14="http://schemas.microsoft.com/office/powerpoint/2010/main" val="3892930212"/>
       </p:ext>
     </p:extLst>
   </p:cSld>

--- a/Presentation.pptx
+++ b/Presentation.pptx
@@ -1554,7 +1554,7 @@
           <a:p>
             <a:fld id="{BDC24B14-F755-42CC-88AF-26ADEEAA6547}" type="datetimeFigureOut">
               <a:rPr lang="en-GB" smtClean="0"/>
-              <a:t>18/03/2021</a:t>
+              <a:t>19/03/2021</a:t>
             </a:fld>
             <a:endParaRPr lang="en-GB"/>
           </a:p>
@@ -4961,7 +4961,7 @@
           <a:p>
             <a:fld id="{14F14F6C-64C6-4282-B92B-69416428ACE5}" type="datetimeFigureOut">
               <a:rPr lang="en-GB" smtClean="0"/>
-              <a:t>18/03/2021</a:t>
+              <a:t>19/03/2021</a:t>
             </a:fld>
             <a:endParaRPr lang="en-GB"/>
           </a:p>
@@ -5079,7 +5079,7 @@
           <a:p>
             <a:fld id="{14F14F6C-64C6-4282-B92B-69416428ACE5}" type="datetimeFigureOut">
               <a:rPr lang="en-GB" smtClean="0"/>
-              <a:t>18/03/2021</a:t>
+              <a:t>19/03/2021</a:t>
             </a:fld>
             <a:endParaRPr lang="en-GB"/>
           </a:p>
@@ -5469,7 +5469,7 @@
           <a:p>
             <a:fld id="{14F14F6C-64C6-4282-B92B-69416428ACE5}" type="datetimeFigureOut">
               <a:rPr lang="en-GB" smtClean="0"/>
-              <a:t>18/03/2021</a:t>
+              <a:t>19/03/2021</a:t>
             </a:fld>
             <a:endParaRPr lang="en-GB"/>
           </a:p>
@@ -5888,7 +5888,7 @@
           <a:p>
             <a:fld id="{14F14F6C-64C6-4282-B92B-69416428ACE5}" type="datetimeFigureOut">
               <a:rPr lang="en-GB" smtClean="0"/>
-              <a:t>18/03/2021</a:t>
+              <a:t>19/03/2021</a:t>
             </a:fld>
             <a:endParaRPr lang="en-GB"/>
           </a:p>
@@ -6030,7 +6030,7 @@
           <a:p>
             <a:fld id="{14F14F6C-64C6-4282-B92B-69416428ACE5}" type="datetimeFigureOut">
               <a:rPr lang="en-GB" smtClean="0"/>
-              <a:t>18/03/2021</a:t>
+              <a:t>19/03/2021</a:t>
             </a:fld>
             <a:endParaRPr lang="en-GB"/>
           </a:p>
@@ -6451,7 +6451,7 @@
           <a:p>
             <a:fld id="{14F14F6C-64C6-4282-B92B-69416428ACE5}" type="datetimeFigureOut">
               <a:rPr lang="en-GB" smtClean="0"/>
-              <a:t>18/03/2021</a:t>
+              <a:t>19/03/2021</a:t>
             </a:fld>
             <a:endParaRPr lang="en-GB"/>
           </a:p>
@@ -6785,7 +6785,7 @@
           <a:p>
             <a:fld id="{14F14F6C-64C6-4282-B92B-69416428ACE5}" type="datetimeFigureOut">
               <a:rPr lang="en-GB" smtClean="0"/>
-              <a:t>18/03/2021</a:t>
+              <a:t>19/03/2021</a:t>
             </a:fld>
             <a:endParaRPr lang="en-GB"/>
           </a:p>
@@ -7040,7 +7040,7 @@
           <a:p>
             <a:fld id="{14F14F6C-64C6-4282-B92B-69416428ACE5}" type="datetimeFigureOut">
               <a:rPr lang="en-GB" smtClean="0"/>
-              <a:t>18/03/2021</a:t>
+              <a:t>19/03/2021</a:t>
             </a:fld>
             <a:endParaRPr lang="en-GB"/>
           </a:p>
@@ -7311,7 +7311,7 @@
           <a:p>
             <a:fld id="{14F14F6C-64C6-4282-B92B-69416428ACE5}" type="datetimeFigureOut">
               <a:rPr lang="en-GB" smtClean="0"/>
-              <a:t>18/03/2021</a:t>
+              <a:t>19/03/2021</a:t>
             </a:fld>
             <a:endParaRPr lang="en-GB"/>
           </a:p>
@@ -7629,7 +7629,7 @@
           <a:p>
             <a:fld id="{14F14F6C-64C6-4282-B92B-69416428ACE5}" type="datetimeFigureOut">
               <a:rPr lang="en-GB" smtClean="0"/>
-              <a:t>18/03/2021</a:t>
+              <a:t>19/03/2021</a:t>
             </a:fld>
             <a:endParaRPr lang="en-GB"/>
           </a:p>
@@ -7773,7 +7773,7 @@
           <a:p>
             <a:fld id="{14F14F6C-64C6-4282-B92B-69416428ACE5}" type="datetimeFigureOut">
               <a:rPr lang="en-GB" smtClean="0"/>
-              <a:t>18/03/2021</a:t>
+              <a:t>19/03/2021</a:t>
             </a:fld>
             <a:endParaRPr lang="en-GB"/>
           </a:p>
@@ -8254,7 +8254,7 @@
           <a:p>
             <a:fld id="{14F14F6C-64C6-4282-B92B-69416428ACE5}" type="datetimeFigureOut">
               <a:rPr lang="en-GB" smtClean="0"/>
-              <a:t>18/03/2021</a:t>
+              <a:t>19/03/2021</a:t>
             </a:fld>
             <a:endParaRPr lang="en-GB"/>
           </a:p>
@@ -8372,7 +8372,7 @@
           <a:p>
             <a:fld id="{14F14F6C-64C6-4282-B92B-69416428ACE5}" type="datetimeFigureOut">
               <a:rPr lang="en-GB" smtClean="0"/>
-              <a:t>18/03/2021</a:t>
+              <a:t>19/03/2021</a:t>
             </a:fld>
             <a:endParaRPr lang="en-GB"/>
           </a:p>
@@ -8490,7 +8490,7 @@
           <a:p>
             <a:fld id="{14F14F6C-64C6-4282-B92B-69416428ACE5}" type="datetimeFigureOut">
               <a:rPr lang="en-GB" smtClean="0"/>
-              <a:t>18/03/2021</a:t>
+              <a:t>19/03/2021</a:t>
             </a:fld>
             <a:endParaRPr lang="en-GB"/>
           </a:p>
@@ -8669,7 +8669,7 @@
           <a:p>
             <a:fld id="{14F14F6C-64C6-4282-B92B-69416428ACE5}" type="datetimeFigureOut">
               <a:rPr lang="en-GB" smtClean="0"/>
-              <a:t>18/03/2021</a:t>
+              <a:t>19/03/2021</a:t>
             </a:fld>
             <a:endParaRPr lang="en-GB"/>
           </a:p>
@@ -8955,7 +8955,7 @@
           <a:p>
             <a:fld id="{14F14F6C-64C6-4282-B92B-69416428ACE5}" type="datetimeFigureOut">
               <a:rPr lang="en-GB" smtClean="0"/>
-              <a:t>18/03/2021</a:t>
+              <a:t>19/03/2021</a:t>
             </a:fld>
             <a:endParaRPr lang="en-GB"/>
           </a:p>
@@ -11034,13 +11034,32 @@
             </a:r>
           </a:p>
           <a:p>
+            <a:r>
+              <a:rPr lang="nl-BE" dirty="0"/>
+              <a:t>Geen </a:t>
+            </a:r>
+            <a:r>
+              <a:rPr lang="nl-BE" dirty="0" err="1"/>
+              <a:t>one</a:t>
+            </a:r>
+            <a:r>
+              <a:rPr lang="nl-BE" dirty="0"/>
+              <a:t>-hit wonder (</a:t>
+            </a:r>
+            <a:r>
+              <a:rPr lang="nl-BE" dirty="0" err="1"/>
+              <a:t>lucky</a:t>
+            </a:r>
+            <a:r>
+              <a:rPr lang="nl-BE" dirty="0"/>
+              <a:t> shot)</a:t>
+            </a:r>
+          </a:p>
+          <a:p>
+            <a:pPr marL="0" indent="0">
+              <a:buNone/>
+            </a:pPr>
             <a:endParaRPr lang="nl-BE" dirty="0"/>
-          </a:p>
-          <a:p>
-            <a:r>
-              <a:rPr lang="nl-BE" dirty="0"/>
-              <a:t>RESULTATEN HIERONDER</a:t>
-            </a:r>
           </a:p>
         </p:txBody>
       </p:sp>
@@ -11072,6 +11091,1436 @@
           </a:p>
         </p:txBody>
       </p:sp>
+      <p:graphicFrame>
+        <p:nvGraphicFramePr>
+          <p:cNvPr id="4" name="Table 3">
+            <a:extLst>
+              <a:ext uri="{FF2B5EF4-FFF2-40B4-BE49-F238E27FC236}">
+                <a16:creationId xmlns:a16="http://schemas.microsoft.com/office/drawing/2014/main" id="{3735DCBD-7F80-4F11-B2A2-7F2A4E556630}"/>
+              </a:ext>
+            </a:extLst>
+          </p:cNvPr>
+          <p:cNvGraphicFramePr>
+            <a:graphicFrameLocks noGrp="1"/>
+          </p:cNvGraphicFramePr>
+          <p:nvPr>
+            <p:extLst>
+              <p:ext uri="{D42A27DB-BD31-4B8C-83A1-F6EECF244321}">
+                <p14:modId xmlns:p14="http://schemas.microsoft.com/office/powerpoint/2010/main" val="2593209163"/>
+              </p:ext>
+            </p:extLst>
+          </p:nvPr>
+        </p:nvGraphicFramePr>
+        <p:xfrm>
+          <a:off x="1452283" y="2910072"/>
+          <a:ext cx="9850288" cy="3209928"/>
+        </p:xfrm>
+        <a:graphic>
+          <a:graphicData uri="http://schemas.openxmlformats.org/drawingml/2006/table">
+            <a:tbl>
+              <a:tblPr>
+                <a:tableStyleId>{BC89EF96-8CEA-46FF-86C4-4CE0E7609802}</a:tableStyleId>
+              </a:tblPr>
+              <a:tblGrid>
+                <a:gridCol w="1338263">
+                  <a:extLst>
+                    <a:ext uri="{9D8B030D-6E8A-4147-A177-3AD203B41FA5}">
+                      <a16:colId xmlns:a16="http://schemas.microsoft.com/office/drawing/2014/main" val="315171446"/>
+                    </a:ext>
+                  </a:extLst>
+                </a:gridCol>
+                <a:gridCol w="1431830">
+                  <a:extLst>
+                    <a:ext uri="{9D8B030D-6E8A-4147-A177-3AD203B41FA5}">
+                      <a16:colId xmlns:a16="http://schemas.microsoft.com/office/drawing/2014/main" val="1618048799"/>
+                    </a:ext>
+                  </a:extLst>
+                </a:gridCol>
+                <a:gridCol w="1349375">
+                  <a:extLst>
+                    <a:ext uri="{9D8B030D-6E8A-4147-A177-3AD203B41FA5}">
+                      <a16:colId xmlns:a16="http://schemas.microsoft.com/office/drawing/2014/main" val="253896309"/>
+                    </a:ext>
+                  </a:extLst>
+                </a:gridCol>
+                <a:gridCol w="1743449">
+                  <a:extLst>
+                    <a:ext uri="{9D8B030D-6E8A-4147-A177-3AD203B41FA5}">
+                      <a16:colId xmlns:a16="http://schemas.microsoft.com/office/drawing/2014/main" val="3632872313"/>
+                    </a:ext>
+                  </a:extLst>
+                </a:gridCol>
+                <a:gridCol w="1169894">
+                  <a:extLst>
+                    <a:ext uri="{9D8B030D-6E8A-4147-A177-3AD203B41FA5}">
+                      <a16:colId xmlns:a16="http://schemas.microsoft.com/office/drawing/2014/main" val="671947502"/>
+                    </a:ext>
+                  </a:extLst>
+                </a:gridCol>
+                <a:gridCol w="2817477">
+                  <a:extLst>
+                    <a:ext uri="{9D8B030D-6E8A-4147-A177-3AD203B41FA5}">
+                      <a16:colId xmlns:a16="http://schemas.microsoft.com/office/drawing/2014/main" val="2722575870"/>
+                    </a:ext>
+                  </a:extLst>
+                </a:gridCol>
+              </a:tblGrid>
+              <a:tr h="401241">
+                <a:tc>
+                  <a:txBody>
+                    <a:bodyPr/>
+                    <a:lstStyle/>
+                    <a:p>
+                      <a:pPr algn="ctr" fontAlgn="t"/>
+                      <a:r>
+                        <a:rPr lang="en-GB" sz="1600" u="none" strike="noStrike">
+                          <a:solidFill>
+                            <a:schemeClr val="tx2"/>
+                          </a:solidFill>
+                          <a:effectLst/>
+                          <a:latin typeface="Century Gothic" panose="020B0502020202020204" pitchFamily="34" charset="0"/>
+                        </a:rPr>
+                        <a:t>totalDarkWin</a:t>
+                      </a:r>
+                      <a:endParaRPr lang="en-GB" sz="1600" b="1" i="0" u="none" strike="noStrike">
+                        <a:solidFill>
+                          <a:schemeClr val="tx2"/>
+                        </a:solidFill>
+                        <a:effectLst/>
+                        <a:latin typeface="Century Gothic" panose="020B0502020202020204" pitchFamily="34" charset="0"/>
+                      </a:endParaRPr>
+                    </a:p>
+                  </a:txBody>
+                  <a:tcPr marL="9525" marR="9525" marT="9525" marB="0"/>
+                </a:tc>
+                <a:tc>
+                  <a:txBody>
+                    <a:bodyPr/>
+                    <a:lstStyle/>
+                    <a:p>
+                      <a:pPr algn="ctr" fontAlgn="t"/>
+                      <a:r>
+                        <a:rPr lang="en-GB" sz="1600" u="none" strike="noStrike" dirty="0" err="1">
+                          <a:solidFill>
+                            <a:schemeClr val="tx2"/>
+                          </a:solidFill>
+                          <a:effectLst/>
+                          <a:latin typeface="Century Gothic" panose="020B0502020202020204" pitchFamily="34" charset="0"/>
+                        </a:rPr>
+                        <a:t>totalDraw</a:t>
+                      </a:r>
+                      <a:endParaRPr lang="en-GB" sz="1600" b="1" i="0" u="none" strike="noStrike" dirty="0">
+                        <a:solidFill>
+                          <a:schemeClr val="tx2"/>
+                        </a:solidFill>
+                        <a:effectLst/>
+                        <a:latin typeface="Century Gothic" panose="020B0502020202020204" pitchFamily="34" charset="0"/>
+                      </a:endParaRPr>
+                    </a:p>
+                  </a:txBody>
+                  <a:tcPr marL="9525" marR="9525" marT="9525" marB="0"/>
+                </a:tc>
+                <a:tc>
+                  <a:txBody>
+                    <a:bodyPr/>
+                    <a:lstStyle/>
+                    <a:p>
+                      <a:pPr algn="ctr" fontAlgn="t"/>
+                      <a:r>
+                        <a:rPr lang="en-GB" sz="1600" u="none" strike="noStrike">
+                          <a:solidFill>
+                            <a:schemeClr val="tx2"/>
+                          </a:solidFill>
+                          <a:effectLst/>
+                          <a:latin typeface="Century Gothic" panose="020B0502020202020204" pitchFamily="34" charset="0"/>
+                        </a:rPr>
+                        <a:t>totalLightWin</a:t>
+                      </a:r>
+                      <a:endParaRPr lang="en-GB" sz="1600" b="1" i="0" u="none" strike="noStrike">
+                        <a:solidFill>
+                          <a:schemeClr val="tx2"/>
+                        </a:solidFill>
+                        <a:effectLst/>
+                        <a:latin typeface="Century Gothic" panose="020B0502020202020204" pitchFamily="34" charset="0"/>
+                      </a:endParaRPr>
+                    </a:p>
+                  </a:txBody>
+                  <a:tcPr marL="9525" marR="9525" marT="9525" marB="0"/>
+                </a:tc>
+                <a:tc>
+                  <a:txBody>
+                    <a:bodyPr/>
+                    <a:lstStyle/>
+                    <a:p>
+                      <a:pPr algn="ctr" fontAlgn="t"/>
+                      <a:r>
+                        <a:rPr lang="en-GB" sz="1600" u="none" strike="noStrike">
+                          <a:solidFill>
+                            <a:schemeClr val="tx2"/>
+                          </a:solidFill>
+                          <a:effectLst/>
+                          <a:latin typeface="Century Gothic" panose="020B0502020202020204" pitchFamily="34" charset="0"/>
+                        </a:rPr>
+                        <a:t>totalPlayTime</a:t>
+                      </a:r>
+                      <a:endParaRPr lang="en-GB" sz="1600" b="1" i="0" u="none" strike="noStrike">
+                        <a:solidFill>
+                          <a:schemeClr val="tx2"/>
+                        </a:solidFill>
+                        <a:effectLst/>
+                        <a:latin typeface="Century Gothic" panose="020B0502020202020204" pitchFamily="34" charset="0"/>
+                      </a:endParaRPr>
+                    </a:p>
+                  </a:txBody>
+                  <a:tcPr marL="9525" marR="9525" marT="9525" marB="0"/>
+                </a:tc>
+                <a:tc>
+                  <a:txBody>
+                    <a:bodyPr/>
+                    <a:lstStyle/>
+                    <a:p>
+                      <a:pPr algn="ctr" fontAlgn="t"/>
+                      <a:r>
+                        <a:rPr lang="en-GB" sz="1600" u="none" strike="noStrike" dirty="0">
+                          <a:solidFill>
+                            <a:schemeClr val="tx2"/>
+                          </a:solidFill>
+                          <a:effectLst/>
+                          <a:latin typeface="Century Gothic" panose="020B0502020202020204" pitchFamily="34" charset="0"/>
+                        </a:rPr>
+                        <a:t>runs</a:t>
+                      </a:r>
+                      <a:endParaRPr lang="en-GB" sz="1600" b="1" i="0" u="none" strike="noStrike" dirty="0">
+                        <a:solidFill>
+                          <a:schemeClr val="tx2"/>
+                        </a:solidFill>
+                        <a:effectLst/>
+                        <a:latin typeface="Century Gothic" panose="020B0502020202020204" pitchFamily="34" charset="0"/>
+                      </a:endParaRPr>
+                    </a:p>
+                  </a:txBody>
+                  <a:tcPr marL="9525" marR="9525" marT="9525" marB="0"/>
+                </a:tc>
+                <a:tc>
+                  <a:txBody>
+                    <a:bodyPr/>
+                    <a:lstStyle/>
+                    <a:p>
+                      <a:pPr algn="ctr" fontAlgn="t"/>
+                      <a:r>
+                        <a:rPr lang="en-GB" sz="1600" u="none" strike="noStrike">
+                          <a:solidFill>
+                            <a:schemeClr val="tx2"/>
+                          </a:solidFill>
+                          <a:effectLst/>
+                          <a:latin typeface="Century Gothic" panose="020B0502020202020204" pitchFamily="34" charset="0"/>
+                        </a:rPr>
+                        <a:t>order</a:t>
+                      </a:r>
+                      <a:endParaRPr lang="en-GB" sz="1600" b="1" i="0" u="none" strike="noStrike">
+                        <a:solidFill>
+                          <a:schemeClr val="tx2"/>
+                        </a:solidFill>
+                        <a:effectLst/>
+                        <a:latin typeface="Century Gothic" panose="020B0502020202020204" pitchFamily="34" charset="0"/>
+                      </a:endParaRPr>
+                    </a:p>
+                  </a:txBody>
+                  <a:tcPr marL="9525" marR="9525" marT="9525" marB="0"/>
+                </a:tc>
+                <a:extLst>
+                  <a:ext uri="{0D108BD9-81ED-4DB2-BD59-A6C34878D82A}">
+                    <a16:rowId xmlns:a16="http://schemas.microsoft.com/office/drawing/2014/main" val="3543467290"/>
+                  </a:ext>
+                </a:extLst>
+              </a:tr>
+              <a:tr h="401241">
+                <a:tc>
+                  <a:txBody>
+                    <a:bodyPr/>
+                    <a:lstStyle/>
+                    <a:p>
+                      <a:pPr algn="r" fontAlgn="b"/>
+                      <a:r>
+                        <a:rPr lang="en-GB" sz="1600" u="none" strike="noStrike">
+                          <a:solidFill>
+                            <a:schemeClr val="tx2"/>
+                          </a:solidFill>
+                          <a:effectLst/>
+                          <a:latin typeface="Century Gothic" panose="020B0502020202020204" pitchFamily="34" charset="0"/>
+                        </a:rPr>
+                        <a:t>96</a:t>
+                      </a:r>
+                      <a:endParaRPr lang="en-GB" sz="1600" b="0" i="0" u="none" strike="noStrike">
+                        <a:solidFill>
+                          <a:schemeClr val="tx2"/>
+                        </a:solidFill>
+                        <a:effectLst/>
+                        <a:latin typeface="Century Gothic" panose="020B0502020202020204" pitchFamily="34" charset="0"/>
+                      </a:endParaRPr>
+                    </a:p>
+                  </a:txBody>
+                  <a:tcPr marL="9525" marR="9525" marT="9525" marB="0" anchor="b"/>
+                </a:tc>
+                <a:tc>
+                  <a:txBody>
+                    <a:bodyPr/>
+                    <a:lstStyle/>
+                    <a:p>
+                      <a:pPr algn="r" fontAlgn="b"/>
+                      <a:r>
+                        <a:rPr lang="en-GB" sz="1600" u="none" strike="noStrike">
+                          <a:solidFill>
+                            <a:schemeClr val="tx2"/>
+                          </a:solidFill>
+                          <a:effectLst/>
+                          <a:latin typeface="Century Gothic" panose="020B0502020202020204" pitchFamily="34" charset="0"/>
+                        </a:rPr>
+                        <a:t>0</a:t>
+                      </a:r>
+                      <a:endParaRPr lang="en-GB" sz="1600" b="0" i="0" u="none" strike="noStrike">
+                        <a:solidFill>
+                          <a:schemeClr val="tx2"/>
+                        </a:solidFill>
+                        <a:effectLst/>
+                        <a:latin typeface="Century Gothic" panose="020B0502020202020204" pitchFamily="34" charset="0"/>
+                      </a:endParaRPr>
+                    </a:p>
+                  </a:txBody>
+                  <a:tcPr marL="9525" marR="9525" marT="9525" marB="0" anchor="b"/>
+                </a:tc>
+                <a:tc>
+                  <a:txBody>
+                    <a:bodyPr/>
+                    <a:lstStyle/>
+                    <a:p>
+                      <a:pPr algn="r" fontAlgn="b"/>
+                      <a:r>
+                        <a:rPr lang="en-GB" sz="1600" u="none" strike="noStrike">
+                          <a:solidFill>
+                            <a:schemeClr val="tx2"/>
+                          </a:solidFill>
+                          <a:effectLst/>
+                          <a:latin typeface="Century Gothic" panose="020B0502020202020204" pitchFamily="34" charset="0"/>
+                        </a:rPr>
+                        <a:t>4</a:t>
+                      </a:r>
+                      <a:endParaRPr lang="en-GB" sz="1600" b="0" i="0" u="none" strike="noStrike">
+                        <a:solidFill>
+                          <a:schemeClr val="tx2"/>
+                        </a:solidFill>
+                        <a:effectLst/>
+                        <a:latin typeface="Century Gothic" panose="020B0502020202020204" pitchFamily="34" charset="0"/>
+                      </a:endParaRPr>
+                    </a:p>
+                  </a:txBody>
+                  <a:tcPr marL="9525" marR="9525" marT="9525" marB="0" anchor="b"/>
+                </a:tc>
+                <a:tc>
+                  <a:txBody>
+                    <a:bodyPr/>
+                    <a:lstStyle/>
+                    <a:p>
+                      <a:pPr algn="r" fontAlgn="b"/>
+                      <a:r>
+                        <a:rPr lang="en-GB" sz="1600" u="none" strike="noStrike">
+                          <a:solidFill>
+                            <a:schemeClr val="tx2"/>
+                          </a:solidFill>
+                          <a:effectLst/>
+                          <a:latin typeface="Century Gothic" panose="020B0502020202020204" pitchFamily="34" charset="0"/>
+                        </a:rPr>
+                        <a:t>0,015</a:t>
+                      </a:r>
+                      <a:endParaRPr lang="en-GB" sz="1600" b="0" i="0" u="none" strike="noStrike">
+                        <a:solidFill>
+                          <a:schemeClr val="tx2"/>
+                        </a:solidFill>
+                        <a:effectLst/>
+                        <a:latin typeface="Century Gothic" panose="020B0502020202020204" pitchFamily="34" charset="0"/>
+                      </a:endParaRPr>
+                    </a:p>
+                  </a:txBody>
+                  <a:tcPr marL="9525" marR="9525" marT="9525" marB="0" anchor="b"/>
+                </a:tc>
+                <a:tc>
+                  <a:txBody>
+                    <a:bodyPr/>
+                    <a:lstStyle/>
+                    <a:p>
+                      <a:pPr algn="r" fontAlgn="b"/>
+                      <a:r>
+                        <a:rPr lang="en-GB" sz="1600" u="none" strike="noStrike">
+                          <a:solidFill>
+                            <a:schemeClr val="tx2"/>
+                          </a:solidFill>
+                          <a:effectLst/>
+                          <a:latin typeface="Century Gothic" panose="020B0502020202020204" pitchFamily="34" charset="0"/>
+                        </a:rPr>
+                        <a:t>100</a:t>
+                      </a:r>
+                      <a:endParaRPr lang="en-GB" sz="1600" b="0" i="0" u="none" strike="noStrike">
+                        <a:solidFill>
+                          <a:schemeClr val="tx2"/>
+                        </a:solidFill>
+                        <a:effectLst/>
+                        <a:latin typeface="Century Gothic" panose="020B0502020202020204" pitchFamily="34" charset="0"/>
+                      </a:endParaRPr>
+                    </a:p>
+                  </a:txBody>
+                  <a:tcPr marL="9525" marR="9525" marT="9525" marB="0" anchor="b"/>
+                </a:tc>
+                <a:tc>
+                  <a:txBody>
+                    <a:bodyPr/>
+                    <a:lstStyle/>
+                    <a:p>
+                      <a:pPr algn="l" fontAlgn="b"/>
+                      <a:r>
+                        <a:rPr lang="en-GB" sz="1600" u="none" strike="noStrike">
+                          <a:solidFill>
+                            <a:schemeClr val="tx2"/>
+                          </a:solidFill>
+                          <a:effectLst/>
+                          <a:latin typeface="Century Gothic" panose="020B0502020202020204" pitchFamily="34" charset="0"/>
+                        </a:rPr>
+                        <a:t>A1BA22GEA21C1C22C21</a:t>
+                      </a:r>
+                      <a:endParaRPr lang="en-GB" sz="1600" b="0" i="0" u="none" strike="noStrike">
+                        <a:solidFill>
+                          <a:schemeClr val="tx2"/>
+                        </a:solidFill>
+                        <a:effectLst/>
+                        <a:latin typeface="Century Gothic" panose="020B0502020202020204" pitchFamily="34" charset="0"/>
+                      </a:endParaRPr>
+                    </a:p>
+                  </a:txBody>
+                  <a:tcPr marL="9525" marR="9525" marT="9525" marB="0" anchor="b"/>
+                </a:tc>
+                <a:extLst>
+                  <a:ext uri="{0D108BD9-81ED-4DB2-BD59-A6C34878D82A}">
+                    <a16:rowId xmlns:a16="http://schemas.microsoft.com/office/drawing/2014/main" val="666061896"/>
+                  </a:ext>
+                </a:extLst>
+              </a:tr>
+              <a:tr h="401241">
+                <a:tc>
+                  <a:txBody>
+                    <a:bodyPr/>
+                    <a:lstStyle/>
+                    <a:p>
+                      <a:pPr algn="r" fontAlgn="b"/>
+                      <a:r>
+                        <a:rPr lang="en-GB" sz="1600" u="none" strike="noStrike">
+                          <a:solidFill>
+                            <a:schemeClr val="tx2"/>
+                          </a:solidFill>
+                          <a:effectLst/>
+                          <a:latin typeface="Century Gothic" panose="020B0502020202020204" pitchFamily="34" charset="0"/>
+                        </a:rPr>
+                        <a:t>96</a:t>
+                      </a:r>
+                      <a:endParaRPr lang="en-GB" sz="1600" b="0" i="0" u="none" strike="noStrike">
+                        <a:solidFill>
+                          <a:schemeClr val="tx2"/>
+                        </a:solidFill>
+                        <a:effectLst/>
+                        <a:latin typeface="Century Gothic" panose="020B0502020202020204" pitchFamily="34" charset="0"/>
+                      </a:endParaRPr>
+                    </a:p>
+                  </a:txBody>
+                  <a:tcPr marL="9525" marR="9525" marT="9525" marB="0" anchor="b"/>
+                </a:tc>
+                <a:tc>
+                  <a:txBody>
+                    <a:bodyPr/>
+                    <a:lstStyle/>
+                    <a:p>
+                      <a:pPr algn="r" fontAlgn="b"/>
+                      <a:r>
+                        <a:rPr lang="en-GB" sz="1600" u="none" strike="noStrike">
+                          <a:solidFill>
+                            <a:schemeClr val="tx2"/>
+                          </a:solidFill>
+                          <a:effectLst/>
+                          <a:latin typeface="Century Gothic" panose="020B0502020202020204" pitchFamily="34" charset="0"/>
+                        </a:rPr>
+                        <a:t>0</a:t>
+                      </a:r>
+                      <a:endParaRPr lang="en-GB" sz="1600" b="0" i="0" u="none" strike="noStrike">
+                        <a:solidFill>
+                          <a:schemeClr val="tx2"/>
+                        </a:solidFill>
+                        <a:effectLst/>
+                        <a:latin typeface="Century Gothic" panose="020B0502020202020204" pitchFamily="34" charset="0"/>
+                      </a:endParaRPr>
+                    </a:p>
+                  </a:txBody>
+                  <a:tcPr marL="9525" marR="9525" marT="9525" marB="0" anchor="b"/>
+                </a:tc>
+                <a:tc>
+                  <a:txBody>
+                    <a:bodyPr/>
+                    <a:lstStyle/>
+                    <a:p>
+                      <a:pPr algn="r" fontAlgn="b"/>
+                      <a:r>
+                        <a:rPr lang="en-GB" sz="1600" u="none" strike="noStrike">
+                          <a:solidFill>
+                            <a:schemeClr val="tx2"/>
+                          </a:solidFill>
+                          <a:effectLst/>
+                          <a:latin typeface="Century Gothic" panose="020B0502020202020204" pitchFamily="34" charset="0"/>
+                        </a:rPr>
+                        <a:t>4</a:t>
+                      </a:r>
+                      <a:endParaRPr lang="en-GB" sz="1600" b="0" i="0" u="none" strike="noStrike">
+                        <a:solidFill>
+                          <a:schemeClr val="tx2"/>
+                        </a:solidFill>
+                        <a:effectLst/>
+                        <a:latin typeface="Century Gothic" panose="020B0502020202020204" pitchFamily="34" charset="0"/>
+                      </a:endParaRPr>
+                    </a:p>
+                  </a:txBody>
+                  <a:tcPr marL="9525" marR="9525" marT="9525" marB="0" anchor="b"/>
+                </a:tc>
+                <a:tc>
+                  <a:txBody>
+                    <a:bodyPr/>
+                    <a:lstStyle/>
+                    <a:p>
+                      <a:pPr algn="r" fontAlgn="b"/>
+                      <a:r>
+                        <a:rPr lang="en-GB" sz="1600" u="none" strike="noStrike">
+                          <a:solidFill>
+                            <a:schemeClr val="tx2"/>
+                          </a:solidFill>
+                          <a:effectLst/>
+                          <a:latin typeface="Century Gothic" panose="020B0502020202020204" pitchFamily="34" charset="0"/>
+                        </a:rPr>
+                        <a:t>0,015</a:t>
+                      </a:r>
+                      <a:endParaRPr lang="en-GB" sz="1600" b="0" i="0" u="none" strike="noStrike">
+                        <a:solidFill>
+                          <a:schemeClr val="tx2"/>
+                        </a:solidFill>
+                        <a:effectLst/>
+                        <a:latin typeface="Century Gothic" panose="020B0502020202020204" pitchFamily="34" charset="0"/>
+                      </a:endParaRPr>
+                    </a:p>
+                  </a:txBody>
+                  <a:tcPr marL="9525" marR="9525" marT="9525" marB="0" anchor="b"/>
+                </a:tc>
+                <a:tc>
+                  <a:txBody>
+                    <a:bodyPr/>
+                    <a:lstStyle/>
+                    <a:p>
+                      <a:pPr algn="r" fontAlgn="b"/>
+                      <a:r>
+                        <a:rPr lang="en-GB" sz="1600" u="none" strike="noStrike" dirty="0">
+                          <a:solidFill>
+                            <a:schemeClr val="tx2"/>
+                          </a:solidFill>
+                          <a:effectLst/>
+                          <a:latin typeface="Century Gothic" panose="020B0502020202020204" pitchFamily="34" charset="0"/>
+                        </a:rPr>
+                        <a:t>100</a:t>
+                      </a:r>
+                      <a:endParaRPr lang="en-GB" sz="1600" b="0" i="0" u="none" strike="noStrike" dirty="0">
+                        <a:solidFill>
+                          <a:schemeClr val="tx2"/>
+                        </a:solidFill>
+                        <a:effectLst/>
+                        <a:latin typeface="Century Gothic" panose="020B0502020202020204" pitchFamily="34" charset="0"/>
+                      </a:endParaRPr>
+                    </a:p>
+                  </a:txBody>
+                  <a:tcPr marL="9525" marR="9525" marT="9525" marB="0" anchor="b"/>
+                </a:tc>
+                <a:tc>
+                  <a:txBody>
+                    <a:bodyPr/>
+                    <a:lstStyle/>
+                    <a:p>
+                      <a:pPr algn="l" fontAlgn="b"/>
+                      <a:r>
+                        <a:rPr lang="en-GB" sz="1600" u="none" strike="noStrike">
+                          <a:solidFill>
+                            <a:schemeClr val="tx2"/>
+                          </a:solidFill>
+                          <a:effectLst/>
+                          <a:latin typeface="Century Gothic" panose="020B0502020202020204" pitchFamily="34" charset="0"/>
+                        </a:rPr>
+                        <a:t>A1BA22GEA21C1C22C21</a:t>
+                      </a:r>
+                      <a:endParaRPr lang="en-GB" sz="1600" b="0" i="0" u="none" strike="noStrike">
+                        <a:solidFill>
+                          <a:schemeClr val="tx2"/>
+                        </a:solidFill>
+                        <a:effectLst/>
+                        <a:latin typeface="Century Gothic" panose="020B0502020202020204" pitchFamily="34" charset="0"/>
+                      </a:endParaRPr>
+                    </a:p>
+                  </a:txBody>
+                  <a:tcPr marL="9525" marR="9525" marT="9525" marB="0" anchor="b"/>
+                </a:tc>
+                <a:extLst>
+                  <a:ext uri="{0D108BD9-81ED-4DB2-BD59-A6C34878D82A}">
+                    <a16:rowId xmlns:a16="http://schemas.microsoft.com/office/drawing/2014/main" val="2353926010"/>
+                  </a:ext>
+                </a:extLst>
+              </a:tr>
+              <a:tr h="401241">
+                <a:tc>
+                  <a:txBody>
+                    <a:bodyPr/>
+                    <a:lstStyle/>
+                    <a:p>
+                      <a:pPr algn="r" fontAlgn="b"/>
+                      <a:r>
+                        <a:rPr lang="en-GB" sz="1600" u="none" strike="noStrike">
+                          <a:solidFill>
+                            <a:schemeClr val="tx2"/>
+                          </a:solidFill>
+                          <a:effectLst/>
+                          <a:latin typeface="Century Gothic" panose="020B0502020202020204" pitchFamily="34" charset="0"/>
+                        </a:rPr>
+                        <a:t>96</a:t>
+                      </a:r>
+                      <a:endParaRPr lang="en-GB" sz="1600" b="0" i="0" u="none" strike="noStrike">
+                        <a:solidFill>
+                          <a:schemeClr val="tx2"/>
+                        </a:solidFill>
+                        <a:effectLst/>
+                        <a:latin typeface="Century Gothic" panose="020B0502020202020204" pitchFamily="34" charset="0"/>
+                      </a:endParaRPr>
+                    </a:p>
+                  </a:txBody>
+                  <a:tcPr marL="9525" marR="9525" marT="9525" marB="0" anchor="b"/>
+                </a:tc>
+                <a:tc>
+                  <a:txBody>
+                    <a:bodyPr/>
+                    <a:lstStyle/>
+                    <a:p>
+                      <a:pPr algn="r" fontAlgn="b"/>
+                      <a:r>
+                        <a:rPr lang="en-GB" sz="1600" u="none" strike="noStrike">
+                          <a:solidFill>
+                            <a:schemeClr val="tx2"/>
+                          </a:solidFill>
+                          <a:effectLst/>
+                          <a:latin typeface="Century Gothic" panose="020B0502020202020204" pitchFamily="34" charset="0"/>
+                        </a:rPr>
+                        <a:t>0</a:t>
+                      </a:r>
+                      <a:endParaRPr lang="en-GB" sz="1600" b="0" i="0" u="none" strike="noStrike">
+                        <a:solidFill>
+                          <a:schemeClr val="tx2"/>
+                        </a:solidFill>
+                        <a:effectLst/>
+                        <a:latin typeface="Century Gothic" panose="020B0502020202020204" pitchFamily="34" charset="0"/>
+                      </a:endParaRPr>
+                    </a:p>
+                  </a:txBody>
+                  <a:tcPr marL="9525" marR="9525" marT="9525" marB="0" anchor="b"/>
+                </a:tc>
+                <a:tc>
+                  <a:txBody>
+                    <a:bodyPr/>
+                    <a:lstStyle/>
+                    <a:p>
+                      <a:pPr algn="r" fontAlgn="b"/>
+                      <a:r>
+                        <a:rPr lang="en-GB" sz="1600" u="none" strike="noStrike">
+                          <a:solidFill>
+                            <a:schemeClr val="tx2"/>
+                          </a:solidFill>
+                          <a:effectLst/>
+                          <a:latin typeface="Century Gothic" panose="020B0502020202020204" pitchFamily="34" charset="0"/>
+                        </a:rPr>
+                        <a:t>4</a:t>
+                      </a:r>
+                      <a:endParaRPr lang="en-GB" sz="1600" b="0" i="0" u="none" strike="noStrike">
+                        <a:solidFill>
+                          <a:schemeClr val="tx2"/>
+                        </a:solidFill>
+                        <a:effectLst/>
+                        <a:latin typeface="Century Gothic" panose="020B0502020202020204" pitchFamily="34" charset="0"/>
+                      </a:endParaRPr>
+                    </a:p>
+                  </a:txBody>
+                  <a:tcPr marL="9525" marR="9525" marT="9525" marB="0" anchor="b"/>
+                </a:tc>
+                <a:tc>
+                  <a:txBody>
+                    <a:bodyPr/>
+                    <a:lstStyle/>
+                    <a:p>
+                      <a:pPr algn="r" fontAlgn="b"/>
+                      <a:r>
+                        <a:rPr lang="en-GB" sz="1600" u="none" strike="noStrike">
+                          <a:solidFill>
+                            <a:schemeClr val="tx2"/>
+                          </a:solidFill>
+                          <a:effectLst/>
+                          <a:latin typeface="Century Gothic" panose="020B0502020202020204" pitchFamily="34" charset="0"/>
+                        </a:rPr>
+                        <a:t>0,015</a:t>
+                      </a:r>
+                      <a:endParaRPr lang="en-GB" sz="1600" b="0" i="0" u="none" strike="noStrike">
+                        <a:solidFill>
+                          <a:schemeClr val="tx2"/>
+                        </a:solidFill>
+                        <a:effectLst/>
+                        <a:latin typeface="Century Gothic" panose="020B0502020202020204" pitchFamily="34" charset="0"/>
+                      </a:endParaRPr>
+                    </a:p>
+                  </a:txBody>
+                  <a:tcPr marL="9525" marR="9525" marT="9525" marB="0" anchor="b"/>
+                </a:tc>
+                <a:tc>
+                  <a:txBody>
+                    <a:bodyPr/>
+                    <a:lstStyle/>
+                    <a:p>
+                      <a:pPr algn="r" fontAlgn="b"/>
+                      <a:r>
+                        <a:rPr lang="en-GB" sz="1600" u="none" strike="noStrike">
+                          <a:solidFill>
+                            <a:schemeClr val="tx2"/>
+                          </a:solidFill>
+                          <a:effectLst/>
+                          <a:latin typeface="Century Gothic" panose="020B0502020202020204" pitchFamily="34" charset="0"/>
+                        </a:rPr>
+                        <a:t>100</a:t>
+                      </a:r>
+                      <a:endParaRPr lang="en-GB" sz="1600" b="0" i="0" u="none" strike="noStrike">
+                        <a:solidFill>
+                          <a:schemeClr val="tx2"/>
+                        </a:solidFill>
+                        <a:effectLst/>
+                        <a:latin typeface="Century Gothic" panose="020B0502020202020204" pitchFamily="34" charset="0"/>
+                      </a:endParaRPr>
+                    </a:p>
+                  </a:txBody>
+                  <a:tcPr marL="9525" marR="9525" marT="9525" marB="0" anchor="b"/>
+                </a:tc>
+                <a:tc>
+                  <a:txBody>
+                    <a:bodyPr/>
+                    <a:lstStyle/>
+                    <a:p>
+                      <a:pPr algn="l" fontAlgn="b"/>
+                      <a:r>
+                        <a:rPr lang="en-GB" sz="1600" u="none" strike="noStrike">
+                          <a:solidFill>
+                            <a:schemeClr val="tx2"/>
+                          </a:solidFill>
+                          <a:effectLst/>
+                          <a:latin typeface="Century Gothic" panose="020B0502020202020204" pitchFamily="34" charset="0"/>
+                        </a:rPr>
+                        <a:t>A1BA22GEA21C1C22C21</a:t>
+                      </a:r>
+                      <a:endParaRPr lang="en-GB" sz="1600" b="0" i="0" u="none" strike="noStrike">
+                        <a:solidFill>
+                          <a:schemeClr val="tx2"/>
+                        </a:solidFill>
+                        <a:effectLst/>
+                        <a:latin typeface="Century Gothic" panose="020B0502020202020204" pitchFamily="34" charset="0"/>
+                      </a:endParaRPr>
+                    </a:p>
+                  </a:txBody>
+                  <a:tcPr marL="9525" marR="9525" marT="9525" marB="0" anchor="b"/>
+                </a:tc>
+                <a:extLst>
+                  <a:ext uri="{0D108BD9-81ED-4DB2-BD59-A6C34878D82A}">
+                    <a16:rowId xmlns:a16="http://schemas.microsoft.com/office/drawing/2014/main" val="3620510348"/>
+                  </a:ext>
+                </a:extLst>
+              </a:tr>
+              <a:tr h="401241">
+                <a:tc>
+                  <a:txBody>
+                    <a:bodyPr/>
+                    <a:lstStyle/>
+                    <a:p>
+                      <a:pPr algn="r" fontAlgn="b"/>
+                      <a:r>
+                        <a:rPr lang="en-GB" sz="1600" u="none" strike="noStrike">
+                          <a:solidFill>
+                            <a:schemeClr val="tx2"/>
+                          </a:solidFill>
+                          <a:effectLst/>
+                          <a:latin typeface="Century Gothic" panose="020B0502020202020204" pitchFamily="34" charset="0"/>
+                        </a:rPr>
+                        <a:t>95</a:t>
+                      </a:r>
+                      <a:endParaRPr lang="en-GB" sz="1600" b="0" i="0" u="none" strike="noStrike">
+                        <a:solidFill>
+                          <a:schemeClr val="tx2"/>
+                        </a:solidFill>
+                        <a:effectLst/>
+                        <a:latin typeface="Century Gothic" panose="020B0502020202020204" pitchFamily="34" charset="0"/>
+                      </a:endParaRPr>
+                    </a:p>
+                  </a:txBody>
+                  <a:tcPr marL="9525" marR="9525" marT="9525" marB="0" anchor="b"/>
+                </a:tc>
+                <a:tc>
+                  <a:txBody>
+                    <a:bodyPr/>
+                    <a:lstStyle/>
+                    <a:p>
+                      <a:pPr algn="r" fontAlgn="b"/>
+                      <a:r>
+                        <a:rPr lang="en-GB" sz="1600" u="none" strike="noStrike">
+                          <a:solidFill>
+                            <a:schemeClr val="tx2"/>
+                          </a:solidFill>
+                          <a:effectLst/>
+                          <a:latin typeface="Century Gothic" panose="020B0502020202020204" pitchFamily="34" charset="0"/>
+                        </a:rPr>
+                        <a:t>0</a:t>
+                      </a:r>
+                      <a:endParaRPr lang="en-GB" sz="1600" b="0" i="0" u="none" strike="noStrike">
+                        <a:solidFill>
+                          <a:schemeClr val="tx2"/>
+                        </a:solidFill>
+                        <a:effectLst/>
+                        <a:latin typeface="Century Gothic" panose="020B0502020202020204" pitchFamily="34" charset="0"/>
+                      </a:endParaRPr>
+                    </a:p>
+                  </a:txBody>
+                  <a:tcPr marL="9525" marR="9525" marT="9525" marB="0" anchor="b"/>
+                </a:tc>
+                <a:tc>
+                  <a:txBody>
+                    <a:bodyPr/>
+                    <a:lstStyle/>
+                    <a:p>
+                      <a:pPr algn="r" fontAlgn="b"/>
+                      <a:r>
+                        <a:rPr lang="en-GB" sz="1600" u="none" strike="noStrike">
+                          <a:solidFill>
+                            <a:schemeClr val="tx2"/>
+                          </a:solidFill>
+                          <a:effectLst/>
+                          <a:latin typeface="Century Gothic" panose="020B0502020202020204" pitchFamily="34" charset="0"/>
+                        </a:rPr>
+                        <a:t>5</a:t>
+                      </a:r>
+                      <a:endParaRPr lang="en-GB" sz="1600" b="0" i="0" u="none" strike="noStrike">
+                        <a:solidFill>
+                          <a:schemeClr val="tx2"/>
+                        </a:solidFill>
+                        <a:effectLst/>
+                        <a:latin typeface="Century Gothic" panose="020B0502020202020204" pitchFamily="34" charset="0"/>
+                      </a:endParaRPr>
+                    </a:p>
+                  </a:txBody>
+                  <a:tcPr marL="9525" marR="9525" marT="9525" marB="0" anchor="b"/>
+                </a:tc>
+                <a:tc>
+                  <a:txBody>
+                    <a:bodyPr/>
+                    <a:lstStyle/>
+                    <a:p>
+                      <a:pPr algn="r" fontAlgn="b"/>
+                      <a:r>
+                        <a:rPr lang="en-GB" sz="1600" u="none" strike="noStrike">
+                          <a:solidFill>
+                            <a:schemeClr val="tx2"/>
+                          </a:solidFill>
+                          <a:effectLst/>
+                          <a:latin typeface="Century Gothic" panose="020B0502020202020204" pitchFamily="34" charset="0"/>
+                        </a:rPr>
+                        <a:t>0,032</a:t>
+                      </a:r>
+                      <a:endParaRPr lang="en-GB" sz="1600" b="0" i="0" u="none" strike="noStrike">
+                        <a:solidFill>
+                          <a:schemeClr val="tx2"/>
+                        </a:solidFill>
+                        <a:effectLst/>
+                        <a:latin typeface="Century Gothic" panose="020B0502020202020204" pitchFamily="34" charset="0"/>
+                      </a:endParaRPr>
+                    </a:p>
+                  </a:txBody>
+                  <a:tcPr marL="9525" marR="9525" marT="9525" marB="0" anchor="b"/>
+                </a:tc>
+                <a:tc>
+                  <a:txBody>
+                    <a:bodyPr/>
+                    <a:lstStyle/>
+                    <a:p>
+                      <a:pPr algn="r" fontAlgn="b"/>
+                      <a:r>
+                        <a:rPr lang="en-GB" sz="1600" u="none" strike="noStrike">
+                          <a:solidFill>
+                            <a:schemeClr val="tx2"/>
+                          </a:solidFill>
+                          <a:effectLst/>
+                          <a:latin typeface="Century Gothic" panose="020B0502020202020204" pitchFamily="34" charset="0"/>
+                        </a:rPr>
+                        <a:t>100</a:t>
+                      </a:r>
+                      <a:endParaRPr lang="en-GB" sz="1600" b="0" i="0" u="none" strike="noStrike">
+                        <a:solidFill>
+                          <a:schemeClr val="tx2"/>
+                        </a:solidFill>
+                        <a:effectLst/>
+                        <a:latin typeface="Century Gothic" panose="020B0502020202020204" pitchFamily="34" charset="0"/>
+                      </a:endParaRPr>
+                    </a:p>
+                  </a:txBody>
+                  <a:tcPr marL="9525" marR="9525" marT="9525" marB="0" anchor="b"/>
+                </a:tc>
+                <a:tc>
+                  <a:txBody>
+                    <a:bodyPr/>
+                    <a:lstStyle/>
+                    <a:p>
+                      <a:pPr algn="l" fontAlgn="b"/>
+                      <a:r>
+                        <a:rPr lang="en-GB" sz="1600" u="none" strike="noStrike">
+                          <a:solidFill>
+                            <a:schemeClr val="tx2"/>
+                          </a:solidFill>
+                          <a:effectLst/>
+                          <a:latin typeface="Century Gothic" panose="020B0502020202020204" pitchFamily="34" charset="0"/>
+                        </a:rPr>
+                        <a:t>A1A22EGA21C22C21C1B</a:t>
+                      </a:r>
+                      <a:endParaRPr lang="en-GB" sz="1600" b="0" i="0" u="none" strike="noStrike">
+                        <a:solidFill>
+                          <a:schemeClr val="tx2"/>
+                        </a:solidFill>
+                        <a:effectLst/>
+                        <a:latin typeface="Century Gothic" panose="020B0502020202020204" pitchFamily="34" charset="0"/>
+                      </a:endParaRPr>
+                    </a:p>
+                  </a:txBody>
+                  <a:tcPr marL="9525" marR="9525" marT="9525" marB="0" anchor="b"/>
+                </a:tc>
+                <a:extLst>
+                  <a:ext uri="{0D108BD9-81ED-4DB2-BD59-A6C34878D82A}">
+                    <a16:rowId xmlns:a16="http://schemas.microsoft.com/office/drawing/2014/main" val="2770096628"/>
+                  </a:ext>
+                </a:extLst>
+              </a:tr>
+              <a:tr h="401241">
+                <a:tc>
+                  <a:txBody>
+                    <a:bodyPr/>
+                    <a:lstStyle/>
+                    <a:p>
+                      <a:pPr algn="r" fontAlgn="b"/>
+                      <a:r>
+                        <a:rPr lang="en-GB" sz="1600" u="none" strike="noStrike">
+                          <a:solidFill>
+                            <a:schemeClr val="tx2"/>
+                          </a:solidFill>
+                          <a:effectLst/>
+                          <a:latin typeface="Century Gothic" panose="020B0502020202020204" pitchFamily="34" charset="0"/>
+                        </a:rPr>
+                        <a:t>95</a:t>
+                      </a:r>
+                      <a:endParaRPr lang="en-GB" sz="1600" b="0" i="0" u="none" strike="noStrike">
+                        <a:solidFill>
+                          <a:schemeClr val="tx2"/>
+                        </a:solidFill>
+                        <a:effectLst/>
+                        <a:latin typeface="Century Gothic" panose="020B0502020202020204" pitchFamily="34" charset="0"/>
+                      </a:endParaRPr>
+                    </a:p>
+                  </a:txBody>
+                  <a:tcPr marL="9525" marR="9525" marT="9525" marB="0" anchor="b"/>
+                </a:tc>
+                <a:tc>
+                  <a:txBody>
+                    <a:bodyPr/>
+                    <a:lstStyle/>
+                    <a:p>
+                      <a:pPr algn="r" fontAlgn="b"/>
+                      <a:r>
+                        <a:rPr lang="en-GB" sz="1600" u="none" strike="noStrike">
+                          <a:solidFill>
+                            <a:schemeClr val="tx2"/>
+                          </a:solidFill>
+                          <a:effectLst/>
+                          <a:latin typeface="Century Gothic" panose="020B0502020202020204" pitchFamily="34" charset="0"/>
+                        </a:rPr>
+                        <a:t>0</a:t>
+                      </a:r>
+                      <a:endParaRPr lang="en-GB" sz="1600" b="0" i="0" u="none" strike="noStrike">
+                        <a:solidFill>
+                          <a:schemeClr val="tx2"/>
+                        </a:solidFill>
+                        <a:effectLst/>
+                        <a:latin typeface="Century Gothic" panose="020B0502020202020204" pitchFamily="34" charset="0"/>
+                      </a:endParaRPr>
+                    </a:p>
+                  </a:txBody>
+                  <a:tcPr marL="9525" marR="9525" marT="9525" marB="0" anchor="b"/>
+                </a:tc>
+                <a:tc>
+                  <a:txBody>
+                    <a:bodyPr/>
+                    <a:lstStyle/>
+                    <a:p>
+                      <a:pPr algn="r" fontAlgn="b"/>
+                      <a:r>
+                        <a:rPr lang="en-GB" sz="1600" u="none" strike="noStrike">
+                          <a:solidFill>
+                            <a:schemeClr val="tx2"/>
+                          </a:solidFill>
+                          <a:effectLst/>
+                          <a:latin typeface="Century Gothic" panose="020B0502020202020204" pitchFamily="34" charset="0"/>
+                        </a:rPr>
+                        <a:t>5</a:t>
+                      </a:r>
+                      <a:endParaRPr lang="en-GB" sz="1600" b="0" i="0" u="none" strike="noStrike">
+                        <a:solidFill>
+                          <a:schemeClr val="tx2"/>
+                        </a:solidFill>
+                        <a:effectLst/>
+                        <a:latin typeface="Century Gothic" panose="020B0502020202020204" pitchFamily="34" charset="0"/>
+                      </a:endParaRPr>
+                    </a:p>
+                  </a:txBody>
+                  <a:tcPr marL="9525" marR="9525" marT="9525" marB="0" anchor="b"/>
+                </a:tc>
+                <a:tc>
+                  <a:txBody>
+                    <a:bodyPr/>
+                    <a:lstStyle/>
+                    <a:p>
+                      <a:pPr algn="r" fontAlgn="b"/>
+                      <a:r>
+                        <a:rPr lang="en-GB" sz="1600" u="none" strike="noStrike">
+                          <a:solidFill>
+                            <a:schemeClr val="tx2"/>
+                          </a:solidFill>
+                          <a:effectLst/>
+                          <a:latin typeface="Century Gothic" panose="020B0502020202020204" pitchFamily="34" charset="0"/>
+                        </a:rPr>
+                        <a:t>0,015</a:t>
+                      </a:r>
+                      <a:endParaRPr lang="en-GB" sz="1600" b="0" i="0" u="none" strike="noStrike">
+                        <a:solidFill>
+                          <a:schemeClr val="tx2"/>
+                        </a:solidFill>
+                        <a:effectLst/>
+                        <a:latin typeface="Century Gothic" panose="020B0502020202020204" pitchFamily="34" charset="0"/>
+                      </a:endParaRPr>
+                    </a:p>
+                  </a:txBody>
+                  <a:tcPr marL="9525" marR="9525" marT="9525" marB="0" anchor="b"/>
+                </a:tc>
+                <a:tc>
+                  <a:txBody>
+                    <a:bodyPr/>
+                    <a:lstStyle/>
+                    <a:p>
+                      <a:pPr algn="r" fontAlgn="b"/>
+                      <a:r>
+                        <a:rPr lang="en-GB" sz="1600" u="none" strike="noStrike">
+                          <a:solidFill>
+                            <a:schemeClr val="tx2"/>
+                          </a:solidFill>
+                          <a:effectLst/>
+                          <a:latin typeface="Century Gothic" panose="020B0502020202020204" pitchFamily="34" charset="0"/>
+                        </a:rPr>
+                        <a:t>100</a:t>
+                      </a:r>
+                      <a:endParaRPr lang="en-GB" sz="1600" b="0" i="0" u="none" strike="noStrike">
+                        <a:solidFill>
+                          <a:schemeClr val="tx2"/>
+                        </a:solidFill>
+                        <a:effectLst/>
+                        <a:latin typeface="Century Gothic" panose="020B0502020202020204" pitchFamily="34" charset="0"/>
+                      </a:endParaRPr>
+                    </a:p>
+                  </a:txBody>
+                  <a:tcPr marL="9525" marR="9525" marT="9525" marB="0" anchor="b"/>
+                </a:tc>
+                <a:tc>
+                  <a:txBody>
+                    <a:bodyPr/>
+                    <a:lstStyle/>
+                    <a:p>
+                      <a:pPr algn="l" fontAlgn="b"/>
+                      <a:r>
+                        <a:rPr lang="en-GB" sz="1600" u="none" strike="noStrike">
+                          <a:solidFill>
+                            <a:schemeClr val="tx2"/>
+                          </a:solidFill>
+                          <a:effectLst/>
+                          <a:latin typeface="Century Gothic" panose="020B0502020202020204" pitchFamily="34" charset="0"/>
+                        </a:rPr>
+                        <a:t>A1A22A21EC22C1C21BG</a:t>
+                      </a:r>
+                      <a:endParaRPr lang="en-GB" sz="1600" b="0" i="0" u="none" strike="noStrike">
+                        <a:solidFill>
+                          <a:schemeClr val="tx2"/>
+                        </a:solidFill>
+                        <a:effectLst/>
+                        <a:latin typeface="Century Gothic" panose="020B0502020202020204" pitchFamily="34" charset="0"/>
+                      </a:endParaRPr>
+                    </a:p>
+                  </a:txBody>
+                  <a:tcPr marL="9525" marR="9525" marT="9525" marB="0" anchor="b"/>
+                </a:tc>
+                <a:extLst>
+                  <a:ext uri="{0D108BD9-81ED-4DB2-BD59-A6C34878D82A}">
+                    <a16:rowId xmlns:a16="http://schemas.microsoft.com/office/drawing/2014/main" val="1657741154"/>
+                  </a:ext>
+                </a:extLst>
+              </a:tr>
+              <a:tr h="401241">
+                <a:tc>
+                  <a:txBody>
+                    <a:bodyPr/>
+                    <a:lstStyle/>
+                    <a:p>
+                      <a:pPr algn="r" fontAlgn="b"/>
+                      <a:r>
+                        <a:rPr lang="en-GB" sz="1600" u="none" strike="noStrike">
+                          <a:solidFill>
+                            <a:schemeClr val="tx2"/>
+                          </a:solidFill>
+                          <a:effectLst/>
+                          <a:latin typeface="Century Gothic" panose="020B0502020202020204" pitchFamily="34" charset="0"/>
+                        </a:rPr>
+                        <a:t>94</a:t>
+                      </a:r>
+                      <a:endParaRPr lang="en-GB" sz="1600" b="0" i="0" u="none" strike="noStrike">
+                        <a:solidFill>
+                          <a:schemeClr val="tx2"/>
+                        </a:solidFill>
+                        <a:effectLst/>
+                        <a:latin typeface="Century Gothic" panose="020B0502020202020204" pitchFamily="34" charset="0"/>
+                      </a:endParaRPr>
+                    </a:p>
+                  </a:txBody>
+                  <a:tcPr marL="9525" marR="9525" marT="9525" marB="0" anchor="b"/>
+                </a:tc>
+                <a:tc>
+                  <a:txBody>
+                    <a:bodyPr/>
+                    <a:lstStyle/>
+                    <a:p>
+                      <a:pPr algn="r" fontAlgn="b"/>
+                      <a:r>
+                        <a:rPr lang="en-GB" sz="1600" u="none" strike="noStrike">
+                          <a:solidFill>
+                            <a:schemeClr val="tx2"/>
+                          </a:solidFill>
+                          <a:effectLst/>
+                          <a:latin typeface="Century Gothic" panose="020B0502020202020204" pitchFamily="34" charset="0"/>
+                        </a:rPr>
+                        <a:t>0</a:t>
+                      </a:r>
+                      <a:endParaRPr lang="en-GB" sz="1600" b="0" i="0" u="none" strike="noStrike">
+                        <a:solidFill>
+                          <a:schemeClr val="tx2"/>
+                        </a:solidFill>
+                        <a:effectLst/>
+                        <a:latin typeface="Century Gothic" panose="020B0502020202020204" pitchFamily="34" charset="0"/>
+                      </a:endParaRPr>
+                    </a:p>
+                  </a:txBody>
+                  <a:tcPr marL="9525" marR="9525" marT="9525" marB="0" anchor="b"/>
+                </a:tc>
+                <a:tc>
+                  <a:txBody>
+                    <a:bodyPr/>
+                    <a:lstStyle/>
+                    <a:p>
+                      <a:pPr algn="r" fontAlgn="b"/>
+                      <a:r>
+                        <a:rPr lang="en-GB" sz="1600" u="none" strike="noStrike">
+                          <a:solidFill>
+                            <a:schemeClr val="tx2"/>
+                          </a:solidFill>
+                          <a:effectLst/>
+                          <a:latin typeface="Century Gothic" panose="020B0502020202020204" pitchFamily="34" charset="0"/>
+                        </a:rPr>
+                        <a:t>6</a:t>
+                      </a:r>
+                      <a:endParaRPr lang="en-GB" sz="1600" b="0" i="0" u="none" strike="noStrike">
+                        <a:solidFill>
+                          <a:schemeClr val="tx2"/>
+                        </a:solidFill>
+                        <a:effectLst/>
+                        <a:latin typeface="Century Gothic" panose="020B0502020202020204" pitchFamily="34" charset="0"/>
+                      </a:endParaRPr>
+                    </a:p>
+                  </a:txBody>
+                  <a:tcPr marL="9525" marR="9525" marT="9525" marB="0" anchor="b"/>
+                </a:tc>
+                <a:tc>
+                  <a:txBody>
+                    <a:bodyPr/>
+                    <a:lstStyle/>
+                    <a:p>
+                      <a:pPr algn="r" fontAlgn="b"/>
+                      <a:r>
+                        <a:rPr lang="en-GB" sz="1600" u="none" strike="noStrike">
+                          <a:solidFill>
+                            <a:schemeClr val="tx2"/>
+                          </a:solidFill>
+                          <a:effectLst/>
+                          <a:latin typeface="Century Gothic" panose="020B0502020202020204" pitchFamily="34" charset="0"/>
+                        </a:rPr>
+                        <a:t>0,031</a:t>
+                      </a:r>
+                      <a:endParaRPr lang="en-GB" sz="1600" b="0" i="0" u="none" strike="noStrike">
+                        <a:solidFill>
+                          <a:schemeClr val="tx2"/>
+                        </a:solidFill>
+                        <a:effectLst/>
+                        <a:latin typeface="Century Gothic" panose="020B0502020202020204" pitchFamily="34" charset="0"/>
+                      </a:endParaRPr>
+                    </a:p>
+                  </a:txBody>
+                  <a:tcPr marL="9525" marR="9525" marT="9525" marB="0" anchor="b"/>
+                </a:tc>
+                <a:tc>
+                  <a:txBody>
+                    <a:bodyPr/>
+                    <a:lstStyle/>
+                    <a:p>
+                      <a:pPr algn="r" fontAlgn="b"/>
+                      <a:r>
+                        <a:rPr lang="en-GB" sz="1600" u="none" strike="noStrike">
+                          <a:solidFill>
+                            <a:schemeClr val="tx2"/>
+                          </a:solidFill>
+                          <a:effectLst/>
+                          <a:latin typeface="Century Gothic" panose="020B0502020202020204" pitchFamily="34" charset="0"/>
+                        </a:rPr>
+                        <a:t>100</a:t>
+                      </a:r>
+                      <a:endParaRPr lang="en-GB" sz="1600" b="0" i="0" u="none" strike="noStrike">
+                        <a:solidFill>
+                          <a:schemeClr val="tx2"/>
+                        </a:solidFill>
+                        <a:effectLst/>
+                        <a:latin typeface="Century Gothic" panose="020B0502020202020204" pitchFamily="34" charset="0"/>
+                      </a:endParaRPr>
+                    </a:p>
+                  </a:txBody>
+                  <a:tcPr marL="9525" marR="9525" marT="9525" marB="0" anchor="b"/>
+                </a:tc>
+                <a:tc>
+                  <a:txBody>
+                    <a:bodyPr/>
+                    <a:lstStyle/>
+                    <a:p>
+                      <a:pPr algn="l" fontAlgn="b"/>
+                      <a:r>
+                        <a:rPr lang="en-GB" sz="1600" u="none" strike="noStrike">
+                          <a:solidFill>
+                            <a:schemeClr val="tx2"/>
+                          </a:solidFill>
+                          <a:effectLst/>
+                          <a:latin typeface="Century Gothic" panose="020B0502020202020204" pitchFamily="34" charset="0"/>
+                        </a:rPr>
+                        <a:t>A1A21GA22BEC1C22C21</a:t>
+                      </a:r>
+                      <a:endParaRPr lang="en-GB" sz="1600" b="0" i="0" u="none" strike="noStrike">
+                        <a:solidFill>
+                          <a:schemeClr val="tx2"/>
+                        </a:solidFill>
+                        <a:effectLst/>
+                        <a:latin typeface="Century Gothic" panose="020B0502020202020204" pitchFamily="34" charset="0"/>
+                      </a:endParaRPr>
+                    </a:p>
+                  </a:txBody>
+                  <a:tcPr marL="9525" marR="9525" marT="9525" marB="0" anchor="b"/>
+                </a:tc>
+                <a:extLst>
+                  <a:ext uri="{0D108BD9-81ED-4DB2-BD59-A6C34878D82A}">
+                    <a16:rowId xmlns:a16="http://schemas.microsoft.com/office/drawing/2014/main" val="3733551186"/>
+                  </a:ext>
+                </a:extLst>
+              </a:tr>
+              <a:tr h="401241">
+                <a:tc>
+                  <a:txBody>
+                    <a:bodyPr/>
+                    <a:lstStyle/>
+                    <a:p>
+                      <a:pPr algn="r" fontAlgn="b"/>
+                      <a:r>
+                        <a:rPr lang="en-GB" sz="1600" u="none" strike="noStrike" dirty="0">
+                          <a:solidFill>
+                            <a:schemeClr val="tx2"/>
+                          </a:solidFill>
+                          <a:effectLst/>
+                          <a:latin typeface="Century Gothic" panose="020B0502020202020204" pitchFamily="34" charset="0"/>
+                        </a:rPr>
+                        <a:t>94</a:t>
+                      </a:r>
+                      <a:endParaRPr lang="en-GB" sz="1600" b="0" i="0" u="none" strike="noStrike" dirty="0">
+                        <a:solidFill>
+                          <a:schemeClr val="tx2"/>
+                        </a:solidFill>
+                        <a:effectLst/>
+                        <a:latin typeface="Century Gothic" panose="020B0502020202020204" pitchFamily="34" charset="0"/>
+                      </a:endParaRPr>
+                    </a:p>
+                  </a:txBody>
+                  <a:tcPr marL="9525" marR="9525" marT="9525" marB="0" anchor="b"/>
+                </a:tc>
+                <a:tc>
+                  <a:txBody>
+                    <a:bodyPr/>
+                    <a:lstStyle/>
+                    <a:p>
+                      <a:pPr algn="r" fontAlgn="b"/>
+                      <a:r>
+                        <a:rPr lang="en-GB" sz="1600" u="none" strike="noStrike">
+                          <a:solidFill>
+                            <a:schemeClr val="tx2"/>
+                          </a:solidFill>
+                          <a:effectLst/>
+                          <a:latin typeface="Century Gothic" panose="020B0502020202020204" pitchFamily="34" charset="0"/>
+                        </a:rPr>
+                        <a:t>1</a:t>
+                      </a:r>
+                      <a:endParaRPr lang="en-GB" sz="1600" b="0" i="0" u="none" strike="noStrike">
+                        <a:solidFill>
+                          <a:schemeClr val="tx2"/>
+                        </a:solidFill>
+                        <a:effectLst/>
+                        <a:latin typeface="Century Gothic" panose="020B0502020202020204" pitchFamily="34" charset="0"/>
+                      </a:endParaRPr>
+                    </a:p>
+                  </a:txBody>
+                  <a:tcPr marL="9525" marR="9525" marT="9525" marB="0" anchor="b"/>
+                </a:tc>
+                <a:tc>
+                  <a:txBody>
+                    <a:bodyPr/>
+                    <a:lstStyle/>
+                    <a:p>
+                      <a:pPr algn="r" fontAlgn="b"/>
+                      <a:r>
+                        <a:rPr lang="en-GB" sz="1600" u="none" strike="noStrike">
+                          <a:solidFill>
+                            <a:schemeClr val="tx2"/>
+                          </a:solidFill>
+                          <a:effectLst/>
+                          <a:latin typeface="Century Gothic" panose="020B0502020202020204" pitchFamily="34" charset="0"/>
+                        </a:rPr>
+                        <a:t>5</a:t>
+                      </a:r>
+                      <a:endParaRPr lang="en-GB" sz="1600" b="0" i="0" u="none" strike="noStrike">
+                        <a:solidFill>
+                          <a:schemeClr val="tx2"/>
+                        </a:solidFill>
+                        <a:effectLst/>
+                        <a:latin typeface="Century Gothic" panose="020B0502020202020204" pitchFamily="34" charset="0"/>
+                      </a:endParaRPr>
+                    </a:p>
+                  </a:txBody>
+                  <a:tcPr marL="9525" marR="9525" marT="9525" marB="0" anchor="b"/>
+                </a:tc>
+                <a:tc>
+                  <a:txBody>
+                    <a:bodyPr/>
+                    <a:lstStyle/>
+                    <a:p>
+                      <a:pPr algn="r" fontAlgn="b"/>
+                      <a:r>
+                        <a:rPr lang="en-GB" sz="1600" u="none" strike="noStrike">
+                          <a:solidFill>
+                            <a:schemeClr val="tx2"/>
+                          </a:solidFill>
+                          <a:effectLst/>
+                          <a:latin typeface="Century Gothic" panose="020B0502020202020204" pitchFamily="34" charset="0"/>
+                        </a:rPr>
+                        <a:t>0,031</a:t>
+                      </a:r>
+                      <a:endParaRPr lang="en-GB" sz="1600" b="0" i="0" u="none" strike="noStrike">
+                        <a:solidFill>
+                          <a:schemeClr val="tx2"/>
+                        </a:solidFill>
+                        <a:effectLst/>
+                        <a:latin typeface="Century Gothic" panose="020B0502020202020204" pitchFamily="34" charset="0"/>
+                      </a:endParaRPr>
+                    </a:p>
+                  </a:txBody>
+                  <a:tcPr marL="9525" marR="9525" marT="9525" marB="0" anchor="b"/>
+                </a:tc>
+                <a:tc>
+                  <a:txBody>
+                    <a:bodyPr/>
+                    <a:lstStyle/>
+                    <a:p>
+                      <a:pPr algn="r" fontAlgn="b"/>
+                      <a:r>
+                        <a:rPr lang="en-GB" sz="1600" u="none" strike="noStrike">
+                          <a:solidFill>
+                            <a:schemeClr val="tx2"/>
+                          </a:solidFill>
+                          <a:effectLst/>
+                          <a:latin typeface="Century Gothic" panose="020B0502020202020204" pitchFamily="34" charset="0"/>
+                        </a:rPr>
+                        <a:t>100</a:t>
+                      </a:r>
+                      <a:endParaRPr lang="en-GB" sz="1600" b="0" i="0" u="none" strike="noStrike">
+                        <a:solidFill>
+                          <a:schemeClr val="tx2"/>
+                        </a:solidFill>
+                        <a:effectLst/>
+                        <a:latin typeface="Century Gothic" panose="020B0502020202020204" pitchFamily="34" charset="0"/>
+                      </a:endParaRPr>
+                    </a:p>
+                  </a:txBody>
+                  <a:tcPr marL="9525" marR="9525" marT="9525" marB="0" anchor="b"/>
+                </a:tc>
+                <a:tc>
+                  <a:txBody>
+                    <a:bodyPr/>
+                    <a:lstStyle/>
+                    <a:p>
+                      <a:pPr algn="l" fontAlgn="b"/>
+                      <a:r>
+                        <a:rPr lang="en-GB" sz="1600" u="none" strike="noStrike" dirty="0">
+                          <a:solidFill>
+                            <a:schemeClr val="tx2"/>
+                          </a:solidFill>
+                          <a:effectLst/>
+                          <a:latin typeface="Century Gothic" panose="020B0502020202020204" pitchFamily="34" charset="0"/>
+                        </a:rPr>
+                        <a:t>A1A21GA22EC22C1BC21</a:t>
+                      </a:r>
+                      <a:endParaRPr lang="en-GB" sz="1600" b="0" i="0" u="none" strike="noStrike" dirty="0">
+                        <a:solidFill>
+                          <a:schemeClr val="tx2"/>
+                        </a:solidFill>
+                        <a:effectLst/>
+                        <a:latin typeface="Century Gothic" panose="020B0502020202020204" pitchFamily="34" charset="0"/>
+                      </a:endParaRPr>
+                    </a:p>
+                  </a:txBody>
+                  <a:tcPr marL="9525" marR="9525" marT="9525" marB="0" anchor="b"/>
+                </a:tc>
+                <a:extLst>
+                  <a:ext uri="{0D108BD9-81ED-4DB2-BD59-A6C34878D82A}">
+                    <a16:rowId xmlns:a16="http://schemas.microsoft.com/office/drawing/2014/main" val="4287493660"/>
+                  </a:ext>
+                </a:extLst>
+              </a:tr>
+            </a:tbl>
+          </a:graphicData>
+        </a:graphic>
+      </p:graphicFrame>
     </p:spTree>
     <p:extLst>
       <p:ext uri="{BB962C8B-B14F-4D97-AF65-F5344CB8AC3E}">
@@ -12611,7 +14060,7 @@
           <a:p>
             <a:r>
               <a:rPr lang="nl-NL" dirty="0"/>
-              <a:t>Offensief (A1)</a:t>
+              <a:t>Offensief</a:t>
             </a:r>
           </a:p>
           <a:p>

--- a/Presentation.pptx
+++ b/Presentation.pptx
@@ -5,26 +5,24 @@
     <p:sldMasterId id="2147483660" r:id="rId1"/>
   </p:sldMasterIdLst>
   <p:notesMasterIdLst>
-    <p:notesMasterId r:id="rId19"/>
+    <p:notesMasterId r:id="rId17"/>
   </p:notesMasterIdLst>
   <p:sldIdLst>
     <p:sldId id="256" r:id="rId2"/>
-    <p:sldId id="265" r:id="rId3"/>
-    <p:sldId id="260" r:id="rId4"/>
-    <p:sldId id="257" r:id="rId5"/>
-    <p:sldId id="258" r:id="rId6"/>
-    <p:sldId id="259" r:id="rId7"/>
-    <p:sldId id="261" r:id="rId8"/>
-    <p:sldId id="278" r:id="rId9"/>
-    <p:sldId id="280" r:id="rId10"/>
-    <p:sldId id="283" r:id="rId11"/>
-    <p:sldId id="284" r:id="rId12"/>
-    <p:sldId id="285" r:id="rId13"/>
-    <p:sldId id="274" r:id="rId14"/>
-    <p:sldId id="267" r:id="rId15"/>
-    <p:sldId id="268" r:id="rId16"/>
-    <p:sldId id="262" r:id="rId17"/>
-    <p:sldId id="266" r:id="rId18"/>
+    <p:sldId id="261" r:id="rId3"/>
+    <p:sldId id="278" r:id="rId4"/>
+    <p:sldId id="280" r:id="rId5"/>
+    <p:sldId id="283" r:id="rId6"/>
+    <p:sldId id="284" r:id="rId7"/>
+    <p:sldId id="285" r:id="rId8"/>
+    <p:sldId id="274" r:id="rId9"/>
+    <p:sldId id="267" r:id="rId10"/>
+    <p:sldId id="262" r:id="rId11"/>
+    <p:sldId id="286" r:id="rId12"/>
+    <p:sldId id="266" r:id="rId13"/>
+    <p:sldId id="287" r:id="rId14"/>
+    <p:sldId id="288" r:id="rId15"/>
+    <p:sldId id="289" r:id="rId16"/>
   </p:sldIdLst>
   <p:sldSz cx="12192000" cy="6858000"/>
   <p:notesSz cx="6858000" cy="9144000"/>
@@ -143,1335 +141,6 @@
 </p:cmAuthorLst>
 </file>
 
-<file path=ppt/charts/chart1.xml><?xml version="1.0" encoding="utf-8"?>
-<c:chartSpace xmlns:c="http://schemas.openxmlformats.org/drawingml/2006/chart" xmlns:a="http://schemas.openxmlformats.org/drawingml/2006/main" xmlns:r="http://schemas.openxmlformats.org/officeDocument/2006/relationships" xmlns:c16r2="http://schemas.microsoft.com/office/drawing/2015/06/chart">
-  <c:date1904 val="0"/>
-  <c:lang val="en-US"/>
-  <c:roundedCorners val="0"/>
-  <mc:AlternateContent xmlns:mc="http://schemas.openxmlformats.org/markup-compatibility/2006">
-    <mc:Choice xmlns:c14="http://schemas.microsoft.com/office/drawing/2007/8/2/chart" Requires="c14">
-      <c14:style val="102"/>
-    </mc:Choice>
-    <mc:Fallback>
-      <c:style val="2"/>
-    </mc:Fallback>
-  </mc:AlternateContent>
-  <c:chart>
-    <c:title>
-      <c:tx>
-        <c:rich>
-          <a:bodyPr rot="0" spcFirstLastPara="1" vertOverflow="ellipsis" vert="horz" wrap="square" anchor="ctr" anchorCtr="1"/>
-          <a:lstStyle/>
-          <a:p>
-            <a:pPr>
-              <a:defRPr sz="1862" b="0" i="0" u="none" strike="noStrike" kern="1200" spc="0" baseline="0">
-                <a:solidFill>
-                  <a:schemeClr val="tx1">
-                    <a:lumMod val="65000"/>
-                    <a:lumOff val="35000"/>
-                  </a:schemeClr>
-                </a:solidFill>
-                <a:latin typeface="+mn-lt"/>
-                <a:ea typeface="+mn-ea"/>
-                <a:cs typeface="+mn-cs"/>
-              </a:defRPr>
-            </a:pPr>
-            <a:r>
-              <a:rPr lang="en-GB" dirty="0"/>
-              <a:t>Random Fit: Student VS.</a:t>
-            </a:r>
-            <a:r>
-              <a:rPr lang="en-GB" baseline="0" dirty="0"/>
-              <a:t> CODeS</a:t>
-            </a:r>
-            <a:endParaRPr lang="en-GB" dirty="0"/>
-          </a:p>
-        </c:rich>
-      </c:tx>
-      <c:overlay val="0"/>
-      <c:spPr>
-        <a:noFill/>
-        <a:ln>
-          <a:noFill/>
-        </a:ln>
-        <a:effectLst/>
-      </c:spPr>
-      <c:txPr>
-        <a:bodyPr rot="0" spcFirstLastPara="1" vertOverflow="ellipsis" vert="horz" wrap="square" anchor="ctr" anchorCtr="1"/>
-        <a:lstStyle/>
-        <a:p>
-          <a:pPr>
-            <a:defRPr sz="1862" b="0" i="0" u="none" strike="noStrike" kern="1200" spc="0" baseline="0">
-              <a:solidFill>
-                <a:schemeClr val="tx1">
-                  <a:lumMod val="65000"/>
-                  <a:lumOff val="35000"/>
-                </a:schemeClr>
-              </a:solidFill>
-              <a:latin typeface="+mn-lt"/>
-              <a:ea typeface="+mn-ea"/>
-              <a:cs typeface="+mn-cs"/>
-            </a:defRPr>
-          </a:pPr>
-          <a:endParaRPr lang="en-US"/>
-        </a:p>
-      </c:txPr>
-    </c:title>
-    <c:autoTitleDeleted val="0"/>
-    <c:plotArea>
-      <c:layout/>
-      <c:lineChart>
-        <c:grouping val="standard"/>
-        <c:varyColors val="0"/>
-        <c:ser>
-          <c:idx val="0"/>
-          <c:order val="0"/>
-          <c:tx>
-            <c:strRef>
-              <c:f>Sheet1!$B$1:$D$1</c:f>
-              <c:strCache>
-                <c:ptCount val="1"/>
-                <c:pt idx="0">
-                  <c:v>Student win Draw CODeS win</c:v>
-                </c:pt>
-              </c:strCache>
-            </c:strRef>
-          </c:tx>
-          <c:spPr>
-            <a:ln w="28575" cap="rnd">
-              <a:solidFill>
-                <a:schemeClr val="accent1"/>
-              </a:solidFill>
-              <a:round/>
-            </a:ln>
-            <a:effectLst/>
-          </c:spPr>
-          <c:marker>
-            <c:symbol val="circle"/>
-            <c:size val="5"/>
-            <c:spPr>
-              <a:solidFill>
-                <a:schemeClr val="accent1"/>
-              </a:solidFill>
-              <a:ln w="9525">
-                <a:solidFill>
-                  <a:schemeClr val="accent1"/>
-                </a:solidFill>
-              </a:ln>
-              <a:effectLst/>
-            </c:spPr>
-          </c:marker>
-          <c:cat>
-            <c:numRef>
-              <c:f>Sheet1!$A$2:$A$12</c:f>
-              <c:numCache>
-                <c:formatCode>0%</c:formatCode>
-                <c:ptCount val="11"/>
-                <c:pt idx="0">
-                  <c:v>1</c:v>
-                </c:pt>
-                <c:pt idx="1">
-                  <c:v>0.9</c:v>
-                </c:pt>
-                <c:pt idx="2">
-                  <c:v>0.8</c:v>
-                </c:pt>
-                <c:pt idx="3">
-                  <c:v>0.7</c:v>
-                </c:pt>
-                <c:pt idx="4">
-                  <c:v>0.6</c:v>
-                </c:pt>
-                <c:pt idx="5">
-                  <c:v>0.5</c:v>
-                </c:pt>
-                <c:pt idx="6">
-                  <c:v>0.4</c:v>
-                </c:pt>
-                <c:pt idx="7">
-                  <c:v>0.3</c:v>
-                </c:pt>
-                <c:pt idx="8">
-                  <c:v>0.2</c:v>
-                </c:pt>
-                <c:pt idx="9">
-                  <c:v>0.1</c:v>
-                </c:pt>
-                <c:pt idx="10">
-                  <c:v>0</c:v>
-                </c:pt>
-              </c:numCache>
-            </c:numRef>
-          </c:cat>
-          <c:val>
-            <c:numRef>
-              <c:f>Sheet1!$B$2:$B$12</c:f>
-              <c:numCache>
-                <c:formatCode>General</c:formatCode>
-                <c:ptCount val="11"/>
-                <c:pt idx="0">
-                  <c:v>48.93</c:v>
-                </c:pt>
-                <c:pt idx="1">
-                  <c:v>50.63</c:v>
-                </c:pt>
-                <c:pt idx="2">
-                  <c:v>50.87</c:v>
-                </c:pt>
-                <c:pt idx="3">
-                  <c:v>52.22</c:v>
-                </c:pt>
-                <c:pt idx="4">
-                  <c:v>53.24</c:v>
-                </c:pt>
-                <c:pt idx="5">
-                  <c:v>53.9</c:v>
-                </c:pt>
-                <c:pt idx="6">
-                  <c:v>54.73</c:v>
-                </c:pt>
-                <c:pt idx="7">
-                  <c:v>55.58</c:v>
-                </c:pt>
-                <c:pt idx="8">
-                  <c:v>56</c:v>
-                </c:pt>
-                <c:pt idx="9">
-                  <c:v>56.67</c:v>
-                </c:pt>
-                <c:pt idx="10">
-                  <c:v>57.47</c:v>
-                </c:pt>
-              </c:numCache>
-            </c:numRef>
-          </c:val>
-          <c:smooth val="0"/>
-          <c:extLst>
-            <c:ext xmlns:c16="http://schemas.microsoft.com/office/drawing/2014/chart" uri="{C3380CC4-5D6E-409C-BE32-E72D297353CC}">
-              <c16:uniqueId val="{00000000-2EE2-497E-823E-E5DBA4C98D50}"/>
-            </c:ext>
-          </c:extLst>
-        </c:ser>
-        <c:ser>
-          <c:idx val="1"/>
-          <c:order val="1"/>
-          <c:tx>
-            <c:strRef>
-              <c:f>Sheet1!$C$1</c:f>
-              <c:strCache>
-                <c:ptCount val="1"/>
-                <c:pt idx="0">
-                  <c:v>Draw</c:v>
-                </c:pt>
-              </c:strCache>
-            </c:strRef>
-          </c:tx>
-          <c:spPr>
-            <a:ln w="28575" cap="rnd">
-              <a:solidFill>
-                <a:schemeClr val="accent3"/>
-              </a:solidFill>
-              <a:round/>
-            </a:ln>
-            <a:effectLst/>
-          </c:spPr>
-          <c:marker>
-            <c:symbol val="circle"/>
-            <c:size val="5"/>
-            <c:spPr>
-              <a:solidFill>
-                <a:schemeClr val="accent3"/>
-              </a:solidFill>
-              <a:ln w="9525">
-                <a:solidFill>
-                  <a:schemeClr val="accent3"/>
-                </a:solidFill>
-              </a:ln>
-              <a:effectLst/>
-            </c:spPr>
-          </c:marker>
-          <c:cat>
-            <c:numRef>
-              <c:f>Sheet1!$A$2:$A$12</c:f>
-              <c:numCache>
-                <c:formatCode>0%</c:formatCode>
-                <c:ptCount val="11"/>
-                <c:pt idx="0">
-                  <c:v>1</c:v>
-                </c:pt>
-                <c:pt idx="1">
-                  <c:v>0.9</c:v>
-                </c:pt>
-                <c:pt idx="2">
-                  <c:v>0.8</c:v>
-                </c:pt>
-                <c:pt idx="3">
-                  <c:v>0.7</c:v>
-                </c:pt>
-                <c:pt idx="4">
-                  <c:v>0.6</c:v>
-                </c:pt>
-                <c:pt idx="5">
-                  <c:v>0.5</c:v>
-                </c:pt>
-                <c:pt idx="6">
-                  <c:v>0.4</c:v>
-                </c:pt>
-                <c:pt idx="7">
-                  <c:v>0.3</c:v>
-                </c:pt>
-                <c:pt idx="8">
-                  <c:v>0.2</c:v>
-                </c:pt>
-                <c:pt idx="9">
-                  <c:v>0.1</c:v>
-                </c:pt>
-                <c:pt idx="10">
-                  <c:v>0</c:v>
-                </c:pt>
-              </c:numCache>
-            </c:numRef>
-          </c:cat>
-          <c:val>
-            <c:numRef>
-              <c:f>Sheet1!$C$2:$C$12</c:f>
-              <c:numCache>
-                <c:formatCode>General</c:formatCode>
-                <c:ptCount val="11"/>
-                <c:pt idx="0">
-                  <c:v>0.56000000000000005</c:v>
-                </c:pt>
-                <c:pt idx="1">
-                  <c:v>0.43</c:v>
-                </c:pt>
-                <c:pt idx="2">
-                  <c:v>0.39</c:v>
-                </c:pt>
-                <c:pt idx="3">
-                  <c:v>0.51</c:v>
-                </c:pt>
-                <c:pt idx="4">
-                  <c:v>0.6</c:v>
-                </c:pt>
-                <c:pt idx="5">
-                  <c:v>0.48</c:v>
-                </c:pt>
-                <c:pt idx="6">
-                  <c:v>0.41</c:v>
-                </c:pt>
-                <c:pt idx="7">
-                  <c:v>0.48</c:v>
-                </c:pt>
-                <c:pt idx="8">
-                  <c:v>0.39</c:v>
-                </c:pt>
-                <c:pt idx="9">
-                  <c:v>0.31</c:v>
-                </c:pt>
-                <c:pt idx="10">
-                  <c:v>0.35</c:v>
-                </c:pt>
-              </c:numCache>
-            </c:numRef>
-          </c:val>
-          <c:smooth val="0"/>
-          <c:extLst>
-            <c:ext xmlns:c16="http://schemas.microsoft.com/office/drawing/2014/chart" uri="{C3380CC4-5D6E-409C-BE32-E72D297353CC}">
-              <c16:uniqueId val="{00000001-2EE2-497E-823E-E5DBA4C98D50}"/>
-            </c:ext>
-          </c:extLst>
-        </c:ser>
-        <c:ser>
-          <c:idx val="2"/>
-          <c:order val="2"/>
-          <c:tx>
-            <c:strRef>
-              <c:f>Sheet1!$D$1</c:f>
-              <c:strCache>
-                <c:ptCount val="1"/>
-                <c:pt idx="0">
-                  <c:v>CODeS win</c:v>
-                </c:pt>
-              </c:strCache>
-            </c:strRef>
-          </c:tx>
-          <c:spPr>
-            <a:ln w="28575" cap="rnd">
-              <a:solidFill>
-                <a:schemeClr val="accent5"/>
-              </a:solidFill>
-              <a:round/>
-            </a:ln>
-            <a:effectLst/>
-          </c:spPr>
-          <c:marker>
-            <c:symbol val="circle"/>
-            <c:size val="5"/>
-            <c:spPr>
-              <a:solidFill>
-                <a:schemeClr val="accent5"/>
-              </a:solidFill>
-              <a:ln w="9525">
-                <a:solidFill>
-                  <a:schemeClr val="accent5"/>
-                </a:solidFill>
-              </a:ln>
-              <a:effectLst/>
-            </c:spPr>
-          </c:marker>
-          <c:cat>
-            <c:numRef>
-              <c:f>Sheet1!$A$2:$A$12</c:f>
-              <c:numCache>
-                <c:formatCode>0%</c:formatCode>
-                <c:ptCount val="11"/>
-                <c:pt idx="0">
-                  <c:v>1</c:v>
-                </c:pt>
-                <c:pt idx="1">
-                  <c:v>0.9</c:v>
-                </c:pt>
-                <c:pt idx="2">
-                  <c:v>0.8</c:v>
-                </c:pt>
-                <c:pt idx="3">
-                  <c:v>0.7</c:v>
-                </c:pt>
-                <c:pt idx="4">
-                  <c:v>0.6</c:v>
-                </c:pt>
-                <c:pt idx="5">
-                  <c:v>0.5</c:v>
-                </c:pt>
-                <c:pt idx="6">
-                  <c:v>0.4</c:v>
-                </c:pt>
-                <c:pt idx="7">
-                  <c:v>0.3</c:v>
-                </c:pt>
-                <c:pt idx="8">
-                  <c:v>0.2</c:v>
-                </c:pt>
-                <c:pt idx="9">
-                  <c:v>0.1</c:v>
-                </c:pt>
-                <c:pt idx="10">
-                  <c:v>0</c:v>
-                </c:pt>
-              </c:numCache>
-            </c:numRef>
-          </c:cat>
-          <c:val>
-            <c:numRef>
-              <c:f>Sheet1!$D$2:$D$12</c:f>
-              <c:numCache>
-                <c:formatCode>General</c:formatCode>
-                <c:ptCount val="11"/>
-                <c:pt idx="0">
-                  <c:v>50.51</c:v>
-                </c:pt>
-                <c:pt idx="1">
-                  <c:v>48.94</c:v>
-                </c:pt>
-                <c:pt idx="2">
-                  <c:v>48.74</c:v>
-                </c:pt>
-                <c:pt idx="3">
-                  <c:v>47.27</c:v>
-                </c:pt>
-                <c:pt idx="4">
-                  <c:v>46.16</c:v>
-                </c:pt>
-                <c:pt idx="5">
-                  <c:v>45.62</c:v>
-                </c:pt>
-                <c:pt idx="6">
-                  <c:v>44.86</c:v>
-                </c:pt>
-                <c:pt idx="7">
-                  <c:v>43.94</c:v>
-                </c:pt>
-                <c:pt idx="8">
-                  <c:v>43.61</c:v>
-                </c:pt>
-                <c:pt idx="9">
-                  <c:v>43.02</c:v>
-                </c:pt>
-                <c:pt idx="10">
-                  <c:v>42.18</c:v>
-                </c:pt>
-              </c:numCache>
-            </c:numRef>
-          </c:val>
-          <c:smooth val="0"/>
-          <c:extLst>
-            <c:ext xmlns:c16="http://schemas.microsoft.com/office/drawing/2014/chart" uri="{C3380CC4-5D6E-409C-BE32-E72D297353CC}">
-              <c16:uniqueId val="{00000002-2EE2-497E-823E-E5DBA4C98D50}"/>
-            </c:ext>
-          </c:extLst>
-        </c:ser>
-        <c:dLbls>
-          <c:showLegendKey val="0"/>
-          <c:showVal val="0"/>
-          <c:showCatName val="0"/>
-          <c:showSerName val="0"/>
-          <c:showPercent val="0"/>
-          <c:showBubbleSize val="0"/>
-        </c:dLbls>
-        <c:marker val="1"/>
-        <c:smooth val="0"/>
-        <c:axId val="738174255"/>
-        <c:axId val="811249647"/>
-      </c:lineChart>
-      <c:catAx>
-        <c:axId val="738174255"/>
-        <c:scaling>
-          <c:orientation val="minMax"/>
-        </c:scaling>
-        <c:delete val="0"/>
-        <c:axPos val="b"/>
-        <c:title>
-          <c:tx>
-            <c:rich>
-              <a:bodyPr rot="0" spcFirstLastPara="1" vertOverflow="ellipsis" vert="horz" wrap="square" anchor="ctr" anchorCtr="1"/>
-              <a:lstStyle/>
-              <a:p>
-                <a:pPr>
-                  <a:defRPr sz="1330" b="0" i="0" u="none" strike="noStrike" kern="1200" baseline="0">
-                    <a:solidFill>
-                      <a:schemeClr val="tx1">
-                        <a:lumMod val="65000"/>
-                        <a:lumOff val="35000"/>
-                      </a:schemeClr>
-                    </a:solidFill>
-                    <a:latin typeface="+mn-lt"/>
-                    <a:ea typeface="+mn-ea"/>
-                    <a:cs typeface="+mn-cs"/>
-                  </a:defRPr>
-                </a:pPr>
-                <a:r>
-                  <a:rPr lang="nl-BE" noProof="0" dirty="0" err="1"/>
-                  <a:t>Statistic</a:t>
-                </a:r>
-                <a:r>
-                  <a:rPr lang="nl-NL" baseline="0" dirty="0"/>
-                  <a:t> % of pass</a:t>
-                </a:r>
-                <a:endParaRPr lang="en-GB" dirty="0"/>
-              </a:p>
-            </c:rich>
-          </c:tx>
-          <c:overlay val="0"/>
-          <c:spPr>
-            <a:noFill/>
-            <a:ln>
-              <a:noFill/>
-            </a:ln>
-            <a:effectLst/>
-          </c:spPr>
-          <c:txPr>
-            <a:bodyPr rot="0" spcFirstLastPara="1" vertOverflow="ellipsis" vert="horz" wrap="square" anchor="ctr" anchorCtr="1"/>
-            <a:lstStyle/>
-            <a:p>
-              <a:pPr>
-                <a:defRPr sz="1330" b="0" i="0" u="none" strike="noStrike" kern="1200" baseline="0">
-                  <a:solidFill>
-                    <a:schemeClr val="tx1">
-                      <a:lumMod val="65000"/>
-                      <a:lumOff val="35000"/>
-                    </a:schemeClr>
-                  </a:solidFill>
-                  <a:latin typeface="+mn-lt"/>
-                  <a:ea typeface="+mn-ea"/>
-                  <a:cs typeface="+mn-cs"/>
-                </a:defRPr>
-              </a:pPr>
-              <a:endParaRPr lang="en-US"/>
-            </a:p>
-          </c:txPr>
-        </c:title>
-        <c:numFmt formatCode="0%" sourceLinked="1"/>
-        <c:majorTickMark val="none"/>
-        <c:minorTickMark val="none"/>
-        <c:tickLblPos val="nextTo"/>
-        <c:spPr>
-          <a:noFill/>
-          <a:ln w="9525" cap="flat" cmpd="sng" algn="ctr">
-            <a:solidFill>
-              <a:schemeClr val="tx1">
-                <a:lumMod val="15000"/>
-                <a:lumOff val="85000"/>
-              </a:schemeClr>
-            </a:solidFill>
-            <a:round/>
-          </a:ln>
-          <a:effectLst/>
-        </c:spPr>
-        <c:txPr>
-          <a:bodyPr rot="-60000000" spcFirstLastPara="1" vertOverflow="ellipsis" vert="horz" wrap="square" anchor="ctr" anchorCtr="1"/>
-          <a:lstStyle/>
-          <a:p>
-            <a:pPr>
-              <a:defRPr sz="1197" b="0" i="0" u="none" strike="noStrike" kern="1200" baseline="0">
-                <a:solidFill>
-                  <a:schemeClr val="tx1">
-                    <a:lumMod val="65000"/>
-                    <a:lumOff val="35000"/>
-                  </a:schemeClr>
-                </a:solidFill>
-                <a:latin typeface="+mn-lt"/>
-                <a:ea typeface="+mn-ea"/>
-                <a:cs typeface="+mn-cs"/>
-              </a:defRPr>
-            </a:pPr>
-            <a:endParaRPr lang="en-US"/>
-          </a:p>
-        </c:txPr>
-        <c:crossAx val="811249647"/>
-        <c:crosses val="autoZero"/>
-        <c:auto val="1"/>
-        <c:lblAlgn val="ctr"/>
-        <c:lblOffset val="100"/>
-        <c:noMultiLvlLbl val="0"/>
-      </c:catAx>
-      <c:valAx>
-        <c:axId val="811249647"/>
-        <c:scaling>
-          <c:orientation val="minMax"/>
-          <c:min val="40"/>
-        </c:scaling>
-        <c:delete val="0"/>
-        <c:axPos val="l"/>
-        <c:majorGridlines>
-          <c:spPr>
-            <a:ln w="9525" cap="flat" cmpd="sng" algn="ctr">
-              <a:solidFill>
-                <a:schemeClr val="tx1">
-                  <a:lumMod val="15000"/>
-                  <a:lumOff val="85000"/>
-                </a:schemeClr>
-              </a:solidFill>
-              <a:round/>
-            </a:ln>
-            <a:effectLst/>
-          </c:spPr>
-        </c:majorGridlines>
-        <c:title>
-          <c:tx>
-            <c:rich>
-              <a:bodyPr rot="-5400000" spcFirstLastPara="1" vertOverflow="ellipsis" vert="horz" wrap="square" anchor="ctr" anchorCtr="1"/>
-              <a:lstStyle/>
-              <a:p>
-                <a:pPr>
-                  <a:defRPr sz="1330" b="0" i="0" u="none" strike="noStrike" kern="1200" baseline="0">
-                    <a:solidFill>
-                      <a:schemeClr val="tx1">
-                        <a:lumMod val="65000"/>
-                        <a:lumOff val="35000"/>
-                      </a:schemeClr>
-                    </a:solidFill>
-                    <a:latin typeface="+mn-lt"/>
-                    <a:ea typeface="+mn-ea"/>
-                    <a:cs typeface="+mn-cs"/>
-                  </a:defRPr>
-                </a:pPr>
-                <a:r>
-                  <a:rPr lang="nl-NL" dirty="0"/>
-                  <a:t>%</a:t>
-                </a:r>
-                <a:r>
-                  <a:rPr lang="nl-NL" baseline="0" dirty="0"/>
-                  <a:t> of </a:t>
-                </a:r>
-                <a:r>
-                  <a:rPr lang="nl-NL" baseline="0" dirty="0" err="1"/>
-                  <a:t>wins</a:t>
-                </a:r>
-                <a:endParaRPr lang="en-GB" dirty="0"/>
-              </a:p>
-            </c:rich>
-          </c:tx>
-          <c:overlay val="0"/>
-          <c:spPr>
-            <a:noFill/>
-            <a:ln>
-              <a:noFill/>
-            </a:ln>
-            <a:effectLst/>
-          </c:spPr>
-          <c:txPr>
-            <a:bodyPr rot="-5400000" spcFirstLastPara="1" vertOverflow="ellipsis" vert="horz" wrap="square" anchor="ctr" anchorCtr="1"/>
-            <a:lstStyle/>
-            <a:p>
-              <a:pPr>
-                <a:defRPr sz="1330" b="0" i="0" u="none" strike="noStrike" kern="1200" baseline="0">
-                  <a:solidFill>
-                    <a:schemeClr val="tx1">
-                      <a:lumMod val="65000"/>
-                      <a:lumOff val="35000"/>
-                    </a:schemeClr>
-                  </a:solidFill>
-                  <a:latin typeface="+mn-lt"/>
-                  <a:ea typeface="+mn-ea"/>
-                  <a:cs typeface="+mn-cs"/>
-                </a:defRPr>
-              </a:pPr>
-              <a:endParaRPr lang="en-US"/>
-            </a:p>
-          </c:txPr>
-        </c:title>
-        <c:numFmt formatCode="General" sourceLinked="1"/>
-        <c:majorTickMark val="none"/>
-        <c:minorTickMark val="none"/>
-        <c:tickLblPos val="nextTo"/>
-        <c:spPr>
-          <a:noFill/>
-          <a:ln>
-            <a:noFill/>
-          </a:ln>
-          <a:effectLst/>
-        </c:spPr>
-        <c:txPr>
-          <a:bodyPr rot="-60000000" spcFirstLastPara="1" vertOverflow="ellipsis" vert="horz" wrap="square" anchor="ctr" anchorCtr="1"/>
-          <a:lstStyle/>
-          <a:p>
-            <a:pPr>
-              <a:defRPr sz="1197" b="0" i="0" u="none" strike="noStrike" kern="1200" baseline="0">
-                <a:solidFill>
-                  <a:schemeClr val="tx1">
-                    <a:lumMod val="65000"/>
-                    <a:lumOff val="35000"/>
-                  </a:schemeClr>
-                </a:solidFill>
-                <a:latin typeface="+mn-lt"/>
-                <a:ea typeface="+mn-ea"/>
-                <a:cs typeface="+mn-cs"/>
-              </a:defRPr>
-            </a:pPr>
-            <a:endParaRPr lang="en-US"/>
-          </a:p>
-        </c:txPr>
-        <c:crossAx val="738174255"/>
-        <c:crosses val="autoZero"/>
-        <c:crossBetween val="between"/>
-        <c:majorUnit val="1"/>
-        <c:minorUnit val="0.5"/>
-      </c:valAx>
-      <c:spPr>
-        <a:noFill/>
-        <a:ln>
-          <a:noFill/>
-        </a:ln>
-        <a:effectLst/>
-      </c:spPr>
-    </c:plotArea>
-    <c:legend>
-      <c:legendPos val="b"/>
-      <c:overlay val="0"/>
-      <c:spPr>
-        <a:noFill/>
-        <a:ln>
-          <a:noFill/>
-        </a:ln>
-        <a:effectLst/>
-      </c:spPr>
-      <c:txPr>
-        <a:bodyPr rot="0" spcFirstLastPara="1" vertOverflow="ellipsis" vert="horz" wrap="square" anchor="ctr" anchorCtr="1"/>
-        <a:lstStyle/>
-        <a:p>
-          <a:pPr>
-            <a:defRPr sz="1197" b="0" i="0" u="none" strike="noStrike" kern="1200" baseline="0">
-              <a:solidFill>
-                <a:schemeClr val="tx1">
-                  <a:lumMod val="65000"/>
-                  <a:lumOff val="35000"/>
-                </a:schemeClr>
-              </a:solidFill>
-              <a:latin typeface="+mn-lt"/>
-              <a:ea typeface="+mn-ea"/>
-              <a:cs typeface="+mn-cs"/>
-            </a:defRPr>
-          </a:pPr>
-          <a:endParaRPr lang="en-US"/>
-        </a:p>
-      </c:txPr>
-    </c:legend>
-    <c:plotVisOnly val="1"/>
-    <c:dispBlanksAs val="gap"/>
-    <c:extLst>
-      <c:ext xmlns:c16r3="http://schemas.microsoft.com/office/drawing/2017/03/chart" uri="{56B9EC1D-385E-4148-901F-78D8002777C0}">
-        <c16r3:dataDisplayOptions16>
-          <c16r3:dispNaAsBlank val="1"/>
-        </c16r3:dataDisplayOptions16>
-      </c:ext>
-    </c:extLst>
-    <c:showDLblsOverMax val="0"/>
-  </c:chart>
-  <c:spPr>
-    <a:noFill/>
-    <a:ln>
-      <a:noFill/>
-    </a:ln>
-    <a:effectLst/>
-  </c:spPr>
-  <c:txPr>
-    <a:bodyPr/>
-    <a:lstStyle/>
-    <a:p>
-      <a:pPr>
-        <a:defRPr/>
-      </a:pPr>
-      <a:endParaRPr lang="en-US"/>
-    </a:p>
-  </c:txPr>
-  <c:externalData r:id="rId3">
-    <c:autoUpdate val="0"/>
-  </c:externalData>
-</c:chartSpace>
-</file>
-
-<file path=ppt/charts/colors1.xml><?xml version="1.0" encoding="utf-8"?>
-<cs:colorStyle xmlns:cs="http://schemas.microsoft.com/office/drawing/2012/chartStyle" xmlns:a="http://schemas.openxmlformats.org/drawingml/2006/main" meth="cycle" id="11">
-  <a:schemeClr val="accent1"/>
-  <a:schemeClr val="accent3"/>
-  <a:schemeClr val="accent5"/>
-  <cs:variation/>
-  <cs:variation>
-    <a:lumMod val="60000"/>
-  </cs:variation>
-  <cs:variation>
-    <a:lumMod val="80000"/>
-    <a:lumOff val="20000"/>
-  </cs:variation>
-  <cs:variation>
-    <a:lumMod val="80000"/>
-  </cs:variation>
-  <cs:variation>
-    <a:lumMod val="60000"/>
-    <a:lumOff val="40000"/>
-  </cs:variation>
-  <cs:variation>
-    <a:lumMod val="50000"/>
-  </cs:variation>
-  <cs:variation>
-    <a:lumMod val="70000"/>
-    <a:lumOff val="30000"/>
-  </cs:variation>
-  <cs:variation>
-    <a:lumMod val="70000"/>
-  </cs:variation>
-  <cs:variation>
-    <a:lumMod val="50000"/>
-    <a:lumOff val="50000"/>
-  </cs:variation>
-</cs:colorStyle>
-</file>
-
-<file path=ppt/charts/style1.xml><?xml version="1.0" encoding="utf-8"?>
-<cs:chartStyle xmlns:cs="http://schemas.microsoft.com/office/drawing/2012/chartStyle" xmlns:a="http://schemas.openxmlformats.org/drawingml/2006/main" id="297">
-  <cs:axisTitle>
-    <cs:lnRef idx="0"/>
-    <cs:fillRef idx="0"/>
-    <cs:effectRef idx="0"/>
-    <cs:fontRef idx="minor">
-      <a:schemeClr val="tx1">
-        <a:lumMod val="65000"/>
-        <a:lumOff val="35000"/>
-      </a:schemeClr>
-    </cs:fontRef>
-    <cs:defRPr sz="1330" kern="1200"/>
-  </cs:axisTitle>
-  <cs:categoryAxis>
-    <cs:lnRef idx="0"/>
-    <cs:fillRef idx="0"/>
-    <cs:effectRef idx="0"/>
-    <cs:fontRef idx="minor">
-      <a:schemeClr val="tx1">
-        <a:lumMod val="65000"/>
-        <a:lumOff val="35000"/>
-      </a:schemeClr>
-    </cs:fontRef>
-    <cs:spPr>
-      <a:ln w="9525" cap="flat" cmpd="sng" algn="ctr">
-        <a:solidFill>
-          <a:schemeClr val="tx1">
-            <a:lumMod val="15000"/>
-            <a:lumOff val="85000"/>
-          </a:schemeClr>
-        </a:solidFill>
-        <a:round/>
-      </a:ln>
-    </cs:spPr>
-    <cs:defRPr sz="1197" kern="1200"/>
-  </cs:categoryAxis>
-  <cs:chartArea mods="allowNoFillOverride allowNoLineOverride">
-    <cs:lnRef idx="0"/>
-    <cs:fillRef idx="0"/>
-    <cs:effectRef idx="0"/>
-    <cs:fontRef idx="minor">
-      <a:schemeClr val="tx1"/>
-    </cs:fontRef>
-    <cs:spPr>
-      <a:solidFill>
-        <a:schemeClr val="bg1"/>
-      </a:solidFill>
-      <a:ln w="9525" cap="flat" cmpd="sng" algn="ctr">
-        <a:solidFill>
-          <a:schemeClr val="tx1">
-            <a:lumMod val="15000"/>
-            <a:lumOff val="85000"/>
-          </a:schemeClr>
-        </a:solidFill>
-        <a:round/>
-      </a:ln>
-    </cs:spPr>
-    <cs:defRPr sz="1330" kern="1200"/>
-  </cs:chartArea>
-  <cs:dataLabel>
-    <cs:lnRef idx="0"/>
-    <cs:fillRef idx="0"/>
-    <cs:effectRef idx="0"/>
-    <cs:fontRef idx="minor">
-      <a:schemeClr val="tx1">
-        <a:lumMod val="75000"/>
-        <a:lumOff val="25000"/>
-      </a:schemeClr>
-    </cs:fontRef>
-    <cs:defRPr sz="1197" kern="1200"/>
-  </cs:dataLabel>
-  <cs:dataLabelCallout>
-    <cs:lnRef idx="0"/>
-    <cs:fillRef idx="0"/>
-    <cs:effectRef idx="0"/>
-    <cs:fontRef idx="minor">
-      <a:schemeClr val="dk1">
-        <a:lumMod val="65000"/>
-        <a:lumOff val="35000"/>
-      </a:schemeClr>
-    </cs:fontRef>
-    <cs:spPr>
-      <a:solidFill>
-        <a:schemeClr val="lt1"/>
-      </a:solidFill>
-      <a:ln>
-        <a:solidFill>
-          <a:schemeClr val="dk1">
-            <a:lumMod val="25000"/>
-            <a:lumOff val="75000"/>
-          </a:schemeClr>
-        </a:solidFill>
-      </a:ln>
-    </cs:spPr>
-    <cs:defRPr sz="1197" kern="1200"/>
-    <cs:bodyPr rot="0" spcFirstLastPara="1" vertOverflow="clip" horzOverflow="clip" vert="horz" wrap="square" lIns="36576" tIns="18288" rIns="36576" bIns="18288" anchor="ctr" anchorCtr="1">
-      <a:spAutoFit/>
-    </cs:bodyPr>
-  </cs:dataLabelCallout>
-  <cs:dataPoint>
-    <cs:lnRef idx="0"/>
-    <cs:fillRef idx="1">
-      <cs:styleClr val="auto"/>
-    </cs:fillRef>
-    <cs:effectRef idx="0"/>
-    <cs:fontRef idx="minor">
-      <a:schemeClr val="tx1"/>
-    </cs:fontRef>
-  </cs:dataPoint>
-  <cs:dataPoint3D>
-    <cs:lnRef idx="0"/>
-    <cs:fillRef idx="1">
-      <cs:styleClr val="auto"/>
-    </cs:fillRef>
-    <cs:effectRef idx="0"/>
-    <cs:fontRef idx="minor">
-      <a:schemeClr val="tx1"/>
-    </cs:fontRef>
-  </cs:dataPoint3D>
-  <cs:dataPointLine>
-    <cs:lnRef idx="0">
-      <cs:styleClr val="auto"/>
-    </cs:lnRef>
-    <cs:fillRef idx="1"/>
-    <cs:effectRef idx="0"/>
-    <cs:fontRef idx="minor">
-      <a:schemeClr val="tx1"/>
-    </cs:fontRef>
-    <cs:spPr>
-      <a:ln w="28575" cap="rnd">
-        <a:solidFill>
-          <a:schemeClr val="phClr"/>
-        </a:solidFill>
-        <a:round/>
-      </a:ln>
-    </cs:spPr>
-  </cs:dataPointLine>
-  <cs:dataPointMarker>
-    <cs:lnRef idx="0">
-      <cs:styleClr val="auto"/>
-    </cs:lnRef>
-    <cs:fillRef idx="1">
-      <cs:styleClr val="auto"/>
-    </cs:fillRef>
-    <cs:effectRef idx="0"/>
-    <cs:fontRef idx="minor">
-      <a:schemeClr val="tx1"/>
-    </cs:fontRef>
-    <cs:spPr>
-      <a:ln w="9525">
-        <a:solidFill>
-          <a:schemeClr val="phClr"/>
-        </a:solidFill>
-      </a:ln>
-    </cs:spPr>
-  </cs:dataPointMarker>
-  <cs:dataPointMarkerLayout symbol="circle" size="5"/>
-  <cs:dataPointWireframe>
-    <cs:lnRef idx="0">
-      <cs:styleClr val="auto"/>
-    </cs:lnRef>
-    <cs:fillRef idx="1"/>
-    <cs:effectRef idx="0"/>
-    <cs:fontRef idx="minor">
-      <a:schemeClr val="tx1"/>
-    </cs:fontRef>
-    <cs:spPr>
-      <a:ln w="9525" cap="rnd">
-        <a:solidFill>
-          <a:schemeClr val="phClr"/>
-        </a:solidFill>
-        <a:round/>
-      </a:ln>
-    </cs:spPr>
-  </cs:dataPointWireframe>
-  <cs:dataTable>
-    <cs:lnRef idx="0"/>
-    <cs:fillRef idx="0"/>
-    <cs:effectRef idx="0"/>
-    <cs:fontRef idx="minor">
-      <a:schemeClr val="tx1">
-        <a:lumMod val="65000"/>
-        <a:lumOff val="35000"/>
-      </a:schemeClr>
-    </cs:fontRef>
-    <cs:spPr>
-      <a:noFill/>
-      <a:ln w="9525" cap="flat" cmpd="sng" algn="ctr">
-        <a:solidFill>
-          <a:schemeClr val="tx1">
-            <a:lumMod val="15000"/>
-            <a:lumOff val="85000"/>
-          </a:schemeClr>
-        </a:solidFill>
-        <a:round/>
-      </a:ln>
-    </cs:spPr>
-    <cs:defRPr sz="1197" kern="1200"/>
-  </cs:dataTable>
-  <cs:downBar>
-    <cs:lnRef idx="0"/>
-    <cs:fillRef idx="0"/>
-    <cs:effectRef idx="0"/>
-    <cs:fontRef idx="minor">
-      <a:schemeClr val="tx1"/>
-    </cs:fontRef>
-    <cs:spPr>
-      <a:solidFill>
-        <a:schemeClr val="dk1">
-          <a:lumMod val="75000"/>
-          <a:lumOff val="25000"/>
-        </a:schemeClr>
-      </a:solidFill>
-      <a:ln w="9525" cap="flat" cmpd="sng" algn="ctr">
-        <a:solidFill>
-          <a:schemeClr val="tx1">
-            <a:lumMod val="65000"/>
-            <a:lumOff val="35000"/>
-          </a:schemeClr>
-        </a:solidFill>
-        <a:round/>
-      </a:ln>
-    </cs:spPr>
-  </cs:downBar>
-  <cs:dropLine>
-    <cs:lnRef idx="0"/>
-    <cs:fillRef idx="0"/>
-    <cs:effectRef idx="0"/>
-    <cs:fontRef idx="minor">
-      <a:schemeClr val="tx1"/>
-    </cs:fontRef>
-    <cs:spPr>
-      <a:ln w="9525" cap="flat" cmpd="sng" algn="ctr">
-        <a:solidFill>
-          <a:schemeClr val="tx1">
-            <a:lumMod val="35000"/>
-            <a:lumOff val="65000"/>
-          </a:schemeClr>
-        </a:solidFill>
-        <a:round/>
-      </a:ln>
-    </cs:spPr>
-  </cs:dropLine>
-  <cs:errorBar>
-    <cs:lnRef idx="0"/>
-    <cs:fillRef idx="0"/>
-    <cs:effectRef idx="0"/>
-    <cs:fontRef idx="minor">
-      <a:schemeClr val="tx1"/>
-    </cs:fontRef>
-    <cs:spPr>
-      <a:ln w="9525" cap="flat" cmpd="sng" algn="ctr">
-        <a:solidFill>
-          <a:schemeClr val="tx1">
-            <a:lumMod val="65000"/>
-            <a:lumOff val="35000"/>
-          </a:schemeClr>
-        </a:solidFill>
-        <a:round/>
-      </a:ln>
-    </cs:spPr>
-  </cs:errorBar>
-  <cs:floor>
-    <cs:lnRef idx="0"/>
-    <cs:fillRef idx="0"/>
-    <cs:effectRef idx="0"/>
-    <cs:fontRef idx="minor">
-      <a:schemeClr val="tx1"/>
-    </cs:fontRef>
-    <cs:spPr>
-      <a:noFill/>
-      <a:ln>
-        <a:noFill/>
-      </a:ln>
-    </cs:spPr>
-  </cs:floor>
-  <cs:gridlineMajor>
-    <cs:lnRef idx="0"/>
-    <cs:fillRef idx="0"/>
-    <cs:effectRef idx="0"/>
-    <cs:fontRef idx="minor">
-      <a:schemeClr val="tx1"/>
-    </cs:fontRef>
-    <cs:spPr>
-      <a:ln w="9525" cap="flat" cmpd="sng" algn="ctr">
-        <a:solidFill>
-          <a:schemeClr val="tx1">
-            <a:lumMod val="15000"/>
-            <a:lumOff val="85000"/>
-          </a:schemeClr>
-        </a:solidFill>
-        <a:round/>
-      </a:ln>
-    </cs:spPr>
-  </cs:gridlineMajor>
-  <cs:gridlineMinor>
-    <cs:lnRef idx="0"/>
-    <cs:fillRef idx="0"/>
-    <cs:effectRef idx="0"/>
-    <cs:fontRef idx="minor">
-      <a:schemeClr val="tx1"/>
-    </cs:fontRef>
-    <cs:spPr>
-      <a:ln w="9525" cap="flat" cmpd="sng" algn="ctr">
-        <a:solidFill>
-          <a:schemeClr val="tx1">
-            <a:lumMod val="5000"/>
-            <a:lumOff val="95000"/>
-          </a:schemeClr>
-        </a:solidFill>
-        <a:round/>
-      </a:ln>
-    </cs:spPr>
-  </cs:gridlineMinor>
-  <cs:hiLoLine>
-    <cs:lnRef idx="0"/>
-    <cs:fillRef idx="0"/>
-    <cs:effectRef idx="0"/>
-    <cs:fontRef idx="minor">
-      <a:schemeClr val="tx1"/>
-    </cs:fontRef>
-    <cs:spPr>
-      <a:ln w="9525" cap="flat" cmpd="sng" algn="ctr">
-        <a:solidFill>
-          <a:schemeClr val="tx1">
-            <a:lumMod val="50000"/>
-            <a:lumOff val="50000"/>
-          </a:schemeClr>
-        </a:solidFill>
-        <a:round/>
-      </a:ln>
-    </cs:spPr>
-  </cs:hiLoLine>
-  <cs:leaderLine>
-    <cs:lnRef idx="0"/>
-    <cs:fillRef idx="0"/>
-    <cs:effectRef idx="0"/>
-    <cs:fontRef idx="minor">
-      <a:schemeClr val="tx1"/>
-    </cs:fontRef>
-    <cs:spPr>
-      <a:ln w="9525" cap="flat" cmpd="sng" algn="ctr">
-        <a:solidFill>
-          <a:schemeClr val="tx1">
-            <a:lumMod val="35000"/>
-            <a:lumOff val="65000"/>
-          </a:schemeClr>
-        </a:solidFill>
-        <a:round/>
-      </a:ln>
-    </cs:spPr>
-  </cs:leaderLine>
-  <cs:legend>
-    <cs:lnRef idx="0"/>
-    <cs:fillRef idx="0"/>
-    <cs:effectRef idx="0"/>
-    <cs:fontRef idx="minor">
-      <a:schemeClr val="tx1">
-        <a:lumMod val="65000"/>
-        <a:lumOff val="35000"/>
-      </a:schemeClr>
-    </cs:fontRef>
-    <cs:defRPr sz="1197" kern="1200"/>
-  </cs:legend>
-  <cs:plotArea mods="allowNoFillOverride allowNoLineOverride">
-    <cs:lnRef idx="0"/>
-    <cs:fillRef idx="0"/>
-    <cs:effectRef idx="0"/>
-    <cs:fontRef idx="minor">
-      <a:schemeClr val="tx1"/>
-    </cs:fontRef>
-  </cs:plotArea>
-  <cs:plotArea3D mods="allowNoFillOverride allowNoLineOverride">
-    <cs:lnRef idx="0"/>
-    <cs:fillRef idx="0"/>
-    <cs:effectRef idx="0"/>
-    <cs:fontRef idx="minor">
-      <a:schemeClr val="tx1"/>
-    </cs:fontRef>
-  </cs:plotArea3D>
-  <cs:seriesAxis>
-    <cs:lnRef idx="0"/>
-    <cs:fillRef idx="0"/>
-    <cs:effectRef idx="0"/>
-    <cs:fontRef idx="minor">
-      <a:schemeClr val="tx1">
-        <a:lumMod val="65000"/>
-        <a:lumOff val="35000"/>
-      </a:schemeClr>
-    </cs:fontRef>
-    <cs:defRPr sz="1197" kern="1200"/>
-  </cs:seriesAxis>
-  <cs:seriesLine>
-    <cs:lnRef idx="0"/>
-    <cs:fillRef idx="0"/>
-    <cs:effectRef idx="0"/>
-    <cs:fontRef idx="minor">
-      <a:schemeClr val="tx1"/>
-    </cs:fontRef>
-    <cs:spPr>
-      <a:ln w="9525" cap="flat" cmpd="sng" algn="ctr">
-        <a:solidFill>
-          <a:schemeClr val="tx1">
-            <a:lumMod val="35000"/>
-            <a:lumOff val="65000"/>
-          </a:schemeClr>
-        </a:solidFill>
-        <a:round/>
-      </a:ln>
-    </cs:spPr>
-  </cs:seriesLine>
-  <cs:title>
-    <cs:lnRef idx="0"/>
-    <cs:fillRef idx="0"/>
-    <cs:effectRef idx="0"/>
-    <cs:fontRef idx="minor">
-      <a:schemeClr val="tx1">
-        <a:lumMod val="65000"/>
-        <a:lumOff val="35000"/>
-      </a:schemeClr>
-    </cs:fontRef>
-    <cs:defRPr sz="1862" b="0" kern="1200" spc="0" baseline="0"/>
-  </cs:title>
-  <cs:trendline>
-    <cs:lnRef idx="0">
-      <cs:styleClr val="auto"/>
-    </cs:lnRef>
-    <cs:fillRef idx="0"/>
-    <cs:effectRef idx="0"/>
-    <cs:fontRef idx="minor">
-      <a:schemeClr val="tx1"/>
-    </cs:fontRef>
-    <cs:spPr>
-      <a:ln w="19050" cap="rnd">
-        <a:solidFill>
-          <a:schemeClr val="phClr"/>
-        </a:solidFill>
-        <a:prstDash val="sysDot"/>
-      </a:ln>
-    </cs:spPr>
-  </cs:trendline>
-  <cs:trendlineLabel>
-    <cs:lnRef idx="0"/>
-    <cs:fillRef idx="0"/>
-    <cs:effectRef idx="0"/>
-    <cs:fontRef idx="minor">
-      <a:schemeClr val="tx1">
-        <a:lumMod val="65000"/>
-        <a:lumOff val="35000"/>
-      </a:schemeClr>
-    </cs:fontRef>
-    <cs:defRPr sz="1197" kern="1200"/>
-  </cs:trendlineLabel>
-  <cs:upBar>
-    <cs:lnRef idx="0"/>
-    <cs:fillRef idx="0"/>
-    <cs:effectRef idx="0"/>
-    <cs:fontRef idx="minor">
-      <a:schemeClr val="tx1"/>
-    </cs:fontRef>
-    <cs:spPr>
-      <a:solidFill>
-        <a:schemeClr val="lt1"/>
-      </a:solidFill>
-      <a:ln w="9525" cap="flat" cmpd="sng" algn="ctr">
-        <a:solidFill>
-          <a:schemeClr val="tx1">
-            <a:lumMod val="65000"/>
-            <a:lumOff val="35000"/>
-          </a:schemeClr>
-        </a:solidFill>
-        <a:round/>
-      </a:ln>
-    </cs:spPr>
-  </cs:upBar>
-  <cs:valueAxis>
-    <cs:lnRef idx="0"/>
-    <cs:fillRef idx="0"/>
-    <cs:effectRef idx="0"/>
-    <cs:fontRef idx="minor">
-      <a:schemeClr val="tx1">
-        <a:lumMod val="65000"/>
-        <a:lumOff val="35000"/>
-      </a:schemeClr>
-    </cs:fontRef>
-    <cs:defRPr sz="1197" kern="1200"/>
-  </cs:valueAxis>
-  <cs:wall>
-    <cs:lnRef idx="0"/>
-    <cs:fillRef idx="0"/>
-    <cs:effectRef idx="0"/>
-    <cs:fontRef idx="minor">
-      <a:schemeClr val="tx1"/>
-    </cs:fontRef>
-    <cs:spPr>
-      <a:noFill/>
-      <a:ln>
-        <a:noFill/>
-      </a:ln>
-    </cs:spPr>
-  </cs:wall>
-</cs:chartStyle>
-</file>
-
 <file path=ppt/notesMasters/notesMaster1.xml><?xml version="1.0" encoding="utf-8"?>
 <p:notesMaster xmlns:a="http://schemas.openxmlformats.org/drawingml/2006/main" xmlns:r="http://schemas.openxmlformats.org/officeDocument/2006/relationships" xmlns:p="http://schemas.openxmlformats.org/presentationml/2006/main">
   <p:cSld>
@@ -1554,7 +223,7 @@
           <a:p>
             <a:fld id="{BDC24B14-F755-42CC-88AF-26ADEEAA6547}" type="datetimeFigureOut">
               <a:rPr lang="en-GB" smtClean="0"/>
-              <a:t>19/03/2021</a:t>
+              <a:t>22/03/2021</a:t>
             </a:fld>
             <a:endParaRPr lang="en-GB"/>
           </a:p>
@@ -1841,7 +510,7 @@
       </p:grpSpPr>
       <p:sp>
         <p:nvSpPr>
-          <p:cNvPr id="2" name="Slide Image Placeholder 1"/>
+          <p:cNvPr id="2" name="Tijdelijke aanduiding voor dia-afbeelding 1"/>
           <p:cNvSpPr>
             <a:spLocks noGrp="1" noRot="1" noChangeAspect="1"/>
           </p:cNvSpPr>
@@ -1853,7 +522,7 @@
       </p:sp>
       <p:sp>
         <p:nvSpPr>
-          <p:cNvPr id="3" name="Notes Placeholder 2"/>
+          <p:cNvPr id="3" name="Tijdelijke aanduiding voor notities 2"/>
           <p:cNvSpPr>
             <a:spLocks noGrp="1"/>
           </p:cNvSpPr>
@@ -1867,24 +536,15 @@
           <a:lstStyle/>
           <a:p>
             <a:r>
-              <a:rPr lang="nl-NL" dirty="0"/>
-              <a:t>* % geprobeerd om te passen, maar als we </a:t>
-            </a:r>
-            <a:r>
-              <a:rPr lang="nl-NL" dirty="0" err="1"/>
-              <a:t>removen</a:t>
-            </a:r>
-            <a:r>
-              <a:rPr lang="nl-NL" dirty="0"/>
-              <a:t>, kan het zijn dat we wel nog passen</a:t>
-            </a:r>
-            <a:endParaRPr lang="en-GB" dirty="0"/>
-          </a:p>
-        </p:txBody>
-      </p:sp>
-      <p:sp>
-        <p:nvSpPr>
-          <p:cNvPr id="4" name="Slide Number Placeholder 3"/>
+              <a:rPr lang="nl-BE" dirty="0"/>
+              <a:t>De strategieën uitleggen, en die gaan vergelijken met elkaar</a:t>
+            </a:r>
+          </a:p>
+        </p:txBody>
+      </p:sp>
+      <p:sp>
+        <p:nvSpPr>
+          <p:cNvPr id="4" name="Tijdelijke aanduiding voor dianummer 3"/>
           <p:cNvSpPr>
             <a:spLocks noGrp="1"/>
           </p:cNvSpPr>
@@ -1899,7 +559,7 @@
           <a:p>
             <a:fld id="{0B83ECC0-8215-4318-A3C0-552CE5E99E84}" type="slidenum">
               <a:rPr lang="en-GB" smtClean="0"/>
-              <a:t>5</a:t>
+              <a:t>2</a:t>
             </a:fld>
             <a:endParaRPr lang="en-GB"/>
           </a:p>
@@ -1908,7 +568,7 @@
     </p:spTree>
     <p:extLst>
       <p:ext uri="{BB962C8B-B14F-4D97-AF65-F5344CB8AC3E}">
-        <p14:creationId xmlns:p14="http://schemas.microsoft.com/office/powerpoint/2010/main" val="2241493547"/>
+        <p14:creationId xmlns:p14="http://schemas.microsoft.com/office/powerpoint/2010/main" val="2696407095"/>
       </p:ext>
     </p:extLst>
   </p:cSld>
@@ -1937,7 +597,7 @@
       </p:grpSpPr>
       <p:sp>
         <p:nvSpPr>
-          <p:cNvPr id="2" name="Tijdelijke aanduiding voor dia-afbeelding 1"/>
+          <p:cNvPr id="2" name="Slide Image Placeholder 1"/>
           <p:cNvSpPr>
             <a:spLocks noGrp="1" noRot="1" noChangeAspect="1"/>
           </p:cNvSpPr>
@@ -1949,7 +609,7 @@
       </p:sp>
       <p:sp>
         <p:nvSpPr>
-          <p:cNvPr id="3" name="Tijdelijke aanduiding voor notities 2"/>
+          <p:cNvPr id="3" name="Notes Placeholder 2"/>
           <p:cNvSpPr>
             <a:spLocks noGrp="1"/>
           </p:cNvSpPr>
@@ -1963,15 +623,346 @@
           <a:lstStyle/>
           <a:p>
             <a:r>
-              <a:rPr lang="nl-BE" dirty="0"/>
-              <a:t>De strategieën uitleggen, en die gaan vergelijken met elkaar</a:t>
-            </a:r>
-          </a:p>
-        </p:txBody>
-      </p:sp>
-      <p:sp>
-        <p:nvSpPr>
-          <p:cNvPr id="4" name="Tijdelijke aanduiding voor dianummer 3"/>
+              <a:rPr lang="en-GB" dirty="0">
+                <a:solidFill>
+                  <a:srgbClr val="FF78FD"/>
+                </a:solidFill>
+                <a:effectLst/>
+              </a:rPr>
+              <a:t>/*</a:t>
+            </a:r>
+            <a:br>
+              <a:rPr lang="en-GB" dirty="0">
+                <a:solidFill>
+                  <a:srgbClr val="FF78FD"/>
+                </a:solidFill>
+                <a:effectLst/>
+              </a:rPr>
+            </a:br>
+            <a:r>
+              <a:rPr lang="en-GB" dirty="0">
+                <a:solidFill>
+                  <a:srgbClr val="FF78FD"/>
+                </a:solidFill>
+                <a:effectLst/>
+              </a:rPr>
+              <a:t>A. Check for 3/4 Square</a:t>
+            </a:r>
+            <a:br>
+              <a:rPr lang="en-GB" dirty="0">
+                <a:solidFill>
+                  <a:srgbClr val="FF78FD"/>
+                </a:solidFill>
+                <a:effectLst/>
+              </a:rPr>
+            </a:br>
+            <a:r>
+              <a:rPr lang="en-GB" dirty="0">
+                <a:solidFill>
+                  <a:srgbClr val="FF78FD"/>
+                </a:solidFill>
+                <a:effectLst/>
+              </a:rPr>
+              <a:t>    A1. 3/4 own </a:t>
+            </a:r>
+            <a:r>
+              <a:rPr lang="en-GB" dirty="0" err="1">
+                <a:solidFill>
+                  <a:srgbClr val="FF78FD"/>
+                </a:solidFill>
+                <a:effectLst/>
+              </a:rPr>
+              <a:t>color</a:t>
+            </a:r>
+            <a:r>
+              <a:rPr lang="en-GB" dirty="0">
+                <a:solidFill>
+                  <a:srgbClr val="FF78FD"/>
+                </a:solidFill>
+                <a:effectLst/>
+              </a:rPr>
+              <a:t>                           : put fourth</a:t>
+            </a:r>
+            <a:br>
+              <a:rPr lang="en-GB" dirty="0">
+                <a:solidFill>
+                  <a:srgbClr val="FF78FD"/>
+                </a:solidFill>
+                <a:effectLst/>
+              </a:rPr>
+            </a:br>
+            <a:r>
+              <a:rPr lang="en-GB" dirty="0">
+                <a:solidFill>
+                  <a:srgbClr val="FF78FD"/>
+                </a:solidFill>
+                <a:effectLst/>
+              </a:rPr>
+              <a:t>    A2. 3/4 other </a:t>
+            </a:r>
+            <a:r>
+              <a:rPr lang="en-GB" dirty="0" err="1">
+                <a:solidFill>
+                  <a:srgbClr val="FF78FD"/>
+                </a:solidFill>
+                <a:effectLst/>
+              </a:rPr>
+              <a:t>color</a:t>
+            </a:r>
+            <a:br>
+              <a:rPr lang="en-GB" dirty="0">
+                <a:solidFill>
+                  <a:srgbClr val="FF78FD"/>
+                </a:solidFill>
+                <a:effectLst/>
+              </a:rPr>
+            </a:br>
+            <a:r>
+              <a:rPr lang="en-GB" dirty="0">
+                <a:solidFill>
+                  <a:srgbClr val="FF78FD"/>
+                </a:solidFill>
+                <a:effectLst/>
+              </a:rPr>
+              <a:t>        A21. 1/4 own </a:t>
+            </a:r>
+            <a:r>
+              <a:rPr lang="en-GB" dirty="0" err="1">
+                <a:solidFill>
+                  <a:srgbClr val="FF78FD"/>
+                </a:solidFill>
+                <a:effectLst/>
+              </a:rPr>
+              <a:t>color</a:t>
+            </a:r>
+            <a:r>
+              <a:rPr lang="en-GB" dirty="0">
+                <a:solidFill>
+                  <a:srgbClr val="FF78FD"/>
+                </a:solidFill>
+                <a:effectLst/>
+              </a:rPr>
+              <a:t>                      : put on top</a:t>
+            </a:r>
+            <a:br>
+              <a:rPr lang="en-GB" dirty="0">
+                <a:solidFill>
+                  <a:srgbClr val="FF78FD"/>
+                </a:solidFill>
+                <a:effectLst/>
+              </a:rPr>
+            </a:br>
+            <a:r>
+              <a:rPr lang="en-GB" dirty="0">
+                <a:solidFill>
+                  <a:srgbClr val="FF78FD"/>
+                </a:solidFill>
+                <a:effectLst/>
+              </a:rPr>
+              <a:t>        A22. 1/4 empty                          : put forth (if not middle)</a:t>
+            </a:r>
+            <a:br>
+              <a:rPr lang="en-GB" dirty="0">
+                <a:solidFill>
+                  <a:srgbClr val="FF78FD"/>
+                </a:solidFill>
+                <a:effectLst/>
+              </a:rPr>
+            </a:br>
+            <a:br>
+              <a:rPr lang="en-GB" dirty="0">
+                <a:solidFill>
+                  <a:srgbClr val="FF78FD"/>
+                </a:solidFill>
+                <a:effectLst/>
+              </a:rPr>
+            </a:br>
+            <a:r>
+              <a:rPr lang="en-GB" dirty="0">
+                <a:solidFill>
+                  <a:srgbClr val="FF78FD"/>
+                </a:solidFill>
+                <a:effectLst/>
+              </a:rPr>
+              <a:t>B. CHECK IF MIDDLE 4/4                          : put on top</a:t>
+            </a:r>
+            <a:br>
+              <a:rPr lang="en-GB" dirty="0">
+                <a:solidFill>
+                  <a:srgbClr val="FF78FD"/>
+                </a:solidFill>
+                <a:effectLst/>
+              </a:rPr>
+            </a:br>
+            <a:r>
+              <a:rPr lang="en-GB" dirty="0">
+                <a:solidFill>
+                  <a:srgbClr val="FF78FD"/>
+                </a:solidFill>
+                <a:effectLst/>
+              </a:rPr>
+              <a:t>C. L1 MIDDLE IS TAKEN</a:t>
+            </a:r>
+            <a:br>
+              <a:rPr lang="en-GB" dirty="0">
+                <a:solidFill>
+                  <a:srgbClr val="FF78FD"/>
+                </a:solidFill>
+                <a:effectLst/>
+              </a:rPr>
+            </a:br>
+            <a:r>
+              <a:rPr lang="en-GB" dirty="0">
+                <a:solidFill>
+                  <a:srgbClr val="FF78FD"/>
+                </a:solidFill>
+                <a:effectLst/>
+              </a:rPr>
+              <a:t>    C1. MIDDLE SPHERE IS OWN COLOR              : try put on middle of border</a:t>
+            </a:r>
+            <a:br>
+              <a:rPr lang="en-GB" dirty="0">
+                <a:solidFill>
+                  <a:srgbClr val="FF78FD"/>
+                </a:solidFill>
+                <a:effectLst/>
+              </a:rPr>
+            </a:br>
+            <a:r>
+              <a:rPr lang="en-GB" dirty="0">
+                <a:solidFill>
+                  <a:srgbClr val="FF78FD"/>
+                </a:solidFill>
+                <a:effectLst/>
+              </a:rPr>
+              <a:t>    C2. MIDDLE SPHERE IS OTHER COLOR</a:t>
+            </a:r>
+            <a:br>
+              <a:rPr lang="en-GB" dirty="0">
+                <a:solidFill>
+                  <a:srgbClr val="FF78FD"/>
+                </a:solidFill>
+                <a:effectLst/>
+              </a:rPr>
+            </a:br>
+            <a:r>
+              <a:rPr lang="en-GB" dirty="0">
+                <a:solidFill>
+                  <a:srgbClr val="FF78FD"/>
+                </a:solidFill>
+                <a:effectLst/>
+              </a:rPr>
+              <a:t>        C21. ONE (OR MORE) BLACK SPHERES ON L2  : try to put on opposite side</a:t>
+            </a:r>
+            <a:br>
+              <a:rPr lang="en-GB" dirty="0">
+                <a:solidFill>
+                  <a:srgbClr val="FF78FD"/>
+                </a:solidFill>
+                <a:effectLst/>
+              </a:rPr>
+            </a:br>
+            <a:r>
+              <a:rPr lang="en-GB" dirty="0">
+                <a:solidFill>
+                  <a:srgbClr val="FF78FD"/>
+                </a:solidFill>
+                <a:effectLst/>
+              </a:rPr>
+              <a:t>        C22. NO/ MULTIPLE BLACK SPHERES ON L2   : try put on middle of border</a:t>
+            </a:r>
+            <a:br>
+              <a:rPr lang="en-GB" dirty="0">
+                <a:solidFill>
+                  <a:srgbClr val="FF78FD"/>
+                </a:solidFill>
+                <a:effectLst/>
+              </a:rPr>
+            </a:br>
+            <a:r>
+              <a:rPr lang="en-GB" dirty="0">
+                <a:solidFill>
+                  <a:srgbClr val="FF78FD"/>
+                </a:solidFill>
+                <a:effectLst/>
+              </a:rPr>
+              <a:t>D. CHECK IF L0 MIDDLE SQUARE IS NOT 3/4 FILLED  : put in middle square</a:t>
+            </a:r>
+            <a:br>
+              <a:rPr lang="en-GB" dirty="0">
+                <a:solidFill>
+                  <a:srgbClr val="FF78FD"/>
+                </a:solidFill>
+                <a:effectLst/>
+              </a:rPr>
+            </a:br>
+            <a:r>
+              <a:rPr lang="en-GB" dirty="0">
+                <a:solidFill>
+                  <a:srgbClr val="FF78FD"/>
+                </a:solidFill>
+                <a:effectLst/>
+              </a:rPr>
+              <a:t>E. SEARCH FOR SQUARE REPRESENTED MOST           : put there</a:t>
+            </a:r>
+            <a:br>
+              <a:rPr lang="en-GB" dirty="0">
+                <a:solidFill>
+                  <a:srgbClr val="FF78FD"/>
+                </a:solidFill>
+                <a:effectLst/>
+              </a:rPr>
+            </a:br>
+            <a:r>
+              <a:rPr lang="en-GB" dirty="0">
+                <a:solidFill>
+                  <a:srgbClr val="FF78FD"/>
+                </a:solidFill>
+                <a:effectLst/>
+              </a:rPr>
+              <a:t>F. IF NO MOVES COULD BE PERFORMED               : put random, same as random fit</a:t>
+            </a:r>
+            <a:br>
+              <a:rPr lang="en-GB" dirty="0">
+                <a:solidFill>
+                  <a:srgbClr val="FF78FD"/>
+                </a:solidFill>
+                <a:effectLst/>
+              </a:rPr>
+            </a:br>
+            <a:r>
+              <a:rPr lang="en-GB" dirty="0">
+                <a:solidFill>
+                  <a:srgbClr val="FF78FD"/>
+                </a:solidFill>
+                <a:effectLst/>
+              </a:rPr>
+              <a:t>G. PUTS AS HIGH AS POSSIBLE</a:t>
+            </a:r>
+            <a:br>
+              <a:rPr lang="en-GB" dirty="0">
+                <a:solidFill>
+                  <a:srgbClr val="FF78FD"/>
+                </a:solidFill>
+                <a:effectLst/>
+              </a:rPr>
+            </a:br>
+            <a:r>
+              <a:rPr lang="en-GB" dirty="0">
+                <a:solidFill>
+                  <a:srgbClr val="FF78FD"/>
+                </a:solidFill>
+                <a:effectLst/>
+              </a:rPr>
+              <a:t>*/</a:t>
+            </a:r>
+            <a:endParaRPr lang="en-GB" dirty="0"/>
+          </a:p>
+        </p:txBody>
+      </p:sp>
+      <p:sp>
+        <p:nvSpPr>
+          <p:cNvPr id="4" name="Slide Number Placeholder 3"/>
           <p:cNvSpPr>
             <a:spLocks noGrp="1"/>
           </p:cNvSpPr>
@@ -1986,7 +977,7 @@
           <a:p>
             <a:fld id="{0B83ECC0-8215-4318-A3C0-552CE5E99E84}" type="slidenum">
               <a:rPr lang="en-GB" smtClean="0"/>
-              <a:t>7</a:t>
+              <a:t>3</a:t>
             </a:fld>
             <a:endParaRPr lang="en-GB"/>
           </a:p>
@@ -1995,7 +986,7 @@
     </p:spTree>
     <p:extLst>
       <p:ext uri="{BB962C8B-B14F-4D97-AF65-F5344CB8AC3E}">
-        <p14:creationId xmlns:p14="http://schemas.microsoft.com/office/powerpoint/2010/main" val="2696407095"/>
+        <p14:creationId xmlns:p14="http://schemas.microsoft.com/office/powerpoint/2010/main" val="1935583060"/>
       </p:ext>
     </p:extLst>
   </p:cSld>
@@ -2404,7 +1395,7 @@
           <a:p>
             <a:fld id="{0B83ECC0-8215-4318-A3C0-552CE5E99E84}" type="slidenum">
               <a:rPr lang="en-GB" smtClean="0"/>
-              <a:t>8</a:t>
+              <a:t>4</a:t>
             </a:fld>
             <a:endParaRPr lang="en-GB"/>
           </a:p>
@@ -2413,7 +1404,7 @@
     </p:spTree>
     <p:extLst>
       <p:ext uri="{BB962C8B-B14F-4D97-AF65-F5344CB8AC3E}">
-        <p14:creationId xmlns:p14="http://schemas.microsoft.com/office/powerpoint/2010/main" val="1935583060"/>
+        <p14:creationId xmlns:p14="http://schemas.microsoft.com/office/powerpoint/2010/main" val="3572535018"/>
       </p:ext>
     </p:extLst>
   </p:cSld>
@@ -2822,7 +1813,7 @@
           <a:p>
             <a:fld id="{0B83ECC0-8215-4318-A3C0-552CE5E99E84}" type="slidenum">
               <a:rPr lang="en-GB" smtClean="0"/>
-              <a:t>9</a:t>
+              <a:t>5</a:t>
             </a:fld>
             <a:endParaRPr lang="en-GB"/>
           </a:p>
@@ -2831,7 +1822,7 @@
     </p:spTree>
     <p:extLst>
       <p:ext uri="{BB962C8B-B14F-4D97-AF65-F5344CB8AC3E}">
-        <p14:creationId xmlns:p14="http://schemas.microsoft.com/office/powerpoint/2010/main" val="3572535018"/>
+        <p14:creationId xmlns:p14="http://schemas.microsoft.com/office/powerpoint/2010/main" val="3677716481"/>
       </p:ext>
     </p:extLst>
   </p:cSld>
@@ -3240,7 +2231,7 @@
           <a:p>
             <a:fld id="{0B83ECC0-8215-4318-A3C0-552CE5E99E84}" type="slidenum">
               <a:rPr lang="en-GB" smtClean="0"/>
-              <a:t>10</a:t>
+              <a:t>6</a:t>
             </a:fld>
             <a:endParaRPr lang="en-GB"/>
           </a:p>
@@ -3249,7 +2240,7 @@
     </p:spTree>
     <p:extLst>
       <p:ext uri="{BB962C8B-B14F-4D97-AF65-F5344CB8AC3E}">
-        <p14:creationId xmlns:p14="http://schemas.microsoft.com/office/powerpoint/2010/main" val="3677716481"/>
+        <p14:creationId xmlns:p14="http://schemas.microsoft.com/office/powerpoint/2010/main" val="33150627"/>
       </p:ext>
     </p:extLst>
   </p:cSld>
@@ -3658,7 +2649,7 @@
           <a:p>
             <a:fld id="{0B83ECC0-8215-4318-A3C0-552CE5E99E84}" type="slidenum">
               <a:rPr lang="en-GB" smtClean="0"/>
-              <a:t>11</a:t>
+              <a:t>7</a:t>
             </a:fld>
             <a:endParaRPr lang="en-GB"/>
           </a:p>
@@ -3667,7 +2658,7 @@
     </p:spTree>
     <p:extLst>
       <p:ext uri="{BB962C8B-B14F-4D97-AF65-F5344CB8AC3E}">
-        <p14:creationId xmlns:p14="http://schemas.microsoft.com/office/powerpoint/2010/main" val="33150627"/>
+        <p14:creationId xmlns:p14="http://schemas.microsoft.com/office/powerpoint/2010/main" val="583940508"/>
       </p:ext>
     </p:extLst>
   </p:cSld>
@@ -4076,7 +3067,7 @@
           <a:p>
             <a:fld id="{0B83ECC0-8215-4318-A3C0-552CE5E99E84}" type="slidenum">
               <a:rPr lang="en-GB" smtClean="0"/>
-              <a:t>12</a:t>
+              <a:t>8</a:t>
             </a:fld>
             <a:endParaRPr lang="en-GB"/>
           </a:p>
@@ -4085,7 +3076,7 @@
     </p:spTree>
     <p:extLst>
       <p:ext uri="{BB962C8B-B14F-4D97-AF65-F5344CB8AC3E}">
-        <p14:creationId xmlns:p14="http://schemas.microsoft.com/office/powerpoint/2010/main" val="583940508"/>
+        <p14:creationId xmlns:p14="http://schemas.microsoft.com/office/powerpoint/2010/main" val="672486476"/>
       </p:ext>
     </p:extLst>
   </p:cSld>
@@ -4140,338 +3131,71 @@
           <a:lstStyle/>
           <a:p>
             <a:r>
-              <a:rPr lang="en-GB" dirty="0">
-                <a:solidFill>
-                  <a:srgbClr val="FF78FD"/>
-                </a:solidFill>
-                <a:effectLst/>
-              </a:rPr>
-              <a:t>/*</a:t>
-            </a:r>
-            <a:br>
-              <a:rPr lang="en-GB" dirty="0">
-                <a:solidFill>
-                  <a:srgbClr val="FF78FD"/>
-                </a:solidFill>
-                <a:effectLst/>
-              </a:rPr>
-            </a:br>
-            <a:r>
-              <a:rPr lang="en-GB" dirty="0">
-                <a:solidFill>
-                  <a:srgbClr val="FF78FD"/>
-                </a:solidFill>
-                <a:effectLst/>
-              </a:rPr>
-              <a:t>A. Check for 3/4 Square</a:t>
-            </a:r>
-            <a:br>
-              <a:rPr lang="en-GB" dirty="0">
-                <a:solidFill>
-                  <a:srgbClr val="FF78FD"/>
-                </a:solidFill>
-                <a:effectLst/>
-              </a:rPr>
-            </a:br>
-            <a:r>
-              <a:rPr lang="en-GB" dirty="0">
-                <a:solidFill>
-                  <a:srgbClr val="FF78FD"/>
-                </a:solidFill>
-                <a:effectLst/>
-              </a:rPr>
-              <a:t>    A1. 3/4 own </a:t>
-            </a:r>
-            <a:r>
-              <a:rPr lang="en-GB" dirty="0" err="1">
-                <a:solidFill>
-                  <a:srgbClr val="FF78FD"/>
-                </a:solidFill>
-                <a:effectLst/>
-              </a:rPr>
-              <a:t>color</a:t>
-            </a:r>
-            <a:r>
-              <a:rPr lang="en-GB" dirty="0">
-                <a:solidFill>
-                  <a:srgbClr val="FF78FD"/>
-                </a:solidFill>
-                <a:effectLst/>
-              </a:rPr>
-              <a:t>                           : put fourth</a:t>
-            </a:r>
-            <a:br>
-              <a:rPr lang="en-GB" dirty="0">
-                <a:solidFill>
-                  <a:srgbClr val="FF78FD"/>
-                </a:solidFill>
-                <a:effectLst/>
-              </a:rPr>
-            </a:br>
-            <a:r>
-              <a:rPr lang="en-GB" dirty="0">
-                <a:solidFill>
-                  <a:srgbClr val="FF78FD"/>
-                </a:solidFill>
-                <a:effectLst/>
-              </a:rPr>
-              <a:t>    A2. 3/4 other </a:t>
-            </a:r>
-            <a:r>
-              <a:rPr lang="en-GB" dirty="0" err="1">
-                <a:solidFill>
-                  <a:srgbClr val="FF78FD"/>
-                </a:solidFill>
-                <a:effectLst/>
-              </a:rPr>
-              <a:t>color</a:t>
-            </a:r>
-            <a:br>
-              <a:rPr lang="en-GB" dirty="0">
-                <a:solidFill>
-                  <a:srgbClr val="FF78FD"/>
-                </a:solidFill>
-                <a:effectLst/>
-              </a:rPr>
-            </a:br>
-            <a:r>
-              <a:rPr lang="en-GB" dirty="0">
-                <a:solidFill>
-                  <a:srgbClr val="FF78FD"/>
-                </a:solidFill>
-                <a:effectLst/>
-              </a:rPr>
-              <a:t>        A21. 1/4 own </a:t>
-            </a:r>
-            <a:r>
-              <a:rPr lang="en-GB" dirty="0" err="1">
-                <a:solidFill>
-                  <a:srgbClr val="FF78FD"/>
-                </a:solidFill>
-                <a:effectLst/>
-              </a:rPr>
-              <a:t>color</a:t>
-            </a:r>
-            <a:r>
-              <a:rPr lang="en-GB" dirty="0">
-                <a:solidFill>
-                  <a:srgbClr val="FF78FD"/>
-                </a:solidFill>
-                <a:effectLst/>
-              </a:rPr>
-              <a:t>                      : put on top</a:t>
-            </a:r>
-            <a:br>
-              <a:rPr lang="en-GB" dirty="0">
-                <a:solidFill>
-                  <a:srgbClr val="FF78FD"/>
-                </a:solidFill>
-                <a:effectLst/>
-              </a:rPr>
-            </a:br>
-            <a:r>
-              <a:rPr lang="en-GB" dirty="0">
-                <a:solidFill>
-                  <a:srgbClr val="FF78FD"/>
-                </a:solidFill>
-                <a:effectLst/>
-              </a:rPr>
-              <a:t>        A22. 1/4 empty                          : put forth (if not middle)</a:t>
-            </a:r>
-            <a:br>
-              <a:rPr lang="en-GB" dirty="0">
-                <a:solidFill>
-                  <a:srgbClr val="FF78FD"/>
-                </a:solidFill>
-                <a:effectLst/>
-              </a:rPr>
-            </a:br>
-            <a:br>
-              <a:rPr lang="en-GB" dirty="0">
-                <a:solidFill>
-                  <a:srgbClr val="FF78FD"/>
-                </a:solidFill>
-                <a:effectLst/>
-              </a:rPr>
-            </a:br>
-            <a:r>
-              <a:rPr lang="en-GB" dirty="0">
-                <a:solidFill>
-                  <a:srgbClr val="FF78FD"/>
-                </a:solidFill>
-                <a:effectLst/>
-              </a:rPr>
-              <a:t>B. CHECK IF MIDDLE 4/4                          : put on top</a:t>
-            </a:r>
-            <a:br>
-              <a:rPr lang="en-GB" dirty="0">
-                <a:solidFill>
-                  <a:srgbClr val="FF78FD"/>
-                </a:solidFill>
-                <a:effectLst/>
-              </a:rPr>
-            </a:br>
-            <a:r>
-              <a:rPr lang="en-GB" dirty="0">
-                <a:solidFill>
-                  <a:srgbClr val="FF78FD"/>
-                </a:solidFill>
-                <a:effectLst/>
-              </a:rPr>
-              <a:t>C. L1 MIDDLE IS TAKEN</a:t>
-            </a:r>
-            <a:br>
-              <a:rPr lang="en-GB" dirty="0">
-                <a:solidFill>
-                  <a:srgbClr val="FF78FD"/>
-                </a:solidFill>
-                <a:effectLst/>
-              </a:rPr>
-            </a:br>
-            <a:r>
-              <a:rPr lang="en-GB" dirty="0">
-                <a:solidFill>
-                  <a:srgbClr val="FF78FD"/>
-                </a:solidFill>
-                <a:effectLst/>
-              </a:rPr>
-              <a:t>    C1. MIDDLE SPHERE IS OWN COLOR              : try put on middle of border</a:t>
-            </a:r>
-            <a:br>
-              <a:rPr lang="en-GB" dirty="0">
-                <a:solidFill>
-                  <a:srgbClr val="FF78FD"/>
-                </a:solidFill>
-                <a:effectLst/>
-              </a:rPr>
-            </a:br>
-            <a:r>
-              <a:rPr lang="en-GB" dirty="0">
-                <a:solidFill>
-                  <a:srgbClr val="FF78FD"/>
-                </a:solidFill>
-                <a:effectLst/>
-              </a:rPr>
-              <a:t>    C2. MIDDLE SPHERE IS OTHER COLOR</a:t>
-            </a:r>
-            <a:br>
-              <a:rPr lang="en-GB" dirty="0">
-                <a:solidFill>
-                  <a:srgbClr val="FF78FD"/>
-                </a:solidFill>
-                <a:effectLst/>
-              </a:rPr>
-            </a:br>
-            <a:r>
-              <a:rPr lang="en-GB" dirty="0">
-                <a:solidFill>
-                  <a:srgbClr val="FF78FD"/>
-                </a:solidFill>
-                <a:effectLst/>
-              </a:rPr>
-              <a:t>        C21. ONE (OR MORE) BLACK SPHERES ON L2  : try to put on opposite side</a:t>
-            </a:r>
-            <a:br>
-              <a:rPr lang="en-GB" dirty="0">
-                <a:solidFill>
-                  <a:srgbClr val="FF78FD"/>
-                </a:solidFill>
-                <a:effectLst/>
-              </a:rPr>
-            </a:br>
-            <a:r>
-              <a:rPr lang="en-GB" dirty="0">
-                <a:solidFill>
-                  <a:srgbClr val="FF78FD"/>
-                </a:solidFill>
-                <a:effectLst/>
-              </a:rPr>
-              <a:t>        C22. NO/ MULTIPLE BLACK SPHERES ON L2   : try put on middle of border</a:t>
-            </a:r>
-            <a:br>
-              <a:rPr lang="en-GB" dirty="0">
-                <a:solidFill>
-                  <a:srgbClr val="FF78FD"/>
-                </a:solidFill>
-                <a:effectLst/>
-              </a:rPr>
-            </a:br>
-            <a:r>
-              <a:rPr lang="en-GB" dirty="0">
-                <a:solidFill>
-                  <a:srgbClr val="FF78FD"/>
-                </a:solidFill>
-                <a:effectLst/>
-              </a:rPr>
-              <a:t>D. CHECK IF L0 MIDDLE SQUARE IS NOT 3/4 FILLED  : put in middle square</a:t>
-            </a:r>
-            <a:br>
-              <a:rPr lang="en-GB" dirty="0">
-                <a:solidFill>
-                  <a:srgbClr val="FF78FD"/>
-                </a:solidFill>
-                <a:effectLst/>
-              </a:rPr>
-            </a:br>
-            <a:r>
-              <a:rPr lang="en-GB" dirty="0">
-                <a:solidFill>
-                  <a:srgbClr val="FF78FD"/>
-                </a:solidFill>
-                <a:effectLst/>
-              </a:rPr>
-              <a:t>E. SEARCH FOR SQUARE REPRESENTED MOST           : put there</a:t>
-            </a:r>
-            <a:br>
-              <a:rPr lang="en-GB" dirty="0">
-                <a:solidFill>
-                  <a:srgbClr val="FF78FD"/>
-                </a:solidFill>
-                <a:effectLst/>
-              </a:rPr>
-            </a:br>
-            <a:r>
-              <a:rPr lang="en-GB" dirty="0">
-                <a:solidFill>
-                  <a:srgbClr val="FF78FD"/>
-                </a:solidFill>
-                <a:effectLst/>
-              </a:rPr>
-              <a:t>F. IF NO MOVES COULD BE PERFORMED               : put random, same as random fit</a:t>
-            </a:r>
-            <a:br>
-              <a:rPr lang="en-GB" dirty="0">
-                <a:solidFill>
-                  <a:srgbClr val="FF78FD"/>
-                </a:solidFill>
-                <a:effectLst/>
-              </a:rPr>
-            </a:br>
-            <a:r>
-              <a:rPr lang="en-GB" dirty="0">
-                <a:solidFill>
-                  <a:srgbClr val="FF78FD"/>
-                </a:solidFill>
-                <a:effectLst/>
-              </a:rPr>
-              <a:t>G. PUTS AS HIGH AS POSSIBLE</a:t>
-            </a:r>
-            <a:br>
-              <a:rPr lang="en-GB" dirty="0">
-                <a:solidFill>
-                  <a:srgbClr val="FF78FD"/>
-                </a:solidFill>
-                <a:effectLst/>
-              </a:rPr>
-            </a:br>
-            <a:r>
-              <a:rPr lang="en-GB" dirty="0">
-                <a:solidFill>
-                  <a:srgbClr val="FF78FD"/>
-                </a:solidFill>
-                <a:effectLst/>
-              </a:rPr>
-              <a:t>*/</a:t>
+              <a:rPr lang="nl-NL" dirty="0"/>
+              <a:t>Alfa </a:t>
+            </a:r>
+            <a:r>
+              <a:rPr lang="nl-NL" dirty="0" err="1"/>
+              <a:t>Beta</a:t>
+            </a:r>
+            <a:r>
+              <a:rPr lang="nl-NL" dirty="0"/>
+              <a:t> is optimale speler.</a:t>
+            </a:r>
+          </a:p>
+          <a:p>
+            <a:endParaRPr lang="nl-NL" dirty="0"/>
+          </a:p>
+          <a:p>
+            <a:r>
+              <a:rPr lang="nl-NL" dirty="0"/>
+              <a:t>Tegen optimale tegenstander heb je de best mogelijke slechtste kost (worst case)</a:t>
+            </a:r>
+          </a:p>
+          <a:p>
+            <a:r>
+              <a:rPr lang="en-GB" dirty="0" err="1"/>
+              <a:t>Tegen</a:t>
+            </a:r>
+            <a:r>
+              <a:rPr lang="en-GB" dirty="0"/>
+              <a:t> </a:t>
+            </a:r>
+            <a:r>
+              <a:rPr lang="en-GB" dirty="0" err="1"/>
+              <a:t>een</a:t>
+            </a:r>
+            <a:r>
+              <a:rPr lang="en-GB" dirty="0"/>
+              <a:t> random </a:t>
+            </a:r>
+            <a:r>
+              <a:rPr lang="en-GB" dirty="0" err="1"/>
+              <a:t>speler</a:t>
+            </a:r>
+            <a:r>
+              <a:rPr lang="en-GB" dirty="0"/>
+              <a:t> (</a:t>
+            </a:r>
+            <a:r>
+              <a:rPr lang="en-GB" dirty="0" err="1"/>
+              <a:t>niet</a:t>
+            </a:r>
+            <a:r>
+              <a:rPr lang="en-GB" dirty="0"/>
+              <a:t> optimal) is </a:t>
+            </a:r>
+            <a:r>
+              <a:rPr lang="en-GB" dirty="0" err="1"/>
+              <a:t>een</a:t>
+            </a:r>
+            <a:r>
+              <a:rPr lang="en-GB" dirty="0"/>
+              <a:t> best case </a:t>
+            </a:r>
+            <a:r>
+              <a:rPr lang="en-GB" dirty="0" err="1"/>
+              <a:t>mogelijk</a:t>
             </a:r>
             <a:endParaRPr lang="en-GB" dirty="0"/>
           </a:p>
@@ -4494,7 +3218,7 @@
           <a:p>
             <a:fld id="{0B83ECC0-8215-4318-A3C0-552CE5E99E84}" type="slidenum">
               <a:rPr lang="en-GB" smtClean="0"/>
-              <a:t>13</a:t>
+              <a:t>12</a:t>
             </a:fld>
             <a:endParaRPr lang="en-GB"/>
           </a:p>
@@ -4503,7 +3227,7 @@
     </p:spTree>
     <p:extLst>
       <p:ext uri="{BB962C8B-B14F-4D97-AF65-F5344CB8AC3E}">
-        <p14:creationId xmlns:p14="http://schemas.microsoft.com/office/powerpoint/2010/main" val="672486476"/>
+        <p14:creationId xmlns:p14="http://schemas.microsoft.com/office/powerpoint/2010/main" val="1353809590"/>
       </p:ext>
     </p:extLst>
   </p:cSld>
@@ -4961,7 +3685,7 @@
           <a:p>
             <a:fld id="{14F14F6C-64C6-4282-B92B-69416428ACE5}" type="datetimeFigureOut">
               <a:rPr lang="en-GB" smtClean="0"/>
-              <a:t>19/03/2021</a:t>
+              <a:t>22/03/2021</a:t>
             </a:fld>
             <a:endParaRPr lang="en-GB"/>
           </a:p>
@@ -5079,7 +3803,7 @@
           <a:p>
             <a:fld id="{14F14F6C-64C6-4282-B92B-69416428ACE5}" type="datetimeFigureOut">
               <a:rPr lang="en-GB" smtClean="0"/>
-              <a:t>19/03/2021</a:t>
+              <a:t>22/03/2021</a:t>
             </a:fld>
             <a:endParaRPr lang="en-GB"/>
           </a:p>
@@ -5469,7 +4193,7 @@
           <a:p>
             <a:fld id="{14F14F6C-64C6-4282-B92B-69416428ACE5}" type="datetimeFigureOut">
               <a:rPr lang="en-GB" smtClean="0"/>
-              <a:t>19/03/2021</a:t>
+              <a:t>22/03/2021</a:t>
             </a:fld>
             <a:endParaRPr lang="en-GB"/>
           </a:p>
@@ -5888,7 +4612,7 @@
           <a:p>
             <a:fld id="{14F14F6C-64C6-4282-B92B-69416428ACE5}" type="datetimeFigureOut">
               <a:rPr lang="en-GB" smtClean="0"/>
-              <a:t>19/03/2021</a:t>
+              <a:t>22/03/2021</a:t>
             </a:fld>
             <a:endParaRPr lang="en-GB"/>
           </a:p>
@@ -6030,7 +4754,7 @@
           <a:p>
             <a:fld id="{14F14F6C-64C6-4282-B92B-69416428ACE5}" type="datetimeFigureOut">
               <a:rPr lang="en-GB" smtClean="0"/>
-              <a:t>19/03/2021</a:t>
+              <a:t>22/03/2021</a:t>
             </a:fld>
             <a:endParaRPr lang="en-GB"/>
           </a:p>
@@ -6451,7 +5175,7 @@
           <a:p>
             <a:fld id="{14F14F6C-64C6-4282-B92B-69416428ACE5}" type="datetimeFigureOut">
               <a:rPr lang="en-GB" smtClean="0"/>
-              <a:t>19/03/2021</a:t>
+              <a:t>22/03/2021</a:t>
             </a:fld>
             <a:endParaRPr lang="en-GB"/>
           </a:p>
@@ -6785,7 +5509,7 @@
           <a:p>
             <a:fld id="{14F14F6C-64C6-4282-B92B-69416428ACE5}" type="datetimeFigureOut">
               <a:rPr lang="en-GB" smtClean="0"/>
-              <a:t>19/03/2021</a:t>
+              <a:t>22/03/2021</a:t>
             </a:fld>
             <a:endParaRPr lang="en-GB"/>
           </a:p>
@@ -7040,7 +5764,7 @@
           <a:p>
             <a:fld id="{14F14F6C-64C6-4282-B92B-69416428ACE5}" type="datetimeFigureOut">
               <a:rPr lang="en-GB" smtClean="0"/>
-              <a:t>19/03/2021</a:t>
+              <a:t>22/03/2021</a:t>
             </a:fld>
             <a:endParaRPr lang="en-GB"/>
           </a:p>
@@ -7311,7 +6035,7 @@
           <a:p>
             <a:fld id="{14F14F6C-64C6-4282-B92B-69416428ACE5}" type="datetimeFigureOut">
               <a:rPr lang="en-GB" smtClean="0"/>
-              <a:t>19/03/2021</a:t>
+              <a:t>22/03/2021</a:t>
             </a:fld>
             <a:endParaRPr lang="en-GB"/>
           </a:p>
@@ -7629,7 +6353,7 @@
           <a:p>
             <a:fld id="{14F14F6C-64C6-4282-B92B-69416428ACE5}" type="datetimeFigureOut">
               <a:rPr lang="en-GB" smtClean="0"/>
-              <a:t>19/03/2021</a:t>
+              <a:t>22/03/2021</a:t>
             </a:fld>
             <a:endParaRPr lang="en-GB"/>
           </a:p>
@@ -7773,7 +6497,7 @@
           <a:p>
             <a:fld id="{14F14F6C-64C6-4282-B92B-69416428ACE5}" type="datetimeFigureOut">
               <a:rPr lang="en-GB" smtClean="0"/>
-              <a:t>19/03/2021</a:t>
+              <a:t>22/03/2021</a:t>
             </a:fld>
             <a:endParaRPr lang="en-GB"/>
           </a:p>
@@ -8254,7 +6978,7 @@
           <a:p>
             <a:fld id="{14F14F6C-64C6-4282-B92B-69416428ACE5}" type="datetimeFigureOut">
               <a:rPr lang="en-GB" smtClean="0"/>
-              <a:t>19/03/2021</a:t>
+              <a:t>22/03/2021</a:t>
             </a:fld>
             <a:endParaRPr lang="en-GB"/>
           </a:p>
@@ -8372,7 +7096,7 @@
           <a:p>
             <a:fld id="{14F14F6C-64C6-4282-B92B-69416428ACE5}" type="datetimeFigureOut">
               <a:rPr lang="en-GB" smtClean="0"/>
-              <a:t>19/03/2021</a:t>
+              <a:t>22/03/2021</a:t>
             </a:fld>
             <a:endParaRPr lang="en-GB"/>
           </a:p>
@@ -8490,7 +7214,7 @@
           <a:p>
             <a:fld id="{14F14F6C-64C6-4282-B92B-69416428ACE5}" type="datetimeFigureOut">
               <a:rPr lang="en-GB" smtClean="0"/>
-              <a:t>19/03/2021</a:t>
+              <a:t>22/03/2021</a:t>
             </a:fld>
             <a:endParaRPr lang="en-GB"/>
           </a:p>
@@ -8669,7 +7393,7 @@
           <a:p>
             <a:fld id="{14F14F6C-64C6-4282-B92B-69416428ACE5}" type="datetimeFigureOut">
               <a:rPr lang="en-GB" smtClean="0"/>
-              <a:t>19/03/2021</a:t>
+              <a:t>22/03/2021</a:t>
             </a:fld>
             <a:endParaRPr lang="en-GB"/>
           </a:p>
@@ -8955,7 +7679,7 @@
           <a:p>
             <a:fld id="{14F14F6C-64C6-4282-B92B-69416428ACE5}" type="datetimeFigureOut">
               <a:rPr lang="en-GB" smtClean="0"/>
-              <a:t>19/03/2021</a:t>
+              <a:t>22/03/2021</a:t>
             </a:fld>
             <a:endParaRPr lang="en-GB"/>
           </a:p>
@@ -9633,6 +8357,2787 @@
           <p:cNvPr id="2" name="Title 1">
             <a:extLst>
               <a:ext uri="{FF2B5EF4-FFF2-40B4-BE49-F238E27FC236}">
+                <a16:creationId xmlns:a16="http://schemas.microsoft.com/office/drawing/2014/main" id="{F5FDA3BD-9B20-496F-BBC4-09DAD8BBC0A4}"/>
+              </a:ext>
+            </a:extLst>
+          </p:cNvPr>
+          <p:cNvSpPr>
+            <a:spLocks noGrp="1"/>
+          </p:cNvSpPr>
+          <p:nvPr>
+            <p:ph type="title"/>
+          </p:nvPr>
+        </p:nvSpPr>
+        <p:spPr/>
+        <p:txBody>
+          <a:bodyPr/>
+          <a:lstStyle/>
+          <a:p>
+            <a:r>
+              <a:rPr lang="nl-BE" noProof="0" dirty="0"/>
+              <a:t>Zelflerende speler</a:t>
+            </a:r>
+          </a:p>
+        </p:txBody>
+      </p:sp>
+    </p:spTree>
+    <p:extLst>
+      <p:ext uri="{BB962C8B-B14F-4D97-AF65-F5344CB8AC3E}">
+        <p14:creationId xmlns:p14="http://schemas.microsoft.com/office/powerpoint/2010/main" val="1616353867"/>
+      </p:ext>
+    </p:extLst>
+  </p:cSld>
+  <p:clrMapOvr>
+    <a:masterClrMapping/>
+  </p:clrMapOvr>
+</p:sld>
+</file>
+
+<file path=ppt/slides/slide11.xml><?xml version="1.0" encoding="utf-8"?>
+<p:sld xmlns:a="http://schemas.openxmlformats.org/drawingml/2006/main" xmlns:r="http://schemas.openxmlformats.org/officeDocument/2006/relationships" xmlns:p="http://schemas.openxmlformats.org/presentationml/2006/main">
+  <p:cSld>
+    <p:spTree>
+      <p:nvGrpSpPr>
+        <p:cNvPr id="1" name=""/>
+        <p:cNvGrpSpPr/>
+        <p:nvPr/>
+      </p:nvGrpSpPr>
+      <p:grpSpPr>
+        <a:xfrm>
+          <a:off x="0" y="0"/>
+          <a:ext cx="0" cy="0"/>
+          <a:chOff x="0" y="0"/>
+          <a:chExt cx="0" cy="0"/>
+        </a:xfrm>
+      </p:grpSpPr>
+      <p:graphicFrame>
+        <p:nvGraphicFramePr>
+          <p:cNvPr id="2" name="Table 2">
+            <a:extLst>
+              <a:ext uri="{FF2B5EF4-FFF2-40B4-BE49-F238E27FC236}">
+                <a16:creationId xmlns:a16="http://schemas.microsoft.com/office/drawing/2014/main" id="{90FBAD63-2E98-4768-8809-47EEADFDC10C}"/>
+              </a:ext>
+            </a:extLst>
+          </p:cNvPr>
+          <p:cNvGraphicFramePr>
+            <a:graphicFrameLocks noGrp="1"/>
+          </p:cNvGraphicFramePr>
+          <p:nvPr>
+            <p:extLst>
+              <p:ext uri="{D42A27DB-BD31-4B8C-83A1-F6EECF244321}">
+                <p14:modId xmlns:p14="http://schemas.microsoft.com/office/powerpoint/2010/main" val="3832982890"/>
+              </p:ext>
+            </p:extLst>
+          </p:nvPr>
+        </p:nvGraphicFramePr>
+        <p:xfrm>
+          <a:off x="1749612" y="2417233"/>
+          <a:ext cx="8127999" cy="2023533"/>
+        </p:xfrm>
+        <a:graphic>
+          <a:graphicData uri="http://schemas.openxmlformats.org/drawingml/2006/table">
+            <a:tbl>
+              <a:tblPr firstRow="1" bandRow="1">
+                <a:tableStyleId>{5C22544A-7EE6-4342-B048-85BDC9FD1C3A}</a:tableStyleId>
+              </a:tblPr>
+              <a:tblGrid>
+                <a:gridCol w="2709333">
+                  <a:extLst>
+                    <a:ext uri="{9D8B030D-6E8A-4147-A177-3AD203B41FA5}">
+                      <a16:colId xmlns:a16="http://schemas.microsoft.com/office/drawing/2014/main" val="3388878060"/>
+                    </a:ext>
+                  </a:extLst>
+                </a:gridCol>
+                <a:gridCol w="2709333">
+                  <a:extLst>
+                    <a:ext uri="{9D8B030D-6E8A-4147-A177-3AD203B41FA5}">
+                      <a16:colId xmlns:a16="http://schemas.microsoft.com/office/drawing/2014/main" val="3580584580"/>
+                    </a:ext>
+                  </a:extLst>
+                </a:gridCol>
+                <a:gridCol w="2709333">
+                  <a:extLst>
+                    <a:ext uri="{9D8B030D-6E8A-4147-A177-3AD203B41FA5}">
+                      <a16:colId xmlns:a16="http://schemas.microsoft.com/office/drawing/2014/main" val="32077694"/>
+                    </a:ext>
+                  </a:extLst>
+                </a:gridCol>
+              </a:tblGrid>
+              <a:tr h="674511">
+                <a:tc>
+                  <a:txBody>
+                    <a:bodyPr/>
+                    <a:lstStyle/>
+                    <a:p>
+                      <a:endParaRPr lang="en-GB"/>
+                    </a:p>
+                  </a:txBody>
+                  <a:tcPr/>
+                </a:tc>
+                <a:tc>
+                  <a:txBody>
+                    <a:bodyPr/>
+                    <a:lstStyle/>
+                    <a:p>
+                      <a:r>
+                        <a:rPr lang="nl-NL" dirty="0"/>
+                        <a:t>Deterministisch</a:t>
+                      </a:r>
+                      <a:endParaRPr lang="en-GB" dirty="0"/>
+                    </a:p>
+                  </a:txBody>
+                  <a:tcPr/>
+                </a:tc>
+                <a:tc>
+                  <a:txBody>
+                    <a:bodyPr/>
+                    <a:lstStyle/>
+                    <a:p>
+                      <a:r>
+                        <a:rPr lang="nl-NL" dirty="0"/>
+                        <a:t>Kans</a:t>
+                      </a:r>
+                    </a:p>
+                    <a:p>
+                      <a:r>
+                        <a:rPr lang="nl-NL" dirty="0"/>
+                        <a:t>= niet-deterministisch</a:t>
+                      </a:r>
+                      <a:endParaRPr lang="en-GB" dirty="0"/>
+                    </a:p>
+                  </a:txBody>
+                  <a:tcPr/>
+                </a:tc>
+                <a:extLst>
+                  <a:ext uri="{0D108BD9-81ED-4DB2-BD59-A6C34878D82A}">
+                    <a16:rowId xmlns:a16="http://schemas.microsoft.com/office/drawing/2014/main" val="4152807902"/>
+                  </a:ext>
+                </a:extLst>
+              </a:tr>
+              <a:tr h="674511">
+                <a:tc>
+                  <a:txBody>
+                    <a:bodyPr/>
+                    <a:lstStyle/>
+                    <a:p>
+                      <a:r>
+                        <a:rPr lang="nl-NL" dirty="0"/>
+                        <a:t>Volledige info</a:t>
+                      </a:r>
+                      <a:endParaRPr lang="en-GB" dirty="0"/>
+                    </a:p>
+                  </a:txBody>
+                  <a:tcPr/>
+                </a:tc>
+                <a:tc>
+                  <a:txBody>
+                    <a:bodyPr/>
+                    <a:lstStyle/>
+                    <a:p>
+                      <a:r>
+                        <a:rPr lang="nl-NL" dirty="0"/>
+                        <a:t>Schaak, Dammen, Go, </a:t>
+                      </a:r>
+                      <a:r>
+                        <a:rPr lang="nl-NL" b="1" u="sng" dirty="0" err="1"/>
+                        <a:t>Pylos</a:t>
+                      </a:r>
+                      <a:endParaRPr lang="en-GB" b="1" u="sng" dirty="0"/>
+                    </a:p>
+                  </a:txBody>
+                  <a:tcPr/>
+                </a:tc>
+                <a:tc>
+                  <a:txBody>
+                    <a:bodyPr/>
+                    <a:lstStyle/>
+                    <a:p>
+                      <a:r>
+                        <a:rPr lang="nl-NL" dirty="0" err="1"/>
+                        <a:t>Monoply</a:t>
+                      </a:r>
+                      <a:r>
+                        <a:rPr lang="nl-NL" dirty="0"/>
+                        <a:t>, Backgammon …</a:t>
+                      </a:r>
+                      <a:endParaRPr lang="en-GB" dirty="0"/>
+                    </a:p>
+                  </a:txBody>
+                  <a:tcPr/>
+                </a:tc>
+                <a:extLst>
+                  <a:ext uri="{0D108BD9-81ED-4DB2-BD59-A6C34878D82A}">
+                    <a16:rowId xmlns:a16="http://schemas.microsoft.com/office/drawing/2014/main" val="2062464399"/>
+                  </a:ext>
+                </a:extLst>
+              </a:tr>
+              <a:tr h="674511">
+                <a:tc>
+                  <a:txBody>
+                    <a:bodyPr/>
+                    <a:lstStyle/>
+                    <a:p>
+                      <a:r>
+                        <a:rPr lang="nl-NL" dirty="0"/>
+                        <a:t>Niet volledige info</a:t>
+                      </a:r>
+                      <a:endParaRPr lang="en-GB" dirty="0"/>
+                    </a:p>
+                  </a:txBody>
+                  <a:tcPr/>
+                </a:tc>
+                <a:tc>
+                  <a:txBody>
+                    <a:bodyPr/>
+                    <a:lstStyle/>
+                    <a:p>
+                      <a:r>
+                        <a:rPr lang="nl-NL" dirty="0"/>
+                        <a:t>Zeeslag, Blinde tic-</a:t>
+                      </a:r>
+                      <a:r>
+                        <a:rPr lang="nl-NL" dirty="0" err="1"/>
+                        <a:t>tac</a:t>
+                      </a:r>
+                      <a:r>
+                        <a:rPr lang="nl-NL" dirty="0"/>
+                        <a:t>-toe</a:t>
+                      </a:r>
+                      <a:endParaRPr lang="en-GB" dirty="0"/>
+                    </a:p>
+                  </a:txBody>
+                  <a:tcPr/>
+                </a:tc>
+                <a:tc>
+                  <a:txBody>
+                    <a:bodyPr/>
+                    <a:lstStyle/>
+                    <a:p>
+                      <a:r>
+                        <a:rPr lang="nl-NL" dirty="0"/>
+                        <a:t>Bridge, poker, scrabble, atoomoorlog</a:t>
+                      </a:r>
+                      <a:endParaRPr lang="en-GB" dirty="0"/>
+                    </a:p>
+                  </a:txBody>
+                  <a:tcPr/>
+                </a:tc>
+                <a:extLst>
+                  <a:ext uri="{0D108BD9-81ED-4DB2-BD59-A6C34878D82A}">
+                    <a16:rowId xmlns:a16="http://schemas.microsoft.com/office/drawing/2014/main" val="1072905529"/>
+                  </a:ext>
+                </a:extLst>
+              </a:tr>
+            </a:tbl>
+          </a:graphicData>
+        </a:graphic>
+      </p:graphicFrame>
+      <p:sp>
+        <p:nvSpPr>
+          <p:cNvPr id="3" name="Title 2">
+            <a:extLst>
+              <a:ext uri="{FF2B5EF4-FFF2-40B4-BE49-F238E27FC236}">
+                <a16:creationId xmlns:a16="http://schemas.microsoft.com/office/drawing/2014/main" id="{DAB096F0-AF86-4973-B923-85CE7EDCF317}"/>
+              </a:ext>
+            </a:extLst>
+          </p:cNvPr>
+          <p:cNvSpPr>
+            <a:spLocks noGrp="1"/>
+          </p:cNvSpPr>
+          <p:nvPr>
+            <p:ph type="title"/>
+          </p:nvPr>
+        </p:nvSpPr>
+        <p:spPr/>
+        <p:txBody>
+          <a:bodyPr/>
+          <a:lstStyle/>
+          <a:p>
+            <a:r>
+              <a:rPr lang="nl-NL" dirty="0"/>
+              <a:t>Situering</a:t>
+            </a:r>
+            <a:endParaRPr lang="en-GB" dirty="0"/>
+          </a:p>
+        </p:txBody>
+      </p:sp>
+    </p:spTree>
+    <p:extLst>
+      <p:ext uri="{BB962C8B-B14F-4D97-AF65-F5344CB8AC3E}">
+        <p14:creationId xmlns:p14="http://schemas.microsoft.com/office/powerpoint/2010/main" val="203002015"/>
+      </p:ext>
+    </p:extLst>
+  </p:cSld>
+  <p:clrMapOvr>
+    <a:masterClrMapping/>
+  </p:clrMapOvr>
+</p:sld>
+</file>
+
+<file path=ppt/slides/slide12.xml><?xml version="1.0" encoding="utf-8"?>
+<p:sld xmlns:a="http://schemas.openxmlformats.org/drawingml/2006/main" xmlns:r="http://schemas.openxmlformats.org/officeDocument/2006/relationships" xmlns:p="http://schemas.openxmlformats.org/presentationml/2006/main">
+  <p:cSld>
+    <p:spTree>
+      <p:nvGrpSpPr>
+        <p:cNvPr id="1" name=""/>
+        <p:cNvGrpSpPr/>
+        <p:nvPr/>
+      </p:nvGrpSpPr>
+      <p:grpSpPr>
+        <a:xfrm>
+          <a:off x="0" y="0"/>
+          <a:ext cx="0" cy="0"/>
+          <a:chOff x="0" y="0"/>
+          <a:chExt cx="0" cy="0"/>
+        </a:xfrm>
+      </p:grpSpPr>
+      <p:sp>
+        <p:nvSpPr>
+          <p:cNvPr id="3" name="Titel 2">
+            <a:extLst>
+              <a:ext uri="{FF2B5EF4-FFF2-40B4-BE49-F238E27FC236}">
+                <a16:creationId xmlns:a16="http://schemas.microsoft.com/office/drawing/2014/main" id="{8E5C8F18-94B8-459A-9BAF-8D06F741BE9E}"/>
+              </a:ext>
+            </a:extLst>
+          </p:cNvPr>
+          <p:cNvSpPr>
+            <a:spLocks noGrp="1"/>
+          </p:cNvSpPr>
+          <p:nvPr>
+            <p:ph type="title"/>
+          </p:nvPr>
+        </p:nvSpPr>
+        <p:spPr>
+          <a:xfrm>
+            <a:off x="174812" y="0"/>
+            <a:ext cx="11041200" cy="1152000"/>
+          </a:xfrm>
+        </p:spPr>
+        <p:txBody>
+          <a:bodyPr/>
+          <a:lstStyle/>
+          <a:p>
+            <a:r>
+              <a:rPr lang="nl-BE" dirty="0"/>
+              <a:t>Suggesties om een speler te maken</a:t>
+            </a:r>
+          </a:p>
+        </p:txBody>
+      </p:sp>
+      <p:graphicFrame>
+        <p:nvGraphicFramePr>
+          <p:cNvPr id="5" name="Table 5">
+            <a:extLst>
+              <a:ext uri="{FF2B5EF4-FFF2-40B4-BE49-F238E27FC236}">
+                <a16:creationId xmlns:a16="http://schemas.microsoft.com/office/drawing/2014/main" id="{4DBCE5DF-2ADE-4DB7-8899-D6229EE8A1B8}"/>
+              </a:ext>
+            </a:extLst>
+          </p:cNvPr>
+          <p:cNvGraphicFramePr>
+            <a:graphicFrameLocks noGrp="1"/>
+          </p:cNvGraphicFramePr>
+          <p:nvPr>
+            <p:extLst>
+              <p:ext uri="{D42A27DB-BD31-4B8C-83A1-F6EECF244321}">
+                <p14:modId xmlns:p14="http://schemas.microsoft.com/office/powerpoint/2010/main" val="3665983016"/>
+              </p:ext>
+            </p:extLst>
+          </p:nvPr>
+        </p:nvGraphicFramePr>
+        <p:xfrm>
+          <a:off x="174812" y="968188"/>
+          <a:ext cx="12017188" cy="5092652"/>
+        </p:xfrm>
+        <a:graphic>
+          <a:graphicData uri="http://schemas.openxmlformats.org/drawingml/2006/table">
+            <a:tbl>
+              <a:tblPr firstRow="1" bandRow="1">
+                <a:tableStyleId>{2D5ABB26-0587-4C30-8999-92F81FD0307C}</a:tableStyleId>
+              </a:tblPr>
+              <a:tblGrid>
+                <a:gridCol w="2348257">
+                  <a:extLst>
+                    <a:ext uri="{9D8B030D-6E8A-4147-A177-3AD203B41FA5}">
+                      <a16:colId xmlns:a16="http://schemas.microsoft.com/office/drawing/2014/main" val="1796133225"/>
+                    </a:ext>
+                  </a:extLst>
+                </a:gridCol>
+                <a:gridCol w="3180351">
+                  <a:extLst>
+                    <a:ext uri="{9D8B030D-6E8A-4147-A177-3AD203B41FA5}">
+                      <a16:colId xmlns:a16="http://schemas.microsoft.com/office/drawing/2014/main" val="3943295598"/>
+                    </a:ext>
+                  </a:extLst>
+                </a:gridCol>
+                <a:gridCol w="1240258">
+                  <a:extLst>
+                    <a:ext uri="{9D8B030D-6E8A-4147-A177-3AD203B41FA5}">
+                      <a16:colId xmlns:a16="http://schemas.microsoft.com/office/drawing/2014/main" val="449258556"/>
+                    </a:ext>
+                  </a:extLst>
+                </a:gridCol>
+                <a:gridCol w="2624161">
+                  <a:extLst>
+                    <a:ext uri="{9D8B030D-6E8A-4147-A177-3AD203B41FA5}">
+                      <a16:colId xmlns:a16="http://schemas.microsoft.com/office/drawing/2014/main" val="3252357396"/>
+                    </a:ext>
+                  </a:extLst>
+                </a:gridCol>
+                <a:gridCol w="2624161">
+                  <a:extLst>
+                    <a:ext uri="{9D8B030D-6E8A-4147-A177-3AD203B41FA5}">
+                      <a16:colId xmlns:a16="http://schemas.microsoft.com/office/drawing/2014/main" val="57682524"/>
+                    </a:ext>
+                  </a:extLst>
+                </a:gridCol>
+              </a:tblGrid>
+              <a:tr h="381078">
+                <a:tc>
+                  <a:txBody>
+                    <a:bodyPr/>
+                    <a:lstStyle/>
+                    <a:p>
+                      <a:r>
+                        <a:rPr lang="nl-NL" dirty="0">
+                          <a:solidFill>
+                            <a:schemeClr val="tx2"/>
+                          </a:solidFill>
+                        </a:rPr>
+                        <a:t>Methode</a:t>
+                      </a:r>
+                      <a:endParaRPr lang="en-GB" dirty="0">
+                        <a:solidFill>
+                          <a:schemeClr val="tx2"/>
+                        </a:solidFill>
+                      </a:endParaRPr>
+                    </a:p>
+                  </a:txBody>
+                  <a:tcPr>
+                    <a:lnB w="12700" cap="flat" cmpd="sng" algn="ctr">
+                      <a:solidFill>
+                        <a:schemeClr val="tx1"/>
+                      </a:solidFill>
+                      <a:prstDash val="solid"/>
+                      <a:round/>
+                      <a:headEnd type="none" w="med" len="med"/>
+                      <a:tailEnd type="none" w="med" len="med"/>
+                    </a:lnB>
+                  </a:tcPr>
+                </a:tc>
+                <a:tc>
+                  <a:txBody>
+                    <a:bodyPr/>
+                    <a:lstStyle/>
+                    <a:p>
+                      <a:r>
+                        <a:rPr lang="nl-NL" dirty="0">
+                          <a:solidFill>
+                            <a:schemeClr val="tx2"/>
+                          </a:solidFill>
+                        </a:rPr>
+                        <a:t>Uitleg</a:t>
+                      </a:r>
+                      <a:endParaRPr lang="en-GB" dirty="0">
+                        <a:solidFill>
+                          <a:schemeClr val="tx2"/>
+                        </a:solidFill>
+                      </a:endParaRPr>
+                    </a:p>
+                  </a:txBody>
+                  <a:tcPr>
+                    <a:lnB w="12700" cap="flat" cmpd="sng" algn="ctr">
+                      <a:solidFill>
+                        <a:schemeClr val="tx1"/>
+                      </a:solidFill>
+                      <a:prstDash val="solid"/>
+                      <a:round/>
+                      <a:headEnd type="none" w="med" len="med"/>
+                      <a:tailEnd type="none" w="med" len="med"/>
+                    </a:lnB>
+                  </a:tcPr>
+                </a:tc>
+                <a:tc>
+                  <a:txBody>
+                    <a:bodyPr/>
+                    <a:lstStyle/>
+                    <a:p>
+                      <a:r>
+                        <a:rPr lang="en-GB" dirty="0">
+                          <a:solidFill>
+                            <a:schemeClr val="tx2"/>
+                          </a:solidFill>
+                        </a:rPr>
+                        <a:t>≈</a:t>
+                      </a:r>
+                    </a:p>
+                  </a:txBody>
+                  <a:tcPr>
+                    <a:lnB w="12700" cap="flat" cmpd="sng" algn="ctr">
+                      <a:solidFill>
+                        <a:schemeClr val="tx1"/>
+                      </a:solidFill>
+                      <a:prstDash val="solid"/>
+                      <a:round/>
+                      <a:headEnd type="none" w="med" len="med"/>
+                      <a:tailEnd type="none" w="med" len="med"/>
+                    </a:lnB>
+                  </a:tcPr>
+                </a:tc>
+                <a:tc>
+                  <a:txBody>
+                    <a:bodyPr/>
+                    <a:lstStyle/>
+                    <a:p>
+                      <a:r>
+                        <a:rPr lang="nl-NL" dirty="0">
+                          <a:solidFill>
+                            <a:schemeClr val="tx2"/>
+                          </a:solidFill>
+                        </a:rPr>
+                        <a:t>Nadeel</a:t>
+                      </a:r>
+                      <a:endParaRPr lang="en-GB" dirty="0">
+                        <a:solidFill>
+                          <a:schemeClr val="tx2"/>
+                        </a:solidFill>
+                      </a:endParaRPr>
+                    </a:p>
+                  </a:txBody>
+                  <a:tcPr>
+                    <a:lnB w="12700" cap="flat" cmpd="sng" algn="ctr">
+                      <a:solidFill>
+                        <a:schemeClr val="tx1"/>
+                      </a:solidFill>
+                      <a:prstDash val="solid"/>
+                      <a:round/>
+                      <a:headEnd type="none" w="med" len="med"/>
+                      <a:tailEnd type="none" w="med" len="med"/>
+                    </a:lnB>
+                  </a:tcPr>
+                </a:tc>
+                <a:tc>
+                  <a:txBody>
+                    <a:bodyPr/>
+                    <a:lstStyle/>
+                    <a:p>
+                      <a:r>
+                        <a:rPr lang="nl-NL" dirty="0">
+                          <a:solidFill>
+                            <a:schemeClr val="tx2"/>
+                          </a:solidFill>
+                        </a:rPr>
+                        <a:t>Voordeel</a:t>
+                      </a:r>
+                      <a:endParaRPr lang="en-GB" dirty="0">
+                        <a:solidFill>
+                          <a:schemeClr val="tx2"/>
+                        </a:solidFill>
+                      </a:endParaRPr>
+                    </a:p>
+                  </a:txBody>
+                  <a:tcPr>
+                    <a:lnB w="12700" cap="flat" cmpd="sng" algn="ctr">
+                      <a:solidFill>
+                        <a:schemeClr val="tx1"/>
+                      </a:solidFill>
+                      <a:prstDash val="solid"/>
+                      <a:round/>
+                      <a:headEnd type="none" w="med" len="med"/>
+                      <a:tailEnd type="none" w="med" len="med"/>
+                    </a:lnB>
+                  </a:tcPr>
+                </a:tc>
+                <a:extLst>
+                  <a:ext uri="{0D108BD9-81ED-4DB2-BD59-A6C34878D82A}">
+                    <a16:rowId xmlns:a16="http://schemas.microsoft.com/office/drawing/2014/main" val="3666159465"/>
+                  </a:ext>
+                </a:extLst>
+              </a:tr>
+              <a:tr h="381078">
+                <a:tc>
+                  <a:txBody>
+                    <a:bodyPr/>
+                    <a:lstStyle/>
+                    <a:p>
+                      <a:r>
+                        <a:rPr lang="nl-NL" dirty="0">
+                          <a:solidFill>
+                            <a:schemeClr val="tx2"/>
+                          </a:solidFill>
+                        </a:rPr>
+                        <a:t>Random Agent</a:t>
+                      </a:r>
+                      <a:endParaRPr lang="en-GB" dirty="0">
+                        <a:solidFill>
+                          <a:schemeClr val="tx2"/>
+                        </a:solidFill>
+                      </a:endParaRPr>
+                    </a:p>
+                  </a:txBody>
+                  <a:tcPr>
+                    <a:lnT w="12700" cap="flat" cmpd="sng" algn="ctr">
+                      <a:solidFill>
+                        <a:schemeClr val="tx1"/>
+                      </a:solidFill>
+                      <a:prstDash val="solid"/>
+                      <a:round/>
+                      <a:headEnd type="none" w="med" len="med"/>
+                      <a:tailEnd type="none" w="med" len="med"/>
+                    </a:lnT>
+                    <a:lnB w="12700" cap="flat" cmpd="sng" algn="ctr">
+                      <a:solidFill>
+                        <a:schemeClr val="tx1"/>
+                      </a:solidFill>
+                      <a:prstDash val="solid"/>
+                      <a:round/>
+                      <a:headEnd type="none" w="med" len="med"/>
+                      <a:tailEnd type="none" w="med" len="med"/>
+                    </a:lnB>
+                    <a:solidFill>
+                      <a:schemeClr val="bg1">
+                        <a:lumMod val="95000"/>
+                      </a:schemeClr>
+                    </a:solidFill>
+                  </a:tcPr>
+                </a:tc>
+                <a:tc>
+                  <a:txBody>
+                    <a:bodyPr/>
+                    <a:lstStyle/>
+                    <a:p>
+                      <a:r>
+                        <a:rPr lang="nl-NL" dirty="0">
+                          <a:solidFill>
+                            <a:schemeClr val="tx2"/>
+                          </a:solidFill>
+                        </a:rPr>
+                        <a:t>Doe random zet</a:t>
+                      </a:r>
+                      <a:endParaRPr lang="en-GB" dirty="0">
+                        <a:solidFill>
+                          <a:schemeClr val="tx2"/>
+                        </a:solidFill>
+                      </a:endParaRPr>
+                    </a:p>
+                  </a:txBody>
+                  <a:tcPr>
+                    <a:lnT w="12700" cap="flat" cmpd="sng" algn="ctr">
+                      <a:solidFill>
+                        <a:schemeClr val="tx1"/>
+                      </a:solidFill>
+                      <a:prstDash val="solid"/>
+                      <a:round/>
+                      <a:headEnd type="none" w="med" len="med"/>
+                      <a:tailEnd type="none" w="med" len="med"/>
+                    </a:lnT>
+                    <a:lnB w="12700" cap="flat" cmpd="sng" algn="ctr">
+                      <a:solidFill>
+                        <a:schemeClr val="tx1"/>
+                      </a:solidFill>
+                      <a:prstDash val="solid"/>
+                      <a:round/>
+                      <a:headEnd type="none" w="med" len="med"/>
+                      <a:tailEnd type="none" w="med" len="med"/>
+                    </a:lnB>
+                    <a:solidFill>
+                      <a:schemeClr val="bg1">
+                        <a:lumMod val="95000"/>
+                      </a:schemeClr>
+                    </a:solidFill>
+                  </a:tcPr>
+                </a:tc>
+                <a:tc>
+                  <a:txBody>
+                    <a:bodyPr/>
+                    <a:lstStyle/>
+                    <a:p>
+                      <a:r>
+                        <a:rPr lang="nl-NL" dirty="0">
+                          <a:solidFill>
+                            <a:schemeClr val="tx2"/>
+                          </a:solidFill>
+                        </a:rPr>
+                        <a:t>x</a:t>
+                      </a:r>
+                      <a:endParaRPr lang="en-GB" dirty="0">
+                        <a:solidFill>
+                          <a:schemeClr val="tx2"/>
+                        </a:solidFill>
+                      </a:endParaRPr>
+                    </a:p>
+                  </a:txBody>
+                  <a:tcPr>
+                    <a:lnT w="12700" cap="flat" cmpd="sng" algn="ctr">
+                      <a:solidFill>
+                        <a:schemeClr val="tx1"/>
+                      </a:solidFill>
+                      <a:prstDash val="solid"/>
+                      <a:round/>
+                      <a:headEnd type="none" w="med" len="med"/>
+                      <a:tailEnd type="none" w="med" len="med"/>
+                    </a:lnT>
+                    <a:lnB w="12700" cap="flat" cmpd="sng" algn="ctr">
+                      <a:solidFill>
+                        <a:schemeClr val="tx1"/>
+                      </a:solidFill>
+                      <a:prstDash val="solid"/>
+                      <a:round/>
+                      <a:headEnd type="none" w="med" len="med"/>
+                      <a:tailEnd type="none" w="med" len="med"/>
+                    </a:lnB>
+                    <a:solidFill>
+                      <a:schemeClr val="bg1">
+                        <a:lumMod val="95000"/>
+                      </a:schemeClr>
+                    </a:solidFill>
+                  </a:tcPr>
+                </a:tc>
+                <a:tc>
+                  <a:txBody>
+                    <a:bodyPr/>
+                    <a:lstStyle/>
+                    <a:p>
+                      <a:r>
+                        <a:rPr lang="nl-NL" dirty="0">
+                          <a:solidFill>
+                            <a:schemeClr val="tx2"/>
+                          </a:solidFill>
+                        </a:rPr>
+                        <a:t>Worst case</a:t>
+                      </a:r>
+                      <a:endParaRPr lang="en-GB" dirty="0">
+                        <a:solidFill>
+                          <a:schemeClr val="tx2"/>
+                        </a:solidFill>
+                      </a:endParaRPr>
+                    </a:p>
+                  </a:txBody>
+                  <a:tcPr>
+                    <a:lnT w="12700" cap="flat" cmpd="sng" algn="ctr">
+                      <a:solidFill>
+                        <a:schemeClr val="tx1"/>
+                      </a:solidFill>
+                      <a:prstDash val="solid"/>
+                      <a:round/>
+                      <a:headEnd type="none" w="med" len="med"/>
+                      <a:tailEnd type="none" w="med" len="med"/>
+                    </a:lnT>
+                    <a:lnB w="12700" cap="flat" cmpd="sng" algn="ctr">
+                      <a:solidFill>
+                        <a:schemeClr val="tx1"/>
+                      </a:solidFill>
+                      <a:prstDash val="solid"/>
+                      <a:round/>
+                      <a:headEnd type="none" w="med" len="med"/>
+                      <a:tailEnd type="none" w="med" len="med"/>
+                    </a:lnB>
+                    <a:solidFill>
+                      <a:schemeClr val="bg1">
+                        <a:lumMod val="95000"/>
+                      </a:schemeClr>
+                    </a:solidFill>
+                  </a:tcPr>
+                </a:tc>
+                <a:tc>
+                  <a:txBody>
+                    <a:bodyPr/>
+                    <a:lstStyle/>
+                    <a:p>
+                      <a:endParaRPr lang="en-GB" dirty="0">
+                        <a:solidFill>
+                          <a:schemeClr val="tx2"/>
+                        </a:solidFill>
+                      </a:endParaRPr>
+                    </a:p>
+                  </a:txBody>
+                  <a:tcPr>
+                    <a:lnT w="12700" cap="flat" cmpd="sng" algn="ctr">
+                      <a:solidFill>
+                        <a:schemeClr val="tx1"/>
+                      </a:solidFill>
+                      <a:prstDash val="solid"/>
+                      <a:round/>
+                      <a:headEnd type="none" w="med" len="med"/>
+                      <a:tailEnd type="none" w="med" len="med"/>
+                    </a:lnT>
+                    <a:lnB w="12700" cap="flat" cmpd="sng" algn="ctr">
+                      <a:solidFill>
+                        <a:schemeClr val="tx1"/>
+                      </a:solidFill>
+                      <a:prstDash val="solid"/>
+                      <a:round/>
+                      <a:headEnd type="none" w="med" len="med"/>
+                      <a:tailEnd type="none" w="med" len="med"/>
+                    </a:lnB>
+                    <a:solidFill>
+                      <a:schemeClr val="bg1">
+                        <a:lumMod val="95000"/>
+                      </a:schemeClr>
+                    </a:solidFill>
+                  </a:tcPr>
+                </a:tc>
+                <a:extLst>
+                  <a:ext uri="{0D108BD9-81ED-4DB2-BD59-A6C34878D82A}">
+                    <a16:rowId xmlns:a16="http://schemas.microsoft.com/office/drawing/2014/main" val="3236376242"/>
+                  </a:ext>
+                </a:extLst>
+              </a:tr>
+              <a:tr h="627016">
+                <a:tc>
+                  <a:txBody>
+                    <a:bodyPr/>
+                    <a:lstStyle/>
+                    <a:p>
+                      <a:r>
+                        <a:rPr lang="nl-NL" dirty="0" err="1">
+                          <a:solidFill>
+                            <a:schemeClr val="tx2"/>
+                          </a:solidFill>
+                        </a:rPr>
+                        <a:t>Maximizing</a:t>
+                      </a:r>
+                      <a:r>
+                        <a:rPr lang="nl-NL" dirty="0">
+                          <a:solidFill>
+                            <a:schemeClr val="tx2"/>
+                          </a:solidFill>
+                        </a:rPr>
+                        <a:t> agent</a:t>
+                      </a:r>
+                    </a:p>
+                  </a:txBody>
+                  <a:tcPr>
+                    <a:lnT w="12700" cap="flat" cmpd="sng" algn="ctr">
+                      <a:solidFill>
+                        <a:schemeClr val="tx1"/>
+                      </a:solidFill>
+                      <a:prstDash val="solid"/>
+                      <a:round/>
+                      <a:headEnd type="none" w="med" len="med"/>
+                      <a:tailEnd type="none" w="med" len="med"/>
+                    </a:lnT>
+                    <a:solidFill>
+                      <a:schemeClr val="accent6">
+                        <a:lumMod val="20000"/>
+                        <a:lumOff val="80000"/>
+                      </a:schemeClr>
+                    </a:solidFill>
+                  </a:tcPr>
+                </a:tc>
+                <a:tc>
+                  <a:txBody>
+                    <a:bodyPr/>
+                    <a:lstStyle/>
+                    <a:p>
+                      <a:r>
+                        <a:rPr lang="nl-NL" dirty="0">
+                          <a:solidFill>
+                            <a:schemeClr val="tx2"/>
+                          </a:solidFill>
+                        </a:rPr>
+                        <a:t>Zet die beste kost teweeg brengt</a:t>
+                      </a:r>
+                    </a:p>
+                  </a:txBody>
+                  <a:tcPr>
+                    <a:lnT w="12700" cap="flat" cmpd="sng" algn="ctr">
+                      <a:solidFill>
+                        <a:schemeClr val="tx1"/>
+                      </a:solidFill>
+                      <a:prstDash val="solid"/>
+                      <a:round/>
+                      <a:headEnd type="none" w="med" len="med"/>
+                      <a:tailEnd type="none" w="med" len="med"/>
+                    </a:lnT>
+                    <a:solidFill>
+                      <a:schemeClr val="accent6">
+                        <a:lumMod val="20000"/>
+                        <a:lumOff val="80000"/>
+                      </a:schemeClr>
+                    </a:solidFill>
+                  </a:tcPr>
+                </a:tc>
+                <a:tc>
+                  <a:txBody>
+                    <a:bodyPr/>
+                    <a:lstStyle/>
+                    <a:p>
+                      <a:pPr marL="0" marR="0" lvl="0" indent="0" algn="l" defTabSz="914400" rtl="0" eaLnBrk="1" fontAlgn="auto" latinLnBrk="0" hangingPunct="1">
+                        <a:lnSpc>
+                          <a:spcPct val="100000"/>
+                        </a:lnSpc>
+                        <a:spcBef>
+                          <a:spcPts val="0"/>
+                        </a:spcBef>
+                        <a:spcAft>
+                          <a:spcPts val="0"/>
+                        </a:spcAft>
+                        <a:buClrTx/>
+                        <a:buSzTx/>
+                        <a:buFontTx/>
+                        <a:buNone/>
+                        <a:tabLst/>
+                        <a:defRPr/>
+                      </a:pPr>
+                      <a:r>
+                        <a:rPr lang="nl-NL" dirty="0">
+                          <a:solidFill>
+                            <a:schemeClr val="tx2"/>
+                          </a:solidFill>
+                        </a:rPr>
+                        <a:t>Minimax diepte 1</a:t>
+                      </a:r>
+                      <a:endParaRPr lang="en-GB" dirty="0">
+                        <a:solidFill>
+                          <a:schemeClr val="tx2"/>
+                        </a:solidFill>
+                      </a:endParaRPr>
+                    </a:p>
+                  </a:txBody>
+                  <a:tcPr>
+                    <a:lnT w="12700" cap="flat" cmpd="sng" algn="ctr">
+                      <a:solidFill>
+                        <a:schemeClr val="tx1"/>
+                      </a:solidFill>
+                      <a:prstDash val="solid"/>
+                      <a:round/>
+                      <a:headEnd type="none" w="med" len="med"/>
+                      <a:tailEnd type="none" w="med" len="med"/>
+                    </a:lnT>
+                    <a:solidFill>
+                      <a:schemeClr val="accent6">
+                        <a:lumMod val="20000"/>
+                        <a:lumOff val="80000"/>
+                      </a:schemeClr>
+                    </a:solidFill>
+                  </a:tcPr>
+                </a:tc>
+                <a:tc>
+                  <a:txBody>
+                    <a:bodyPr/>
+                    <a:lstStyle/>
+                    <a:p>
+                      <a:pPr marL="0" marR="0" lvl="0" indent="0" algn="l" defTabSz="914400" rtl="0" eaLnBrk="1" fontAlgn="auto" latinLnBrk="0" hangingPunct="1">
+                        <a:lnSpc>
+                          <a:spcPct val="100000"/>
+                        </a:lnSpc>
+                        <a:spcBef>
+                          <a:spcPts val="0"/>
+                        </a:spcBef>
+                        <a:spcAft>
+                          <a:spcPts val="0"/>
+                        </a:spcAft>
+                        <a:buClrTx/>
+                        <a:buSzTx/>
+                        <a:buFontTx/>
+                        <a:buNone/>
+                        <a:tabLst/>
+                        <a:defRPr/>
+                      </a:pPr>
+                      <a:endParaRPr lang="en-GB" dirty="0">
+                        <a:solidFill>
+                          <a:schemeClr val="tx2"/>
+                        </a:solidFill>
+                      </a:endParaRPr>
+                    </a:p>
+                  </a:txBody>
+                  <a:tcPr>
+                    <a:lnT w="12700" cap="flat" cmpd="sng" algn="ctr">
+                      <a:solidFill>
+                        <a:schemeClr val="tx1"/>
+                      </a:solidFill>
+                      <a:prstDash val="solid"/>
+                      <a:round/>
+                      <a:headEnd type="none" w="med" len="med"/>
+                      <a:tailEnd type="none" w="med" len="med"/>
+                    </a:lnT>
+                    <a:solidFill>
+                      <a:schemeClr val="accent6">
+                        <a:lumMod val="20000"/>
+                        <a:lumOff val="80000"/>
+                      </a:schemeClr>
+                    </a:solidFill>
+                  </a:tcPr>
+                </a:tc>
+                <a:tc>
+                  <a:txBody>
+                    <a:bodyPr/>
+                    <a:lstStyle/>
+                    <a:p>
+                      <a:pPr marL="0" marR="0" lvl="0" indent="0" algn="l" defTabSz="914400" rtl="0" eaLnBrk="1" fontAlgn="auto" latinLnBrk="0" hangingPunct="1">
+                        <a:lnSpc>
+                          <a:spcPct val="100000"/>
+                        </a:lnSpc>
+                        <a:spcBef>
+                          <a:spcPts val="0"/>
+                        </a:spcBef>
+                        <a:spcAft>
+                          <a:spcPts val="0"/>
+                        </a:spcAft>
+                        <a:buClrTx/>
+                        <a:buSzTx/>
+                        <a:buFontTx/>
+                        <a:buNone/>
+                        <a:tabLst/>
+                        <a:defRPr/>
+                      </a:pPr>
+                      <a:r>
+                        <a:rPr lang="nl-NL" dirty="0">
+                          <a:solidFill>
+                            <a:schemeClr val="tx2"/>
+                          </a:solidFill>
+                        </a:rPr>
+                        <a:t>Snel (boom)</a:t>
+                      </a:r>
+                      <a:endParaRPr lang="en-GB" dirty="0">
+                        <a:solidFill>
+                          <a:schemeClr val="tx2"/>
+                        </a:solidFill>
+                      </a:endParaRPr>
+                    </a:p>
+                  </a:txBody>
+                  <a:tcPr>
+                    <a:lnT w="12700" cap="flat" cmpd="sng" algn="ctr">
+                      <a:solidFill>
+                        <a:schemeClr val="tx1"/>
+                      </a:solidFill>
+                      <a:prstDash val="solid"/>
+                      <a:round/>
+                      <a:headEnd type="none" w="med" len="med"/>
+                      <a:tailEnd type="none" w="med" len="med"/>
+                    </a:lnT>
+                    <a:solidFill>
+                      <a:schemeClr val="accent6">
+                        <a:lumMod val="20000"/>
+                        <a:lumOff val="80000"/>
+                      </a:schemeClr>
+                    </a:solidFill>
+                  </a:tcPr>
+                </a:tc>
+                <a:extLst>
+                  <a:ext uri="{0D108BD9-81ED-4DB2-BD59-A6C34878D82A}">
+                    <a16:rowId xmlns:a16="http://schemas.microsoft.com/office/drawing/2014/main" val="22102527"/>
+                  </a:ext>
+                </a:extLst>
+              </a:tr>
+              <a:tr h="895738">
+                <a:tc>
+                  <a:txBody>
+                    <a:bodyPr/>
+                    <a:lstStyle/>
+                    <a:p>
+                      <a:pPr marL="0" marR="0" lvl="0" indent="0" algn="l" defTabSz="914400" rtl="0" eaLnBrk="1" fontAlgn="auto" latinLnBrk="0" hangingPunct="1">
+                        <a:lnSpc>
+                          <a:spcPct val="100000"/>
+                        </a:lnSpc>
+                        <a:spcBef>
+                          <a:spcPts val="0"/>
+                        </a:spcBef>
+                        <a:spcAft>
+                          <a:spcPts val="0"/>
+                        </a:spcAft>
+                        <a:buClrTx/>
+                        <a:buSzTx/>
+                        <a:buFontTx/>
+                        <a:buNone/>
+                        <a:tabLst/>
+                        <a:defRPr/>
+                      </a:pPr>
+                      <a:r>
+                        <a:rPr lang="nl-NL" dirty="0">
+                          <a:solidFill>
+                            <a:schemeClr val="tx2"/>
+                          </a:solidFill>
+                        </a:rPr>
+                        <a:t>Best fit</a:t>
+                      </a:r>
+                      <a:endParaRPr lang="en-GB" dirty="0">
+                        <a:solidFill>
+                          <a:schemeClr val="tx2"/>
+                        </a:solidFill>
+                      </a:endParaRPr>
+                    </a:p>
+                  </a:txBody>
+                  <a:tcPr>
+                    <a:lnB w="12700" cap="flat" cmpd="sng" algn="ctr">
+                      <a:solidFill>
+                        <a:schemeClr val="tx1"/>
+                      </a:solidFill>
+                      <a:prstDash val="solid"/>
+                      <a:round/>
+                      <a:headEnd type="none" w="med" len="med"/>
+                      <a:tailEnd type="none" w="med" len="med"/>
+                    </a:lnB>
+                    <a:solidFill>
+                      <a:schemeClr val="bg1">
+                        <a:lumMod val="95000"/>
+                      </a:schemeClr>
+                    </a:solidFill>
+                  </a:tcPr>
+                </a:tc>
+                <a:tc>
+                  <a:txBody>
+                    <a:bodyPr/>
+                    <a:lstStyle/>
+                    <a:p>
+                      <a:pPr marL="0" marR="0" lvl="0" indent="0" algn="l" defTabSz="914400" rtl="0" eaLnBrk="1" fontAlgn="auto" latinLnBrk="0" hangingPunct="1">
+                        <a:lnSpc>
+                          <a:spcPct val="100000"/>
+                        </a:lnSpc>
+                        <a:spcBef>
+                          <a:spcPts val="0"/>
+                        </a:spcBef>
+                        <a:spcAft>
+                          <a:spcPts val="0"/>
+                        </a:spcAft>
+                        <a:buClrTx/>
+                        <a:buSzTx/>
+                        <a:buFontTx/>
+                        <a:buNone/>
+                        <a:tabLst/>
+                        <a:defRPr/>
+                      </a:pPr>
+                      <a:r>
+                        <a:rPr lang="nl-NL" dirty="0">
+                          <a:solidFill>
+                            <a:schemeClr val="tx2"/>
+                          </a:solidFill>
+                        </a:rPr>
+                        <a:t>Beste zet op voorhand bepaald</a:t>
+                      </a:r>
+                      <a:endParaRPr lang="en-GB" dirty="0">
+                        <a:solidFill>
+                          <a:schemeClr val="tx2"/>
+                        </a:solidFill>
+                      </a:endParaRPr>
+                    </a:p>
+                  </a:txBody>
+                  <a:tcPr>
+                    <a:lnB w="12700" cap="flat" cmpd="sng" algn="ctr">
+                      <a:solidFill>
+                        <a:schemeClr val="tx1"/>
+                      </a:solidFill>
+                      <a:prstDash val="solid"/>
+                      <a:round/>
+                      <a:headEnd type="none" w="med" len="med"/>
+                      <a:tailEnd type="none" w="med" len="med"/>
+                    </a:lnB>
+                    <a:solidFill>
+                      <a:schemeClr val="bg1">
+                        <a:lumMod val="95000"/>
+                      </a:schemeClr>
+                    </a:solidFill>
+                  </a:tcPr>
+                </a:tc>
+                <a:tc>
+                  <a:txBody>
+                    <a:bodyPr/>
+                    <a:lstStyle/>
+                    <a:p>
+                      <a:r>
+                        <a:rPr lang="nl-NL" dirty="0">
+                          <a:solidFill>
+                            <a:schemeClr val="tx2"/>
+                          </a:solidFill>
+                        </a:rPr>
+                        <a:t>x</a:t>
+                      </a:r>
+                      <a:endParaRPr lang="en-GB" dirty="0">
+                        <a:solidFill>
+                          <a:schemeClr val="tx2"/>
+                        </a:solidFill>
+                      </a:endParaRPr>
+                    </a:p>
+                  </a:txBody>
+                  <a:tcPr>
+                    <a:lnB w="12700" cap="flat" cmpd="sng" algn="ctr">
+                      <a:solidFill>
+                        <a:schemeClr val="tx1"/>
+                      </a:solidFill>
+                      <a:prstDash val="solid"/>
+                      <a:round/>
+                      <a:headEnd type="none" w="med" len="med"/>
+                      <a:tailEnd type="none" w="med" len="med"/>
+                    </a:lnB>
+                    <a:solidFill>
+                      <a:schemeClr val="bg1">
+                        <a:lumMod val="95000"/>
+                      </a:schemeClr>
+                    </a:solidFill>
+                  </a:tcPr>
+                </a:tc>
+                <a:tc>
+                  <a:txBody>
+                    <a:bodyPr/>
+                    <a:lstStyle/>
+                    <a:p>
+                      <a:r>
+                        <a:rPr lang="nl-NL" dirty="0">
+                          <a:solidFill>
+                            <a:schemeClr val="tx2"/>
+                          </a:solidFill>
+                        </a:rPr>
+                        <a:t>Vaste volgorde</a:t>
+                      </a:r>
+                    </a:p>
+                    <a:p>
+                      <a:r>
+                        <a:rPr lang="nl-NL" dirty="0">
+                          <a:solidFill>
+                            <a:schemeClr val="tx2"/>
+                          </a:solidFill>
+                        </a:rPr>
+                        <a:t>(zelfs al heb je optimale volgorde)</a:t>
+                      </a:r>
+                      <a:endParaRPr lang="en-GB" dirty="0">
+                        <a:solidFill>
+                          <a:schemeClr val="tx2"/>
+                        </a:solidFill>
+                      </a:endParaRPr>
+                    </a:p>
+                  </a:txBody>
+                  <a:tcPr>
+                    <a:lnB w="12700" cap="flat" cmpd="sng" algn="ctr">
+                      <a:solidFill>
+                        <a:schemeClr val="tx1"/>
+                      </a:solidFill>
+                      <a:prstDash val="solid"/>
+                      <a:round/>
+                      <a:headEnd type="none" w="med" len="med"/>
+                      <a:tailEnd type="none" w="med" len="med"/>
+                    </a:lnB>
+                    <a:solidFill>
+                      <a:schemeClr val="bg1">
+                        <a:lumMod val="95000"/>
+                      </a:schemeClr>
+                    </a:solidFill>
+                  </a:tcPr>
+                </a:tc>
+                <a:tc>
+                  <a:txBody>
+                    <a:bodyPr/>
+                    <a:lstStyle/>
+                    <a:p>
+                      <a:r>
+                        <a:rPr lang="nl-NL" strike="sngStrike" dirty="0">
+                          <a:solidFill>
+                            <a:schemeClr val="tx2"/>
+                          </a:solidFill>
+                        </a:rPr>
+                        <a:t>Worst case</a:t>
+                      </a:r>
+                    </a:p>
+                    <a:p>
+                      <a:r>
+                        <a:rPr lang="nl-NL" dirty="0" err="1">
+                          <a:solidFill>
+                            <a:schemeClr val="tx2"/>
+                          </a:solidFill>
+                        </a:rPr>
+                        <a:t>Average</a:t>
+                      </a:r>
+                      <a:r>
+                        <a:rPr lang="nl-NL" dirty="0">
+                          <a:solidFill>
+                            <a:schemeClr val="tx2"/>
+                          </a:solidFill>
+                        </a:rPr>
+                        <a:t> case</a:t>
+                      </a:r>
+                    </a:p>
+                    <a:p>
+                      <a:r>
+                        <a:rPr lang="nl-NL" strike="sngStrike" dirty="0">
+                          <a:solidFill>
+                            <a:schemeClr val="tx2"/>
+                          </a:solidFill>
+                        </a:rPr>
+                        <a:t>Best case</a:t>
+                      </a:r>
+                      <a:endParaRPr lang="en-GB" strike="sngStrike" dirty="0">
+                        <a:solidFill>
+                          <a:schemeClr val="tx2"/>
+                        </a:solidFill>
+                      </a:endParaRPr>
+                    </a:p>
+                  </a:txBody>
+                  <a:tcPr>
+                    <a:lnB w="12700" cap="flat" cmpd="sng" algn="ctr">
+                      <a:solidFill>
+                        <a:schemeClr val="tx1"/>
+                      </a:solidFill>
+                      <a:prstDash val="solid"/>
+                      <a:round/>
+                      <a:headEnd type="none" w="med" len="med"/>
+                      <a:tailEnd type="none" w="med" len="med"/>
+                    </a:lnB>
+                    <a:solidFill>
+                      <a:schemeClr val="bg1">
+                        <a:lumMod val="95000"/>
+                      </a:schemeClr>
+                    </a:solidFill>
+                  </a:tcPr>
+                </a:tc>
+                <a:extLst>
+                  <a:ext uri="{0D108BD9-81ED-4DB2-BD59-A6C34878D82A}">
+                    <a16:rowId xmlns:a16="http://schemas.microsoft.com/office/drawing/2014/main" val="3316291328"/>
+                  </a:ext>
+                </a:extLst>
+              </a:tr>
+              <a:tr h="1221536">
+                <a:tc>
+                  <a:txBody>
+                    <a:bodyPr/>
+                    <a:lstStyle/>
+                    <a:p>
+                      <a:r>
+                        <a:rPr lang="nl-NL" dirty="0">
+                          <a:solidFill>
+                            <a:schemeClr val="tx2"/>
+                          </a:solidFill>
+                        </a:rPr>
+                        <a:t>minimax</a:t>
+                      </a:r>
+                      <a:endParaRPr lang="en-GB" dirty="0">
+                        <a:solidFill>
+                          <a:schemeClr val="tx2"/>
+                        </a:solidFill>
+                      </a:endParaRPr>
+                    </a:p>
+                  </a:txBody>
+                  <a:tcPr>
+                    <a:lnT w="12700" cap="flat" cmpd="sng" algn="ctr">
+                      <a:solidFill>
+                        <a:schemeClr val="tx1"/>
+                      </a:solidFill>
+                      <a:prstDash val="solid"/>
+                      <a:round/>
+                      <a:headEnd type="none" w="med" len="med"/>
+                      <a:tailEnd type="none" w="med" len="med"/>
+                    </a:lnT>
+                    <a:lnB w="12700" cap="flat" cmpd="sng" algn="ctr">
+                      <a:solidFill>
+                        <a:schemeClr val="tx1"/>
+                      </a:solidFill>
+                      <a:prstDash val="solid"/>
+                      <a:round/>
+                      <a:headEnd type="none" w="med" len="med"/>
+                      <a:tailEnd type="none" w="med" len="med"/>
+                    </a:lnB>
+                    <a:solidFill>
+                      <a:schemeClr val="accent6">
+                        <a:lumMod val="20000"/>
+                        <a:lumOff val="80000"/>
+                      </a:schemeClr>
+                    </a:solidFill>
+                  </a:tcPr>
+                </a:tc>
+                <a:tc>
+                  <a:txBody>
+                    <a:bodyPr/>
+                    <a:lstStyle/>
+                    <a:p>
+                      <a:r>
+                        <a:rPr lang="nl-NL" dirty="0">
+                          <a:solidFill>
+                            <a:schemeClr val="tx2"/>
+                          </a:solidFill>
+                        </a:rPr>
+                        <a:t>Gaat uit van worst case</a:t>
+                      </a:r>
+                    </a:p>
+                    <a:p>
+                      <a:r>
+                        <a:rPr lang="nl-NL" dirty="0">
+                          <a:solidFill>
+                            <a:schemeClr val="tx2"/>
+                          </a:solidFill>
+                        </a:rPr>
+                        <a:t>Kiest beste van slechtste</a:t>
+                      </a:r>
+                    </a:p>
+                  </a:txBody>
+                  <a:tcPr>
+                    <a:lnT w="12700" cap="flat" cmpd="sng" algn="ctr">
+                      <a:solidFill>
+                        <a:schemeClr val="tx1"/>
+                      </a:solidFill>
+                      <a:prstDash val="solid"/>
+                      <a:round/>
+                      <a:headEnd type="none" w="med" len="med"/>
+                      <a:tailEnd type="none" w="med" len="med"/>
+                    </a:lnT>
+                    <a:lnB w="12700" cap="flat" cmpd="sng" algn="ctr">
+                      <a:solidFill>
+                        <a:schemeClr val="tx1"/>
+                      </a:solidFill>
+                      <a:prstDash val="solid"/>
+                      <a:round/>
+                      <a:headEnd type="none" w="med" len="med"/>
+                      <a:tailEnd type="none" w="med" len="med"/>
+                    </a:lnB>
+                    <a:solidFill>
+                      <a:schemeClr val="accent6">
+                        <a:lumMod val="20000"/>
+                        <a:lumOff val="80000"/>
+                      </a:schemeClr>
+                    </a:solidFill>
+                  </a:tcPr>
+                </a:tc>
+                <a:tc>
+                  <a:txBody>
+                    <a:bodyPr/>
+                    <a:lstStyle/>
+                    <a:p>
+                      <a:r>
+                        <a:rPr lang="nl-NL" dirty="0">
+                          <a:solidFill>
+                            <a:schemeClr val="tx2"/>
+                          </a:solidFill>
+                        </a:rPr>
+                        <a:t>x</a:t>
+                      </a:r>
+                      <a:endParaRPr lang="en-GB" dirty="0">
+                        <a:solidFill>
+                          <a:schemeClr val="tx2"/>
+                        </a:solidFill>
+                      </a:endParaRPr>
+                    </a:p>
+                  </a:txBody>
+                  <a:tcPr>
+                    <a:lnT w="12700" cap="flat" cmpd="sng" algn="ctr">
+                      <a:solidFill>
+                        <a:schemeClr val="tx1"/>
+                      </a:solidFill>
+                      <a:prstDash val="solid"/>
+                      <a:round/>
+                      <a:headEnd type="none" w="med" len="med"/>
+                      <a:tailEnd type="none" w="med" len="med"/>
+                    </a:lnT>
+                    <a:lnB w="12700" cap="flat" cmpd="sng" algn="ctr">
+                      <a:solidFill>
+                        <a:schemeClr val="tx1"/>
+                      </a:solidFill>
+                      <a:prstDash val="solid"/>
+                      <a:round/>
+                      <a:headEnd type="none" w="med" len="med"/>
+                      <a:tailEnd type="none" w="med" len="med"/>
+                    </a:lnB>
+                    <a:solidFill>
+                      <a:schemeClr val="accent6">
+                        <a:lumMod val="20000"/>
+                        <a:lumOff val="80000"/>
+                      </a:schemeClr>
+                    </a:solidFill>
+                  </a:tcPr>
+                </a:tc>
+                <a:tc>
+                  <a:txBody>
+                    <a:bodyPr/>
+                    <a:lstStyle/>
+                    <a:p>
+                      <a:r>
+                        <a:rPr lang="nl-NL" dirty="0">
+                          <a:solidFill>
+                            <a:schemeClr val="tx2"/>
+                          </a:solidFill>
+                        </a:rPr>
+                        <a:t>Eindige boom, maar praktisch te groot</a:t>
+                      </a:r>
+                    </a:p>
+                    <a:p>
+                      <a:r>
+                        <a:rPr lang="nl-NL" dirty="0">
+                          <a:solidFill>
+                            <a:schemeClr val="tx2"/>
+                          </a:solidFill>
+                        </a:rPr>
+                        <a:t>traag</a:t>
+                      </a:r>
+                      <a:endParaRPr lang="en-GB" dirty="0">
+                        <a:solidFill>
+                          <a:schemeClr val="tx2"/>
+                        </a:solidFill>
+                      </a:endParaRPr>
+                    </a:p>
+                  </a:txBody>
+                  <a:tcPr>
+                    <a:lnT w="12700" cap="flat" cmpd="sng" algn="ctr">
+                      <a:solidFill>
+                        <a:schemeClr val="tx1"/>
+                      </a:solidFill>
+                      <a:prstDash val="solid"/>
+                      <a:round/>
+                      <a:headEnd type="none" w="med" len="med"/>
+                      <a:tailEnd type="none" w="med" len="med"/>
+                    </a:lnT>
+                    <a:lnB w="12700" cap="flat" cmpd="sng" algn="ctr">
+                      <a:solidFill>
+                        <a:schemeClr val="tx1"/>
+                      </a:solidFill>
+                      <a:prstDash val="solid"/>
+                      <a:round/>
+                      <a:headEnd type="none" w="med" len="med"/>
+                      <a:tailEnd type="none" w="med" len="med"/>
+                    </a:lnB>
+                    <a:solidFill>
+                      <a:schemeClr val="accent6">
+                        <a:lumMod val="20000"/>
+                        <a:lumOff val="80000"/>
+                      </a:schemeClr>
+                    </a:solidFill>
+                  </a:tcPr>
+                </a:tc>
+                <a:tc>
+                  <a:txBody>
+                    <a:bodyPr/>
+                    <a:lstStyle/>
+                    <a:p>
+                      <a:pPr marL="0" marR="0" lvl="0" indent="0" algn="l" defTabSz="914400" rtl="0" eaLnBrk="1" fontAlgn="auto" latinLnBrk="0" hangingPunct="1">
+                        <a:lnSpc>
+                          <a:spcPct val="100000"/>
+                        </a:lnSpc>
+                        <a:spcBef>
+                          <a:spcPts val="0"/>
+                        </a:spcBef>
+                        <a:spcAft>
+                          <a:spcPts val="0"/>
+                        </a:spcAft>
+                        <a:buClrTx/>
+                        <a:buSzTx/>
+                        <a:buFontTx/>
+                        <a:buNone/>
+                        <a:tabLst/>
+                        <a:defRPr/>
+                      </a:pPr>
+                      <a:r>
+                        <a:rPr lang="nl-NL" dirty="0" err="1">
+                          <a:solidFill>
+                            <a:schemeClr val="tx2"/>
+                          </a:solidFill>
+                        </a:rPr>
+                        <a:t>Average</a:t>
+                      </a:r>
+                      <a:r>
+                        <a:rPr lang="nl-NL" dirty="0">
+                          <a:solidFill>
+                            <a:schemeClr val="tx2"/>
+                          </a:solidFill>
+                        </a:rPr>
+                        <a:t> case</a:t>
+                      </a:r>
+                    </a:p>
+                    <a:p>
+                      <a:r>
+                        <a:rPr lang="nl-NL" dirty="0">
+                          <a:solidFill>
+                            <a:schemeClr val="tx2"/>
+                          </a:solidFill>
+                        </a:rPr>
+                        <a:t>Best case</a:t>
+                      </a:r>
+                    </a:p>
+                  </a:txBody>
+                  <a:tcPr>
+                    <a:lnT w="12700" cap="flat" cmpd="sng" algn="ctr">
+                      <a:solidFill>
+                        <a:schemeClr val="tx1"/>
+                      </a:solidFill>
+                      <a:prstDash val="solid"/>
+                      <a:round/>
+                      <a:headEnd type="none" w="med" len="med"/>
+                      <a:tailEnd type="none" w="med" len="med"/>
+                    </a:lnT>
+                    <a:lnB w="12700" cap="flat" cmpd="sng" algn="ctr">
+                      <a:solidFill>
+                        <a:schemeClr val="tx1"/>
+                      </a:solidFill>
+                      <a:prstDash val="solid"/>
+                      <a:round/>
+                      <a:headEnd type="none" w="med" len="med"/>
+                      <a:tailEnd type="none" w="med" len="med"/>
+                    </a:lnB>
+                    <a:solidFill>
+                      <a:schemeClr val="accent6">
+                        <a:lumMod val="20000"/>
+                        <a:lumOff val="80000"/>
+                      </a:schemeClr>
+                    </a:solidFill>
+                  </a:tcPr>
+                </a:tc>
+                <a:extLst>
+                  <a:ext uri="{0D108BD9-81ED-4DB2-BD59-A6C34878D82A}">
+                    <a16:rowId xmlns:a16="http://schemas.microsoft.com/office/drawing/2014/main" val="2936915070"/>
+                  </a:ext>
+                </a:extLst>
+              </a:tr>
+              <a:tr h="895738">
+                <a:tc>
+                  <a:txBody>
+                    <a:bodyPr/>
+                    <a:lstStyle/>
+                    <a:p>
+                      <a:r>
+                        <a:rPr lang="nl-NL" dirty="0" err="1">
+                          <a:solidFill>
+                            <a:schemeClr val="tx2"/>
+                          </a:solidFill>
+                        </a:rPr>
+                        <a:t>pruning</a:t>
+                      </a:r>
+                      <a:endParaRPr lang="en-GB" dirty="0">
+                        <a:solidFill>
+                          <a:schemeClr val="tx2"/>
+                        </a:solidFill>
+                      </a:endParaRPr>
+                    </a:p>
+                  </a:txBody>
+                  <a:tcPr>
+                    <a:lnT w="12700" cap="flat" cmpd="sng" algn="ctr">
+                      <a:solidFill>
+                        <a:schemeClr val="tx1"/>
+                      </a:solidFill>
+                      <a:prstDash val="solid"/>
+                      <a:round/>
+                      <a:headEnd type="none" w="med" len="med"/>
+                      <a:tailEnd type="none" w="med" len="med"/>
+                    </a:lnT>
+                    <a:solidFill>
+                      <a:schemeClr val="accent6">
+                        <a:lumMod val="20000"/>
+                        <a:lumOff val="80000"/>
+                      </a:schemeClr>
+                    </a:solidFill>
+                  </a:tcPr>
+                </a:tc>
+                <a:tc>
+                  <a:txBody>
+                    <a:bodyPr/>
+                    <a:lstStyle/>
+                    <a:p>
+                      <a:r>
+                        <a:rPr lang="nl-NL" dirty="0">
+                          <a:solidFill>
+                            <a:schemeClr val="tx2"/>
+                          </a:solidFill>
+                        </a:rPr>
+                        <a:t>score</a:t>
+                      </a:r>
+                      <a:endParaRPr lang="en-GB" dirty="0">
+                        <a:solidFill>
+                          <a:schemeClr val="tx2"/>
+                        </a:solidFill>
+                      </a:endParaRPr>
+                    </a:p>
+                  </a:txBody>
+                  <a:tcPr>
+                    <a:lnT w="12700" cap="flat" cmpd="sng" algn="ctr">
+                      <a:solidFill>
+                        <a:schemeClr val="tx1"/>
+                      </a:solidFill>
+                      <a:prstDash val="solid"/>
+                      <a:round/>
+                      <a:headEnd type="none" w="med" len="med"/>
+                      <a:tailEnd type="none" w="med" len="med"/>
+                    </a:lnT>
+                    <a:solidFill>
+                      <a:schemeClr val="accent6">
+                        <a:lumMod val="20000"/>
+                        <a:lumOff val="80000"/>
+                      </a:schemeClr>
+                    </a:solidFill>
+                  </a:tcPr>
+                </a:tc>
+                <a:tc>
+                  <a:txBody>
+                    <a:bodyPr/>
+                    <a:lstStyle/>
+                    <a:p>
+                      <a:r>
+                        <a:rPr lang="nl-NL" dirty="0">
+                          <a:solidFill>
+                            <a:schemeClr val="tx2"/>
+                          </a:solidFill>
+                        </a:rPr>
+                        <a:t>Snellere minimax</a:t>
+                      </a:r>
+                      <a:endParaRPr lang="en-GB" dirty="0">
+                        <a:solidFill>
+                          <a:schemeClr val="tx2"/>
+                        </a:solidFill>
+                      </a:endParaRPr>
+                    </a:p>
+                  </a:txBody>
+                  <a:tcPr>
+                    <a:lnT w="12700" cap="flat" cmpd="sng" algn="ctr">
+                      <a:solidFill>
+                        <a:schemeClr val="tx1"/>
+                      </a:solidFill>
+                      <a:prstDash val="solid"/>
+                      <a:round/>
+                      <a:headEnd type="none" w="med" len="med"/>
+                      <a:tailEnd type="none" w="med" len="med"/>
+                    </a:lnT>
+                    <a:solidFill>
+                      <a:schemeClr val="accent6">
+                        <a:lumMod val="20000"/>
+                        <a:lumOff val="80000"/>
+                      </a:schemeClr>
+                    </a:solidFill>
+                  </a:tcPr>
+                </a:tc>
+                <a:tc>
+                  <a:txBody>
+                    <a:bodyPr/>
+                    <a:lstStyle/>
+                    <a:p>
+                      <a:endParaRPr lang="en-GB" dirty="0">
+                        <a:solidFill>
+                          <a:schemeClr val="tx2"/>
+                        </a:solidFill>
+                      </a:endParaRPr>
+                    </a:p>
+                  </a:txBody>
+                  <a:tcPr>
+                    <a:lnT w="12700" cap="flat" cmpd="sng" algn="ctr">
+                      <a:solidFill>
+                        <a:schemeClr val="tx1"/>
+                      </a:solidFill>
+                      <a:prstDash val="solid"/>
+                      <a:round/>
+                      <a:headEnd type="none" w="med" len="med"/>
+                      <a:tailEnd type="none" w="med" len="med"/>
+                    </a:lnT>
+                    <a:solidFill>
+                      <a:schemeClr val="accent6">
+                        <a:lumMod val="20000"/>
+                        <a:lumOff val="80000"/>
+                      </a:schemeClr>
+                    </a:solidFill>
+                  </a:tcPr>
+                </a:tc>
+                <a:tc>
+                  <a:txBody>
+                    <a:bodyPr/>
+                    <a:lstStyle/>
+                    <a:p>
+                      <a:pPr marL="0" marR="0" lvl="0" indent="0" algn="l" defTabSz="914400" rtl="0" eaLnBrk="1" fontAlgn="auto" latinLnBrk="0" hangingPunct="1">
+                        <a:lnSpc>
+                          <a:spcPct val="100000"/>
+                        </a:lnSpc>
+                        <a:spcBef>
+                          <a:spcPts val="0"/>
+                        </a:spcBef>
+                        <a:spcAft>
+                          <a:spcPts val="0"/>
+                        </a:spcAft>
+                        <a:buClrTx/>
+                        <a:buSzTx/>
+                        <a:buFontTx/>
+                        <a:buNone/>
+                        <a:tabLst/>
+                        <a:defRPr/>
+                      </a:pPr>
+                      <a:r>
+                        <a:rPr lang="nl-NL" dirty="0" err="1">
+                          <a:solidFill>
+                            <a:schemeClr val="tx2"/>
+                          </a:solidFill>
+                        </a:rPr>
+                        <a:t>Average</a:t>
+                      </a:r>
+                      <a:r>
+                        <a:rPr lang="nl-NL" dirty="0">
+                          <a:solidFill>
+                            <a:schemeClr val="tx2"/>
+                          </a:solidFill>
+                        </a:rPr>
+                        <a:t> case</a:t>
+                      </a:r>
+                    </a:p>
+                    <a:p>
+                      <a:r>
+                        <a:rPr lang="nl-NL" dirty="0">
+                          <a:solidFill>
+                            <a:schemeClr val="tx2"/>
+                          </a:solidFill>
+                        </a:rPr>
+                        <a:t>Best case</a:t>
+                      </a:r>
+                    </a:p>
+                    <a:p>
+                      <a:r>
+                        <a:rPr lang="nl-NL" dirty="0">
+                          <a:solidFill>
+                            <a:schemeClr val="tx2"/>
+                          </a:solidFill>
+                        </a:rPr>
+                        <a:t>Sneller dan minimax</a:t>
+                      </a:r>
+                      <a:endParaRPr lang="en-GB" dirty="0">
+                        <a:solidFill>
+                          <a:schemeClr val="tx2"/>
+                        </a:solidFill>
+                      </a:endParaRPr>
+                    </a:p>
+                  </a:txBody>
+                  <a:tcPr>
+                    <a:lnT w="12700" cap="flat" cmpd="sng" algn="ctr">
+                      <a:solidFill>
+                        <a:schemeClr val="tx1"/>
+                      </a:solidFill>
+                      <a:prstDash val="solid"/>
+                      <a:round/>
+                      <a:headEnd type="none" w="med" len="med"/>
+                      <a:tailEnd type="none" w="med" len="med"/>
+                    </a:lnT>
+                    <a:solidFill>
+                      <a:schemeClr val="accent6">
+                        <a:lumMod val="20000"/>
+                        <a:lumOff val="80000"/>
+                      </a:schemeClr>
+                    </a:solidFill>
+                  </a:tcPr>
+                </a:tc>
+                <a:extLst>
+                  <a:ext uri="{0D108BD9-81ED-4DB2-BD59-A6C34878D82A}">
+                    <a16:rowId xmlns:a16="http://schemas.microsoft.com/office/drawing/2014/main" val="1421294838"/>
+                  </a:ext>
+                </a:extLst>
+              </a:tr>
+              <a:tr h="627016">
+                <a:tc>
+                  <a:txBody>
+                    <a:bodyPr/>
+                    <a:lstStyle/>
+                    <a:p>
+                      <a:r>
+                        <a:rPr lang="nl-NL" dirty="0"/>
+                        <a:t>Neuraal netwerk</a:t>
+                      </a:r>
+                      <a:endParaRPr lang="en-GB" dirty="0"/>
+                    </a:p>
+                  </a:txBody>
+                  <a:tcPr/>
+                </a:tc>
+                <a:tc>
+                  <a:txBody>
+                    <a:bodyPr/>
+                    <a:lstStyle/>
+                    <a:p>
+                      <a:r>
+                        <a:rPr lang="nl-NL" dirty="0"/>
+                        <a:t>Per stap getraind model gebruiken</a:t>
+                      </a:r>
+                      <a:endParaRPr lang="en-GB" dirty="0"/>
+                    </a:p>
+                  </a:txBody>
+                  <a:tcPr/>
+                </a:tc>
+                <a:tc>
+                  <a:txBody>
+                    <a:bodyPr/>
+                    <a:lstStyle/>
+                    <a:p>
+                      <a:endParaRPr lang="en-GB" dirty="0"/>
+                    </a:p>
+                  </a:txBody>
+                  <a:tcPr/>
+                </a:tc>
+                <a:tc>
+                  <a:txBody>
+                    <a:bodyPr/>
+                    <a:lstStyle/>
+                    <a:p>
+                      <a:endParaRPr lang="en-GB" dirty="0"/>
+                    </a:p>
+                  </a:txBody>
+                  <a:tcPr/>
+                </a:tc>
+                <a:tc>
+                  <a:txBody>
+                    <a:bodyPr/>
+                    <a:lstStyle/>
+                    <a:p>
+                      <a:endParaRPr lang="en-GB" dirty="0"/>
+                    </a:p>
+                  </a:txBody>
+                  <a:tcPr/>
+                </a:tc>
+                <a:extLst>
+                  <a:ext uri="{0D108BD9-81ED-4DB2-BD59-A6C34878D82A}">
+                    <a16:rowId xmlns:a16="http://schemas.microsoft.com/office/drawing/2014/main" val="175512336"/>
+                  </a:ext>
+                </a:extLst>
+              </a:tr>
+            </a:tbl>
+          </a:graphicData>
+        </a:graphic>
+      </p:graphicFrame>
+    </p:spTree>
+    <p:extLst>
+      <p:ext uri="{BB962C8B-B14F-4D97-AF65-F5344CB8AC3E}">
+        <p14:creationId xmlns:p14="http://schemas.microsoft.com/office/powerpoint/2010/main" val="2837306618"/>
+      </p:ext>
+    </p:extLst>
+  </p:cSld>
+  <p:clrMapOvr>
+    <a:masterClrMapping/>
+  </p:clrMapOvr>
+</p:sld>
+</file>
+
+<file path=ppt/slides/slide13.xml><?xml version="1.0" encoding="utf-8"?>
+<p:sld xmlns:a="http://schemas.openxmlformats.org/drawingml/2006/main" xmlns:r="http://schemas.openxmlformats.org/officeDocument/2006/relationships" xmlns:p="http://schemas.openxmlformats.org/presentationml/2006/main">
+  <p:cSld>
+    <p:spTree>
+      <p:nvGrpSpPr>
+        <p:cNvPr id="1" name=""/>
+        <p:cNvGrpSpPr/>
+        <p:nvPr/>
+      </p:nvGrpSpPr>
+      <p:grpSpPr>
+        <a:xfrm>
+          <a:off x="0" y="0"/>
+          <a:ext cx="0" cy="0"/>
+          <a:chOff x="0" y="0"/>
+          <a:chExt cx="0" cy="0"/>
+        </a:xfrm>
+      </p:grpSpPr>
+      <p:pic>
+        <p:nvPicPr>
+          <p:cNvPr id="3" name="Picture 2">
+            <a:extLst>
+              <a:ext uri="{FF2B5EF4-FFF2-40B4-BE49-F238E27FC236}">
+                <a16:creationId xmlns:a16="http://schemas.microsoft.com/office/drawing/2014/main" id="{2C7F08F3-525B-4C5A-8D64-AC0E98A5CA20}"/>
+              </a:ext>
+            </a:extLst>
+          </p:cNvPr>
+          <p:cNvPicPr>
+            <a:picLocks noChangeAspect="1"/>
+          </p:cNvPicPr>
+          <p:nvPr/>
+        </p:nvPicPr>
+        <p:blipFill>
+          <a:blip r:embed="rId2"/>
+          <a:stretch>
+            <a:fillRect/>
+          </a:stretch>
+        </p:blipFill>
+        <p:spPr>
+          <a:xfrm>
+            <a:off x="6898341" y="165331"/>
+            <a:ext cx="4520773" cy="5881006"/>
+          </a:xfrm>
+          <a:prstGeom prst="rect">
+            <a:avLst/>
+          </a:prstGeom>
+        </p:spPr>
+      </p:pic>
+      <p:sp>
+        <p:nvSpPr>
+          <p:cNvPr id="4" name="TextBox 3">
+            <a:extLst>
+              <a:ext uri="{FF2B5EF4-FFF2-40B4-BE49-F238E27FC236}">
+                <a16:creationId xmlns:a16="http://schemas.microsoft.com/office/drawing/2014/main" id="{0EC072DF-89DC-4598-8CF7-6B1C38F5F90D}"/>
+              </a:ext>
+            </a:extLst>
+          </p:cNvPr>
+          <p:cNvSpPr txBox="1"/>
+          <p:nvPr/>
+        </p:nvSpPr>
+        <p:spPr>
+          <a:xfrm>
+            <a:off x="530839" y="3105834"/>
+            <a:ext cx="5782236" cy="646331"/>
+          </a:xfrm>
+          <a:prstGeom prst="rect">
+            <a:avLst/>
+          </a:prstGeom>
+          <a:noFill/>
+        </p:spPr>
+        <p:txBody>
+          <a:bodyPr wrap="square" rtlCol="0">
+            <a:spAutoFit/>
+          </a:bodyPr>
+          <a:lstStyle/>
+          <a:p>
+            <a:r>
+              <a:rPr lang="en-GB" dirty="0">
+                <a:effectLst/>
+              </a:rPr>
+              <a:t>[1]	S. Fort, L. Gan, and A. Zhao, “Applying Machine Learning to the Board Game Pylos,” pp. 1–5.</a:t>
+            </a:r>
+            <a:endParaRPr lang="en-GB" dirty="0"/>
+          </a:p>
+        </p:txBody>
+      </p:sp>
+      <p:sp>
+        <p:nvSpPr>
+          <p:cNvPr id="5" name="Title 4">
+            <a:extLst>
+              <a:ext uri="{FF2B5EF4-FFF2-40B4-BE49-F238E27FC236}">
+                <a16:creationId xmlns:a16="http://schemas.microsoft.com/office/drawing/2014/main" id="{B0E64320-F8B5-4A58-B486-AA949B60932A}"/>
+              </a:ext>
+            </a:extLst>
+          </p:cNvPr>
+          <p:cNvSpPr>
+            <a:spLocks noGrp="1"/>
+          </p:cNvSpPr>
+          <p:nvPr>
+            <p:ph type="title"/>
+          </p:nvPr>
+        </p:nvSpPr>
+        <p:spPr/>
+        <p:txBody>
+          <a:bodyPr/>
+          <a:lstStyle/>
+          <a:p>
+            <a:r>
+              <a:rPr lang="nl-NL" dirty="0"/>
+              <a:t>Paper</a:t>
+            </a:r>
+            <a:endParaRPr lang="en-GB" dirty="0"/>
+          </a:p>
+        </p:txBody>
+      </p:sp>
+    </p:spTree>
+    <p:extLst>
+      <p:ext uri="{BB962C8B-B14F-4D97-AF65-F5344CB8AC3E}">
+        <p14:creationId xmlns:p14="http://schemas.microsoft.com/office/powerpoint/2010/main" val="1649915462"/>
+      </p:ext>
+    </p:extLst>
+  </p:cSld>
+  <p:clrMapOvr>
+    <a:masterClrMapping/>
+  </p:clrMapOvr>
+</p:sld>
+</file>
+
+<file path=ppt/slides/slide14.xml><?xml version="1.0" encoding="utf-8"?>
+<p:sld xmlns:a="http://schemas.openxmlformats.org/drawingml/2006/main" xmlns:r="http://schemas.openxmlformats.org/officeDocument/2006/relationships" xmlns:p="http://schemas.openxmlformats.org/presentationml/2006/main">
+  <p:cSld>
+    <p:spTree>
+      <p:nvGrpSpPr>
+        <p:cNvPr id="1" name=""/>
+        <p:cNvGrpSpPr/>
+        <p:nvPr/>
+      </p:nvGrpSpPr>
+      <p:grpSpPr>
+        <a:xfrm>
+          <a:off x="0" y="0"/>
+          <a:ext cx="0" cy="0"/>
+          <a:chOff x="0" y="0"/>
+          <a:chExt cx="0" cy="0"/>
+        </a:xfrm>
+      </p:grpSpPr>
+      <p:sp>
+        <p:nvSpPr>
+          <p:cNvPr id="2" name="Content Placeholder 1">
+            <a:extLst>
+              <a:ext uri="{FF2B5EF4-FFF2-40B4-BE49-F238E27FC236}">
+                <a16:creationId xmlns:a16="http://schemas.microsoft.com/office/drawing/2014/main" id="{197F4CBE-668E-40E5-A308-1F04E101E2EF}"/>
+              </a:ext>
+            </a:extLst>
+          </p:cNvPr>
+          <p:cNvSpPr>
+            <a:spLocks noGrp="1"/>
+          </p:cNvSpPr>
+          <p:nvPr>
+            <p:ph idx="1"/>
+          </p:nvPr>
+        </p:nvSpPr>
+        <p:spPr/>
+        <p:txBody>
+          <a:bodyPr/>
+          <a:lstStyle/>
+          <a:p>
+            <a:r>
+              <a:rPr lang="nl-NL" dirty="0" err="1"/>
+              <a:t>Geprunede</a:t>
+            </a:r>
+            <a:r>
+              <a:rPr lang="nl-NL" dirty="0"/>
+              <a:t> tree</a:t>
+            </a:r>
+          </a:p>
+          <a:p>
+            <a:r>
+              <a:rPr lang="nl-NL" dirty="0"/>
+              <a:t>Training (</a:t>
+            </a:r>
+            <a:r>
+              <a:rPr lang="nl-NL" dirty="0" err="1"/>
+              <a:t>Cost</a:t>
+            </a:r>
+            <a:r>
+              <a:rPr lang="nl-NL" dirty="0"/>
+              <a:t>) x=10*</a:t>
+            </a:r>
+            <a:r>
+              <a:rPr lang="nl-NL" dirty="0" err="1"/>
+              <a:t>y+z</a:t>
+            </a:r>
+            <a:endParaRPr lang="nl-NL" dirty="0"/>
+          </a:p>
+          <a:p>
+            <a:pPr lvl="1"/>
+            <a:r>
+              <a:rPr lang="nl-NL" dirty="0"/>
+              <a:t>Machine </a:t>
+            </a:r>
+            <a:r>
+              <a:rPr lang="nl-NL" dirty="0" err="1"/>
+              <a:t>learing</a:t>
+            </a:r>
+            <a:r>
+              <a:rPr lang="nl-NL" dirty="0"/>
+              <a:t>: SVM</a:t>
+            </a:r>
+          </a:p>
+          <a:p>
+            <a:pPr lvl="1"/>
+            <a:r>
+              <a:rPr lang="nl-NL" dirty="0" err="1"/>
+              <a:t>Neural</a:t>
+            </a:r>
+            <a:r>
+              <a:rPr lang="nl-NL" dirty="0"/>
+              <a:t> Network:</a:t>
+            </a:r>
+          </a:p>
+        </p:txBody>
+      </p:sp>
+      <p:sp>
+        <p:nvSpPr>
+          <p:cNvPr id="3" name="Title 2">
+            <a:extLst>
+              <a:ext uri="{FF2B5EF4-FFF2-40B4-BE49-F238E27FC236}">
+                <a16:creationId xmlns:a16="http://schemas.microsoft.com/office/drawing/2014/main" id="{97441B85-3847-4AC9-B919-5A7545900AD9}"/>
+              </a:ext>
+            </a:extLst>
+          </p:cNvPr>
+          <p:cNvSpPr>
+            <a:spLocks noGrp="1"/>
+          </p:cNvSpPr>
+          <p:nvPr>
+            <p:ph type="title"/>
+          </p:nvPr>
+        </p:nvSpPr>
+        <p:spPr/>
+        <p:txBody>
+          <a:bodyPr/>
+          <a:lstStyle/>
+          <a:p>
+            <a:r>
+              <a:rPr lang="nl-NL" dirty="0"/>
+              <a:t>Paper</a:t>
+            </a:r>
+            <a:endParaRPr lang="en-GB" dirty="0"/>
+          </a:p>
+        </p:txBody>
+      </p:sp>
+    </p:spTree>
+    <p:extLst>
+      <p:ext uri="{BB962C8B-B14F-4D97-AF65-F5344CB8AC3E}">
+        <p14:creationId xmlns:p14="http://schemas.microsoft.com/office/powerpoint/2010/main" val="3780057080"/>
+      </p:ext>
+    </p:extLst>
+  </p:cSld>
+  <p:clrMapOvr>
+    <a:masterClrMapping/>
+  </p:clrMapOvr>
+</p:sld>
+</file>
+
+<file path=ppt/slides/slide15.xml><?xml version="1.0" encoding="utf-8"?>
+<p:sld xmlns:a="http://schemas.openxmlformats.org/drawingml/2006/main" xmlns:r="http://schemas.openxmlformats.org/officeDocument/2006/relationships" xmlns:p="http://schemas.openxmlformats.org/presentationml/2006/main">
+  <p:cSld>
+    <p:spTree>
+      <p:nvGrpSpPr>
+        <p:cNvPr id="1" name=""/>
+        <p:cNvGrpSpPr/>
+        <p:nvPr/>
+      </p:nvGrpSpPr>
+      <p:grpSpPr>
+        <a:xfrm>
+          <a:off x="0" y="0"/>
+          <a:ext cx="0" cy="0"/>
+          <a:chOff x="0" y="0"/>
+          <a:chExt cx="0" cy="0"/>
+        </a:xfrm>
+      </p:grpSpPr>
+      <p:sp>
+        <p:nvSpPr>
+          <p:cNvPr id="2" name="Title 1">
+            <a:extLst>
+              <a:ext uri="{FF2B5EF4-FFF2-40B4-BE49-F238E27FC236}">
+                <a16:creationId xmlns:a16="http://schemas.microsoft.com/office/drawing/2014/main" id="{7C36A323-D55D-4516-A738-EED4BF6614C1}"/>
+              </a:ext>
+            </a:extLst>
+          </p:cNvPr>
+          <p:cNvSpPr>
+            <a:spLocks noGrp="1"/>
+          </p:cNvSpPr>
+          <p:nvPr>
+            <p:ph type="title"/>
+          </p:nvPr>
+        </p:nvSpPr>
+        <p:spPr/>
+        <p:txBody>
+          <a:bodyPr/>
+          <a:lstStyle/>
+          <a:p>
+            <a:r>
+              <a:rPr lang="nl-NL" dirty="0"/>
+              <a:t>Bedankt voor uw aandacht</a:t>
+            </a:r>
+            <a:endParaRPr lang="en-GB" dirty="0"/>
+          </a:p>
+        </p:txBody>
+      </p:sp>
+    </p:spTree>
+    <p:extLst>
+      <p:ext uri="{BB962C8B-B14F-4D97-AF65-F5344CB8AC3E}">
+        <p14:creationId xmlns:p14="http://schemas.microsoft.com/office/powerpoint/2010/main" val="1928834253"/>
+      </p:ext>
+    </p:extLst>
+  </p:cSld>
+  <p:clrMapOvr>
+    <a:masterClrMapping/>
+  </p:clrMapOvr>
+</p:sld>
+</file>
+
+<file path=ppt/slides/slide2.xml><?xml version="1.0" encoding="utf-8"?>
+<p:sld xmlns:a="http://schemas.openxmlformats.org/drawingml/2006/main" xmlns:r="http://schemas.openxmlformats.org/officeDocument/2006/relationships" xmlns:p="http://schemas.openxmlformats.org/presentationml/2006/main">
+  <p:cSld>
+    <p:spTree>
+      <p:nvGrpSpPr>
+        <p:cNvPr id="1" name=""/>
+        <p:cNvGrpSpPr/>
+        <p:nvPr/>
+      </p:nvGrpSpPr>
+      <p:grpSpPr>
+        <a:xfrm>
+          <a:off x="0" y="0"/>
+          <a:ext cx="0" cy="0"/>
+          <a:chOff x="0" y="0"/>
+          <a:chExt cx="0" cy="0"/>
+        </a:xfrm>
+      </p:grpSpPr>
+      <p:sp>
+        <p:nvSpPr>
+          <p:cNvPr id="2" name="Title 1">
+            <a:extLst>
+              <a:ext uri="{FF2B5EF4-FFF2-40B4-BE49-F238E27FC236}">
+                <a16:creationId xmlns:a16="http://schemas.microsoft.com/office/drawing/2014/main" id="{DBF098EE-F501-4148-BA06-B7B67C3F29FB}"/>
+              </a:ext>
+            </a:extLst>
+          </p:cNvPr>
+          <p:cNvSpPr>
+            <a:spLocks noGrp="1"/>
+          </p:cNvSpPr>
+          <p:nvPr>
+            <p:ph type="title"/>
+          </p:nvPr>
+        </p:nvSpPr>
+        <p:spPr/>
+        <p:txBody>
+          <a:bodyPr/>
+          <a:lstStyle/>
+          <a:p>
+            <a:r>
+              <a:rPr lang="nl-BE" noProof="0" dirty="0"/>
+              <a:t>Best Fit</a:t>
+            </a:r>
+          </a:p>
+        </p:txBody>
+      </p:sp>
+    </p:spTree>
+    <p:extLst>
+      <p:ext uri="{BB962C8B-B14F-4D97-AF65-F5344CB8AC3E}">
+        <p14:creationId xmlns:p14="http://schemas.microsoft.com/office/powerpoint/2010/main" val="2772562052"/>
+      </p:ext>
+    </p:extLst>
+  </p:cSld>
+  <p:clrMapOvr>
+    <a:masterClrMapping/>
+  </p:clrMapOvr>
+</p:sld>
+</file>
+
+<file path=ppt/slides/slide3.xml><?xml version="1.0" encoding="utf-8"?>
+<p:sld xmlns:a="http://schemas.openxmlformats.org/drawingml/2006/main" xmlns:r="http://schemas.openxmlformats.org/officeDocument/2006/relationships" xmlns:p="http://schemas.openxmlformats.org/presentationml/2006/main">
+  <p:cSld>
+    <p:spTree>
+      <p:nvGrpSpPr>
+        <p:cNvPr id="1" name=""/>
+        <p:cNvGrpSpPr/>
+        <p:nvPr/>
+      </p:nvGrpSpPr>
+      <p:grpSpPr>
+        <a:xfrm>
+          <a:off x="0" y="0"/>
+          <a:ext cx="0" cy="0"/>
+          <a:chOff x="0" y="0"/>
+          <a:chExt cx="0" cy="0"/>
+        </a:xfrm>
+      </p:grpSpPr>
+      <p:sp>
+        <p:nvSpPr>
+          <p:cNvPr id="2" name="Content Placeholder 1">
+            <a:extLst>
+              <a:ext uri="{FF2B5EF4-FFF2-40B4-BE49-F238E27FC236}">
+                <a16:creationId xmlns:a16="http://schemas.microsoft.com/office/drawing/2014/main" id="{357FB862-E6E5-47DA-9FF7-0BA26CFF81DE}"/>
+              </a:ext>
+            </a:extLst>
+          </p:cNvPr>
+          <p:cNvSpPr>
+            <a:spLocks noGrp="1"/>
+          </p:cNvSpPr>
+          <p:nvPr>
+            <p:ph idx="1"/>
+          </p:nvPr>
+        </p:nvSpPr>
+        <p:spPr/>
+        <p:txBody>
+          <a:bodyPr>
+            <a:normAutofit fontScale="92500" lnSpcReduction="10000"/>
+          </a:bodyPr>
+          <a:lstStyle/>
+          <a:p>
+            <a:r>
+              <a:rPr lang="nl-NL" dirty="0"/>
+              <a:t>Offensief</a:t>
+            </a:r>
+          </a:p>
+          <a:p>
+            <a:pPr lvl="1"/>
+            <a:r>
+              <a:rPr lang="nl-NL" dirty="0"/>
+              <a:t>Maak een vierkant (A1)</a:t>
+            </a:r>
+          </a:p>
+          <a:p>
+            <a:pPr lvl="1"/>
+            <a:r>
+              <a:rPr lang="nl-NL" dirty="0"/>
+              <a:t>Leg in meest vertegenwoordigde vierkant (E)</a:t>
+            </a:r>
+          </a:p>
+          <a:p>
+            <a:pPr lvl="1"/>
+            <a:r>
+              <a:rPr lang="nl-BE" dirty="0"/>
+              <a:t>Claim een zo hoog mogelijke locatie (G)</a:t>
+            </a:r>
+            <a:endParaRPr lang="nl-NL" dirty="0"/>
+          </a:p>
+          <a:p>
+            <a:r>
+              <a:rPr lang="nl-NL" dirty="0"/>
+              <a:t>Defensief (A21, A22)</a:t>
+            </a:r>
+          </a:p>
+          <a:p>
+            <a:r>
+              <a:rPr lang="nl-NL" dirty="0"/>
+              <a:t>Combinatie</a:t>
+            </a:r>
+          </a:p>
+          <a:p>
+            <a:pPr lvl="1"/>
+            <a:r>
+              <a:rPr lang="nl-NL" dirty="0"/>
+              <a:t>claim midden niveau 1 (B)</a:t>
+            </a:r>
+          </a:p>
+          <a:p>
+            <a:pPr lvl="1"/>
+            <a:r>
+              <a:rPr lang="en-GB" dirty="0"/>
+              <a:t>claim midden van </a:t>
+            </a:r>
+            <a:r>
+              <a:rPr lang="en-GB" dirty="0" err="1"/>
+              <a:t>randen</a:t>
+            </a:r>
+            <a:r>
+              <a:rPr lang="en-GB" dirty="0"/>
+              <a:t> op </a:t>
+            </a:r>
+            <a:r>
+              <a:rPr lang="en-GB" dirty="0" err="1"/>
+              <a:t>niveau</a:t>
+            </a:r>
+            <a:r>
+              <a:rPr lang="en-GB" dirty="0"/>
+              <a:t> 1 </a:t>
+            </a:r>
+            <a:r>
+              <a:rPr lang="nl-NL" dirty="0"/>
+              <a:t>(</a:t>
+            </a:r>
+            <a:r>
+              <a:rPr lang="en-GB" dirty="0"/>
+              <a:t>C1, C21, C22)</a:t>
+            </a:r>
+          </a:p>
+          <a:p>
+            <a:r>
+              <a:rPr lang="nl-BE" dirty="0"/>
+              <a:t>Random (F)</a:t>
+            </a:r>
+          </a:p>
+          <a:p>
+            <a:endParaRPr lang="nl-BE" dirty="0"/>
+          </a:p>
+          <a:p>
+            <a:r>
+              <a:rPr lang="nl-BE" dirty="0"/>
+              <a:t>(D: Midden op grond claimen, indien er geen L structuur aanwezig is)</a:t>
+            </a:r>
+          </a:p>
+          <a:p>
+            <a:endParaRPr lang="nl-BE" dirty="0"/>
+          </a:p>
+        </p:txBody>
+      </p:sp>
+      <p:sp>
+        <p:nvSpPr>
+          <p:cNvPr id="3" name="Title 2">
+            <a:extLst>
+              <a:ext uri="{FF2B5EF4-FFF2-40B4-BE49-F238E27FC236}">
+                <a16:creationId xmlns:a16="http://schemas.microsoft.com/office/drawing/2014/main" id="{97F18511-16FE-4A49-9BB8-23A36F1193C0}"/>
+              </a:ext>
+            </a:extLst>
+          </p:cNvPr>
+          <p:cNvSpPr>
+            <a:spLocks noGrp="1"/>
+          </p:cNvSpPr>
+          <p:nvPr>
+            <p:ph type="title"/>
+          </p:nvPr>
+        </p:nvSpPr>
+        <p:spPr/>
+        <p:txBody>
+          <a:bodyPr/>
+          <a:lstStyle/>
+          <a:p>
+            <a:r>
+              <a:rPr lang="nl-BE" noProof="1"/>
+              <a:t>Strategiën</a:t>
+            </a:r>
+          </a:p>
+        </p:txBody>
+      </p:sp>
+    </p:spTree>
+    <p:extLst>
+      <p:ext uri="{BB962C8B-B14F-4D97-AF65-F5344CB8AC3E}">
+        <p14:creationId xmlns:p14="http://schemas.microsoft.com/office/powerpoint/2010/main" val="3995068531"/>
+      </p:ext>
+    </p:extLst>
+  </p:cSld>
+  <p:clrMapOvr>
+    <a:masterClrMapping/>
+  </p:clrMapOvr>
+</p:sld>
+</file>
+
+<file path=ppt/slides/slide4.xml><?xml version="1.0" encoding="utf-8"?>
+<p:sld xmlns:a="http://schemas.openxmlformats.org/drawingml/2006/main" xmlns:r="http://schemas.openxmlformats.org/officeDocument/2006/relationships" xmlns:p="http://schemas.openxmlformats.org/presentationml/2006/main">
+  <p:cSld>
+    <p:spTree>
+      <p:nvGrpSpPr>
+        <p:cNvPr id="1" name=""/>
+        <p:cNvGrpSpPr/>
+        <p:nvPr/>
+      </p:nvGrpSpPr>
+      <p:grpSpPr>
+        <a:xfrm>
+          <a:off x="0" y="0"/>
+          <a:ext cx="0" cy="0"/>
+          <a:chOff x="0" y="0"/>
+          <a:chExt cx="0" cy="0"/>
+        </a:xfrm>
+      </p:grpSpPr>
+      <p:sp>
+        <p:nvSpPr>
+          <p:cNvPr id="6" name="Title 5">
+            <a:extLst>
+              <a:ext uri="{FF2B5EF4-FFF2-40B4-BE49-F238E27FC236}">
+                <a16:creationId xmlns:a16="http://schemas.microsoft.com/office/drawing/2014/main" id="{B72D440E-F87A-40E4-87BE-C55D57997929}"/>
+              </a:ext>
+            </a:extLst>
+          </p:cNvPr>
+          <p:cNvSpPr>
+            <a:spLocks noGrp="1"/>
+          </p:cNvSpPr>
+          <p:nvPr>
+            <p:ph type="title"/>
+          </p:nvPr>
+        </p:nvSpPr>
+        <p:spPr/>
+        <p:txBody>
+          <a:bodyPr/>
+          <a:lstStyle/>
+          <a:p>
+            <a:r>
+              <a:rPr lang="nl-NL" dirty="0"/>
+              <a:t>Offensief</a:t>
+            </a:r>
+            <a:endParaRPr lang="en-GB" dirty="0"/>
+          </a:p>
+        </p:txBody>
+      </p:sp>
+      <p:sp>
+        <p:nvSpPr>
+          <p:cNvPr id="2" name="Text Placeholder 1">
+            <a:extLst>
+              <a:ext uri="{FF2B5EF4-FFF2-40B4-BE49-F238E27FC236}">
+                <a16:creationId xmlns:a16="http://schemas.microsoft.com/office/drawing/2014/main" id="{F3F1C8C8-8A47-439A-ABDA-1B31E45DA0C1}"/>
+              </a:ext>
+            </a:extLst>
+          </p:cNvPr>
+          <p:cNvSpPr>
+            <a:spLocks noGrp="1"/>
+          </p:cNvSpPr>
+          <p:nvPr>
+            <p:ph type="body" idx="1"/>
+          </p:nvPr>
+        </p:nvSpPr>
+        <p:spPr/>
+        <p:txBody>
+          <a:bodyPr/>
+          <a:lstStyle/>
+          <a:p>
+            <a:pPr marL="342900" indent="-342900" algn="l">
+              <a:buFont typeface="Arial" panose="020B0604020202020204" pitchFamily="34" charset="0"/>
+              <a:buChar char="•"/>
+            </a:pPr>
+            <a:r>
+              <a:rPr lang="nl-NL" dirty="0">
+                <a:solidFill>
+                  <a:srgbClr val="2E2E2E"/>
+                </a:solidFill>
+              </a:rPr>
+              <a:t>A1</a:t>
+            </a:r>
+            <a:endParaRPr lang="en-GB" dirty="0">
+              <a:solidFill>
+                <a:srgbClr val="2E2E2E"/>
+              </a:solidFill>
+            </a:endParaRPr>
+          </a:p>
+        </p:txBody>
+      </p:sp>
+      <p:sp>
+        <p:nvSpPr>
+          <p:cNvPr id="4" name="Text Placeholder 3">
+            <a:extLst>
+              <a:ext uri="{FF2B5EF4-FFF2-40B4-BE49-F238E27FC236}">
+                <a16:creationId xmlns:a16="http://schemas.microsoft.com/office/drawing/2014/main" id="{B54C950C-06E0-46CE-9268-C26A0A4CFF89}"/>
+              </a:ext>
+            </a:extLst>
+          </p:cNvPr>
+          <p:cNvSpPr>
+            <a:spLocks noGrp="1"/>
+          </p:cNvSpPr>
+          <p:nvPr>
+            <p:ph type="body" sz="quarter" idx="3"/>
+          </p:nvPr>
+        </p:nvSpPr>
+        <p:spPr/>
+        <p:txBody>
+          <a:bodyPr>
+            <a:normAutofit/>
+          </a:bodyPr>
+          <a:lstStyle/>
+          <a:p>
+            <a:pPr marL="342900" indent="-342900" algn="l">
+              <a:buFont typeface="Arial" panose="020B0604020202020204" pitchFamily="34" charset="0"/>
+              <a:buChar char="•"/>
+            </a:pPr>
+            <a:r>
+              <a:rPr lang="nl-NL" dirty="0">
+                <a:solidFill>
+                  <a:srgbClr val="2E2E2E"/>
+                </a:solidFill>
+              </a:rPr>
+              <a:t>E</a:t>
+            </a:r>
+            <a:endParaRPr lang="en-GB" dirty="0">
+              <a:solidFill>
+                <a:srgbClr val="2E2E2E"/>
+              </a:solidFill>
+            </a:endParaRPr>
+          </a:p>
+        </p:txBody>
+      </p:sp>
+      <p:sp>
+        <p:nvSpPr>
+          <p:cNvPr id="16" name="Text Placeholder 15">
+            <a:extLst>
+              <a:ext uri="{FF2B5EF4-FFF2-40B4-BE49-F238E27FC236}">
+                <a16:creationId xmlns:a16="http://schemas.microsoft.com/office/drawing/2014/main" id="{6444EC8A-A0B7-4DC1-8812-7C1723AC073E}"/>
+              </a:ext>
+            </a:extLst>
+          </p:cNvPr>
+          <p:cNvSpPr>
+            <a:spLocks noGrp="1"/>
+          </p:cNvSpPr>
+          <p:nvPr>
+            <p:ph type="body" sz="quarter" idx="13"/>
+          </p:nvPr>
+        </p:nvSpPr>
+        <p:spPr/>
+        <p:txBody>
+          <a:bodyPr/>
+          <a:lstStyle/>
+          <a:p>
+            <a:pPr marL="342900" indent="-342900" algn="l">
+              <a:buFont typeface="Arial" panose="020B0604020202020204" pitchFamily="34" charset="0"/>
+              <a:buChar char="•"/>
+            </a:pPr>
+            <a:r>
+              <a:rPr lang="nl-NL" dirty="0">
+                <a:solidFill>
+                  <a:srgbClr val="2E2E2E"/>
+                </a:solidFill>
+              </a:rPr>
+              <a:t>G</a:t>
+            </a:r>
+            <a:endParaRPr lang="en-GB" dirty="0">
+              <a:solidFill>
+                <a:srgbClr val="2E2E2E"/>
+              </a:solidFill>
+            </a:endParaRPr>
+          </a:p>
+        </p:txBody>
+      </p:sp>
+      <p:pic>
+        <p:nvPicPr>
+          <p:cNvPr id="15" name="Picture 14">
+            <a:extLst>
+              <a:ext uri="{FF2B5EF4-FFF2-40B4-BE49-F238E27FC236}">
+                <a16:creationId xmlns:a16="http://schemas.microsoft.com/office/drawing/2014/main" id="{E937FA31-2329-4B8C-B9A5-D5A458A02155}"/>
+              </a:ext>
+            </a:extLst>
+          </p:cNvPr>
+          <p:cNvPicPr>
+            <a:picLocks noChangeAspect="1"/>
+          </p:cNvPicPr>
+          <p:nvPr/>
+        </p:nvPicPr>
+        <p:blipFill rotWithShape="1">
+          <a:blip r:embed="rId3"/>
+          <a:srcRect l="28144" t="26079" r="28405" b="19608"/>
+          <a:stretch/>
+        </p:blipFill>
+        <p:spPr>
+          <a:xfrm>
+            <a:off x="286653" y="2150408"/>
+            <a:ext cx="3600000" cy="3600000"/>
+          </a:xfrm>
+          <a:prstGeom prst="snip2DiagRect">
+            <a:avLst/>
+          </a:prstGeom>
+        </p:spPr>
+      </p:pic>
+      <p:pic>
+        <p:nvPicPr>
+          <p:cNvPr id="27" name="Picture 26">
+            <a:extLst>
+              <a:ext uri="{FF2B5EF4-FFF2-40B4-BE49-F238E27FC236}">
+                <a16:creationId xmlns:a16="http://schemas.microsoft.com/office/drawing/2014/main" id="{5FB377C0-6708-4900-9992-337D584CB58D}"/>
+              </a:ext>
+            </a:extLst>
+          </p:cNvPr>
+          <p:cNvPicPr>
+            <a:picLocks noChangeAspect="1"/>
+          </p:cNvPicPr>
+          <p:nvPr/>
+        </p:nvPicPr>
+        <p:blipFill rotWithShape="1">
+          <a:blip r:embed="rId4"/>
+          <a:srcRect l="1829" r="8599" b="6493"/>
+          <a:stretch/>
+        </p:blipFill>
+        <p:spPr>
+          <a:xfrm>
+            <a:off x="4296000" y="2150408"/>
+            <a:ext cx="3600000" cy="3600000"/>
+          </a:xfrm>
+          <a:prstGeom prst="snip2DiagRect">
+            <a:avLst/>
+          </a:prstGeom>
+        </p:spPr>
+      </p:pic>
+      <p:pic>
+        <p:nvPicPr>
+          <p:cNvPr id="32" name="Picture 31">
+            <a:extLst>
+              <a:ext uri="{FF2B5EF4-FFF2-40B4-BE49-F238E27FC236}">
+                <a16:creationId xmlns:a16="http://schemas.microsoft.com/office/drawing/2014/main" id="{79D44B7B-CF17-49AD-BAC7-8D54905F7962}"/>
+              </a:ext>
+            </a:extLst>
+          </p:cNvPr>
+          <p:cNvPicPr>
+            <a:picLocks noChangeAspect="1"/>
+          </p:cNvPicPr>
+          <p:nvPr/>
+        </p:nvPicPr>
+        <p:blipFill rotWithShape="1">
+          <a:blip r:embed="rId5"/>
+          <a:srcRect l="7374" t="5694" r="11011" b="9279"/>
+          <a:stretch/>
+        </p:blipFill>
+        <p:spPr>
+          <a:xfrm>
+            <a:off x="8335907" y="2150408"/>
+            <a:ext cx="3600000" cy="3600000"/>
+          </a:xfrm>
+          <a:prstGeom prst="snip2DiagRect">
+            <a:avLst/>
+          </a:prstGeom>
+        </p:spPr>
+      </p:pic>
+    </p:spTree>
+    <p:extLst>
+      <p:ext uri="{BB962C8B-B14F-4D97-AF65-F5344CB8AC3E}">
+        <p14:creationId xmlns:p14="http://schemas.microsoft.com/office/powerpoint/2010/main" val="3892930212"/>
+      </p:ext>
+    </p:extLst>
+  </p:cSld>
+  <p:clrMapOvr>
+    <a:masterClrMapping/>
+  </p:clrMapOvr>
+</p:sld>
+</file>
+
+<file path=ppt/slides/slide5.xml><?xml version="1.0" encoding="utf-8"?>
+<p:sld xmlns:a="http://schemas.openxmlformats.org/drawingml/2006/main" xmlns:r="http://schemas.openxmlformats.org/officeDocument/2006/relationships" xmlns:p="http://schemas.openxmlformats.org/presentationml/2006/main">
+  <p:cSld>
+    <p:spTree>
+      <p:nvGrpSpPr>
+        <p:cNvPr id="1" name=""/>
+        <p:cNvGrpSpPr/>
+        <p:nvPr/>
+      </p:nvGrpSpPr>
+      <p:grpSpPr>
+        <a:xfrm>
+          <a:off x="0" y="0"/>
+          <a:ext cx="0" cy="0"/>
+          <a:chOff x="0" y="0"/>
+          <a:chExt cx="0" cy="0"/>
+        </a:xfrm>
+      </p:grpSpPr>
+      <p:sp>
+        <p:nvSpPr>
+          <p:cNvPr id="2" name="Title 1">
+            <a:extLst>
+              <a:ext uri="{FF2B5EF4-FFF2-40B4-BE49-F238E27FC236}">
                 <a16:creationId xmlns:a16="http://schemas.microsoft.com/office/drawing/2014/main" id="{C8D2928E-069A-4723-9839-89710A1B6A58}"/>
               </a:ext>
             </a:extLst>
@@ -9786,7 +11291,7 @@
 </p:sld>
 </file>
 
-<file path=ppt/slides/slide11.xml><?xml version="1.0" encoding="utf-8"?>
+<file path=ppt/slides/slide6.xml><?xml version="1.0" encoding="utf-8"?>
 <p:sld xmlns:a="http://schemas.openxmlformats.org/drawingml/2006/main" xmlns:r="http://schemas.openxmlformats.org/officeDocument/2006/relationships" xmlns:p="http://schemas.openxmlformats.org/presentationml/2006/main">
   <p:cSld>
     <p:spTree>
@@ -10176,7 +11681,7 @@
 </p:sld>
 </file>
 
-<file path=ppt/slides/slide12.xml><?xml version="1.0" encoding="utf-8"?>
+<file path=ppt/slides/slide7.xml><?xml version="1.0" encoding="utf-8"?>
 <p:sld xmlns:a="http://schemas.openxmlformats.org/drawingml/2006/main" xmlns:r="http://schemas.openxmlformats.org/officeDocument/2006/relationships" xmlns:p="http://schemas.openxmlformats.org/presentationml/2006/main">
   <p:cSld>
     <p:spTree>
@@ -10713,7 +12218,7 @@
 </p:sld>
 </file>
 
-<file path=ppt/slides/slide13.xml><?xml version="1.0" encoding="utf-8"?>
+<file path=ppt/slides/slide8.xml><?xml version="1.0" encoding="utf-8"?>
 <p:sld xmlns:a="http://schemas.openxmlformats.org/drawingml/2006/main" xmlns:r="http://schemas.openxmlformats.org/officeDocument/2006/relationships" xmlns:p="http://schemas.openxmlformats.org/presentationml/2006/main">
   <p:cSld>
     <p:spTree>
@@ -10990,7 +12495,7 @@
 </p:sld>
 </file>
 
-<file path=ppt/slides/slide14.xml><?xml version="1.0" encoding="utf-8"?>
+<file path=ppt/slides/slide9.xml><?xml version="1.0" encoding="utf-8"?>
 <p:sld xmlns:a="http://schemas.openxmlformats.org/drawingml/2006/main" xmlns:r="http://schemas.openxmlformats.org/officeDocument/2006/relationships" xmlns:p="http://schemas.openxmlformats.org/presentationml/2006/main">
   <p:cSld>
     <p:spTree>
@@ -11023,10 +12528,21 @@
             <p:ph idx="1"/>
           </p:nvPr>
         </p:nvSpPr>
-        <p:spPr/>
+        <p:spPr>
+          <a:xfrm>
+            <a:off x="576000" y="1359036"/>
+            <a:ext cx="11041200" cy="4760964"/>
+          </a:xfrm>
+        </p:spPr>
         <p:txBody>
           <a:bodyPr/>
           <a:lstStyle/>
+          <a:p>
+            <a:r>
+              <a:rPr lang="nl-BE" dirty="0"/>
+              <a:t>Welke methode meest gebruikt ?</a:t>
+            </a:r>
+          </a:p>
           <a:p>
             <a:r>
               <a:rPr lang="nl-BE" dirty="0"/>
@@ -12534,1939 +14050,6 @@
 </p:sld>
 </file>
 
-<file path=ppt/slides/slide15.xml><?xml version="1.0" encoding="utf-8"?>
-<p:sld xmlns:a="http://schemas.openxmlformats.org/drawingml/2006/main" xmlns:r="http://schemas.openxmlformats.org/officeDocument/2006/relationships" xmlns:p="http://schemas.openxmlformats.org/presentationml/2006/main">
-  <p:cSld>
-    <p:spTree>
-      <p:nvGrpSpPr>
-        <p:cNvPr id="1" name=""/>
-        <p:cNvGrpSpPr/>
-        <p:nvPr/>
-      </p:nvGrpSpPr>
-      <p:grpSpPr>
-        <a:xfrm>
-          <a:off x="0" y="0"/>
-          <a:ext cx="0" cy="0"/>
-          <a:chOff x="0" y="0"/>
-          <a:chExt cx="0" cy="0"/>
-        </a:xfrm>
-      </p:grpSpPr>
-      <p:sp>
-        <p:nvSpPr>
-          <p:cNvPr id="2" name="Tijdelijke aanduiding voor inhoud 1">
-            <a:extLst>
-              <a:ext uri="{FF2B5EF4-FFF2-40B4-BE49-F238E27FC236}">
-                <a16:creationId xmlns:a16="http://schemas.microsoft.com/office/drawing/2014/main" id="{5A537257-FFBD-48D5-9C35-CA52D855778A}"/>
-              </a:ext>
-            </a:extLst>
-          </p:cNvPr>
-          <p:cNvSpPr>
-            <a:spLocks noGrp="1"/>
-          </p:cNvSpPr>
-          <p:nvPr>
-            <p:ph idx="1"/>
-          </p:nvPr>
-        </p:nvSpPr>
-        <p:spPr/>
-        <p:txBody>
-          <a:bodyPr/>
-          <a:lstStyle/>
-          <a:p>
-            <a:r>
-              <a:rPr lang="nl-BE" dirty="0"/>
-              <a:t>Onderzoek naar de effectiviteit</a:t>
-            </a:r>
-          </a:p>
-          <a:p>
-            <a:endParaRPr lang="nl-BE" dirty="0"/>
-          </a:p>
-          <a:p>
-            <a:r>
-              <a:rPr lang="nl-BE"/>
-              <a:t>RESULTATEN HIERONDER</a:t>
-            </a:r>
-            <a:endParaRPr lang="nl-BE" dirty="0"/>
-          </a:p>
-          <a:p>
-            <a:endParaRPr lang="nl-BE" dirty="0"/>
-          </a:p>
-        </p:txBody>
-      </p:sp>
-      <p:sp>
-        <p:nvSpPr>
-          <p:cNvPr id="3" name="Titel 2">
-            <a:extLst>
-              <a:ext uri="{FF2B5EF4-FFF2-40B4-BE49-F238E27FC236}">
-                <a16:creationId xmlns:a16="http://schemas.microsoft.com/office/drawing/2014/main" id="{E65BEBBA-833F-4874-B992-FFE6290803F8}"/>
-              </a:ext>
-            </a:extLst>
-          </p:cNvPr>
-          <p:cNvSpPr>
-            <a:spLocks noGrp="1"/>
-          </p:cNvSpPr>
-          <p:nvPr>
-            <p:ph type="title"/>
-          </p:nvPr>
-        </p:nvSpPr>
-        <p:spPr/>
-        <p:txBody>
-          <a:bodyPr/>
-          <a:lstStyle/>
-          <a:p>
-            <a:r>
-              <a:rPr lang="nl-BE" dirty="0"/>
-              <a:t>Onderzoek – Strategieën</a:t>
-            </a:r>
-          </a:p>
-        </p:txBody>
-      </p:sp>
-    </p:spTree>
-    <p:extLst>
-      <p:ext uri="{BB962C8B-B14F-4D97-AF65-F5344CB8AC3E}">
-        <p14:creationId xmlns:p14="http://schemas.microsoft.com/office/powerpoint/2010/main" val="3825861491"/>
-      </p:ext>
-    </p:extLst>
-  </p:cSld>
-  <p:clrMapOvr>
-    <a:masterClrMapping/>
-  </p:clrMapOvr>
-</p:sld>
-</file>
-
-<file path=ppt/slides/slide16.xml><?xml version="1.0" encoding="utf-8"?>
-<p:sld xmlns:a="http://schemas.openxmlformats.org/drawingml/2006/main" xmlns:r="http://schemas.openxmlformats.org/officeDocument/2006/relationships" xmlns:p="http://schemas.openxmlformats.org/presentationml/2006/main">
-  <p:cSld>
-    <p:spTree>
-      <p:nvGrpSpPr>
-        <p:cNvPr id="1" name=""/>
-        <p:cNvGrpSpPr/>
-        <p:nvPr/>
-      </p:nvGrpSpPr>
-      <p:grpSpPr>
-        <a:xfrm>
-          <a:off x="0" y="0"/>
-          <a:ext cx="0" cy="0"/>
-          <a:chOff x="0" y="0"/>
-          <a:chExt cx="0" cy="0"/>
-        </a:xfrm>
-      </p:grpSpPr>
-      <p:sp>
-        <p:nvSpPr>
-          <p:cNvPr id="2" name="Title 1">
-            <a:extLst>
-              <a:ext uri="{FF2B5EF4-FFF2-40B4-BE49-F238E27FC236}">
-                <a16:creationId xmlns:a16="http://schemas.microsoft.com/office/drawing/2014/main" id="{F5FDA3BD-9B20-496F-BBC4-09DAD8BBC0A4}"/>
-              </a:ext>
-            </a:extLst>
-          </p:cNvPr>
-          <p:cNvSpPr>
-            <a:spLocks noGrp="1"/>
-          </p:cNvSpPr>
-          <p:nvPr>
-            <p:ph type="title"/>
-          </p:nvPr>
-        </p:nvSpPr>
-        <p:spPr/>
-        <p:txBody>
-          <a:bodyPr/>
-          <a:lstStyle/>
-          <a:p>
-            <a:r>
-              <a:rPr lang="nl-BE" noProof="0" dirty="0" err="1"/>
-              <a:t>Self-learning</a:t>
-            </a:r>
-            <a:endParaRPr lang="nl-BE" noProof="0" dirty="0"/>
-          </a:p>
-        </p:txBody>
-      </p:sp>
-    </p:spTree>
-    <p:extLst>
-      <p:ext uri="{BB962C8B-B14F-4D97-AF65-F5344CB8AC3E}">
-        <p14:creationId xmlns:p14="http://schemas.microsoft.com/office/powerpoint/2010/main" val="1616353867"/>
-      </p:ext>
-    </p:extLst>
-  </p:cSld>
-  <p:clrMapOvr>
-    <a:masterClrMapping/>
-  </p:clrMapOvr>
-</p:sld>
-</file>
-
-<file path=ppt/slides/slide17.xml><?xml version="1.0" encoding="utf-8"?>
-<p:sld xmlns:a="http://schemas.openxmlformats.org/drawingml/2006/main" xmlns:r="http://schemas.openxmlformats.org/officeDocument/2006/relationships" xmlns:p="http://schemas.openxmlformats.org/presentationml/2006/main">
-  <p:cSld>
-    <p:spTree>
-      <p:nvGrpSpPr>
-        <p:cNvPr id="1" name=""/>
-        <p:cNvGrpSpPr/>
-        <p:nvPr/>
-      </p:nvGrpSpPr>
-      <p:grpSpPr>
-        <a:xfrm>
-          <a:off x="0" y="0"/>
-          <a:ext cx="0" cy="0"/>
-          <a:chOff x="0" y="0"/>
-          <a:chExt cx="0" cy="0"/>
-        </a:xfrm>
-      </p:grpSpPr>
-      <p:sp>
-        <p:nvSpPr>
-          <p:cNvPr id="2" name="Tijdelijke aanduiding voor inhoud 1">
-            <a:extLst>
-              <a:ext uri="{FF2B5EF4-FFF2-40B4-BE49-F238E27FC236}">
-                <a16:creationId xmlns:a16="http://schemas.microsoft.com/office/drawing/2014/main" id="{5D964522-561C-4B34-986E-35C529C6BE8C}"/>
-              </a:ext>
-            </a:extLst>
-          </p:cNvPr>
-          <p:cNvSpPr>
-            <a:spLocks noGrp="1"/>
-          </p:cNvSpPr>
-          <p:nvPr>
-            <p:ph idx="1"/>
-          </p:nvPr>
-        </p:nvSpPr>
-        <p:spPr/>
-        <p:txBody>
-          <a:bodyPr/>
-          <a:lstStyle/>
-          <a:p>
-            <a:r>
-              <a:rPr lang="nl-BE" dirty="0"/>
-              <a:t>Mini max algoritme:</a:t>
-            </a:r>
-          </a:p>
-          <a:p>
-            <a:pPr lvl="1"/>
-            <a:r>
-              <a:rPr lang="nl-BE" dirty="0"/>
-              <a:t>Per zet, alle mogelijkheden simuleren, kostfunctie bepaald</a:t>
-            </a:r>
-          </a:p>
-          <a:p>
-            <a:endParaRPr lang="nl-BE" dirty="0"/>
-          </a:p>
-        </p:txBody>
-      </p:sp>
-      <p:sp>
-        <p:nvSpPr>
-          <p:cNvPr id="3" name="Titel 2">
-            <a:extLst>
-              <a:ext uri="{FF2B5EF4-FFF2-40B4-BE49-F238E27FC236}">
-                <a16:creationId xmlns:a16="http://schemas.microsoft.com/office/drawing/2014/main" id="{8E5C8F18-94B8-459A-9BAF-8D06F741BE9E}"/>
-              </a:ext>
-            </a:extLst>
-          </p:cNvPr>
-          <p:cNvSpPr>
-            <a:spLocks noGrp="1"/>
-          </p:cNvSpPr>
-          <p:nvPr>
-            <p:ph type="title"/>
-          </p:nvPr>
-        </p:nvSpPr>
-        <p:spPr/>
-        <p:txBody>
-          <a:bodyPr/>
-          <a:lstStyle/>
-          <a:p>
-            <a:r>
-              <a:rPr lang="nl-BE" dirty="0"/>
-              <a:t>Suggesties</a:t>
-            </a:r>
-          </a:p>
-        </p:txBody>
-      </p:sp>
-    </p:spTree>
-    <p:extLst>
-      <p:ext uri="{BB962C8B-B14F-4D97-AF65-F5344CB8AC3E}">
-        <p14:creationId xmlns:p14="http://schemas.microsoft.com/office/powerpoint/2010/main" val="2837306618"/>
-      </p:ext>
-    </p:extLst>
-  </p:cSld>
-  <p:clrMapOvr>
-    <a:masterClrMapping/>
-  </p:clrMapOvr>
-</p:sld>
-</file>
-
-<file path=ppt/slides/slide2.xml><?xml version="1.0" encoding="utf-8"?>
-<p:sld xmlns:a="http://schemas.openxmlformats.org/drawingml/2006/main" xmlns:r="http://schemas.openxmlformats.org/officeDocument/2006/relationships" xmlns:p="http://schemas.openxmlformats.org/presentationml/2006/main">
-  <p:cSld>
-    <p:spTree>
-      <p:nvGrpSpPr>
-        <p:cNvPr id="1" name=""/>
-        <p:cNvGrpSpPr/>
-        <p:nvPr/>
-      </p:nvGrpSpPr>
-      <p:grpSpPr>
-        <a:xfrm>
-          <a:off x="0" y="0"/>
-          <a:ext cx="0" cy="0"/>
-          <a:chOff x="0" y="0"/>
-          <a:chExt cx="0" cy="0"/>
-        </a:xfrm>
-      </p:grpSpPr>
-      <p:sp>
-        <p:nvSpPr>
-          <p:cNvPr id="2" name="Tijdelijke aanduiding voor inhoud 1">
-            <a:extLst>
-              <a:ext uri="{FF2B5EF4-FFF2-40B4-BE49-F238E27FC236}">
-                <a16:creationId xmlns:a16="http://schemas.microsoft.com/office/drawing/2014/main" id="{31B5F281-3E8B-45F0-B90D-79C978DD6FD7}"/>
-              </a:ext>
-            </a:extLst>
-          </p:cNvPr>
-          <p:cNvSpPr>
-            <a:spLocks noGrp="1"/>
-          </p:cNvSpPr>
-          <p:nvPr>
-            <p:ph idx="1"/>
-          </p:nvPr>
-        </p:nvSpPr>
-        <p:spPr/>
-        <p:txBody>
-          <a:bodyPr/>
-          <a:lstStyle/>
-          <a:p>
-            <a:r>
-              <a:rPr lang="nl-BE" dirty="0"/>
-              <a:t>Best fit</a:t>
-            </a:r>
-          </a:p>
-          <a:p>
-            <a:pPr lvl="1"/>
-            <a:r>
-              <a:rPr lang="nl-BE" dirty="0"/>
-              <a:t>Strategieën</a:t>
-            </a:r>
-          </a:p>
-          <a:p>
-            <a:pPr lvl="1"/>
-            <a:r>
-              <a:rPr lang="nl-BE" dirty="0"/>
-              <a:t>Onderzoek</a:t>
-            </a:r>
-          </a:p>
-          <a:p>
-            <a:r>
-              <a:rPr lang="nl-BE" dirty="0"/>
-              <a:t>Zelf lerend systeem</a:t>
-            </a:r>
-          </a:p>
-        </p:txBody>
-      </p:sp>
-      <p:sp>
-        <p:nvSpPr>
-          <p:cNvPr id="3" name="Titel 2">
-            <a:extLst>
-              <a:ext uri="{FF2B5EF4-FFF2-40B4-BE49-F238E27FC236}">
-                <a16:creationId xmlns:a16="http://schemas.microsoft.com/office/drawing/2014/main" id="{8A3246E9-DF47-4CB4-891A-2E7158CAF4FB}"/>
-              </a:ext>
-            </a:extLst>
-          </p:cNvPr>
-          <p:cNvSpPr>
-            <a:spLocks noGrp="1"/>
-          </p:cNvSpPr>
-          <p:nvPr>
-            <p:ph type="title"/>
-          </p:nvPr>
-        </p:nvSpPr>
-        <p:spPr/>
-        <p:txBody>
-          <a:bodyPr/>
-          <a:lstStyle/>
-          <a:p>
-            <a:r>
-              <a:rPr lang="nl-BE" dirty="0"/>
-              <a:t>Inhoud</a:t>
-            </a:r>
-          </a:p>
-        </p:txBody>
-      </p:sp>
-    </p:spTree>
-    <p:extLst>
-      <p:ext uri="{BB962C8B-B14F-4D97-AF65-F5344CB8AC3E}">
-        <p14:creationId xmlns:p14="http://schemas.microsoft.com/office/powerpoint/2010/main" val="3625649342"/>
-      </p:ext>
-    </p:extLst>
-  </p:cSld>
-  <p:clrMapOvr>
-    <a:masterClrMapping/>
-  </p:clrMapOvr>
-</p:sld>
-</file>
-
-<file path=ppt/slides/slide3.xml><?xml version="1.0" encoding="utf-8"?>
-<p:sld xmlns:a="http://schemas.openxmlformats.org/drawingml/2006/main" xmlns:r="http://schemas.openxmlformats.org/officeDocument/2006/relationships" xmlns:p="http://schemas.openxmlformats.org/presentationml/2006/main" show="0">
-  <p:cSld>
-    <p:spTree>
-      <p:nvGrpSpPr>
-        <p:cNvPr id="1" name=""/>
-        <p:cNvGrpSpPr/>
-        <p:nvPr/>
-      </p:nvGrpSpPr>
-      <p:grpSpPr>
-        <a:xfrm>
-          <a:off x="0" y="0"/>
-          <a:ext cx="0" cy="0"/>
-          <a:chOff x="0" y="0"/>
-          <a:chExt cx="0" cy="0"/>
-        </a:xfrm>
-      </p:grpSpPr>
-      <p:sp>
-        <p:nvSpPr>
-          <p:cNvPr id="5" name="Title 4">
-            <a:extLst>
-              <a:ext uri="{FF2B5EF4-FFF2-40B4-BE49-F238E27FC236}">
-                <a16:creationId xmlns:a16="http://schemas.microsoft.com/office/drawing/2014/main" id="{F1CF4F74-D405-4592-8324-AAA056781CDC}"/>
-              </a:ext>
-            </a:extLst>
-          </p:cNvPr>
-          <p:cNvSpPr>
-            <a:spLocks noGrp="1"/>
-          </p:cNvSpPr>
-          <p:nvPr>
-            <p:ph type="title"/>
-          </p:nvPr>
-        </p:nvSpPr>
-        <p:spPr/>
-        <p:txBody>
-          <a:bodyPr/>
-          <a:lstStyle/>
-          <a:p>
-            <a:r>
-              <a:rPr lang="nl-BE" noProof="0" dirty="0"/>
-              <a:t>Random Fit</a:t>
-            </a:r>
-          </a:p>
-        </p:txBody>
-      </p:sp>
-    </p:spTree>
-    <p:extLst>
-      <p:ext uri="{BB962C8B-B14F-4D97-AF65-F5344CB8AC3E}">
-        <p14:creationId xmlns:p14="http://schemas.microsoft.com/office/powerpoint/2010/main" val="2335521210"/>
-      </p:ext>
-    </p:extLst>
-  </p:cSld>
-  <p:clrMapOvr>
-    <a:masterClrMapping/>
-  </p:clrMapOvr>
-</p:sld>
-</file>
-
-<file path=ppt/slides/slide4.xml><?xml version="1.0" encoding="utf-8"?>
-<p:sld xmlns:a="http://schemas.openxmlformats.org/drawingml/2006/main" xmlns:r="http://schemas.openxmlformats.org/officeDocument/2006/relationships" xmlns:p="http://schemas.openxmlformats.org/presentationml/2006/main" show="0">
-  <p:cSld>
-    <p:spTree>
-      <p:nvGrpSpPr>
-        <p:cNvPr id="1" name=""/>
-        <p:cNvGrpSpPr/>
-        <p:nvPr/>
-      </p:nvGrpSpPr>
-      <p:grpSpPr>
-        <a:xfrm>
-          <a:off x="0" y="0"/>
-          <a:ext cx="0" cy="0"/>
-          <a:chOff x="0" y="0"/>
-          <a:chExt cx="0" cy="0"/>
-        </a:xfrm>
-      </p:grpSpPr>
-      <p:sp>
-        <p:nvSpPr>
-          <p:cNvPr id="2" name="Content Placeholder 1">
-            <a:extLst>
-              <a:ext uri="{FF2B5EF4-FFF2-40B4-BE49-F238E27FC236}">
-                <a16:creationId xmlns:a16="http://schemas.microsoft.com/office/drawing/2014/main" id="{3ACB6F32-8B16-4408-940D-C07B77196CC9}"/>
-              </a:ext>
-            </a:extLst>
-          </p:cNvPr>
-          <p:cNvSpPr>
-            <a:spLocks noGrp="1"/>
-          </p:cNvSpPr>
-          <p:nvPr>
-            <p:ph idx="1"/>
-          </p:nvPr>
-        </p:nvSpPr>
-        <p:spPr/>
-        <p:txBody>
-          <a:bodyPr/>
-          <a:lstStyle/>
-          <a:p>
-            <a:r>
-              <a:rPr lang="nl-BE" noProof="0" dirty="0" err="1"/>
-              <a:t>removeOrPass</a:t>
-            </a:r>
-            <a:r>
-              <a:rPr lang="nl-BE" noProof="0" dirty="0"/>
-              <a:t>: 50/50 kans</a:t>
-            </a:r>
-          </a:p>
-          <a:p>
-            <a:pPr lvl="1"/>
-            <a:r>
-              <a:rPr lang="nl-BE" noProof="0" dirty="0"/>
-              <a:t>Ongelijke kansen (semi random): TODO</a:t>
-            </a:r>
-          </a:p>
-          <a:p>
-            <a:r>
-              <a:rPr lang="nl-BE" noProof="0" dirty="0" err="1"/>
-              <a:t>Remove</a:t>
-            </a:r>
-            <a:r>
-              <a:rPr lang="nl-BE" noProof="0" dirty="0"/>
-              <a:t>: past als het niet kan </a:t>
-            </a:r>
-            <a:r>
-              <a:rPr lang="nl-BE" noProof="0" dirty="0" err="1"/>
-              <a:t>removen</a:t>
-            </a:r>
-            <a:endParaRPr lang="nl-BE" noProof="0" dirty="0"/>
-          </a:p>
-          <a:p>
-            <a:r>
-              <a:rPr lang="nl-BE" noProof="0" dirty="0"/>
-              <a:t>random: speler die start heeft nadeel</a:t>
-            </a:r>
-          </a:p>
-          <a:p>
-            <a:r>
-              <a:rPr lang="nl-BE" noProof="0" dirty="0"/>
-              <a:t>steeds dezelfde resultaten (indien zeer groot aantal games) </a:t>
-            </a:r>
-            <a:r>
-              <a:rPr lang="nl-BE" noProof="0" dirty="0" err="1"/>
-              <a:t>ookal</a:t>
-            </a:r>
-            <a:r>
-              <a:rPr lang="nl-BE" noProof="0" dirty="0"/>
-              <a:t> geen </a:t>
-            </a:r>
-            <a:r>
-              <a:rPr lang="nl-BE" noProof="0" dirty="0" err="1"/>
-              <a:t>seed</a:t>
-            </a:r>
-            <a:endParaRPr lang="nl-BE" noProof="0" dirty="0"/>
-          </a:p>
-          <a:p>
-            <a:r>
-              <a:rPr lang="nl-BE" noProof="0" dirty="0" err="1"/>
-              <a:t>PylosPlayerRandomFit</a:t>
-            </a:r>
-            <a:r>
-              <a:rPr lang="nl-BE" noProof="0" dirty="0"/>
-              <a:t>: bound-1, buitenste waarde nooit meegenomen</a:t>
-            </a:r>
-          </a:p>
-        </p:txBody>
-      </p:sp>
-      <p:sp>
-        <p:nvSpPr>
-          <p:cNvPr id="3" name="Title 2">
-            <a:extLst>
-              <a:ext uri="{FF2B5EF4-FFF2-40B4-BE49-F238E27FC236}">
-                <a16:creationId xmlns:a16="http://schemas.microsoft.com/office/drawing/2014/main" id="{A1B98F8F-0684-4B1C-92F9-4ED7641300B5}"/>
-              </a:ext>
-            </a:extLst>
-          </p:cNvPr>
-          <p:cNvSpPr>
-            <a:spLocks noGrp="1"/>
-          </p:cNvSpPr>
-          <p:nvPr>
-            <p:ph type="title"/>
-          </p:nvPr>
-        </p:nvSpPr>
-        <p:spPr>
-          <a:xfrm>
-            <a:off x="576000" y="162000"/>
-            <a:ext cx="11041200" cy="1152000"/>
-          </a:xfrm>
-        </p:spPr>
-        <p:txBody>
-          <a:bodyPr/>
-          <a:lstStyle/>
-          <a:p>
-            <a:r>
-              <a:rPr lang="nl-BE" noProof="0" dirty="0"/>
-              <a:t>Random fit</a:t>
-            </a:r>
-          </a:p>
-        </p:txBody>
-      </p:sp>
-    </p:spTree>
-    <p:extLst>
-      <p:ext uri="{BB962C8B-B14F-4D97-AF65-F5344CB8AC3E}">
-        <p14:creationId xmlns:p14="http://schemas.microsoft.com/office/powerpoint/2010/main" val="2114288458"/>
-      </p:ext>
-    </p:extLst>
-  </p:cSld>
-  <p:clrMapOvr>
-    <a:masterClrMapping/>
-  </p:clrMapOvr>
-</p:sld>
-</file>
-
-<file path=ppt/slides/slide5.xml><?xml version="1.0" encoding="utf-8"?>
-<p:sld xmlns:a="http://schemas.openxmlformats.org/drawingml/2006/main" xmlns:r="http://schemas.openxmlformats.org/officeDocument/2006/relationships" xmlns:p="http://schemas.openxmlformats.org/presentationml/2006/main" show="0">
-  <p:cSld>
-    <p:spTree>
-      <p:nvGrpSpPr>
-        <p:cNvPr id="1" name=""/>
-        <p:cNvGrpSpPr/>
-        <p:nvPr/>
-      </p:nvGrpSpPr>
-      <p:grpSpPr>
-        <a:xfrm>
-          <a:off x="0" y="0"/>
-          <a:ext cx="0" cy="0"/>
-          <a:chOff x="0" y="0"/>
-          <a:chExt cx="0" cy="0"/>
-        </a:xfrm>
-      </p:grpSpPr>
-      <p:graphicFrame>
-        <p:nvGraphicFramePr>
-          <p:cNvPr id="4" name="Table 3">
-            <a:extLst>
-              <a:ext uri="{FF2B5EF4-FFF2-40B4-BE49-F238E27FC236}">
-                <a16:creationId xmlns:a16="http://schemas.microsoft.com/office/drawing/2014/main" id="{CDB8E213-29F6-4CEB-86E5-0F5CD28A3FBB}"/>
-              </a:ext>
-            </a:extLst>
-          </p:cNvPr>
-          <p:cNvGraphicFramePr>
-            <a:graphicFrameLocks noGrp="1"/>
-          </p:cNvGraphicFramePr>
-          <p:nvPr>
-            <p:extLst>
-              <p:ext uri="{D42A27DB-BD31-4B8C-83A1-F6EECF244321}">
-                <p14:modId xmlns:p14="http://schemas.microsoft.com/office/powerpoint/2010/main" val="2853301988"/>
-              </p:ext>
-            </p:extLst>
-          </p:nvPr>
-        </p:nvGraphicFramePr>
-        <p:xfrm>
-          <a:off x="574800" y="5347096"/>
-          <a:ext cx="11041200" cy="839258"/>
-        </p:xfrm>
-        <a:graphic>
-          <a:graphicData uri="http://schemas.openxmlformats.org/drawingml/2006/table">
-            <a:tbl>
-              <a:tblPr firstRow="1" bandRow="1">
-                <a:tableStyleId>{5C22544A-7EE6-4342-B048-85BDC9FD1C3A}</a:tableStyleId>
-              </a:tblPr>
-              <a:tblGrid>
-                <a:gridCol w="2208240">
-                  <a:extLst>
-                    <a:ext uri="{9D8B030D-6E8A-4147-A177-3AD203B41FA5}">
-                      <a16:colId xmlns:a16="http://schemas.microsoft.com/office/drawing/2014/main" val="4237777761"/>
-                    </a:ext>
-                  </a:extLst>
-                </a:gridCol>
-                <a:gridCol w="2208240">
-                  <a:extLst>
-                    <a:ext uri="{9D8B030D-6E8A-4147-A177-3AD203B41FA5}">
-                      <a16:colId xmlns:a16="http://schemas.microsoft.com/office/drawing/2014/main" val="2788781913"/>
-                    </a:ext>
-                  </a:extLst>
-                </a:gridCol>
-                <a:gridCol w="2208240">
-                  <a:extLst>
-                    <a:ext uri="{9D8B030D-6E8A-4147-A177-3AD203B41FA5}">
-                      <a16:colId xmlns:a16="http://schemas.microsoft.com/office/drawing/2014/main" val="1118728810"/>
-                    </a:ext>
-                  </a:extLst>
-                </a:gridCol>
-                <a:gridCol w="2208240">
-                  <a:extLst>
-                    <a:ext uri="{9D8B030D-6E8A-4147-A177-3AD203B41FA5}">
-                      <a16:colId xmlns:a16="http://schemas.microsoft.com/office/drawing/2014/main" val="3746147485"/>
-                    </a:ext>
-                  </a:extLst>
-                </a:gridCol>
-                <a:gridCol w="2208240">
-                  <a:extLst>
-                    <a:ext uri="{9D8B030D-6E8A-4147-A177-3AD203B41FA5}">
-                      <a16:colId xmlns:a16="http://schemas.microsoft.com/office/drawing/2014/main" val="3752489724"/>
-                    </a:ext>
-                  </a:extLst>
-                </a:gridCol>
-              </a:tblGrid>
-              <a:tr h="419629">
-                <a:tc>
-                  <a:txBody>
-                    <a:bodyPr/>
-                    <a:lstStyle/>
-                    <a:p>
-                      <a:r>
-                        <a:rPr lang="nl-NL" dirty="0"/>
-                        <a:t>50</a:t>
-                      </a:r>
-                      <a:endParaRPr lang="en-GB" dirty="0"/>
-                    </a:p>
-                  </a:txBody>
-                  <a:tcPr/>
-                </a:tc>
-                <a:tc>
-                  <a:txBody>
-                    <a:bodyPr/>
-                    <a:lstStyle/>
-                    <a:p>
-                      <a:r>
-                        <a:rPr lang="nl-NL" dirty="0"/>
-                        <a:t>25,01</a:t>
-                      </a:r>
-                      <a:endParaRPr lang="en-GB" dirty="0"/>
-                    </a:p>
-                  </a:txBody>
-                  <a:tcPr/>
-                </a:tc>
-                <a:tc>
-                  <a:txBody>
-                    <a:bodyPr/>
-                    <a:lstStyle/>
-                    <a:p>
-                      <a:r>
-                        <a:rPr lang="nl-NL" dirty="0"/>
-                        <a:t>53,90</a:t>
-                      </a:r>
-                      <a:endParaRPr lang="en-GB" dirty="0"/>
-                    </a:p>
-                  </a:txBody>
-                  <a:tcPr/>
-                </a:tc>
-                <a:tc>
-                  <a:txBody>
-                    <a:bodyPr/>
-                    <a:lstStyle/>
-                    <a:p>
-                      <a:r>
-                        <a:rPr lang="nl-NL" dirty="0"/>
-                        <a:t>45,62</a:t>
-                      </a:r>
-                      <a:endParaRPr lang="en-GB" dirty="0"/>
-                    </a:p>
-                  </a:txBody>
-                  <a:tcPr/>
-                </a:tc>
-                <a:tc>
-                  <a:txBody>
-                    <a:bodyPr/>
-                    <a:lstStyle/>
-                    <a:p>
-                      <a:r>
-                        <a:rPr lang="nl-NL" dirty="0"/>
-                        <a:t>0,48</a:t>
-                      </a:r>
-                      <a:endParaRPr lang="en-GB" dirty="0"/>
-                    </a:p>
-                  </a:txBody>
-                  <a:tcPr/>
-                </a:tc>
-                <a:extLst>
-                  <a:ext uri="{0D108BD9-81ED-4DB2-BD59-A6C34878D82A}">
-                    <a16:rowId xmlns:a16="http://schemas.microsoft.com/office/drawing/2014/main" val="170816243"/>
-                  </a:ext>
-                </a:extLst>
-              </a:tr>
-              <a:tr h="419629">
-                <a:tc>
-                  <a:txBody>
-                    <a:bodyPr/>
-                    <a:lstStyle/>
-                    <a:p>
-                      <a:r>
-                        <a:rPr lang="nl-NL" dirty="0"/>
-                        <a:t>100</a:t>
-                      </a:r>
-                      <a:endParaRPr lang="en-GB" dirty="0"/>
-                    </a:p>
-                  </a:txBody>
-                  <a:tcPr/>
-                </a:tc>
-                <a:tc>
-                  <a:txBody>
-                    <a:bodyPr/>
-                    <a:lstStyle/>
-                    <a:p>
-                      <a:r>
-                        <a:rPr lang="nl-NL" dirty="0"/>
-                        <a:t>48,87</a:t>
-                      </a:r>
-                      <a:endParaRPr lang="en-GB" dirty="0"/>
-                    </a:p>
-                  </a:txBody>
-                  <a:tcPr/>
-                </a:tc>
-                <a:tc>
-                  <a:txBody>
-                    <a:bodyPr/>
-                    <a:lstStyle/>
-                    <a:p>
-                      <a:r>
-                        <a:rPr lang="nl-NL" dirty="0"/>
-                        <a:t>48,93</a:t>
-                      </a:r>
-                      <a:endParaRPr lang="en-GB" dirty="0"/>
-                    </a:p>
-                  </a:txBody>
-                  <a:tcPr/>
-                </a:tc>
-                <a:tc>
-                  <a:txBody>
-                    <a:bodyPr/>
-                    <a:lstStyle/>
-                    <a:p>
-                      <a:r>
-                        <a:rPr lang="nl-NL" dirty="0"/>
-                        <a:t>50,51</a:t>
-                      </a:r>
-                      <a:endParaRPr lang="en-GB" dirty="0"/>
-                    </a:p>
-                  </a:txBody>
-                  <a:tcPr/>
-                </a:tc>
-                <a:tc>
-                  <a:txBody>
-                    <a:bodyPr/>
-                    <a:lstStyle/>
-                    <a:p>
-                      <a:r>
-                        <a:rPr lang="nl-NL" dirty="0"/>
-                        <a:t>0,56</a:t>
-                      </a:r>
-                      <a:endParaRPr lang="en-GB" dirty="0"/>
-                    </a:p>
-                  </a:txBody>
-                  <a:tcPr/>
-                </a:tc>
-                <a:extLst>
-                  <a:ext uri="{0D108BD9-81ED-4DB2-BD59-A6C34878D82A}">
-                    <a16:rowId xmlns:a16="http://schemas.microsoft.com/office/drawing/2014/main" val="2416468185"/>
-                  </a:ext>
-                </a:extLst>
-              </a:tr>
-            </a:tbl>
-          </a:graphicData>
-        </a:graphic>
-      </p:graphicFrame>
-      <p:sp>
-        <p:nvSpPr>
-          <p:cNvPr id="5" name="Title 2">
-            <a:extLst>
-              <a:ext uri="{FF2B5EF4-FFF2-40B4-BE49-F238E27FC236}">
-                <a16:creationId xmlns:a16="http://schemas.microsoft.com/office/drawing/2014/main" id="{7EE7471E-E119-496E-B7B5-746F86AC09F7}"/>
-              </a:ext>
-            </a:extLst>
-          </p:cNvPr>
-          <p:cNvSpPr txBox="1">
-            <a:spLocks/>
-          </p:cNvSpPr>
-          <p:nvPr/>
-        </p:nvSpPr>
-        <p:spPr>
-          <a:xfrm>
-            <a:off x="962426" y="4614725"/>
-            <a:ext cx="11041200" cy="1152000"/>
-          </a:xfrm>
-          <a:prstGeom prst="rect">
-            <a:avLst/>
-          </a:prstGeom>
-        </p:spPr>
-        <p:txBody>
-          <a:bodyPr/>
-          <a:lstStyle>
-            <a:lvl1pPr algn="l" defTabSz="914400" rtl="0" eaLnBrk="1" latinLnBrk="0" hangingPunct="1">
-              <a:lnSpc>
-                <a:spcPct val="100000"/>
-              </a:lnSpc>
-              <a:spcBef>
-                <a:spcPct val="0"/>
-              </a:spcBef>
-              <a:buNone/>
-              <a:defRPr sz="4000" kern="1200" baseline="0">
-                <a:solidFill>
-                  <a:schemeClr val="tx2"/>
-                </a:solidFill>
-                <a:latin typeface="Arial" charset="0"/>
-                <a:ea typeface="+mj-ea"/>
-                <a:cs typeface="+mj-cs"/>
-              </a:defRPr>
-            </a:lvl1pPr>
-          </a:lstStyle>
-          <a:p>
-            <a:r>
-              <a:rPr lang="nl-NL" dirty="0"/>
-              <a:t>Random fit: 10k-battle (No </a:t>
-            </a:r>
-            <a:r>
-              <a:rPr lang="nl-NL" dirty="0" err="1"/>
-              <a:t>seed</a:t>
-            </a:r>
-            <a:r>
-              <a:rPr lang="nl-NL" dirty="0"/>
-              <a:t>)</a:t>
-            </a:r>
-            <a:endParaRPr lang="en-GB" dirty="0"/>
-          </a:p>
-        </p:txBody>
-      </p:sp>
-    </p:spTree>
-    <p:extLst>
-      <p:ext uri="{BB962C8B-B14F-4D97-AF65-F5344CB8AC3E}">
-        <p14:creationId xmlns:p14="http://schemas.microsoft.com/office/powerpoint/2010/main" val="3719918947"/>
-      </p:ext>
-    </p:extLst>
-  </p:cSld>
-  <p:clrMapOvr>
-    <a:masterClrMapping/>
-  </p:clrMapOvr>
-</p:sld>
-</file>
-
-<file path=ppt/slides/slide6.xml><?xml version="1.0" encoding="utf-8"?>
-<p:sld xmlns:a="http://schemas.openxmlformats.org/drawingml/2006/main" xmlns:r="http://schemas.openxmlformats.org/officeDocument/2006/relationships" xmlns:p="http://schemas.openxmlformats.org/presentationml/2006/main" show="0">
-  <p:cSld>
-    <p:spTree>
-      <p:nvGrpSpPr>
-        <p:cNvPr id="1" name=""/>
-        <p:cNvGrpSpPr/>
-        <p:nvPr/>
-      </p:nvGrpSpPr>
-      <p:grpSpPr>
-        <a:xfrm>
-          <a:off x="0" y="0"/>
-          <a:ext cx="0" cy="0"/>
-          <a:chOff x="0" y="0"/>
-          <a:chExt cx="0" cy="0"/>
-        </a:xfrm>
-      </p:grpSpPr>
-      <p:graphicFrame>
-        <p:nvGraphicFramePr>
-          <p:cNvPr id="4" name="Chart 3">
-            <a:extLst>
-              <a:ext uri="{FF2B5EF4-FFF2-40B4-BE49-F238E27FC236}">
-                <a16:creationId xmlns:a16="http://schemas.microsoft.com/office/drawing/2014/main" id="{D874CF55-6DE0-41A3-8C85-5F9410B14D6A}"/>
-              </a:ext>
-            </a:extLst>
-          </p:cNvPr>
-          <p:cNvGraphicFramePr/>
-          <p:nvPr>
-            <p:extLst>
-              <p:ext uri="{D42A27DB-BD31-4B8C-83A1-F6EECF244321}">
-                <p14:modId xmlns:p14="http://schemas.microsoft.com/office/powerpoint/2010/main" val="1314139310"/>
-              </p:ext>
-            </p:extLst>
-          </p:nvPr>
-        </p:nvGraphicFramePr>
-        <p:xfrm>
-          <a:off x="3103779" y="719666"/>
-          <a:ext cx="8128000" cy="5418667"/>
-        </p:xfrm>
-        <a:graphic>
-          <a:graphicData uri="http://schemas.openxmlformats.org/drawingml/2006/chart">
-            <c:chart xmlns:c="http://schemas.openxmlformats.org/drawingml/2006/chart" xmlns:r="http://schemas.openxmlformats.org/officeDocument/2006/relationships" r:id="rId2"/>
-          </a:graphicData>
-        </a:graphic>
-      </p:graphicFrame>
-      <p:sp>
-        <p:nvSpPr>
-          <p:cNvPr id="8" name="TextBox 7">
-            <a:extLst>
-              <a:ext uri="{FF2B5EF4-FFF2-40B4-BE49-F238E27FC236}">
-                <a16:creationId xmlns:a16="http://schemas.microsoft.com/office/drawing/2014/main" id="{B8449A85-70A1-4FCD-93AC-A45E7D091B33}"/>
-              </a:ext>
-            </a:extLst>
-          </p:cNvPr>
-          <p:cNvSpPr txBox="1"/>
-          <p:nvPr/>
-        </p:nvSpPr>
-        <p:spPr>
-          <a:xfrm>
-            <a:off x="454715" y="133386"/>
-            <a:ext cx="6097656" cy="369332"/>
-          </a:xfrm>
-          <a:prstGeom prst="rect">
-            <a:avLst/>
-          </a:prstGeom>
-          <a:noFill/>
-        </p:spPr>
-        <p:txBody>
-          <a:bodyPr wrap="square">
-            <a:spAutoFit/>
-          </a:bodyPr>
-          <a:lstStyle/>
-          <a:p>
-            <a:r>
-              <a:rPr lang="nl-NL" dirty="0"/>
-              <a:t>Random fit: 10k-battle</a:t>
-            </a:r>
-            <a:endParaRPr lang="en-GB" dirty="0"/>
-          </a:p>
-        </p:txBody>
-      </p:sp>
-      <p:graphicFrame>
-        <p:nvGraphicFramePr>
-          <p:cNvPr id="10" name="Table 9">
-            <a:extLst>
-              <a:ext uri="{FF2B5EF4-FFF2-40B4-BE49-F238E27FC236}">
-                <a16:creationId xmlns:a16="http://schemas.microsoft.com/office/drawing/2014/main" id="{098685F1-4FD3-4612-9A9F-1C7DC506AE93}"/>
-              </a:ext>
-            </a:extLst>
-          </p:cNvPr>
-          <p:cNvGraphicFramePr>
-            <a:graphicFrameLocks noGrp="1"/>
-          </p:cNvGraphicFramePr>
-          <p:nvPr>
-            <p:extLst>
-              <p:ext uri="{D42A27DB-BD31-4B8C-83A1-F6EECF244321}">
-                <p14:modId xmlns:p14="http://schemas.microsoft.com/office/powerpoint/2010/main" val="961683797"/>
-              </p:ext>
-            </p:extLst>
-          </p:nvPr>
-        </p:nvGraphicFramePr>
-        <p:xfrm>
-          <a:off x="295689" y="1386839"/>
-          <a:ext cx="2375660" cy="4084320"/>
-        </p:xfrm>
-        <a:graphic>
-          <a:graphicData uri="http://schemas.openxmlformats.org/drawingml/2006/table">
-            <a:tbl>
-              <a:tblPr firstRow="1" bandRow="1">
-                <a:tableStyleId>{5C22544A-7EE6-4342-B048-85BDC9FD1C3A}</a:tableStyleId>
-              </a:tblPr>
-              <a:tblGrid>
-                <a:gridCol w="1187830">
-                  <a:extLst>
-                    <a:ext uri="{9D8B030D-6E8A-4147-A177-3AD203B41FA5}">
-                      <a16:colId xmlns:a16="http://schemas.microsoft.com/office/drawing/2014/main" val="2447541325"/>
-                    </a:ext>
-                  </a:extLst>
-                </a:gridCol>
-                <a:gridCol w="1187830">
-                  <a:extLst>
-                    <a:ext uri="{9D8B030D-6E8A-4147-A177-3AD203B41FA5}">
-                      <a16:colId xmlns:a16="http://schemas.microsoft.com/office/drawing/2014/main" val="2399583435"/>
-                    </a:ext>
-                  </a:extLst>
-                </a:gridCol>
-              </a:tblGrid>
-              <a:tr h="294040">
-                <a:tc>
-                  <a:txBody>
-                    <a:bodyPr/>
-                    <a:lstStyle/>
-                    <a:p>
-                      <a:r>
-                        <a:rPr lang="nl-NL" sz="1400" dirty="0"/>
-                        <a:t>% </a:t>
-                      </a:r>
-                      <a:r>
-                        <a:rPr lang="nl-NL" sz="1400" dirty="0" err="1"/>
-                        <a:t>pass_set</a:t>
-                      </a:r>
-                      <a:endParaRPr lang="en-GB" sz="1400" dirty="0"/>
-                    </a:p>
-                  </a:txBody>
-                  <a:tcPr/>
-                </a:tc>
-                <a:tc>
-                  <a:txBody>
-                    <a:bodyPr/>
-                    <a:lstStyle/>
-                    <a:p>
-                      <a:r>
-                        <a:rPr lang="nl-NL" sz="1400" dirty="0"/>
-                        <a:t>% </a:t>
-                      </a:r>
-                      <a:r>
-                        <a:rPr lang="nl-NL" sz="1400" dirty="0" err="1"/>
-                        <a:t>pass_werkelijk</a:t>
-                      </a:r>
-                      <a:endParaRPr lang="en-GB" sz="1400" dirty="0"/>
-                    </a:p>
-                  </a:txBody>
-                  <a:tcPr/>
-                </a:tc>
-                <a:extLst>
-                  <a:ext uri="{0D108BD9-81ED-4DB2-BD59-A6C34878D82A}">
-                    <a16:rowId xmlns:a16="http://schemas.microsoft.com/office/drawing/2014/main" val="1578055492"/>
-                  </a:ext>
-                </a:extLst>
-              </a:tr>
-              <a:tr h="294040">
-                <a:tc>
-                  <a:txBody>
-                    <a:bodyPr/>
-                    <a:lstStyle/>
-                    <a:p>
-                      <a:r>
-                        <a:rPr lang="nl-NL" sz="1400" dirty="0"/>
-                        <a:t>100</a:t>
-                      </a:r>
-                      <a:endParaRPr lang="en-GB" sz="1400" dirty="0"/>
-                    </a:p>
-                  </a:txBody>
-                  <a:tcPr/>
-                </a:tc>
-                <a:tc>
-                  <a:txBody>
-                    <a:bodyPr/>
-                    <a:lstStyle/>
-                    <a:p>
-                      <a:r>
-                        <a:rPr lang="nl-NL" sz="1400" dirty="0"/>
-                        <a:t>49,87</a:t>
-                      </a:r>
-                      <a:endParaRPr lang="en-GB" sz="1400" dirty="0"/>
-                    </a:p>
-                  </a:txBody>
-                  <a:tcPr/>
-                </a:tc>
-                <a:extLst>
-                  <a:ext uri="{0D108BD9-81ED-4DB2-BD59-A6C34878D82A}">
-                    <a16:rowId xmlns:a16="http://schemas.microsoft.com/office/drawing/2014/main" val="3991641700"/>
-                  </a:ext>
-                </a:extLst>
-              </a:tr>
-              <a:tr h="294040">
-                <a:tc>
-                  <a:txBody>
-                    <a:bodyPr/>
-                    <a:lstStyle/>
-                    <a:p>
-                      <a:endParaRPr lang="en-GB" sz="1400" dirty="0"/>
-                    </a:p>
-                  </a:txBody>
-                  <a:tcPr/>
-                </a:tc>
-                <a:tc>
-                  <a:txBody>
-                    <a:bodyPr/>
-                    <a:lstStyle/>
-                    <a:p>
-                      <a:endParaRPr lang="en-GB" sz="1400" dirty="0"/>
-                    </a:p>
-                  </a:txBody>
-                  <a:tcPr/>
-                </a:tc>
-                <a:extLst>
-                  <a:ext uri="{0D108BD9-81ED-4DB2-BD59-A6C34878D82A}">
-                    <a16:rowId xmlns:a16="http://schemas.microsoft.com/office/drawing/2014/main" val="1923776934"/>
-                  </a:ext>
-                </a:extLst>
-              </a:tr>
-              <a:tr h="294040">
-                <a:tc>
-                  <a:txBody>
-                    <a:bodyPr/>
-                    <a:lstStyle/>
-                    <a:p>
-                      <a:r>
-                        <a:rPr lang="nl-NL" sz="1400" dirty="0"/>
-                        <a:t>80</a:t>
-                      </a:r>
-                      <a:endParaRPr lang="en-GB" sz="1400" dirty="0"/>
-                    </a:p>
-                  </a:txBody>
-                  <a:tcPr/>
-                </a:tc>
-                <a:tc>
-                  <a:txBody>
-                    <a:bodyPr/>
-                    <a:lstStyle/>
-                    <a:p>
-                      <a:endParaRPr lang="en-GB" sz="1400" dirty="0"/>
-                    </a:p>
-                  </a:txBody>
-                  <a:tcPr/>
-                </a:tc>
-                <a:extLst>
-                  <a:ext uri="{0D108BD9-81ED-4DB2-BD59-A6C34878D82A}">
-                    <a16:rowId xmlns:a16="http://schemas.microsoft.com/office/drawing/2014/main" val="2644616335"/>
-                  </a:ext>
-                </a:extLst>
-              </a:tr>
-              <a:tr h="294040">
-                <a:tc>
-                  <a:txBody>
-                    <a:bodyPr/>
-                    <a:lstStyle/>
-                    <a:p>
-                      <a:r>
-                        <a:rPr lang="nl-NL" sz="1400" dirty="0"/>
-                        <a:t>70</a:t>
-                      </a:r>
-                      <a:endParaRPr lang="en-GB" sz="1400" dirty="0"/>
-                    </a:p>
-                  </a:txBody>
-                  <a:tcPr/>
-                </a:tc>
-                <a:tc>
-                  <a:txBody>
-                    <a:bodyPr/>
-                    <a:lstStyle/>
-                    <a:p>
-                      <a:r>
-                        <a:rPr lang="nl-NL" sz="1400" dirty="0"/>
-                        <a:t>34,97</a:t>
-                      </a:r>
-                      <a:endParaRPr lang="en-GB" sz="1400" dirty="0"/>
-                    </a:p>
-                  </a:txBody>
-                  <a:tcPr/>
-                </a:tc>
-                <a:extLst>
-                  <a:ext uri="{0D108BD9-81ED-4DB2-BD59-A6C34878D82A}">
-                    <a16:rowId xmlns:a16="http://schemas.microsoft.com/office/drawing/2014/main" val="1592323"/>
-                  </a:ext>
-                </a:extLst>
-              </a:tr>
-              <a:tr h="294040">
-                <a:tc>
-                  <a:txBody>
-                    <a:bodyPr/>
-                    <a:lstStyle/>
-                    <a:p>
-                      <a:r>
-                        <a:rPr lang="nl-NL" sz="1400" dirty="0"/>
-                        <a:t>60</a:t>
-                      </a:r>
-                      <a:endParaRPr lang="en-GB" sz="1400" dirty="0"/>
-                    </a:p>
-                  </a:txBody>
-                  <a:tcPr/>
-                </a:tc>
-                <a:tc>
-                  <a:txBody>
-                    <a:bodyPr/>
-                    <a:lstStyle/>
-                    <a:p>
-                      <a:endParaRPr lang="en-GB" sz="1400" dirty="0"/>
-                    </a:p>
-                  </a:txBody>
-                  <a:tcPr/>
-                </a:tc>
-                <a:extLst>
-                  <a:ext uri="{0D108BD9-81ED-4DB2-BD59-A6C34878D82A}">
-                    <a16:rowId xmlns:a16="http://schemas.microsoft.com/office/drawing/2014/main" val="2065100260"/>
-                  </a:ext>
-                </a:extLst>
-              </a:tr>
-              <a:tr h="294040">
-                <a:tc>
-                  <a:txBody>
-                    <a:bodyPr/>
-                    <a:lstStyle/>
-                    <a:p>
-                      <a:r>
-                        <a:rPr lang="nl-NL" sz="1400" dirty="0"/>
-                        <a:t>50</a:t>
-                      </a:r>
-                      <a:endParaRPr lang="en-GB" sz="1400" dirty="0"/>
-                    </a:p>
-                  </a:txBody>
-                  <a:tcPr/>
-                </a:tc>
-                <a:tc>
-                  <a:txBody>
-                    <a:bodyPr/>
-                    <a:lstStyle/>
-                    <a:p>
-                      <a:r>
-                        <a:rPr lang="nl-NL" sz="1400" dirty="0"/>
-                        <a:t>25,01</a:t>
-                      </a:r>
-                      <a:endParaRPr lang="en-GB" sz="1400" dirty="0"/>
-                    </a:p>
-                  </a:txBody>
-                  <a:tcPr/>
-                </a:tc>
-                <a:extLst>
-                  <a:ext uri="{0D108BD9-81ED-4DB2-BD59-A6C34878D82A}">
-                    <a16:rowId xmlns:a16="http://schemas.microsoft.com/office/drawing/2014/main" val="4073586731"/>
-                  </a:ext>
-                </a:extLst>
-              </a:tr>
-              <a:tr h="294040">
-                <a:tc>
-                  <a:txBody>
-                    <a:bodyPr/>
-                    <a:lstStyle/>
-                    <a:p>
-                      <a:r>
-                        <a:rPr lang="nl-NL" sz="1400" dirty="0"/>
-                        <a:t>40</a:t>
-                      </a:r>
-                      <a:endParaRPr lang="en-GB" sz="1400" dirty="0"/>
-                    </a:p>
-                  </a:txBody>
-                  <a:tcPr/>
-                </a:tc>
-                <a:tc>
-                  <a:txBody>
-                    <a:bodyPr/>
-                    <a:lstStyle/>
-                    <a:p>
-                      <a:endParaRPr lang="en-GB" sz="1400" dirty="0"/>
-                    </a:p>
-                  </a:txBody>
-                  <a:tcPr/>
-                </a:tc>
-                <a:extLst>
-                  <a:ext uri="{0D108BD9-81ED-4DB2-BD59-A6C34878D82A}">
-                    <a16:rowId xmlns:a16="http://schemas.microsoft.com/office/drawing/2014/main" val="2908516590"/>
-                  </a:ext>
-                </a:extLst>
-              </a:tr>
-              <a:tr h="294040">
-                <a:tc>
-                  <a:txBody>
-                    <a:bodyPr/>
-                    <a:lstStyle/>
-                    <a:p>
-                      <a:r>
-                        <a:rPr lang="nl-NL" sz="1400" dirty="0"/>
-                        <a:t>30</a:t>
-                      </a:r>
-                      <a:endParaRPr lang="en-GB" sz="1400" dirty="0"/>
-                    </a:p>
-                  </a:txBody>
-                  <a:tcPr/>
-                </a:tc>
-                <a:tc>
-                  <a:txBody>
-                    <a:bodyPr/>
-                    <a:lstStyle/>
-                    <a:p>
-                      <a:r>
-                        <a:rPr lang="nl-NL" sz="1400" dirty="0"/>
-                        <a:t>15,55</a:t>
-                      </a:r>
-                      <a:endParaRPr lang="en-GB" sz="1400" dirty="0"/>
-                    </a:p>
-                  </a:txBody>
-                  <a:tcPr/>
-                </a:tc>
-                <a:extLst>
-                  <a:ext uri="{0D108BD9-81ED-4DB2-BD59-A6C34878D82A}">
-                    <a16:rowId xmlns:a16="http://schemas.microsoft.com/office/drawing/2014/main" val="2665443686"/>
-                  </a:ext>
-                </a:extLst>
-              </a:tr>
-              <a:tr h="294040">
-                <a:tc>
-                  <a:txBody>
-                    <a:bodyPr/>
-                    <a:lstStyle/>
-                    <a:p>
-                      <a:r>
-                        <a:rPr lang="nl-NL" sz="1400" dirty="0"/>
-                        <a:t>20</a:t>
-                      </a:r>
-                      <a:endParaRPr lang="en-GB" sz="1400" dirty="0"/>
-                    </a:p>
-                  </a:txBody>
-                  <a:tcPr/>
-                </a:tc>
-                <a:tc>
-                  <a:txBody>
-                    <a:bodyPr/>
-                    <a:lstStyle/>
-                    <a:p>
-                      <a:endParaRPr lang="en-GB" sz="1400" dirty="0"/>
-                    </a:p>
-                  </a:txBody>
-                  <a:tcPr/>
-                </a:tc>
-                <a:extLst>
-                  <a:ext uri="{0D108BD9-81ED-4DB2-BD59-A6C34878D82A}">
-                    <a16:rowId xmlns:a16="http://schemas.microsoft.com/office/drawing/2014/main" val="1905538874"/>
-                  </a:ext>
-                </a:extLst>
-              </a:tr>
-              <a:tr h="294040">
-                <a:tc>
-                  <a:txBody>
-                    <a:bodyPr/>
-                    <a:lstStyle/>
-                    <a:p>
-                      <a:r>
-                        <a:rPr lang="nl-NL" sz="1400" dirty="0"/>
-                        <a:t>10</a:t>
-                      </a:r>
-                      <a:endParaRPr lang="en-GB" sz="1400" dirty="0"/>
-                    </a:p>
-                  </a:txBody>
-                  <a:tcPr/>
-                </a:tc>
-                <a:tc>
-                  <a:txBody>
-                    <a:bodyPr/>
-                    <a:lstStyle/>
-                    <a:p>
-                      <a:endParaRPr lang="en-GB" sz="1400" dirty="0"/>
-                    </a:p>
-                  </a:txBody>
-                  <a:tcPr/>
-                </a:tc>
-                <a:extLst>
-                  <a:ext uri="{0D108BD9-81ED-4DB2-BD59-A6C34878D82A}">
-                    <a16:rowId xmlns:a16="http://schemas.microsoft.com/office/drawing/2014/main" val="984692329"/>
-                  </a:ext>
-                </a:extLst>
-              </a:tr>
-              <a:tr h="294040">
-                <a:tc>
-                  <a:txBody>
-                    <a:bodyPr/>
-                    <a:lstStyle/>
-                    <a:p>
-                      <a:r>
-                        <a:rPr lang="nl-NL" sz="1400" dirty="0"/>
-                        <a:t>0</a:t>
-                      </a:r>
-                      <a:endParaRPr lang="en-GB" sz="1400" dirty="0"/>
-                    </a:p>
-                  </a:txBody>
-                  <a:tcPr/>
-                </a:tc>
-                <a:tc>
-                  <a:txBody>
-                    <a:bodyPr/>
-                    <a:lstStyle/>
-                    <a:p>
-                      <a:endParaRPr lang="en-GB" sz="1400" dirty="0"/>
-                    </a:p>
-                  </a:txBody>
-                  <a:tcPr/>
-                </a:tc>
-                <a:extLst>
-                  <a:ext uri="{0D108BD9-81ED-4DB2-BD59-A6C34878D82A}">
-                    <a16:rowId xmlns:a16="http://schemas.microsoft.com/office/drawing/2014/main" val="4117097628"/>
-                  </a:ext>
-                </a:extLst>
-              </a:tr>
-            </a:tbl>
-          </a:graphicData>
-        </a:graphic>
-      </p:graphicFrame>
-    </p:spTree>
-    <p:extLst>
-      <p:ext uri="{BB962C8B-B14F-4D97-AF65-F5344CB8AC3E}">
-        <p14:creationId xmlns:p14="http://schemas.microsoft.com/office/powerpoint/2010/main" val="1910749542"/>
-      </p:ext>
-    </p:extLst>
-  </p:cSld>
-  <p:clrMapOvr>
-    <a:masterClrMapping/>
-  </p:clrMapOvr>
-</p:sld>
-</file>
-
-<file path=ppt/slides/slide7.xml><?xml version="1.0" encoding="utf-8"?>
-<p:sld xmlns:a="http://schemas.openxmlformats.org/drawingml/2006/main" xmlns:r="http://schemas.openxmlformats.org/officeDocument/2006/relationships" xmlns:p="http://schemas.openxmlformats.org/presentationml/2006/main">
-  <p:cSld>
-    <p:spTree>
-      <p:nvGrpSpPr>
-        <p:cNvPr id="1" name=""/>
-        <p:cNvGrpSpPr/>
-        <p:nvPr/>
-      </p:nvGrpSpPr>
-      <p:grpSpPr>
-        <a:xfrm>
-          <a:off x="0" y="0"/>
-          <a:ext cx="0" cy="0"/>
-          <a:chOff x="0" y="0"/>
-          <a:chExt cx="0" cy="0"/>
-        </a:xfrm>
-      </p:grpSpPr>
-      <p:sp>
-        <p:nvSpPr>
-          <p:cNvPr id="2" name="Title 1">
-            <a:extLst>
-              <a:ext uri="{FF2B5EF4-FFF2-40B4-BE49-F238E27FC236}">
-                <a16:creationId xmlns:a16="http://schemas.microsoft.com/office/drawing/2014/main" id="{DBF098EE-F501-4148-BA06-B7B67C3F29FB}"/>
-              </a:ext>
-            </a:extLst>
-          </p:cNvPr>
-          <p:cNvSpPr>
-            <a:spLocks noGrp="1"/>
-          </p:cNvSpPr>
-          <p:nvPr>
-            <p:ph type="title"/>
-          </p:nvPr>
-        </p:nvSpPr>
-        <p:spPr/>
-        <p:txBody>
-          <a:bodyPr/>
-          <a:lstStyle/>
-          <a:p>
-            <a:r>
-              <a:rPr lang="nl-BE" noProof="0" dirty="0"/>
-              <a:t>Best Fit</a:t>
-            </a:r>
-          </a:p>
-        </p:txBody>
-      </p:sp>
-    </p:spTree>
-    <p:extLst>
-      <p:ext uri="{BB962C8B-B14F-4D97-AF65-F5344CB8AC3E}">
-        <p14:creationId xmlns:p14="http://schemas.microsoft.com/office/powerpoint/2010/main" val="2772562052"/>
-      </p:ext>
-    </p:extLst>
-  </p:cSld>
-  <p:clrMapOvr>
-    <a:masterClrMapping/>
-  </p:clrMapOvr>
-</p:sld>
-</file>
-
-<file path=ppt/slides/slide8.xml><?xml version="1.0" encoding="utf-8"?>
-<p:sld xmlns:a="http://schemas.openxmlformats.org/drawingml/2006/main" xmlns:r="http://schemas.openxmlformats.org/officeDocument/2006/relationships" xmlns:p="http://schemas.openxmlformats.org/presentationml/2006/main">
-  <p:cSld>
-    <p:spTree>
-      <p:nvGrpSpPr>
-        <p:cNvPr id="1" name=""/>
-        <p:cNvGrpSpPr/>
-        <p:nvPr/>
-      </p:nvGrpSpPr>
-      <p:grpSpPr>
-        <a:xfrm>
-          <a:off x="0" y="0"/>
-          <a:ext cx="0" cy="0"/>
-          <a:chOff x="0" y="0"/>
-          <a:chExt cx="0" cy="0"/>
-        </a:xfrm>
-      </p:grpSpPr>
-      <p:sp>
-        <p:nvSpPr>
-          <p:cNvPr id="2" name="Content Placeholder 1">
-            <a:extLst>
-              <a:ext uri="{FF2B5EF4-FFF2-40B4-BE49-F238E27FC236}">
-                <a16:creationId xmlns:a16="http://schemas.microsoft.com/office/drawing/2014/main" id="{357FB862-E6E5-47DA-9FF7-0BA26CFF81DE}"/>
-              </a:ext>
-            </a:extLst>
-          </p:cNvPr>
-          <p:cNvSpPr>
-            <a:spLocks noGrp="1"/>
-          </p:cNvSpPr>
-          <p:nvPr>
-            <p:ph idx="1"/>
-          </p:nvPr>
-        </p:nvSpPr>
-        <p:spPr/>
-        <p:txBody>
-          <a:bodyPr>
-            <a:normAutofit fontScale="92500" lnSpcReduction="10000"/>
-          </a:bodyPr>
-          <a:lstStyle/>
-          <a:p>
-            <a:r>
-              <a:rPr lang="nl-NL" dirty="0"/>
-              <a:t>Offensief</a:t>
-            </a:r>
-          </a:p>
-          <a:p>
-            <a:pPr lvl="1"/>
-            <a:r>
-              <a:rPr lang="nl-NL" dirty="0"/>
-              <a:t>Maak een vierkant (A1)</a:t>
-            </a:r>
-          </a:p>
-          <a:p>
-            <a:pPr lvl="1"/>
-            <a:r>
-              <a:rPr lang="nl-NL" dirty="0"/>
-              <a:t>Leg in meest vertegenwoordigde vierkant (E)</a:t>
-            </a:r>
-          </a:p>
-          <a:p>
-            <a:pPr lvl="1"/>
-            <a:r>
-              <a:rPr lang="nl-BE" dirty="0"/>
-              <a:t>Claim een zo hoog mogelijke locatie (G)</a:t>
-            </a:r>
-            <a:endParaRPr lang="nl-NL" dirty="0"/>
-          </a:p>
-          <a:p>
-            <a:r>
-              <a:rPr lang="nl-NL" dirty="0"/>
-              <a:t>Defensief (A21, A22)</a:t>
-            </a:r>
-          </a:p>
-          <a:p>
-            <a:r>
-              <a:rPr lang="nl-NL" dirty="0"/>
-              <a:t>Combinatie</a:t>
-            </a:r>
-          </a:p>
-          <a:p>
-            <a:pPr lvl="1"/>
-            <a:r>
-              <a:rPr lang="nl-NL" dirty="0"/>
-              <a:t>claim midden niveau 1 (B)</a:t>
-            </a:r>
-          </a:p>
-          <a:p>
-            <a:pPr lvl="1"/>
-            <a:r>
-              <a:rPr lang="en-GB" dirty="0"/>
-              <a:t>claim midden van </a:t>
-            </a:r>
-            <a:r>
-              <a:rPr lang="en-GB" dirty="0" err="1"/>
-              <a:t>randen</a:t>
-            </a:r>
-            <a:r>
-              <a:rPr lang="en-GB" dirty="0"/>
-              <a:t> op </a:t>
-            </a:r>
-            <a:r>
-              <a:rPr lang="en-GB" dirty="0" err="1"/>
-              <a:t>niveau</a:t>
-            </a:r>
-            <a:r>
-              <a:rPr lang="en-GB" dirty="0"/>
-              <a:t> 1 </a:t>
-            </a:r>
-            <a:r>
-              <a:rPr lang="nl-NL" dirty="0"/>
-              <a:t>(</a:t>
-            </a:r>
-            <a:r>
-              <a:rPr lang="en-GB" dirty="0"/>
-              <a:t>C1, C21, C22)</a:t>
-            </a:r>
-          </a:p>
-          <a:p>
-            <a:r>
-              <a:rPr lang="nl-BE" dirty="0"/>
-              <a:t>Random (F)</a:t>
-            </a:r>
-          </a:p>
-          <a:p>
-            <a:endParaRPr lang="nl-BE" dirty="0"/>
-          </a:p>
-          <a:p>
-            <a:r>
-              <a:rPr lang="nl-BE" dirty="0"/>
-              <a:t>(D: Midden op grond claimen, indien er geen L structuur aanwezig is)</a:t>
-            </a:r>
-          </a:p>
-          <a:p>
-            <a:endParaRPr lang="nl-BE" dirty="0"/>
-          </a:p>
-        </p:txBody>
-      </p:sp>
-      <p:sp>
-        <p:nvSpPr>
-          <p:cNvPr id="3" name="Title 2">
-            <a:extLst>
-              <a:ext uri="{FF2B5EF4-FFF2-40B4-BE49-F238E27FC236}">
-                <a16:creationId xmlns:a16="http://schemas.microsoft.com/office/drawing/2014/main" id="{97F18511-16FE-4A49-9BB8-23A36F1193C0}"/>
-              </a:ext>
-            </a:extLst>
-          </p:cNvPr>
-          <p:cNvSpPr>
-            <a:spLocks noGrp="1"/>
-          </p:cNvSpPr>
-          <p:nvPr>
-            <p:ph type="title"/>
-          </p:nvPr>
-        </p:nvSpPr>
-        <p:spPr/>
-        <p:txBody>
-          <a:bodyPr/>
-          <a:lstStyle/>
-          <a:p>
-            <a:r>
-              <a:rPr lang="nl-BE" noProof="1"/>
-              <a:t>Strategiën</a:t>
-            </a:r>
-          </a:p>
-        </p:txBody>
-      </p:sp>
-    </p:spTree>
-    <p:extLst>
-      <p:ext uri="{BB962C8B-B14F-4D97-AF65-F5344CB8AC3E}">
-        <p14:creationId xmlns:p14="http://schemas.microsoft.com/office/powerpoint/2010/main" val="3995068531"/>
-      </p:ext>
-    </p:extLst>
-  </p:cSld>
-  <p:clrMapOvr>
-    <a:masterClrMapping/>
-  </p:clrMapOvr>
-</p:sld>
-</file>
-
-<file path=ppt/slides/slide9.xml><?xml version="1.0" encoding="utf-8"?>
-<p:sld xmlns:a="http://schemas.openxmlformats.org/drawingml/2006/main" xmlns:r="http://schemas.openxmlformats.org/officeDocument/2006/relationships" xmlns:p="http://schemas.openxmlformats.org/presentationml/2006/main">
-  <p:cSld>
-    <p:spTree>
-      <p:nvGrpSpPr>
-        <p:cNvPr id="1" name=""/>
-        <p:cNvGrpSpPr/>
-        <p:nvPr/>
-      </p:nvGrpSpPr>
-      <p:grpSpPr>
-        <a:xfrm>
-          <a:off x="0" y="0"/>
-          <a:ext cx="0" cy="0"/>
-          <a:chOff x="0" y="0"/>
-          <a:chExt cx="0" cy="0"/>
-        </a:xfrm>
-      </p:grpSpPr>
-      <p:sp>
-        <p:nvSpPr>
-          <p:cNvPr id="6" name="Title 5">
-            <a:extLst>
-              <a:ext uri="{FF2B5EF4-FFF2-40B4-BE49-F238E27FC236}">
-                <a16:creationId xmlns:a16="http://schemas.microsoft.com/office/drawing/2014/main" id="{B72D440E-F87A-40E4-87BE-C55D57997929}"/>
-              </a:ext>
-            </a:extLst>
-          </p:cNvPr>
-          <p:cNvSpPr>
-            <a:spLocks noGrp="1"/>
-          </p:cNvSpPr>
-          <p:nvPr>
-            <p:ph type="title"/>
-          </p:nvPr>
-        </p:nvSpPr>
-        <p:spPr/>
-        <p:txBody>
-          <a:bodyPr/>
-          <a:lstStyle/>
-          <a:p>
-            <a:r>
-              <a:rPr lang="nl-NL" dirty="0"/>
-              <a:t>Offensief</a:t>
-            </a:r>
-            <a:endParaRPr lang="en-GB" dirty="0"/>
-          </a:p>
-        </p:txBody>
-      </p:sp>
-      <p:sp>
-        <p:nvSpPr>
-          <p:cNvPr id="2" name="Text Placeholder 1">
-            <a:extLst>
-              <a:ext uri="{FF2B5EF4-FFF2-40B4-BE49-F238E27FC236}">
-                <a16:creationId xmlns:a16="http://schemas.microsoft.com/office/drawing/2014/main" id="{F3F1C8C8-8A47-439A-ABDA-1B31E45DA0C1}"/>
-              </a:ext>
-            </a:extLst>
-          </p:cNvPr>
-          <p:cNvSpPr>
-            <a:spLocks noGrp="1"/>
-          </p:cNvSpPr>
-          <p:nvPr>
-            <p:ph type="body" idx="1"/>
-          </p:nvPr>
-        </p:nvSpPr>
-        <p:spPr/>
-        <p:txBody>
-          <a:bodyPr/>
-          <a:lstStyle/>
-          <a:p>
-            <a:pPr marL="342900" indent="-342900" algn="l">
-              <a:buFont typeface="Arial" panose="020B0604020202020204" pitchFamily="34" charset="0"/>
-              <a:buChar char="•"/>
-            </a:pPr>
-            <a:r>
-              <a:rPr lang="nl-NL" dirty="0">
-                <a:solidFill>
-                  <a:srgbClr val="2E2E2E"/>
-                </a:solidFill>
-              </a:rPr>
-              <a:t>A1</a:t>
-            </a:r>
-            <a:endParaRPr lang="en-GB" dirty="0">
-              <a:solidFill>
-                <a:srgbClr val="2E2E2E"/>
-              </a:solidFill>
-            </a:endParaRPr>
-          </a:p>
-        </p:txBody>
-      </p:sp>
-      <p:sp>
-        <p:nvSpPr>
-          <p:cNvPr id="4" name="Text Placeholder 3">
-            <a:extLst>
-              <a:ext uri="{FF2B5EF4-FFF2-40B4-BE49-F238E27FC236}">
-                <a16:creationId xmlns:a16="http://schemas.microsoft.com/office/drawing/2014/main" id="{B54C950C-06E0-46CE-9268-C26A0A4CFF89}"/>
-              </a:ext>
-            </a:extLst>
-          </p:cNvPr>
-          <p:cNvSpPr>
-            <a:spLocks noGrp="1"/>
-          </p:cNvSpPr>
-          <p:nvPr>
-            <p:ph type="body" sz="quarter" idx="3"/>
-          </p:nvPr>
-        </p:nvSpPr>
-        <p:spPr/>
-        <p:txBody>
-          <a:bodyPr>
-            <a:normAutofit/>
-          </a:bodyPr>
-          <a:lstStyle/>
-          <a:p>
-            <a:pPr marL="342900" indent="-342900" algn="l">
-              <a:buFont typeface="Arial" panose="020B0604020202020204" pitchFamily="34" charset="0"/>
-              <a:buChar char="•"/>
-            </a:pPr>
-            <a:r>
-              <a:rPr lang="nl-NL" dirty="0">
-                <a:solidFill>
-                  <a:srgbClr val="2E2E2E"/>
-                </a:solidFill>
-              </a:rPr>
-              <a:t>E</a:t>
-            </a:r>
-            <a:endParaRPr lang="en-GB" dirty="0">
-              <a:solidFill>
-                <a:srgbClr val="2E2E2E"/>
-              </a:solidFill>
-            </a:endParaRPr>
-          </a:p>
-        </p:txBody>
-      </p:sp>
-      <p:sp>
-        <p:nvSpPr>
-          <p:cNvPr id="16" name="Text Placeholder 15">
-            <a:extLst>
-              <a:ext uri="{FF2B5EF4-FFF2-40B4-BE49-F238E27FC236}">
-                <a16:creationId xmlns:a16="http://schemas.microsoft.com/office/drawing/2014/main" id="{6444EC8A-A0B7-4DC1-8812-7C1723AC073E}"/>
-              </a:ext>
-            </a:extLst>
-          </p:cNvPr>
-          <p:cNvSpPr>
-            <a:spLocks noGrp="1"/>
-          </p:cNvSpPr>
-          <p:nvPr>
-            <p:ph type="body" sz="quarter" idx="13"/>
-          </p:nvPr>
-        </p:nvSpPr>
-        <p:spPr/>
-        <p:txBody>
-          <a:bodyPr/>
-          <a:lstStyle/>
-          <a:p>
-            <a:pPr marL="342900" indent="-342900" algn="l">
-              <a:buFont typeface="Arial" panose="020B0604020202020204" pitchFamily="34" charset="0"/>
-              <a:buChar char="•"/>
-            </a:pPr>
-            <a:r>
-              <a:rPr lang="nl-NL" dirty="0">
-                <a:solidFill>
-                  <a:srgbClr val="2E2E2E"/>
-                </a:solidFill>
-              </a:rPr>
-              <a:t>G</a:t>
-            </a:r>
-            <a:endParaRPr lang="en-GB" dirty="0">
-              <a:solidFill>
-                <a:srgbClr val="2E2E2E"/>
-              </a:solidFill>
-            </a:endParaRPr>
-          </a:p>
-        </p:txBody>
-      </p:sp>
-      <p:pic>
-        <p:nvPicPr>
-          <p:cNvPr id="15" name="Picture 14">
-            <a:extLst>
-              <a:ext uri="{FF2B5EF4-FFF2-40B4-BE49-F238E27FC236}">
-                <a16:creationId xmlns:a16="http://schemas.microsoft.com/office/drawing/2014/main" id="{E937FA31-2329-4B8C-B9A5-D5A458A02155}"/>
-              </a:ext>
-            </a:extLst>
-          </p:cNvPr>
-          <p:cNvPicPr>
-            <a:picLocks noChangeAspect="1"/>
-          </p:cNvPicPr>
-          <p:nvPr/>
-        </p:nvPicPr>
-        <p:blipFill rotWithShape="1">
-          <a:blip r:embed="rId3"/>
-          <a:srcRect l="28144" t="26079" r="28405" b="19608"/>
-          <a:stretch/>
-        </p:blipFill>
-        <p:spPr>
-          <a:xfrm>
-            <a:off x="286653" y="2150408"/>
-            <a:ext cx="3600000" cy="3600000"/>
-          </a:xfrm>
-          <a:prstGeom prst="snip2DiagRect">
-            <a:avLst/>
-          </a:prstGeom>
-        </p:spPr>
-      </p:pic>
-      <p:pic>
-        <p:nvPicPr>
-          <p:cNvPr id="27" name="Picture 26">
-            <a:extLst>
-              <a:ext uri="{FF2B5EF4-FFF2-40B4-BE49-F238E27FC236}">
-                <a16:creationId xmlns:a16="http://schemas.microsoft.com/office/drawing/2014/main" id="{5FB377C0-6708-4900-9992-337D584CB58D}"/>
-              </a:ext>
-            </a:extLst>
-          </p:cNvPr>
-          <p:cNvPicPr>
-            <a:picLocks noChangeAspect="1"/>
-          </p:cNvPicPr>
-          <p:nvPr/>
-        </p:nvPicPr>
-        <p:blipFill rotWithShape="1">
-          <a:blip r:embed="rId4"/>
-          <a:srcRect l="1829" r="8599" b="6493"/>
-          <a:stretch/>
-        </p:blipFill>
-        <p:spPr>
-          <a:xfrm>
-            <a:off x="4296000" y="2150408"/>
-            <a:ext cx="3600000" cy="3600000"/>
-          </a:xfrm>
-          <a:prstGeom prst="snip2DiagRect">
-            <a:avLst/>
-          </a:prstGeom>
-        </p:spPr>
-      </p:pic>
-      <p:pic>
-        <p:nvPicPr>
-          <p:cNvPr id="32" name="Picture 31">
-            <a:extLst>
-              <a:ext uri="{FF2B5EF4-FFF2-40B4-BE49-F238E27FC236}">
-                <a16:creationId xmlns:a16="http://schemas.microsoft.com/office/drawing/2014/main" id="{79D44B7B-CF17-49AD-BAC7-8D54905F7962}"/>
-              </a:ext>
-            </a:extLst>
-          </p:cNvPr>
-          <p:cNvPicPr>
-            <a:picLocks noChangeAspect="1"/>
-          </p:cNvPicPr>
-          <p:nvPr/>
-        </p:nvPicPr>
-        <p:blipFill rotWithShape="1">
-          <a:blip r:embed="rId5"/>
-          <a:srcRect l="7374" t="5694" r="11011" b="9279"/>
-          <a:stretch/>
-        </p:blipFill>
-        <p:spPr>
-          <a:xfrm>
-            <a:off x="8335907" y="2150408"/>
-            <a:ext cx="3600000" cy="3600000"/>
-          </a:xfrm>
-          <a:prstGeom prst="snip2DiagRect">
-            <a:avLst/>
-          </a:prstGeom>
-        </p:spPr>
-      </p:pic>
-    </p:spTree>
-    <p:extLst>
-      <p:ext uri="{BB962C8B-B14F-4D97-AF65-F5344CB8AC3E}">
-        <p14:creationId xmlns:p14="http://schemas.microsoft.com/office/powerpoint/2010/main" val="3892930212"/>
-      </p:ext>
-    </p:extLst>
-  </p:cSld>
-  <p:clrMapOvr>
-    <a:masterClrMapping/>
-  </p:clrMapOvr>
-</p:sld>
-</file>
-
 <file path=ppt/theme/theme1.xml><?xml version="1.0" encoding="utf-8"?>
 <a:theme xmlns:a="http://schemas.openxmlformats.org/drawingml/2006/main" name="KULeuven Grey">
   <a:themeElements>

--- a/Presentation.pptx
+++ b/Presentation.pptx
@@ -382,7 +382,7 @@
           <a:p>
             <a:fld id="{0B83ECC0-8215-4318-A3C0-552CE5E99E84}" type="slidenum">
               <a:rPr lang="en-GB" smtClean="0"/>
-              <a:t>‹#›</a:t>
+              <a:t>‹nr.›</a:t>
             </a:fld>
             <a:endParaRPr lang="en-GB"/>
           </a:p>
@@ -578,6 +578,199 @@
 </p:notes>
 </file>
 
+<file path=ppt/notesSlides/notesSlide10.xml><?xml version="1.0" encoding="utf-8"?>
+<p:notes xmlns:a="http://schemas.openxmlformats.org/drawingml/2006/main" xmlns:r="http://schemas.openxmlformats.org/officeDocument/2006/relationships" xmlns:p="http://schemas.openxmlformats.org/presentationml/2006/main">
+  <p:cSld>
+    <p:spTree>
+      <p:nvGrpSpPr>
+        <p:cNvPr id="1" name=""/>
+        <p:cNvGrpSpPr/>
+        <p:nvPr/>
+      </p:nvGrpSpPr>
+      <p:grpSpPr>
+        <a:xfrm>
+          <a:off x="0" y="0"/>
+          <a:ext cx="0" cy="0"/>
+          <a:chOff x="0" y="0"/>
+          <a:chExt cx="0" cy="0"/>
+        </a:xfrm>
+      </p:grpSpPr>
+      <p:sp>
+        <p:nvSpPr>
+          <p:cNvPr id="2" name="Slide Image Placeholder 1"/>
+          <p:cNvSpPr>
+            <a:spLocks noGrp="1" noRot="1" noChangeAspect="1"/>
+          </p:cNvSpPr>
+          <p:nvPr>
+            <p:ph type="sldImg"/>
+          </p:nvPr>
+        </p:nvSpPr>
+        <p:spPr/>
+      </p:sp>
+      <p:sp>
+        <p:nvSpPr>
+          <p:cNvPr id="3" name="Notes Placeholder 2"/>
+          <p:cNvSpPr>
+            <a:spLocks noGrp="1"/>
+          </p:cNvSpPr>
+          <p:nvPr>
+            <p:ph type="body" idx="1"/>
+          </p:nvPr>
+        </p:nvSpPr>
+        <p:spPr/>
+        <p:txBody>
+          <a:bodyPr/>
+          <a:lstStyle/>
+          <a:p>
+            <a:r>
+              <a:rPr lang="nl-NL" dirty="0"/>
+              <a:t>Alfa </a:t>
+            </a:r>
+            <a:r>
+              <a:rPr lang="nl-NL" dirty="0" err="1"/>
+              <a:t>Beta</a:t>
+            </a:r>
+            <a:r>
+              <a:rPr lang="nl-NL" dirty="0"/>
+              <a:t> is optimale speler.</a:t>
+            </a:r>
+          </a:p>
+          <a:p>
+            <a:endParaRPr lang="nl-NL" dirty="0"/>
+          </a:p>
+          <a:p>
+            <a:r>
+              <a:rPr lang="nl-NL" dirty="0"/>
+              <a:t>Tegen optimale tegenstander heb je de best mogelijke slechtste kost (worst case)</a:t>
+            </a:r>
+          </a:p>
+          <a:p>
+            <a:r>
+              <a:rPr lang="en-GB" dirty="0" err="1"/>
+              <a:t>Tegen</a:t>
+            </a:r>
+            <a:r>
+              <a:rPr lang="en-GB" dirty="0"/>
+              <a:t> </a:t>
+            </a:r>
+            <a:r>
+              <a:rPr lang="en-GB" dirty="0" err="1"/>
+              <a:t>een</a:t>
+            </a:r>
+            <a:r>
+              <a:rPr lang="en-GB" dirty="0"/>
+              <a:t> random </a:t>
+            </a:r>
+            <a:r>
+              <a:rPr lang="en-GB" dirty="0" err="1"/>
+              <a:t>speler</a:t>
+            </a:r>
+            <a:r>
+              <a:rPr lang="en-GB" dirty="0"/>
+              <a:t> (</a:t>
+            </a:r>
+            <a:r>
+              <a:rPr lang="en-GB" dirty="0" err="1"/>
+              <a:t>niet</a:t>
+            </a:r>
+            <a:r>
+              <a:rPr lang="en-GB" dirty="0"/>
+              <a:t> optimal) is </a:t>
+            </a:r>
+            <a:r>
+              <a:rPr lang="en-GB" dirty="0" err="1"/>
+              <a:t>een</a:t>
+            </a:r>
+            <a:r>
+              <a:rPr lang="en-GB" dirty="0"/>
+              <a:t> best case </a:t>
+            </a:r>
+            <a:r>
+              <a:rPr lang="en-GB" dirty="0" err="1"/>
+              <a:t>mogelijk</a:t>
+            </a:r>
+            <a:endParaRPr lang="en-GB" dirty="0"/>
+          </a:p>
+          <a:p>
+            <a:endParaRPr lang="en-GB" dirty="0"/>
+          </a:p>
+          <a:p>
+            <a:r>
+              <a:rPr lang="en-GB" dirty="0" err="1"/>
+              <a:t>Sorteren</a:t>
+            </a:r>
+            <a:r>
+              <a:rPr lang="en-GB" dirty="0"/>
+              <a:t> </a:t>
+            </a:r>
+            <a:r>
+              <a:rPr lang="en-GB" dirty="0" err="1"/>
+              <a:t>gebeurt</a:t>
+            </a:r>
+            <a:r>
+              <a:rPr lang="en-GB" dirty="0"/>
+              <a:t> dan op basis van </a:t>
+            </a:r>
+            <a:r>
+              <a:rPr lang="en-GB" dirty="0" err="1"/>
+              <a:t>voorgaande</a:t>
+            </a:r>
+            <a:r>
+              <a:rPr lang="en-GB" dirty="0"/>
+              <a:t> spleen</a:t>
+            </a:r>
+          </a:p>
+          <a:p>
+            <a:endParaRPr lang="en-GB" dirty="0"/>
+          </a:p>
+          <a:p>
+            <a:r>
+              <a:rPr lang="en-GB" dirty="0" err="1"/>
+              <a:t>Neuraal</a:t>
+            </a:r>
+            <a:r>
+              <a:rPr lang="en-GB" dirty="0"/>
+              <a:t> network: https://www.chess.com/blog/the_real_greco/understanding-alphazero-a-basic-chess-neural-network</a:t>
+            </a:r>
+          </a:p>
+        </p:txBody>
+      </p:sp>
+      <p:sp>
+        <p:nvSpPr>
+          <p:cNvPr id="4" name="Slide Number Placeholder 3"/>
+          <p:cNvSpPr>
+            <a:spLocks noGrp="1"/>
+          </p:cNvSpPr>
+          <p:nvPr>
+            <p:ph type="sldNum" sz="quarter" idx="5"/>
+          </p:nvPr>
+        </p:nvSpPr>
+        <p:spPr/>
+        <p:txBody>
+          <a:bodyPr/>
+          <a:lstStyle/>
+          <a:p>
+            <a:fld id="{0B83ECC0-8215-4318-A3C0-552CE5E99E84}" type="slidenum">
+              <a:rPr lang="en-GB" smtClean="0"/>
+              <a:t>12</a:t>
+            </a:fld>
+            <a:endParaRPr lang="en-GB"/>
+          </a:p>
+        </p:txBody>
+      </p:sp>
+    </p:spTree>
+    <p:extLst>
+      <p:ext uri="{BB962C8B-B14F-4D97-AF65-F5344CB8AC3E}">
+        <p14:creationId xmlns:p14="http://schemas.microsoft.com/office/powerpoint/2010/main" val="1353809590"/>
+      </p:ext>
+    </p:extLst>
+  </p:cSld>
+  <p:clrMapOvr>
+    <a:masterClrMapping/>
+  </p:clrMapOvr>
+</p:notes>
+</file>
+
 <file path=ppt/notesSlides/notesSlide2.xml><?xml version="1.0" encoding="utf-8"?>
 <p:notes xmlns:a="http://schemas.openxmlformats.org/drawingml/2006/main" xmlns:r="http://schemas.openxmlformats.org/officeDocument/2006/relationships" xmlns:p="http://schemas.openxmlformats.org/presentationml/2006/main">
   <p:cSld>
@@ -3105,7 +3298,7 @@
       </p:grpSpPr>
       <p:sp>
         <p:nvSpPr>
-          <p:cNvPr id="2" name="Slide Image Placeholder 1"/>
+          <p:cNvPr id="2" name="Tijdelijke aanduiding voor dia-afbeelding 1"/>
           <p:cNvSpPr>
             <a:spLocks noGrp="1" noRot="1" noChangeAspect="1"/>
           </p:cNvSpPr>
@@ -3117,7 +3310,7 @@
       </p:sp>
       <p:sp>
         <p:nvSpPr>
-          <p:cNvPr id="3" name="Notes Placeholder 2"/>
+          <p:cNvPr id="3" name="Tijdelijke aanduiding voor notities 2"/>
           <p:cNvSpPr>
             <a:spLocks noGrp="1"/>
           </p:cNvSpPr>
@@ -3130,80 +3323,13 @@
           <a:bodyPr/>
           <a:lstStyle/>
           <a:p>
-            <a:r>
-              <a:rPr lang="nl-NL" dirty="0"/>
-              <a:t>Alfa </a:t>
-            </a:r>
-            <a:r>
-              <a:rPr lang="nl-NL" dirty="0" err="1"/>
-              <a:t>Beta</a:t>
-            </a:r>
-            <a:r>
-              <a:rPr lang="nl-NL" dirty="0"/>
-              <a:t> is optimale speler.</a:t>
-            </a:r>
-          </a:p>
-          <a:p>
-            <a:endParaRPr lang="nl-NL" dirty="0"/>
-          </a:p>
-          <a:p>
-            <a:r>
-              <a:rPr lang="nl-NL" dirty="0"/>
-              <a:t>Tegen optimale tegenstander heb je de best mogelijke slechtste kost (worst case)</a:t>
-            </a:r>
-          </a:p>
-          <a:p>
-            <a:r>
-              <a:rPr lang="en-GB" dirty="0" err="1"/>
-              <a:t>Tegen</a:t>
-            </a:r>
-            <a:r>
-              <a:rPr lang="en-GB" dirty="0"/>
-              <a:t> </a:t>
-            </a:r>
-            <a:r>
-              <a:rPr lang="en-GB" dirty="0" err="1"/>
-              <a:t>een</a:t>
-            </a:r>
-            <a:r>
-              <a:rPr lang="en-GB" dirty="0"/>
-              <a:t> random </a:t>
-            </a:r>
-            <a:r>
-              <a:rPr lang="en-GB" dirty="0" err="1"/>
-              <a:t>speler</a:t>
-            </a:r>
-            <a:r>
-              <a:rPr lang="en-GB" dirty="0"/>
-              <a:t> (</a:t>
-            </a:r>
-            <a:r>
-              <a:rPr lang="en-GB" dirty="0" err="1"/>
-              <a:t>niet</a:t>
-            </a:r>
-            <a:r>
-              <a:rPr lang="en-GB" dirty="0"/>
-              <a:t> optimal) is </a:t>
-            </a:r>
-            <a:r>
-              <a:rPr lang="en-GB" dirty="0" err="1"/>
-              <a:t>een</a:t>
-            </a:r>
-            <a:r>
-              <a:rPr lang="en-GB" dirty="0"/>
-              <a:t> best case </a:t>
-            </a:r>
-            <a:r>
-              <a:rPr lang="en-GB" dirty="0" err="1"/>
-              <a:t>mogelijk</a:t>
-            </a:r>
-            <a:endParaRPr lang="en-GB" dirty="0"/>
-          </a:p>
-        </p:txBody>
-      </p:sp>
-      <p:sp>
-        <p:nvSpPr>
-          <p:cNvPr id="4" name="Slide Number Placeholder 3"/>
+            <a:endParaRPr lang="nl-BE" dirty="0"/>
+          </a:p>
+        </p:txBody>
+      </p:sp>
+      <p:sp>
+        <p:nvSpPr>
+          <p:cNvPr id="4" name="Tijdelijke aanduiding voor dianummer 3"/>
           <p:cNvSpPr>
             <a:spLocks noGrp="1"/>
           </p:cNvSpPr>
@@ -3218,7 +3344,7 @@
           <a:p>
             <a:fld id="{0B83ECC0-8215-4318-A3C0-552CE5E99E84}" type="slidenum">
               <a:rPr lang="en-GB" smtClean="0"/>
-              <a:t>12</a:t>
+              <a:t>10</a:t>
             </a:fld>
             <a:endParaRPr lang="en-GB"/>
           </a:p>
@@ -3227,7 +3353,91 @@
     </p:spTree>
     <p:extLst>
       <p:ext uri="{BB962C8B-B14F-4D97-AF65-F5344CB8AC3E}">
-        <p14:creationId xmlns:p14="http://schemas.microsoft.com/office/powerpoint/2010/main" val="1353809590"/>
+        <p14:creationId xmlns:p14="http://schemas.microsoft.com/office/powerpoint/2010/main" val="338809816"/>
+      </p:ext>
+    </p:extLst>
+  </p:cSld>
+  <p:clrMapOvr>
+    <a:masterClrMapping/>
+  </p:clrMapOvr>
+</p:notes>
+</file>
+
+<file path=ppt/notesSlides/notesSlide9.xml><?xml version="1.0" encoding="utf-8"?>
+<p:notes xmlns:a="http://schemas.openxmlformats.org/drawingml/2006/main" xmlns:r="http://schemas.openxmlformats.org/officeDocument/2006/relationships" xmlns:p="http://schemas.openxmlformats.org/presentationml/2006/main">
+  <p:cSld>
+    <p:spTree>
+      <p:nvGrpSpPr>
+        <p:cNvPr id="1" name=""/>
+        <p:cNvGrpSpPr/>
+        <p:nvPr/>
+      </p:nvGrpSpPr>
+      <p:grpSpPr>
+        <a:xfrm>
+          <a:off x="0" y="0"/>
+          <a:ext cx="0" cy="0"/>
+          <a:chOff x="0" y="0"/>
+          <a:chExt cx="0" cy="0"/>
+        </a:xfrm>
+      </p:grpSpPr>
+      <p:sp>
+        <p:nvSpPr>
+          <p:cNvPr id="2" name="Tijdelijke aanduiding voor dia-afbeelding 1"/>
+          <p:cNvSpPr>
+            <a:spLocks noGrp="1" noRot="1" noChangeAspect="1"/>
+          </p:cNvSpPr>
+          <p:nvPr>
+            <p:ph type="sldImg"/>
+          </p:nvPr>
+        </p:nvSpPr>
+        <p:spPr/>
+      </p:sp>
+      <p:sp>
+        <p:nvSpPr>
+          <p:cNvPr id="3" name="Tijdelijke aanduiding voor notities 2"/>
+          <p:cNvSpPr>
+            <a:spLocks noGrp="1"/>
+          </p:cNvSpPr>
+          <p:nvPr>
+            <p:ph type="body" idx="1"/>
+          </p:nvPr>
+        </p:nvSpPr>
+        <p:spPr/>
+        <p:txBody>
+          <a:bodyPr/>
+          <a:lstStyle/>
+          <a:p>
+            <a:endParaRPr lang="nl-BE" dirty="0"/>
+          </a:p>
+        </p:txBody>
+      </p:sp>
+      <p:sp>
+        <p:nvSpPr>
+          <p:cNvPr id="4" name="Tijdelijke aanduiding voor dianummer 3"/>
+          <p:cNvSpPr>
+            <a:spLocks noGrp="1"/>
+          </p:cNvSpPr>
+          <p:nvPr>
+            <p:ph type="sldNum" sz="quarter" idx="5"/>
+          </p:nvPr>
+        </p:nvSpPr>
+        <p:spPr/>
+        <p:txBody>
+          <a:bodyPr/>
+          <a:lstStyle/>
+          <a:p>
+            <a:fld id="{0B83ECC0-8215-4318-A3C0-552CE5E99E84}" type="slidenum">
+              <a:rPr lang="en-GB" smtClean="0"/>
+              <a:t>11</a:t>
+            </a:fld>
+            <a:endParaRPr lang="en-GB"/>
+          </a:p>
+        </p:txBody>
+      </p:sp>
+    </p:spTree>
+    <p:extLst>
+      <p:ext uri="{BB962C8B-B14F-4D97-AF65-F5344CB8AC3E}">
+        <p14:creationId xmlns:p14="http://schemas.microsoft.com/office/powerpoint/2010/main" val="1856457672"/>
       </p:ext>
     </p:extLst>
   </p:cSld>
@@ -3727,7 +3937,7 @@
           <a:p>
             <a:fld id="{6ADAC059-B369-42F0-BE24-90278BB265F1}" type="slidenum">
               <a:rPr lang="en-GB" smtClean="0"/>
-              <a:t>‹#›</a:t>
+              <a:t>‹nr.›</a:t>
             </a:fld>
             <a:endParaRPr lang="en-GB"/>
           </a:p>
@@ -3845,7 +4055,7 @@
           <a:p>
             <a:fld id="{6ADAC059-B369-42F0-BE24-90278BB265F1}" type="slidenum">
               <a:rPr lang="en-GB" smtClean="0"/>
-              <a:t>‹#›</a:t>
+              <a:t>‹nr.›</a:t>
             </a:fld>
             <a:endParaRPr lang="en-GB"/>
           </a:p>
@@ -4235,7 +4445,7 @@
           <a:p>
             <a:fld id="{6ADAC059-B369-42F0-BE24-90278BB265F1}" type="slidenum">
               <a:rPr lang="en-GB" smtClean="0"/>
-              <a:t>‹#›</a:t>
+              <a:t>‹nr.›</a:t>
             </a:fld>
             <a:endParaRPr lang="en-GB"/>
           </a:p>
@@ -4666,7 +4876,7 @@
           <a:p>
             <a:fld id="{6ADAC059-B369-42F0-BE24-90278BB265F1}" type="slidenum">
               <a:rPr lang="en-GB" smtClean="0"/>
-              <a:t>‹#›</a:t>
+              <a:t>‹nr.›</a:t>
             </a:fld>
             <a:endParaRPr lang="en-GB"/>
           </a:p>
@@ -4808,7 +5018,7 @@
           <a:p>
             <a:fld id="{6ADAC059-B369-42F0-BE24-90278BB265F1}" type="slidenum">
               <a:rPr lang="en-GB" smtClean="0"/>
-              <a:t>‹#›</a:t>
+              <a:t>‹nr.›</a:t>
             </a:fld>
             <a:endParaRPr lang="en-GB"/>
           </a:p>
@@ -5229,7 +5439,7 @@
           <a:p>
             <a:fld id="{6ADAC059-B369-42F0-BE24-90278BB265F1}" type="slidenum">
               <a:rPr lang="en-GB" smtClean="0"/>
-              <a:t>‹#›</a:t>
+              <a:t>‹nr.›</a:t>
             </a:fld>
             <a:endParaRPr lang="en-GB"/>
           </a:p>
@@ -5563,7 +5773,7 @@
           <a:p>
             <a:fld id="{6ADAC059-B369-42F0-BE24-90278BB265F1}" type="slidenum">
               <a:rPr lang="en-GB" smtClean="0"/>
-              <a:t>‹#›</a:t>
+              <a:t>‹nr.›</a:t>
             </a:fld>
             <a:endParaRPr lang="en-GB"/>
           </a:p>
@@ -5806,7 +6016,7 @@
           <a:p>
             <a:fld id="{6ADAC059-B369-42F0-BE24-90278BB265F1}" type="slidenum">
               <a:rPr lang="en-GB" smtClean="0"/>
-              <a:t>‹#›</a:t>
+              <a:t>‹nr.›</a:t>
             </a:fld>
             <a:endParaRPr lang="en-GB"/>
           </a:p>
@@ -6077,7 +6287,7 @@
           <a:p>
             <a:fld id="{6ADAC059-B369-42F0-BE24-90278BB265F1}" type="slidenum">
               <a:rPr lang="en-GB" smtClean="0"/>
-              <a:t>‹#›</a:t>
+              <a:t>‹nr.›</a:t>
             </a:fld>
             <a:endParaRPr lang="en-GB"/>
           </a:p>
@@ -6395,7 +6605,7 @@
           <a:p>
             <a:fld id="{6ADAC059-B369-42F0-BE24-90278BB265F1}" type="slidenum">
               <a:rPr lang="en-GB" smtClean="0"/>
-              <a:t>‹#›</a:t>
+              <a:t>‹nr.›</a:t>
             </a:fld>
             <a:endParaRPr lang="en-GB"/>
           </a:p>
@@ -6539,7 +6749,7 @@
           <a:p>
             <a:fld id="{6ADAC059-B369-42F0-BE24-90278BB265F1}" type="slidenum">
               <a:rPr lang="en-GB" smtClean="0"/>
-              <a:t>‹#›</a:t>
+              <a:t>‹nr.›</a:t>
             </a:fld>
             <a:endParaRPr lang="en-GB"/>
           </a:p>
@@ -7020,7 +7230,7 @@
           <a:p>
             <a:fld id="{6ADAC059-B369-42F0-BE24-90278BB265F1}" type="slidenum">
               <a:rPr lang="en-GB" smtClean="0"/>
-              <a:t>‹#›</a:t>
+              <a:t>‹nr.›</a:t>
             </a:fld>
             <a:endParaRPr lang="en-GB"/>
           </a:p>
@@ -7138,7 +7348,7 @@
           <a:p>
             <a:fld id="{6ADAC059-B369-42F0-BE24-90278BB265F1}" type="slidenum">
               <a:rPr lang="en-GB" smtClean="0"/>
-              <a:t>‹#›</a:t>
+              <a:t>‹nr.›</a:t>
             </a:fld>
             <a:endParaRPr lang="en-GB"/>
           </a:p>
@@ -7256,7 +7466,7 @@
           <a:p>
             <a:fld id="{6ADAC059-B369-42F0-BE24-90278BB265F1}" type="slidenum">
               <a:rPr lang="en-GB" smtClean="0"/>
-              <a:t>‹#›</a:t>
+              <a:t>‹nr.›</a:t>
             </a:fld>
             <a:endParaRPr lang="en-GB"/>
           </a:p>
@@ -7435,7 +7645,7 @@
           <a:p>
             <a:fld id="{6ADAC059-B369-42F0-BE24-90278BB265F1}" type="slidenum">
               <a:rPr lang="en-GB" smtClean="0"/>
-              <a:t>‹#›</a:t>
+              <a:t>‹nr.›</a:t>
             </a:fld>
             <a:endParaRPr lang="en-GB"/>
           </a:p>
@@ -7755,7 +7965,7 @@
           <a:p>
             <a:fld id="{6ADAC059-B369-42F0-BE24-90278BB265F1}" type="slidenum">
               <a:rPr lang="en-GB" smtClean="0"/>
-              <a:t>‹#›</a:t>
+              <a:t>‹nr.›</a:t>
             </a:fld>
             <a:endParaRPr lang="en-GB"/>
           </a:p>
@@ -8425,7 +8635,7 @@
           <p:nvPr>
             <p:extLst>
               <p:ext uri="{D42A27DB-BD31-4B8C-83A1-F6EECF244321}">
-                <p14:modId xmlns:p14="http://schemas.microsoft.com/office/powerpoint/2010/main" val="3832982890"/>
+                <p14:modId xmlns:p14="http://schemas.microsoft.com/office/powerpoint/2010/main" val="666841"/>
               </p:ext>
             </p:extLst>
           </p:nvPr>
@@ -8521,10 +8731,18 @@
                     <a:lstStyle/>
                     <a:p>
                       <a:r>
-                        <a:rPr lang="nl-NL" dirty="0"/>
+                        <a:rPr lang="nl-NL" dirty="0">
+                          <a:solidFill>
+                            <a:srgbClr val="2E2E2E"/>
+                          </a:solidFill>
+                        </a:rPr>
                         <a:t>Volledige info</a:t>
                       </a:r>
-                      <a:endParaRPr lang="en-GB" dirty="0"/>
+                      <a:endParaRPr lang="en-GB" dirty="0">
+                        <a:solidFill>
+                          <a:srgbClr val="2E2E2E"/>
+                        </a:solidFill>
+                      </a:endParaRPr>
                     </a:p>
                   </a:txBody>
                   <a:tcPr/>
@@ -8535,14 +8753,26 @@
                     <a:lstStyle/>
                     <a:p>
                       <a:r>
-                        <a:rPr lang="nl-NL" dirty="0"/>
+                        <a:rPr lang="nl-NL" dirty="0">
+                          <a:solidFill>
+                            <a:srgbClr val="2E2E2E"/>
+                          </a:solidFill>
+                        </a:rPr>
                         <a:t>Schaak, Dammen, Go, </a:t>
                       </a:r>
                       <a:r>
-                        <a:rPr lang="nl-NL" b="1" u="sng" dirty="0" err="1"/>
+                        <a:rPr lang="nl-NL" b="1" u="sng" dirty="0" err="1">
+                          <a:solidFill>
+                            <a:srgbClr val="2E2E2E"/>
+                          </a:solidFill>
+                        </a:rPr>
                         <a:t>Pylos</a:t>
                       </a:r>
-                      <a:endParaRPr lang="en-GB" b="1" u="sng" dirty="0"/>
+                      <a:endParaRPr lang="en-GB" b="1" u="sng" dirty="0">
+                        <a:solidFill>
+                          <a:srgbClr val="2E2E2E"/>
+                        </a:solidFill>
+                      </a:endParaRPr>
                     </a:p>
                   </a:txBody>
                   <a:tcPr/>
@@ -8553,14 +8783,26 @@
                     <a:lstStyle/>
                     <a:p>
                       <a:r>
-                        <a:rPr lang="nl-NL" dirty="0" err="1"/>
+                        <a:rPr lang="nl-NL" dirty="0" err="1">
+                          <a:solidFill>
+                            <a:srgbClr val="2E2E2E"/>
+                          </a:solidFill>
+                        </a:rPr>
                         <a:t>Monoply</a:t>
                       </a:r>
                       <a:r>
-                        <a:rPr lang="nl-NL" dirty="0"/>
+                        <a:rPr lang="nl-NL" dirty="0">
+                          <a:solidFill>
+                            <a:srgbClr val="2E2E2E"/>
+                          </a:solidFill>
+                        </a:rPr>
                         <a:t>, Backgammon …</a:t>
                       </a:r>
-                      <a:endParaRPr lang="en-GB" dirty="0"/>
+                      <a:endParaRPr lang="en-GB" dirty="0">
+                        <a:solidFill>
+                          <a:srgbClr val="2E2E2E"/>
+                        </a:solidFill>
+                      </a:endParaRPr>
                     </a:p>
                   </a:txBody>
                   <a:tcPr/>
@@ -8578,10 +8820,18 @@
                     <a:lstStyle/>
                     <a:p>
                       <a:r>
-                        <a:rPr lang="nl-NL" dirty="0"/>
+                        <a:rPr lang="nl-NL" dirty="0">
+                          <a:solidFill>
+                            <a:srgbClr val="2E2E2E"/>
+                          </a:solidFill>
+                        </a:rPr>
                         <a:t>Niet volledige info</a:t>
                       </a:r>
-                      <a:endParaRPr lang="en-GB" dirty="0"/>
+                      <a:endParaRPr lang="en-GB" dirty="0">
+                        <a:solidFill>
+                          <a:srgbClr val="2E2E2E"/>
+                        </a:solidFill>
+                      </a:endParaRPr>
                     </a:p>
                   </a:txBody>
                   <a:tcPr/>
@@ -8592,18 +8842,34 @@
                     <a:lstStyle/>
                     <a:p>
                       <a:r>
-                        <a:rPr lang="nl-NL" dirty="0"/>
+                        <a:rPr lang="nl-NL" dirty="0">
+                          <a:solidFill>
+                            <a:srgbClr val="2E2E2E"/>
+                          </a:solidFill>
+                        </a:rPr>
                         <a:t>Zeeslag, Blinde tic-</a:t>
                       </a:r>
                       <a:r>
-                        <a:rPr lang="nl-NL" dirty="0" err="1"/>
+                        <a:rPr lang="nl-NL" dirty="0" err="1">
+                          <a:solidFill>
+                            <a:srgbClr val="2E2E2E"/>
+                          </a:solidFill>
+                        </a:rPr>
                         <a:t>tac</a:t>
                       </a:r>
                       <a:r>
-                        <a:rPr lang="nl-NL" dirty="0"/>
+                        <a:rPr lang="nl-NL" dirty="0">
+                          <a:solidFill>
+                            <a:srgbClr val="2E2E2E"/>
+                          </a:solidFill>
+                        </a:rPr>
                         <a:t>-toe</a:t>
                       </a:r>
-                      <a:endParaRPr lang="en-GB" dirty="0"/>
+                      <a:endParaRPr lang="en-GB" dirty="0">
+                        <a:solidFill>
+                          <a:srgbClr val="2E2E2E"/>
+                        </a:solidFill>
+                      </a:endParaRPr>
                     </a:p>
                   </a:txBody>
                   <a:tcPr/>
@@ -8614,10 +8880,18 @@
                     <a:lstStyle/>
                     <a:p>
                       <a:r>
-                        <a:rPr lang="nl-NL" dirty="0"/>
+                        <a:rPr lang="nl-NL" dirty="0">
+                          <a:solidFill>
+                            <a:srgbClr val="2E2E2E"/>
+                          </a:solidFill>
+                        </a:rPr>
                         <a:t>Bridge, poker, scrabble, atoomoorlog</a:t>
                       </a:r>
-                      <a:endParaRPr lang="en-GB" dirty="0"/>
+                      <a:endParaRPr lang="en-GB" dirty="0">
+                        <a:solidFill>
+                          <a:srgbClr val="2E2E2E"/>
+                        </a:solidFill>
+                      </a:endParaRPr>
                     </a:p>
                   </a:txBody>
                   <a:tcPr/>
@@ -8654,10 +8928,9 @@
           <a:lstStyle/>
           <a:p>
             <a:r>
-              <a:rPr lang="nl-NL" dirty="0"/>
+              <a:rPr lang="nl-BE" dirty="0"/>
               <a:t>Situering</a:t>
             </a:r>
-            <a:endParaRPr lang="en-GB" dirty="0"/>
           </a:p>
         </p:txBody>
       </p:sp>
@@ -8739,51 +9012,44 @@
           <p:nvPr>
             <p:extLst>
               <p:ext uri="{D42A27DB-BD31-4B8C-83A1-F6EECF244321}">
-                <p14:modId xmlns:p14="http://schemas.microsoft.com/office/powerpoint/2010/main" val="3665983016"/>
+                <p14:modId xmlns:p14="http://schemas.microsoft.com/office/powerpoint/2010/main" val="2988814498"/>
               </p:ext>
             </p:extLst>
           </p:nvPr>
         </p:nvGraphicFramePr>
         <p:xfrm>
-          <a:off x="174812" y="968188"/>
-          <a:ext cx="12017188" cy="5092652"/>
+          <a:off x="174812" y="968187"/>
+          <a:ext cx="11742642" cy="5206701"/>
         </p:xfrm>
         <a:graphic>
           <a:graphicData uri="http://schemas.openxmlformats.org/drawingml/2006/table">
             <a:tbl>
               <a:tblPr firstRow="1" bandRow="1">
-                <a:tableStyleId>{2D5ABB26-0587-4C30-8999-92F81FD0307C}</a:tableStyleId>
+                <a:tableStyleId>{69012ECD-51FC-41F1-AA8D-1B2483CD663E}</a:tableStyleId>
               </a:tblPr>
               <a:tblGrid>
-                <a:gridCol w="2348257">
+                <a:gridCol w="2024380">
                   <a:extLst>
                     <a:ext uri="{9D8B030D-6E8A-4147-A177-3AD203B41FA5}">
                       <a16:colId xmlns:a16="http://schemas.microsoft.com/office/drawing/2014/main" val="1796133225"/>
                     </a:ext>
                   </a:extLst>
                 </a:gridCol>
-                <a:gridCol w="3180351">
+                <a:gridCol w="3666946">
                   <a:extLst>
                     <a:ext uri="{9D8B030D-6E8A-4147-A177-3AD203B41FA5}">
                       <a16:colId xmlns:a16="http://schemas.microsoft.com/office/drawing/2014/main" val="3943295598"/>
                     </a:ext>
                   </a:extLst>
                 </a:gridCol>
-                <a:gridCol w="1240258">
-                  <a:extLst>
-                    <a:ext uri="{9D8B030D-6E8A-4147-A177-3AD203B41FA5}">
-                      <a16:colId xmlns:a16="http://schemas.microsoft.com/office/drawing/2014/main" val="449258556"/>
-                    </a:ext>
-                  </a:extLst>
-                </a:gridCol>
-                <a:gridCol w="2624161">
+                <a:gridCol w="3025658">
                   <a:extLst>
                     <a:ext uri="{9D8B030D-6E8A-4147-A177-3AD203B41FA5}">
                       <a16:colId xmlns:a16="http://schemas.microsoft.com/office/drawing/2014/main" val="3252357396"/>
                     </a:ext>
                   </a:extLst>
                 </a:gridCol>
-                <a:gridCol w="2624161">
+                <a:gridCol w="3025658">
                   <a:extLst>
                     <a:ext uri="{9D8B030D-6E8A-4147-A177-3AD203B41FA5}">
                       <a16:colId xmlns:a16="http://schemas.microsoft.com/office/drawing/2014/main" val="57682524"/>
@@ -8791,7 +9057,7 @@
                   </a:extLst>
                 </a:gridCol>
               </a:tblGrid>
-              <a:tr h="381078">
+              <a:tr h="400515">
                 <a:tc>
                   <a:txBody>
                     <a:bodyPr/>
@@ -8800,29 +9066,19 @@
                       <a:r>
                         <a:rPr lang="nl-NL" dirty="0">
                           <a:solidFill>
-                            <a:schemeClr val="tx2"/>
+                            <a:schemeClr val="bg1"/>
                           </a:solidFill>
                         </a:rPr>
                         <a:t>Methode</a:t>
                       </a:r>
                       <a:endParaRPr lang="en-GB" dirty="0">
                         <a:solidFill>
-                          <a:schemeClr val="tx2"/>
+                          <a:schemeClr val="bg1"/>
                         </a:solidFill>
                       </a:endParaRPr>
                     </a:p>
                   </a:txBody>
-                  <a:tcPr>
-                    <a:lnB w="12700" cap="flat" cmpd="sng" algn="ctr">
-                      <a:solidFill>
-                        <a:schemeClr val="tx1"/>
-                      </a:solidFill>
-                      <a:prstDash val="solid"/>
-                      <a:round/>
-                      <a:headEnd type="none" w="med" len="med"/>
-                      <a:tailEnd type="none" w="med" len="med"/>
-                    </a:lnB>
-                  </a:tcPr>
+                  <a:tcPr/>
                 </a:tc>
                 <a:tc>
                   <a:txBody>
@@ -8832,56 +9088,19 @@
                       <a:r>
                         <a:rPr lang="nl-NL" dirty="0">
                           <a:solidFill>
-                            <a:schemeClr val="tx2"/>
+                            <a:schemeClr val="bg1"/>
                           </a:solidFill>
                         </a:rPr>
                         <a:t>Uitleg</a:t>
                       </a:r>
                       <a:endParaRPr lang="en-GB" dirty="0">
                         <a:solidFill>
-                          <a:schemeClr val="tx2"/>
+                          <a:schemeClr val="bg1"/>
                         </a:solidFill>
                       </a:endParaRPr>
                     </a:p>
                   </a:txBody>
-                  <a:tcPr>
-                    <a:lnB w="12700" cap="flat" cmpd="sng" algn="ctr">
-                      <a:solidFill>
-                        <a:schemeClr val="tx1"/>
-                      </a:solidFill>
-                      <a:prstDash val="solid"/>
-                      <a:round/>
-                      <a:headEnd type="none" w="med" len="med"/>
-                      <a:tailEnd type="none" w="med" len="med"/>
-                    </a:lnB>
-                  </a:tcPr>
-                </a:tc>
-                <a:tc>
-                  <a:txBody>
-                    <a:bodyPr/>
-                    <a:lstStyle/>
-                    <a:p>
-                      <a:r>
-                        <a:rPr lang="en-GB" dirty="0">
-                          <a:solidFill>
-                            <a:schemeClr val="tx2"/>
-                          </a:solidFill>
-                        </a:rPr>
-                        <a:t>≈</a:t>
-                      </a:r>
-                    </a:p>
-                  </a:txBody>
-                  <a:tcPr>
-                    <a:lnB w="12700" cap="flat" cmpd="sng" algn="ctr">
-                      <a:solidFill>
-                        <a:schemeClr val="tx1"/>
-                      </a:solidFill>
-                      <a:prstDash val="solid"/>
-                      <a:round/>
-                      <a:headEnd type="none" w="med" len="med"/>
-                      <a:tailEnd type="none" w="med" len="med"/>
-                    </a:lnB>
-                  </a:tcPr>
+                  <a:tcPr/>
                 </a:tc>
                 <a:tc>
                   <a:txBody>
@@ -8891,29 +9110,19 @@
                       <a:r>
                         <a:rPr lang="nl-NL" dirty="0">
                           <a:solidFill>
-                            <a:schemeClr val="tx2"/>
+                            <a:schemeClr val="bg1"/>
                           </a:solidFill>
                         </a:rPr>
                         <a:t>Nadeel</a:t>
                       </a:r>
                       <a:endParaRPr lang="en-GB" dirty="0">
                         <a:solidFill>
-                          <a:schemeClr val="tx2"/>
+                          <a:schemeClr val="bg1"/>
                         </a:solidFill>
                       </a:endParaRPr>
                     </a:p>
                   </a:txBody>
-                  <a:tcPr>
-                    <a:lnB w="12700" cap="flat" cmpd="sng" algn="ctr">
-                      <a:solidFill>
-                        <a:schemeClr val="tx1"/>
-                      </a:solidFill>
-                      <a:prstDash val="solid"/>
-                      <a:round/>
-                      <a:headEnd type="none" w="med" len="med"/>
-                      <a:tailEnd type="none" w="med" len="med"/>
-                    </a:lnB>
-                  </a:tcPr>
+                  <a:tcPr/>
                 </a:tc>
                 <a:tc>
                   <a:txBody>
@@ -8923,29 +9132,19 @@
                       <a:r>
                         <a:rPr lang="nl-NL" dirty="0">
                           <a:solidFill>
-                            <a:schemeClr val="tx2"/>
+                            <a:schemeClr val="bg1"/>
                           </a:solidFill>
                         </a:rPr>
                         <a:t>Voordeel</a:t>
                       </a:r>
                       <a:endParaRPr lang="en-GB" dirty="0">
                         <a:solidFill>
-                          <a:schemeClr val="tx2"/>
+                          <a:schemeClr val="bg1"/>
                         </a:solidFill>
                       </a:endParaRPr>
                     </a:p>
                   </a:txBody>
-                  <a:tcPr>
-                    <a:lnB w="12700" cap="flat" cmpd="sng" algn="ctr">
-                      <a:solidFill>
-                        <a:schemeClr val="tx1"/>
-                      </a:solidFill>
-                      <a:prstDash val="solid"/>
-                      <a:round/>
-                      <a:headEnd type="none" w="med" len="med"/>
-                      <a:tailEnd type="none" w="med" len="med"/>
-                    </a:lnB>
-                  </a:tcPr>
+                  <a:tcPr/>
                 </a:tc>
                 <a:extLst>
                   <a:ext uri="{0D108BD9-81ED-4DB2-BD59-A6C34878D82A}">
@@ -8953,7 +9152,7 @@
                   </a:ext>
                 </a:extLst>
               </a:tr>
-              <a:tr h="381078">
+              <a:tr h="400515">
                 <a:tc>
                   <a:txBody>
                     <a:bodyPr/>
@@ -8975,27 +9174,10 @@
                     </a:p>
                   </a:txBody>
                   <a:tcPr>
-                    <a:lnT w="12700" cap="flat" cmpd="sng" algn="ctr">
-                      <a:solidFill>
-                        <a:schemeClr val="tx1"/>
-                      </a:solidFill>
-                      <a:prstDash val="solid"/>
-                      <a:round/>
-                      <a:headEnd type="none" w="med" len="med"/>
-                      <a:tailEnd type="none" w="med" len="med"/>
-                    </a:lnT>
-                    <a:lnB w="12700" cap="flat" cmpd="sng" algn="ctr">
-                      <a:solidFill>
-                        <a:schemeClr val="tx1"/>
-                      </a:solidFill>
-                      <a:prstDash val="solid"/>
-                      <a:round/>
-                      <a:headEnd type="none" w="med" len="med"/>
-                      <a:tailEnd type="none" w="med" len="med"/>
-                    </a:lnB>
                     <a:solidFill>
-                      <a:schemeClr val="bg1">
-                        <a:lumMod val="95000"/>
+                      <a:schemeClr val="accent1">
+                        <a:lumMod val="10000"/>
+                        <a:lumOff val="90000"/>
                       </a:schemeClr>
                     </a:solidFill>
                   </a:tcPr>
@@ -9011,7 +9193,23 @@
                             <a:schemeClr val="tx2"/>
                           </a:solidFill>
                         </a:rPr>
-                        <a:t>Doe random zet</a:t>
+                        <a:t>Random </a:t>
+                      </a:r>
+                      <a:r>
+                        <a:rPr lang="nl-NL" dirty="0" err="1">
+                          <a:solidFill>
+                            <a:schemeClr val="tx2"/>
+                          </a:solidFill>
+                        </a:rPr>
+                        <a:t>feasible</a:t>
+                      </a:r>
+                      <a:r>
+                        <a:rPr lang="nl-NL" dirty="0">
+                          <a:solidFill>
+                            <a:schemeClr val="tx2"/>
+                          </a:solidFill>
+                        </a:rPr>
+                        <a:t> actie</a:t>
                       </a:r>
                       <a:endParaRPr lang="en-GB" dirty="0">
                         <a:solidFill>
@@ -9021,73 +9219,10 @@
                     </a:p>
                   </a:txBody>
                   <a:tcPr>
-                    <a:lnT w="12700" cap="flat" cmpd="sng" algn="ctr">
-                      <a:solidFill>
-                        <a:schemeClr val="tx1"/>
-                      </a:solidFill>
-                      <a:prstDash val="solid"/>
-                      <a:round/>
-                      <a:headEnd type="none" w="med" len="med"/>
-                      <a:tailEnd type="none" w="med" len="med"/>
-                    </a:lnT>
-                    <a:lnB w="12700" cap="flat" cmpd="sng" algn="ctr">
-                      <a:solidFill>
-                        <a:schemeClr val="tx1"/>
-                      </a:solidFill>
-                      <a:prstDash val="solid"/>
-                      <a:round/>
-                      <a:headEnd type="none" w="med" len="med"/>
-                      <a:tailEnd type="none" w="med" len="med"/>
-                    </a:lnB>
                     <a:solidFill>
-                      <a:schemeClr val="bg1">
-                        <a:lumMod val="95000"/>
-                      </a:schemeClr>
-                    </a:solidFill>
-                  </a:tcPr>
-                </a:tc>
-                <a:tc>
-                  <a:txBody>
-                    <a:bodyPr/>
-                    <a:lstStyle/>
-                    <a:p>
-                      <a:r>
-                        <a:rPr lang="nl-NL" dirty="0">
-                          <a:solidFill>
-                            <a:schemeClr val="tx2"/>
-                          </a:solidFill>
-                        </a:rPr>
-                        <a:t>x</a:t>
-                      </a:r>
-                      <a:endParaRPr lang="en-GB" dirty="0">
-                        <a:solidFill>
-                          <a:schemeClr val="tx2"/>
-                        </a:solidFill>
-                      </a:endParaRPr>
-                    </a:p>
-                  </a:txBody>
-                  <a:tcPr>
-                    <a:lnT w="12700" cap="flat" cmpd="sng" algn="ctr">
-                      <a:solidFill>
-                        <a:schemeClr val="tx1"/>
-                      </a:solidFill>
-                      <a:prstDash val="solid"/>
-                      <a:round/>
-                      <a:headEnd type="none" w="med" len="med"/>
-                      <a:tailEnd type="none" w="med" len="med"/>
-                    </a:lnT>
-                    <a:lnB w="12700" cap="flat" cmpd="sng" algn="ctr">
-                      <a:solidFill>
-                        <a:schemeClr val="tx1"/>
-                      </a:solidFill>
-                      <a:prstDash val="solid"/>
-                      <a:round/>
-                      <a:headEnd type="none" w="med" len="med"/>
-                      <a:tailEnd type="none" w="med" len="med"/>
-                    </a:lnB>
-                    <a:solidFill>
-                      <a:schemeClr val="bg1">
-                        <a:lumMod val="95000"/>
+                      <a:schemeClr val="accent1">
+                        <a:lumMod val="10000"/>
+                        <a:lumOff val="90000"/>
                       </a:schemeClr>
                     </a:solidFill>
                   </a:tcPr>
@@ -9113,27 +9248,10 @@
                     </a:p>
                   </a:txBody>
                   <a:tcPr>
-                    <a:lnT w="12700" cap="flat" cmpd="sng" algn="ctr">
-                      <a:solidFill>
-                        <a:schemeClr val="tx1"/>
-                      </a:solidFill>
-                      <a:prstDash val="solid"/>
-                      <a:round/>
-                      <a:headEnd type="none" w="med" len="med"/>
-                      <a:tailEnd type="none" w="med" len="med"/>
-                    </a:lnT>
-                    <a:lnB w="12700" cap="flat" cmpd="sng" algn="ctr">
-                      <a:solidFill>
-                        <a:schemeClr val="tx1"/>
-                      </a:solidFill>
-                      <a:prstDash val="solid"/>
-                      <a:round/>
-                      <a:headEnd type="none" w="med" len="med"/>
-                      <a:tailEnd type="none" w="med" len="med"/>
-                    </a:lnB>
                     <a:solidFill>
-                      <a:schemeClr val="bg1">
-                        <a:lumMod val="95000"/>
+                      <a:schemeClr val="accent1">
+                        <a:lumMod val="10000"/>
+                        <a:lumOff val="90000"/>
                       </a:schemeClr>
                     </a:solidFill>
                   </a:tcPr>
@@ -9151,27 +9269,10 @@
                     </a:p>
                   </a:txBody>
                   <a:tcPr>
-                    <a:lnT w="12700" cap="flat" cmpd="sng" algn="ctr">
-                      <a:solidFill>
-                        <a:schemeClr val="tx1"/>
-                      </a:solidFill>
-                      <a:prstDash val="solid"/>
-                      <a:round/>
-                      <a:headEnd type="none" w="med" len="med"/>
-                      <a:tailEnd type="none" w="med" len="med"/>
-                    </a:lnT>
-                    <a:lnB w="12700" cap="flat" cmpd="sng" algn="ctr">
-                      <a:solidFill>
-                        <a:schemeClr val="tx1"/>
-                      </a:solidFill>
-                      <a:prstDash val="solid"/>
-                      <a:round/>
-                      <a:headEnd type="none" w="med" len="med"/>
-                      <a:tailEnd type="none" w="med" len="med"/>
-                    </a:lnB>
                     <a:solidFill>
-                      <a:schemeClr val="bg1">
-                        <a:lumMod val="95000"/>
+                      <a:schemeClr val="accent1">
+                        <a:lumMod val="10000"/>
+                        <a:lumOff val="90000"/>
                       </a:schemeClr>
                     </a:solidFill>
                   </a:tcPr>
@@ -9182,7 +9283,7 @@
                   </a:ext>
                 </a:extLst>
               </a:tr>
-              <a:tr h="627016">
+              <a:tr h="700902">
                 <a:tc>
                   <a:txBody>
                     <a:bodyPr/>
@@ -9206,23 +9307,7 @@
                       </a:r>
                     </a:p>
                   </a:txBody>
-                  <a:tcPr>
-                    <a:lnT w="12700" cap="flat" cmpd="sng" algn="ctr">
-                      <a:solidFill>
-                        <a:schemeClr val="tx1"/>
-                      </a:solidFill>
-                      <a:prstDash val="solid"/>
-                      <a:round/>
-                      <a:headEnd type="none" w="med" len="med"/>
-                      <a:tailEnd type="none" w="med" len="med"/>
-                    </a:lnT>
-                    <a:solidFill>
-                      <a:schemeClr val="accent6">
-                        <a:lumMod val="20000"/>
-                        <a:lumOff val="80000"/>
-                      </a:schemeClr>
-                    </a:solidFill>
-                  </a:tcPr>
+                  <a:tcPr/>
                 </a:tc>
                 <a:tc>
                   <a:txBody>
@@ -9235,27 +9320,11 @@
                             <a:schemeClr val="tx2"/>
                           </a:solidFill>
                         </a:rPr>
-                        <a:t>Zet die beste kost teweeg brengt</a:t>
+                        <a:t>Actie die beste kost teweeg brengt</a:t>
                       </a:r>
                     </a:p>
                   </a:txBody>
-                  <a:tcPr>
-                    <a:lnT w="12700" cap="flat" cmpd="sng" algn="ctr">
-                      <a:solidFill>
-                        <a:schemeClr val="tx1"/>
-                      </a:solidFill>
-                      <a:prstDash val="solid"/>
-                      <a:round/>
-                      <a:headEnd type="none" w="med" len="med"/>
-                      <a:tailEnd type="none" w="med" len="med"/>
-                    </a:lnT>
-                    <a:solidFill>
-                      <a:schemeClr val="accent6">
-                        <a:lumMod val="20000"/>
-                        <a:lumOff val="80000"/>
-                      </a:schemeClr>
-                    </a:solidFill>
-                  </a:tcPr>
+                  <a:tcPr/>
                 </a:tc>
                 <a:tc>
                   <a:txBody>
@@ -9280,12 +9349,60 @@
                         <a:defRPr/>
                       </a:pPr>
                       <a:r>
-                        <a:rPr lang="nl-NL" dirty="0">
+                        <a:rPr lang="en-GB" dirty="0" err="1">
                           <a:solidFill>
                             <a:schemeClr val="tx2"/>
                           </a:solidFill>
                         </a:rPr>
-                        <a:t>Minimax diepte 1</a:t>
+                        <a:t>Geen</a:t>
+                      </a:r>
+                      <a:r>
+                        <a:rPr lang="en-GB" dirty="0">
+                          <a:solidFill>
+                            <a:schemeClr val="tx2"/>
+                          </a:solidFill>
+                        </a:rPr>
+                        <a:t> </a:t>
+                      </a:r>
+                      <a:r>
+                        <a:rPr lang="en-GB" dirty="0" err="1">
+                          <a:solidFill>
+                            <a:schemeClr val="tx2"/>
+                          </a:solidFill>
+                        </a:rPr>
+                        <a:t>rekening</a:t>
+                      </a:r>
+                      <a:r>
+                        <a:rPr lang="en-GB" dirty="0">
+                          <a:solidFill>
+                            <a:schemeClr val="tx2"/>
+                          </a:solidFill>
+                        </a:rPr>
+                        <a:t> met </a:t>
+                      </a:r>
+                      <a:r>
+                        <a:rPr lang="en-GB" dirty="0" err="1">
+                          <a:solidFill>
+                            <a:schemeClr val="tx2"/>
+                          </a:solidFill>
+                        </a:rPr>
+                        <a:t>toekomstige</a:t>
+                      </a:r>
+                      <a:r>
+                        <a:rPr lang="en-GB" dirty="0">
+                          <a:solidFill>
+                            <a:schemeClr val="tx2"/>
+                          </a:solidFill>
+                        </a:rPr>
+                        <a:t> </a:t>
+                      </a:r>
+                      <a:r>
+                        <a:rPr lang="en-GB" dirty="0" err="1">
+                          <a:solidFill>
+                            <a:schemeClr val="tx2"/>
+                          </a:solidFill>
+                        </a:rPr>
+                        <a:t>acties</a:t>
                       </a:r>
                       <a:endParaRPr lang="en-GB" dirty="0">
                         <a:solidFill>
@@ -9294,70 +9411,7 @@
                       </a:endParaRPr>
                     </a:p>
                   </a:txBody>
-                  <a:tcPr>
-                    <a:lnT w="12700" cap="flat" cmpd="sng" algn="ctr">
-                      <a:solidFill>
-                        <a:schemeClr val="tx1"/>
-                      </a:solidFill>
-                      <a:prstDash val="solid"/>
-                      <a:round/>
-                      <a:headEnd type="none" w="med" len="med"/>
-                      <a:tailEnd type="none" w="med" len="med"/>
-                    </a:lnT>
-                    <a:solidFill>
-                      <a:schemeClr val="accent6">
-                        <a:lumMod val="20000"/>
-                        <a:lumOff val="80000"/>
-                      </a:schemeClr>
-                    </a:solidFill>
-                  </a:tcPr>
-                </a:tc>
-                <a:tc>
-                  <a:txBody>
-                    <a:bodyPr/>
-                    <a:lstStyle/>
-                    <a:p>
-                      <a:pPr marL="0" marR="0" lvl="0" indent="0" algn="l" defTabSz="914400" rtl="0" eaLnBrk="1" fontAlgn="auto" latinLnBrk="0" hangingPunct="1">
-                        <a:lnSpc>
-                          <a:spcPct val="100000"/>
-                        </a:lnSpc>
-                        <a:spcBef>
-                          <a:spcPts val="0"/>
-                        </a:spcBef>
-                        <a:spcAft>
-                          <a:spcPts val="0"/>
-                        </a:spcAft>
-                        <a:buClrTx/>
-                        <a:buSzTx/>
-                        <a:buFontTx/>
-                        <a:buNone/>
-                        <a:tabLst/>
-                        <a:defRPr/>
-                      </a:pPr>
-                      <a:endParaRPr lang="en-GB" dirty="0">
-                        <a:solidFill>
-                          <a:schemeClr val="tx2"/>
-                        </a:solidFill>
-                      </a:endParaRPr>
-                    </a:p>
-                  </a:txBody>
-                  <a:tcPr>
-                    <a:lnT w="12700" cap="flat" cmpd="sng" algn="ctr">
-                      <a:solidFill>
-                        <a:schemeClr val="tx1"/>
-                      </a:solidFill>
-                      <a:prstDash val="solid"/>
-                      <a:round/>
-                      <a:headEnd type="none" w="med" len="med"/>
-                      <a:tailEnd type="none" w="med" len="med"/>
-                    </a:lnT>
-                    <a:solidFill>
-                      <a:schemeClr val="accent6">
-                        <a:lumMod val="20000"/>
-                        <a:lumOff val="80000"/>
-                      </a:schemeClr>
-                    </a:solidFill>
-                  </a:tcPr>
+                  <a:tcPr/>
                 </a:tc>
                 <a:tc>
                   <a:txBody>
@@ -9396,23 +9450,7 @@
                       </a:endParaRPr>
                     </a:p>
                   </a:txBody>
-                  <a:tcPr>
-                    <a:lnT w="12700" cap="flat" cmpd="sng" algn="ctr">
-                      <a:solidFill>
-                        <a:schemeClr val="tx1"/>
-                      </a:solidFill>
-                      <a:prstDash val="solid"/>
-                      <a:round/>
-                      <a:headEnd type="none" w="med" len="med"/>
-                      <a:tailEnd type="none" w="med" len="med"/>
-                    </a:lnT>
-                    <a:solidFill>
-                      <a:schemeClr val="accent6">
-                        <a:lumMod val="20000"/>
-                        <a:lumOff val="80000"/>
-                      </a:schemeClr>
-                    </a:solidFill>
-                  </a:tcPr>
+                  <a:tcPr/>
                 </a:tc>
                 <a:extLst>
                   <a:ext uri="{0D108BD9-81ED-4DB2-BD59-A6C34878D82A}">
@@ -9420,7 +9458,7 @@
                   </a:ext>
                 </a:extLst>
               </a:tr>
-              <a:tr h="895738">
+              <a:tr h="1001289">
                 <a:tc>
                   <a:txBody>
                     <a:bodyPr/>
@@ -9459,18 +9497,10 @@
                     </a:p>
                   </a:txBody>
                   <a:tcPr>
-                    <a:lnB w="12700" cap="flat" cmpd="sng" algn="ctr">
-                      <a:solidFill>
-                        <a:schemeClr val="tx1"/>
-                      </a:solidFill>
-                      <a:prstDash val="solid"/>
-                      <a:round/>
-                      <a:headEnd type="none" w="med" len="med"/>
-                      <a:tailEnd type="none" w="med" len="med"/>
-                    </a:lnB>
                     <a:solidFill>
-                      <a:schemeClr val="bg1">
-                        <a:lumMod val="95000"/>
+                      <a:schemeClr val="accent1">
+                        <a:lumMod val="10000"/>
+                        <a:lumOff val="90000"/>
                       </a:schemeClr>
                     </a:solidFill>
                   </a:tcPr>
@@ -9503,7 +9533,7 @@
                             <a:schemeClr val="tx2"/>
                           </a:solidFill>
                         </a:rPr>
-                        <a:t>Beste zet op voorhand bepaald</a:t>
+                        <a:t>Beste actie op voorhand bepaald</a:t>
                       </a:r>
                       <a:endParaRPr lang="en-GB" dirty="0">
                         <a:solidFill>
@@ -9513,55 +9543,10 @@
                     </a:p>
                   </a:txBody>
                   <a:tcPr>
-                    <a:lnB w="12700" cap="flat" cmpd="sng" algn="ctr">
-                      <a:solidFill>
-                        <a:schemeClr val="tx1"/>
-                      </a:solidFill>
-                      <a:prstDash val="solid"/>
-                      <a:round/>
-                      <a:headEnd type="none" w="med" len="med"/>
-                      <a:tailEnd type="none" w="med" len="med"/>
-                    </a:lnB>
                     <a:solidFill>
-                      <a:schemeClr val="bg1">
-                        <a:lumMod val="95000"/>
-                      </a:schemeClr>
-                    </a:solidFill>
-                  </a:tcPr>
-                </a:tc>
-                <a:tc>
-                  <a:txBody>
-                    <a:bodyPr/>
-                    <a:lstStyle/>
-                    <a:p>
-                      <a:r>
-                        <a:rPr lang="nl-NL" dirty="0">
-                          <a:solidFill>
-                            <a:schemeClr val="tx2"/>
-                          </a:solidFill>
-                        </a:rPr>
-                        <a:t>x</a:t>
-                      </a:r>
-                      <a:endParaRPr lang="en-GB" dirty="0">
-                        <a:solidFill>
-                          <a:schemeClr val="tx2"/>
-                        </a:solidFill>
-                      </a:endParaRPr>
-                    </a:p>
-                  </a:txBody>
-                  <a:tcPr>
-                    <a:lnB w="12700" cap="flat" cmpd="sng" algn="ctr">
-                      <a:solidFill>
-                        <a:schemeClr val="tx1"/>
-                      </a:solidFill>
-                      <a:prstDash val="solid"/>
-                      <a:round/>
-                      <a:headEnd type="none" w="med" len="med"/>
-                      <a:tailEnd type="none" w="med" len="med"/>
-                    </a:lnB>
-                    <a:solidFill>
-                      <a:schemeClr val="bg1">
-                        <a:lumMod val="95000"/>
+                      <a:schemeClr val="accent1">
+                        <a:lumMod val="10000"/>
+                        <a:lumOff val="90000"/>
                       </a:schemeClr>
                     </a:solidFill>
                   </a:tcPr>
@@ -9597,18 +9582,10 @@
                     </a:p>
                   </a:txBody>
                   <a:tcPr>
-                    <a:lnB w="12700" cap="flat" cmpd="sng" algn="ctr">
-                      <a:solidFill>
-                        <a:schemeClr val="tx1"/>
-                      </a:solidFill>
-                      <a:prstDash val="solid"/>
-                      <a:round/>
-                      <a:headEnd type="none" w="med" len="med"/>
-                      <a:tailEnd type="none" w="med" len="med"/>
-                    </a:lnB>
                     <a:solidFill>
-                      <a:schemeClr val="bg1">
-                        <a:lumMod val="95000"/>
+                      <a:schemeClr val="accent1">
+                        <a:lumMod val="10000"/>
+                        <a:lumOff val="90000"/>
                       </a:schemeClr>
                     </a:solidFill>
                   </a:tcPr>
@@ -9662,18 +9639,10 @@
                     </a:p>
                   </a:txBody>
                   <a:tcPr>
-                    <a:lnB w="12700" cap="flat" cmpd="sng" algn="ctr">
-                      <a:solidFill>
-                        <a:schemeClr val="tx1"/>
-                      </a:solidFill>
-                      <a:prstDash val="solid"/>
-                      <a:round/>
-                      <a:headEnd type="none" w="med" len="med"/>
-                      <a:tailEnd type="none" w="med" len="med"/>
-                    </a:lnB>
                     <a:solidFill>
-                      <a:schemeClr val="bg1">
-                        <a:lumMod val="95000"/>
+                      <a:schemeClr val="accent1">
+                        <a:lumMod val="10000"/>
+                        <a:lumOff val="90000"/>
                       </a:schemeClr>
                     </a:solidFill>
                   </a:tcPr>
@@ -9684,7 +9653,7 @@
                   </a:ext>
                 </a:extLst>
               </a:tr>
-              <a:tr h="1221536">
+              <a:tr h="1001289">
                 <a:tc>
                   <a:txBody>
                     <a:bodyPr/>
@@ -9696,7 +9665,7 @@
                             <a:schemeClr val="tx2"/>
                           </a:solidFill>
                         </a:rPr>
-                        <a:t>minimax</a:t>
+                        <a:t>Minimax</a:t>
                       </a:r>
                       <a:endParaRPr lang="en-GB" dirty="0">
                         <a:solidFill>
@@ -9705,32 +9674,7 @@
                       </a:endParaRPr>
                     </a:p>
                   </a:txBody>
-                  <a:tcPr>
-                    <a:lnT w="12700" cap="flat" cmpd="sng" algn="ctr">
-                      <a:solidFill>
-                        <a:schemeClr val="tx1"/>
-                      </a:solidFill>
-                      <a:prstDash val="solid"/>
-                      <a:round/>
-                      <a:headEnd type="none" w="med" len="med"/>
-                      <a:tailEnd type="none" w="med" len="med"/>
-                    </a:lnT>
-                    <a:lnB w="12700" cap="flat" cmpd="sng" algn="ctr">
-                      <a:solidFill>
-                        <a:schemeClr val="tx1"/>
-                      </a:solidFill>
-                      <a:prstDash val="solid"/>
-                      <a:round/>
-                      <a:headEnd type="none" w="med" len="med"/>
-                      <a:tailEnd type="none" w="med" len="med"/>
-                    </a:lnB>
-                    <a:solidFill>
-                      <a:schemeClr val="accent6">
-                        <a:lumMod val="20000"/>
-                        <a:lumOff val="80000"/>
-                      </a:schemeClr>
-                    </a:solidFill>
-                  </a:tcPr>
+                  <a:tcPr/>
                 </a:tc>
                 <a:tc>
                   <a:txBody>
@@ -9743,7 +9687,7 @@
                             <a:schemeClr val="tx2"/>
                           </a:solidFill>
                         </a:rPr>
-                        <a:t>Gaat uit van worst case</a:t>
+                        <a:t>Kiest de beste actie uit de beste acties van de tegenstander.</a:t>
                       </a:r>
                     </a:p>
                     <a:p>
@@ -9753,36 +9697,11 @@
                             <a:schemeClr val="tx2"/>
                           </a:solidFill>
                         </a:rPr>
-                        <a:t>Kiest beste van slechtste</a:t>
+                        <a:t>(Kies de beste uit de slechtste)</a:t>
                       </a:r>
                     </a:p>
                   </a:txBody>
-                  <a:tcPr>
-                    <a:lnT w="12700" cap="flat" cmpd="sng" algn="ctr">
-                      <a:solidFill>
-                        <a:schemeClr val="tx1"/>
-                      </a:solidFill>
-                      <a:prstDash val="solid"/>
-                      <a:round/>
-                      <a:headEnd type="none" w="med" len="med"/>
-                      <a:tailEnd type="none" w="med" len="med"/>
-                    </a:lnT>
-                    <a:lnB w="12700" cap="flat" cmpd="sng" algn="ctr">
-                      <a:solidFill>
-                        <a:schemeClr val="tx1"/>
-                      </a:solidFill>
-                      <a:prstDash val="solid"/>
-                      <a:round/>
-                      <a:headEnd type="none" w="med" len="med"/>
-                      <a:tailEnd type="none" w="med" len="med"/>
-                    </a:lnB>
-                    <a:solidFill>
-                      <a:schemeClr val="accent6">
-                        <a:lumMod val="20000"/>
-                        <a:lumOff val="80000"/>
-                      </a:schemeClr>
-                    </a:solidFill>
-                  </a:tcPr>
+                  <a:tcPr/>
                 </a:tc>
                 <a:tc>
                   <a:txBody>
@@ -9795,54 +9714,7 @@
                             <a:schemeClr val="tx2"/>
                           </a:solidFill>
                         </a:rPr>
-                        <a:t>x</a:t>
-                      </a:r>
-                      <a:endParaRPr lang="en-GB" dirty="0">
-                        <a:solidFill>
-                          <a:schemeClr val="tx2"/>
-                        </a:solidFill>
-                      </a:endParaRPr>
-                    </a:p>
-                  </a:txBody>
-                  <a:tcPr>
-                    <a:lnT w="12700" cap="flat" cmpd="sng" algn="ctr">
-                      <a:solidFill>
-                        <a:schemeClr val="tx1"/>
-                      </a:solidFill>
-                      <a:prstDash val="solid"/>
-                      <a:round/>
-                      <a:headEnd type="none" w="med" len="med"/>
-                      <a:tailEnd type="none" w="med" len="med"/>
-                    </a:lnT>
-                    <a:lnB w="12700" cap="flat" cmpd="sng" algn="ctr">
-                      <a:solidFill>
-                        <a:schemeClr val="tx1"/>
-                      </a:solidFill>
-                      <a:prstDash val="solid"/>
-                      <a:round/>
-                      <a:headEnd type="none" w="med" len="med"/>
-                      <a:tailEnd type="none" w="med" len="med"/>
-                    </a:lnB>
-                    <a:solidFill>
-                      <a:schemeClr val="accent6">
-                        <a:lumMod val="20000"/>
-                        <a:lumOff val="80000"/>
-                      </a:schemeClr>
-                    </a:solidFill>
-                  </a:tcPr>
-                </a:tc>
-                <a:tc>
-                  <a:txBody>
-                    <a:bodyPr/>
-                    <a:lstStyle/>
-                    <a:p>
-                      <a:r>
-                        <a:rPr lang="nl-NL" dirty="0">
-                          <a:solidFill>
-                            <a:schemeClr val="tx2"/>
-                          </a:solidFill>
-                        </a:rPr>
-                        <a:t>Eindige boom, maar praktisch te groot</a:t>
+                        <a:t>Eindige boom, maar praktisch te groot.</a:t>
                       </a:r>
                     </a:p>
                     <a:p>
@@ -9852,7 +9724,7 @@
                             <a:schemeClr val="tx2"/>
                           </a:solidFill>
                         </a:rPr>
-                        <a:t>traag</a:t>
+                        <a:t>Traag</a:t>
                       </a:r>
                       <a:endParaRPr lang="en-GB" dirty="0">
                         <a:solidFill>
@@ -9861,32 +9733,7 @@
                       </a:endParaRPr>
                     </a:p>
                   </a:txBody>
-                  <a:tcPr>
-                    <a:lnT w="12700" cap="flat" cmpd="sng" algn="ctr">
-                      <a:solidFill>
-                        <a:schemeClr val="tx1"/>
-                      </a:solidFill>
-                      <a:prstDash val="solid"/>
-                      <a:round/>
-                      <a:headEnd type="none" w="med" len="med"/>
-                      <a:tailEnd type="none" w="med" len="med"/>
-                    </a:lnT>
-                    <a:lnB w="12700" cap="flat" cmpd="sng" algn="ctr">
-                      <a:solidFill>
-                        <a:schemeClr val="tx1"/>
-                      </a:solidFill>
-                      <a:prstDash val="solid"/>
-                      <a:round/>
-                      <a:headEnd type="none" w="med" len="med"/>
-                      <a:tailEnd type="none" w="med" len="med"/>
-                    </a:lnB>
-                    <a:solidFill>
-                      <a:schemeClr val="accent6">
-                        <a:lumMod val="20000"/>
-                        <a:lumOff val="80000"/>
-                      </a:schemeClr>
-                    </a:solidFill>
-                  </a:tcPr>
+                  <a:tcPr/>
                 </a:tc>
                 <a:tc>
                   <a:txBody>
@@ -9911,24 +9758,6 @@
                         <a:defRPr/>
                       </a:pPr>
                       <a:r>
-                        <a:rPr lang="nl-NL" dirty="0" err="1">
-                          <a:solidFill>
-                            <a:schemeClr val="tx2"/>
-                          </a:solidFill>
-                        </a:rPr>
-                        <a:t>Average</a:t>
-                      </a:r>
-                      <a:r>
-                        <a:rPr lang="nl-NL" dirty="0">
-                          <a:solidFill>
-                            <a:schemeClr val="tx2"/>
-                          </a:solidFill>
-                        </a:rPr>
-                        <a:t> case</a:t>
-                      </a:r>
-                    </a:p>
-                    <a:p>
-                      <a:r>
                         <a:rPr lang="nl-NL" dirty="0">
                           <a:solidFill>
                             <a:schemeClr val="tx2"/>
@@ -9938,32 +9767,7 @@
                       </a:r>
                     </a:p>
                   </a:txBody>
-                  <a:tcPr>
-                    <a:lnT w="12700" cap="flat" cmpd="sng" algn="ctr">
-                      <a:solidFill>
-                        <a:schemeClr val="tx1"/>
-                      </a:solidFill>
-                      <a:prstDash val="solid"/>
-                      <a:round/>
-                      <a:headEnd type="none" w="med" len="med"/>
-                      <a:tailEnd type="none" w="med" len="med"/>
-                    </a:lnT>
-                    <a:lnB w="12700" cap="flat" cmpd="sng" algn="ctr">
-                      <a:solidFill>
-                        <a:schemeClr val="tx1"/>
-                      </a:solidFill>
-                      <a:prstDash val="solid"/>
-                      <a:round/>
-                      <a:headEnd type="none" w="med" len="med"/>
-                      <a:tailEnd type="none" w="med" len="med"/>
-                    </a:lnB>
-                    <a:solidFill>
-                      <a:schemeClr val="accent6">
-                        <a:lumMod val="20000"/>
-                        <a:lumOff val="80000"/>
-                      </a:schemeClr>
-                    </a:solidFill>
-                  </a:tcPr>
+                  <a:tcPr/>
                 </a:tc>
                 <a:extLst>
                   <a:ext uri="{0D108BD9-81ED-4DB2-BD59-A6C34878D82A}">
@@ -9971,12 +9775,44 @@
                   </a:ext>
                 </a:extLst>
               </a:tr>
-              <a:tr h="895738">
+              <a:tr h="1001289">
                 <a:tc>
                   <a:txBody>
                     <a:bodyPr/>
                     <a:lstStyle/>
                     <a:p>
+                      <a:r>
+                        <a:rPr lang="el-GR" dirty="0">
+                          <a:solidFill>
+                            <a:schemeClr val="tx2"/>
+                          </a:solidFill>
+                        </a:rPr>
+                        <a:t>α</a:t>
+                      </a:r>
+                      <a:r>
+                        <a:rPr lang="nl-BE" dirty="0">
+                          <a:solidFill>
+                            <a:schemeClr val="tx2"/>
+                          </a:solidFill>
+                        </a:rPr>
+                        <a:t>-</a:t>
+                      </a:r>
+                      <a:r>
+                        <a:rPr lang="el-GR" dirty="0">
+                          <a:solidFill>
+                            <a:schemeClr val="tx2"/>
+                          </a:solidFill>
+                        </a:rPr>
+                        <a:t>β</a:t>
+                      </a:r>
+                      <a:r>
+                        <a:rPr lang="nl-BE" dirty="0">
+                          <a:solidFill>
+                            <a:schemeClr val="tx2"/>
+                          </a:solidFill>
+                        </a:rPr>
+                        <a:t> </a:t>
+                      </a:r>
                       <a:r>
                         <a:rPr lang="nl-NL" dirty="0" err="1">
                           <a:solidFill>
@@ -9992,23 +9828,7 @@
                       </a:endParaRPr>
                     </a:p>
                   </a:txBody>
-                  <a:tcPr>
-                    <a:lnT w="12700" cap="flat" cmpd="sng" algn="ctr">
-                      <a:solidFill>
-                        <a:schemeClr val="tx1"/>
-                      </a:solidFill>
-                      <a:prstDash val="solid"/>
-                      <a:round/>
-                      <a:headEnd type="none" w="med" len="med"/>
-                      <a:tailEnd type="none" w="med" len="med"/>
-                    </a:lnT>
-                    <a:solidFill>
-                      <a:schemeClr val="accent6">
-                        <a:lumMod val="20000"/>
-                        <a:lumOff val="80000"/>
-                      </a:schemeClr>
-                    </a:solidFill>
-                  </a:tcPr>
+                  <a:tcPr/>
                 </a:tc>
                 <a:tc>
                   <a:txBody>
@@ -10021,7 +9841,7 @@
                             <a:schemeClr val="tx2"/>
                           </a:solidFill>
                         </a:rPr>
-                        <a:t>score</a:t>
+                        <a:t>Idem als minimax, maar overloopt enkel de betere acties</a:t>
                       </a:r>
                       <a:endParaRPr lang="en-GB" dirty="0">
                         <a:solidFill>
@@ -10030,61 +9850,7 @@
                       </a:endParaRPr>
                     </a:p>
                   </a:txBody>
-                  <a:tcPr>
-                    <a:lnT w="12700" cap="flat" cmpd="sng" algn="ctr">
-                      <a:solidFill>
-                        <a:schemeClr val="tx1"/>
-                      </a:solidFill>
-                      <a:prstDash val="solid"/>
-                      <a:round/>
-                      <a:headEnd type="none" w="med" len="med"/>
-                      <a:tailEnd type="none" w="med" len="med"/>
-                    </a:lnT>
-                    <a:solidFill>
-                      <a:schemeClr val="accent6">
-                        <a:lumMod val="20000"/>
-                        <a:lumOff val="80000"/>
-                      </a:schemeClr>
-                    </a:solidFill>
-                  </a:tcPr>
-                </a:tc>
-                <a:tc>
-                  <a:txBody>
-                    <a:bodyPr/>
-                    <a:lstStyle/>
-                    <a:p>
-                      <a:r>
-                        <a:rPr lang="nl-NL" dirty="0">
-                          <a:solidFill>
-                            <a:schemeClr val="tx2"/>
-                          </a:solidFill>
-                        </a:rPr>
-                        <a:t>Snellere minimax</a:t>
-                      </a:r>
-                      <a:endParaRPr lang="en-GB" dirty="0">
-                        <a:solidFill>
-                          <a:schemeClr val="tx2"/>
-                        </a:solidFill>
-                      </a:endParaRPr>
-                    </a:p>
-                  </a:txBody>
-                  <a:tcPr>
-                    <a:lnT w="12700" cap="flat" cmpd="sng" algn="ctr">
-                      <a:solidFill>
-                        <a:schemeClr val="tx1"/>
-                      </a:solidFill>
-                      <a:prstDash val="solid"/>
-                      <a:round/>
-                      <a:headEnd type="none" w="med" len="med"/>
-                      <a:tailEnd type="none" w="med" len="med"/>
-                    </a:lnT>
-                    <a:solidFill>
-                      <a:schemeClr val="accent6">
-                        <a:lumMod val="20000"/>
-                        <a:lumOff val="80000"/>
-                      </a:schemeClr>
-                    </a:solidFill>
-                  </a:tcPr>
+                  <a:tcPr/>
                 </a:tc>
                 <a:tc>
                   <a:txBody>
@@ -10098,23 +9864,7 @@
                       </a:endParaRPr>
                     </a:p>
                   </a:txBody>
-                  <a:tcPr>
-                    <a:lnT w="12700" cap="flat" cmpd="sng" algn="ctr">
-                      <a:solidFill>
-                        <a:schemeClr val="tx1"/>
-                      </a:solidFill>
-                      <a:prstDash val="solid"/>
-                      <a:round/>
-                      <a:headEnd type="none" w="med" len="med"/>
-                      <a:tailEnd type="none" w="med" len="med"/>
-                    </a:lnT>
-                    <a:solidFill>
-                      <a:schemeClr val="accent6">
-                        <a:lumMod val="20000"/>
-                        <a:lumOff val="80000"/>
-                      </a:schemeClr>
-                    </a:solidFill>
-                  </a:tcPr>
+                  <a:tcPr/>
                 </a:tc>
                 <a:tc>
                   <a:txBody>
@@ -10139,65 +9889,59 @@
                         <a:defRPr/>
                       </a:pPr>
                       <a:r>
-                        <a:rPr lang="nl-NL" dirty="0" err="1">
+                        <a:rPr lang="nl-BE" noProof="0" dirty="0">
                           <a:solidFill>
                             <a:schemeClr val="tx2"/>
                           </a:solidFill>
                         </a:rPr>
-                        <a:t>Average</a:t>
+                        <a:t>Sneller dan minimax.</a:t>
                       </a:r>
+                    </a:p>
+                    <a:p>
+                      <a:pPr marL="0" marR="0" lvl="0" indent="0" algn="l" defTabSz="914400" rtl="0" eaLnBrk="1" fontAlgn="auto" latinLnBrk="0" hangingPunct="1">
+                        <a:lnSpc>
+                          <a:spcPct val="100000"/>
+                        </a:lnSpc>
+                        <a:spcBef>
+                          <a:spcPts val="0"/>
+                        </a:spcBef>
+                        <a:spcAft>
+                          <a:spcPts val="0"/>
+                        </a:spcAft>
+                        <a:buClrTx/>
+                        <a:buSzTx/>
+                        <a:buFontTx/>
+                        <a:buNone/>
+                        <a:tabLst/>
+                        <a:defRPr/>
+                      </a:pPr>
                       <a:r>
-                        <a:rPr lang="nl-NL" dirty="0">
+                        <a:rPr lang="nl-BE" noProof="0" dirty="0">
                           <a:solidFill>
                             <a:schemeClr val="tx2"/>
                           </a:solidFill>
                         </a:rPr>
-                        <a:t> case</a:t>
+                        <a:t>Variant: eerste </a:t>
                       </a:r>
-                    </a:p>
-                    <a:p>
                       <a:r>
-                        <a:rPr lang="nl-NL" dirty="0">
+                        <a:rPr lang="nl-BE" noProof="0" dirty="0" err="1">
                           <a:solidFill>
                             <a:schemeClr val="tx2"/>
                           </a:solidFill>
                         </a:rPr>
-                        <a:t>Best case</a:t>
+                        <a:t>nodes</a:t>
                       </a:r>
-                    </a:p>
-                    <a:p>
                       <a:r>
-                        <a:rPr lang="nl-NL" dirty="0">
+                        <a:rPr lang="nl-BE" noProof="0" dirty="0">
                           <a:solidFill>
                             <a:schemeClr val="tx2"/>
                           </a:solidFill>
                         </a:rPr>
-                        <a:t>Sneller dan minimax</a:t>
+                        <a:t> sorteren</a:t>
                       </a:r>
-                      <a:endParaRPr lang="en-GB" dirty="0">
-                        <a:solidFill>
-                          <a:schemeClr val="tx2"/>
-                        </a:solidFill>
-                      </a:endParaRPr>
                     </a:p>
                   </a:txBody>
-                  <a:tcPr>
-                    <a:lnT w="12700" cap="flat" cmpd="sng" algn="ctr">
-                      <a:solidFill>
-                        <a:schemeClr val="tx1"/>
-                      </a:solidFill>
-                      <a:prstDash val="solid"/>
-                      <a:round/>
-                      <a:headEnd type="none" w="med" len="med"/>
-                      <a:tailEnd type="none" w="med" len="med"/>
-                    </a:lnT>
-                    <a:solidFill>
-                      <a:schemeClr val="accent6">
-                        <a:lumMod val="20000"/>
-                        <a:lumOff val="80000"/>
-                      </a:schemeClr>
-                    </a:solidFill>
-                  </a:tcPr>
+                  <a:tcPr/>
                 </a:tc>
                 <a:extLst>
                   <a:ext uri="{0D108BD9-81ED-4DB2-BD59-A6C34878D82A}">
@@ -10205,17 +9949,25 @@
                   </a:ext>
                 </a:extLst>
               </a:tr>
-              <a:tr h="627016">
+              <a:tr h="700902">
                 <a:tc>
                   <a:txBody>
                     <a:bodyPr/>
                     <a:lstStyle/>
                     <a:p>
                       <a:r>
-                        <a:rPr lang="nl-NL" dirty="0"/>
+                        <a:rPr lang="nl-NL" dirty="0">
+                          <a:solidFill>
+                            <a:srgbClr val="2E2E2E"/>
+                          </a:solidFill>
+                        </a:rPr>
                         <a:t>Neuraal netwerk</a:t>
                       </a:r>
-                      <a:endParaRPr lang="en-GB" dirty="0"/>
+                      <a:endParaRPr lang="en-GB" dirty="0">
+                        <a:solidFill>
+                          <a:srgbClr val="2E2E2E"/>
+                        </a:solidFill>
+                      </a:endParaRPr>
                     </a:p>
                   </a:txBody>
                   <a:tcPr/>
@@ -10226,10 +9978,18 @@
                     <a:lstStyle/>
                     <a:p>
                       <a:r>
-                        <a:rPr lang="nl-NL" dirty="0"/>
+                        <a:rPr lang="nl-NL" dirty="0">
+                          <a:solidFill>
+                            <a:srgbClr val="2E2E2E"/>
+                          </a:solidFill>
+                        </a:rPr>
                         <a:t>Per stap getraind model gebruiken</a:t>
                       </a:r>
-                      <a:endParaRPr lang="en-GB" dirty="0"/>
+                      <a:endParaRPr lang="en-GB" dirty="0">
+                        <a:solidFill>
+                          <a:srgbClr val="2E2E2E"/>
+                        </a:solidFill>
+                      </a:endParaRPr>
                     </a:p>
                   </a:txBody>
                   <a:tcPr/>
@@ -10239,7 +9999,14 @@
                     <a:bodyPr/>
                     <a:lstStyle/>
                     <a:p>
-                      <a:endParaRPr lang="en-GB" dirty="0"/>
+                      <a:r>
+                        <a:rPr lang="nl-BE" noProof="0" dirty="0">
+                          <a:solidFill>
+                            <a:srgbClr val="2E2E2E"/>
+                          </a:solidFill>
+                        </a:rPr>
+                        <a:t>Initieel trainen</a:t>
+                      </a:r>
                     </a:p>
                   </a:txBody>
                   <a:tcPr/>
@@ -10249,17 +10016,91 @@
                     <a:bodyPr/>
                     <a:lstStyle/>
                     <a:p>
-                      <a:endParaRPr lang="en-GB" dirty="0"/>
+                      <a:pPr marL="0" marR="0" lvl="0" indent="0" algn="l" defTabSz="914400" rtl="0" eaLnBrk="1" fontAlgn="auto" latinLnBrk="0" hangingPunct="1">
+                        <a:lnSpc>
+                          <a:spcPct val="100000"/>
+                        </a:lnSpc>
+                        <a:spcBef>
+                          <a:spcPts val="0"/>
+                        </a:spcBef>
+                        <a:spcAft>
+                          <a:spcPts val="0"/>
+                        </a:spcAft>
+                        <a:buClrTx/>
+                        <a:buSzTx/>
+                        <a:buFontTx/>
+                        <a:buNone/>
+                        <a:tabLst/>
+                        <a:defRPr/>
+                      </a:pPr>
+                      <a:r>
+                        <a:rPr lang="nl-BE" noProof="0" dirty="0">
+                          <a:solidFill>
+                            <a:srgbClr val="2E2E2E"/>
+                          </a:solidFill>
+                        </a:rPr>
+                        <a:t>Sneller</a:t>
+                      </a:r>
+                      <a:r>
+                        <a:rPr lang="en-GB" dirty="0">
+                          <a:solidFill>
+                            <a:srgbClr val="2E2E2E"/>
+                          </a:solidFill>
+                        </a:rPr>
+                        <a:t> dan </a:t>
+                      </a:r>
+                      <a:r>
+                        <a:rPr lang="el-GR" dirty="0">
+                          <a:solidFill>
+                            <a:schemeClr val="tx2"/>
+                          </a:solidFill>
+                        </a:rPr>
+                        <a:t>α</a:t>
+                      </a:r>
+                      <a:r>
+                        <a:rPr lang="nl-BE" dirty="0">
+                          <a:solidFill>
+                            <a:schemeClr val="tx2"/>
+                          </a:solidFill>
+                        </a:rPr>
+                        <a:t>-</a:t>
+                      </a:r>
+                      <a:r>
+                        <a:rPr lang="el-GR" dirty="0">
+                          <a:solidFill>
+                            <a:schemeClr val="tx2"/>
+                          </a:solidFill>
+                        </a:rPr>
+                        <a:t>β</a:t>
+                      </a:r>
+                      <a:r>
+                        <a:rPr lang="nl-BE" dirty="0">
+                          <a:solidFill>
+                            <a:schemeClr val="tx2"/>
+                          </a:solidFill>
+                        </a:rPr>
+                        <a:t> </a:t>
+                      </a:r>
+                      <a:r>
+                        <a:rPr lang="nl-NL" dirty="0" err="1">
+                          <a:solidFill>
+                            <a:schemeClr val="tx2"/>
+                          </a:solidFill>
+                        </a:rPr>
+                        <a:t>pruning</a:t>
+                      </a:r>
+                      <a:endParaRPr lang="en-GB" dirty="0">
+                        <a:solidFill>
+                          <a:schemeClr val="tx2"/>
+                        </a:solidFill>
+                      </a:endParaRPr>
                     </a:p>
-                  </a:txBody>
-                  <a:tcPr/>
-                </a:tc>
-                <a:tc>
-                  <a:txBody>
-                    <a:bodyPr/>
-                    <a:lstStyle/>
                     <a:p>
-                      <a:endParaRPr lang="en-GB" dirty="0"/>
+                      <a:endParaRPr lang="en-GB" dirty="0">
+                        <a:solidFill>
+                          <a:srgbClr val="2E2E2E"/>
+                        </a:solidFill>
+                      </a:endParaRPr>
                     </a:p>
                   </a:txBody>
                   <a:tcPr/>
@@ -10364,11 +10205,18 @@
           <a:p>
             <a:r>
               <a:rPr lang="en-GB" dirty="0">
+                <a:solidFill>
+                  <a:srgbClr val="2E2E2E"/>
+                </a:solidFill>
                 <a:effectLst/>
               </a:rPr>
               <a:t>[1]	S. Fort, L. Gan, and A. Zhao, “Applying Machine Learning to the Board Game Pylos,” pp. 1–5.</a:t>
             </a:r>
-            <a:endParaRPr lang="en-GB" dirty="0"/>
+            <a:endParaRPr lang="en-GB" dirty="0">
+              <a:solidFill>
+                <a:srgbClr val="2E2E2E"/>
+              </a:solidFill>
+            </a:endParaRPr>
           </a:p>
         </p:txBody>
       </p:sp>
@@ -10394,10 +10242,9 @@
           <a:lstStyle/>
           <a:p>
             <a:r>
-              <a:rPr lang="nl-NL" dirty="0"/>
+              <a:rPr lang="nl-BE" dirty="0"/>
               <a:t>Paper</a:t>
             </a:r>
-            <a:endParaRPr lang="en-GB" dirty="0"/>
           </a:p>
         </p:txBody>
       </p:sp>
@@ -10431,83 +10278,352 @@
           <a:chExt cx="0" cy="0"/>
         </a:xfrm>
       </p:grpSpPr>
-      <p:sp>
-        <p:nvSpPr>
-          <p:cNvPr id="2" name="Content Placeholder 1">
-            <a:extLst>
-              <a:ext uri="{FF2B5EF4-FFF2-40B4-BE49-F238E27FC236}">
-                <a16:creationId xmlns:a16="http://schemas.microsoft.com/office/drawing/2014/main" id="{197F4CBE-668E-40E5-A308-1F04E101E2EF}"/>
-              </a:ext>
-            </a:extLst>
-          </p:cNvPr>
-          <p:cNvSpPr>
-            <a:spLocks noGrp="1"/>
-          </p:cNvSpPr>
-          <p:nvPr>
-            <p:ph idx="1"/>
-          </p:nvPr>
-        </p:nvSpPr>
-        <p:spPr/>
-        <p:txBody>
-          <a:bodyPr/>
-          <a:lstStyle/>
-          <a:p>
-            <a:r>
-              <a:rPr lang="nl-NL" dirty="0" err="1"/>
-              <a:t>Geprunede</a:t>
-            </a:r>
-            <a:r>
-              <a:rPr lang="nl-NL" dirty="0"/>
-              <a:t> tree</a:t>
-            </a:r>
-          </a:p>
-          <a:p>
-            <a:r>
-              <a:rPr lang="nl-NL" dirty="0"/>
-              <a:t>Training (</a:t>
-            </a:r>
-            <a:r>
-              <a:rPr lang="nl-NL" dirty="0" err="1"/>
-              <a:t>Cost</a:t>
-            </a:r>
-            <a:r>
-              <a:rPr lang="nl-NL" dirty="0"/>
-              <a:t>) x=10*</a:t>
-            </a:r>
-            <a:r>
-              <a:rPr lang="nl-NL" dirty="0" err="1"/>
-              <a:t>y+z</a:t>
-            </a:r>
-            <a:endParaRPr lang="nl-NL" dirty="0"/>
-          </a:p>
-          <a:p>
-            <a:pPr lvl="1"/>
-            <a:r>
-              <a:rPr lang="nl-NL" dirty="0"/>
-              <a:t>Machine </a:t>
-            </a:r>
-            <a:r>
-              <a:rPr lang="nl-NL" dirty="0" err="1"/>
-              <a:t>learing</a:t>
-            </a:r>
-            <a:r>
-              <a:rPr lang="nl-NL" dirty="0"/>
-              <a:t>: SVM</a:t>
-            </a:r>
-          </a:p>
-          <a:p>
-            <a:pPr lvl="1"/>
-            <a:r>
-              <a:rPr lang="nl-NL" dirty="0" err="1"/>
-              <a:t>Neural</a:t>
-            </a:r>
-            <a:r>
-              <a:rPr lang="nl-NL" dirty="0"/>
-              <a:t> Network:</a:t>
-            </a:r>
-          </a:p>
-        </p:txBody>
-      </p:sp>
+      <mc:AlternateContent xmlns:mc="http://schemas.openxmlformats.org/markup-compatibility/2006">
+        <mc:Choice xmlns:a14="http://schemas.microsoft.com/office/drawing/2010/main" Requires="a14">
+          <p:sp>
+            <p:nvSpPr>
+              <p:cNvPr id="2" name="Content Placeholder 1">
+                <a:extLst>
+                  <a:ext uri="{FF2B5EF4-FFF2-40B4-BE49-F238E27FC236}">
+                    <a16:creationId xmlns:a16="http://schemas.microsoft.com/office/drawing/2014/main" id="{197F4CBE-668E-40E5-A308-1F04E101E2EF}"/>
+                  </a:ext>
+                </a:extLst>
+              </p:cNvPr>
+              <p:cNvSpPr>
+                <a:spLocks noGrp="1"/>
+              </p:cNvSpPr>
+              <p:nvPr>
+                <p:ph idx="1"/>
+              </p:nvPr>
+            </p:nvSpPr>
+            <p:spPr/>
+            <p:txBody>
+              <a:bodyPr>
+                <a:normAutofit/>
+              </a:bodyPr>
+              <a:lstStyle/>
+              <a:p>
+                <a:r>
+                  <a:rPr lang="nl-BE" dirty="0">
+                    <a:solidFill>
+                      <a:srgbClr val="2E2E2E"/>
+                    </a:solidFill>
+                  </a:rPr>
+                  <a:t>Support Vector Machine creëren</a:t>
+                </a:r>
+              </a:p>
+              <a:p>
+                <a:r>
+                  <a:rPr lang="nl-BE" dirty="0">
+                    <a:solidFill>
+                      <a:srgbClr val="2E2E2E"/>
+                    </a:solidFill>
+                  </a:rPr>
+                  <a:t>Dataset:</a:t>
+                </a:r>
+              </a:p>
+              <a:p>
+                <a:pPr lvl="1"/>
+                <a:r>
+                  <a:rPr lang="nl-BE" dirty="0">
+                    <a:solidFill>
+                      <a:schemeClr val="tx2"/>
+                    </a:solidFill>
+                  </a:rPr>
+                  <a:t>Spel spelen met α-β </a:t>
+                </a:r>
+                <a:r>
+                  <a:rPr lang="nl-BE" dirty="0" err="1">
+                    <a:solidFill>
+                      <a:schemeClr val="tx2"/>
+                    </a:solidFill>
+                  </a:rPr>
+                  <a:t>pruning</a:t>
+                </a:r>
+                <a:r>
+                  <a:rPr lang="nl-BE" dirty="0">
+                    <a:solidFill>
+                      <a:schemeClr val="tx2"/>
+                    </a:solidFill>
+                  </a:rPr>
+                  <a:t> </a:t>
+                </a:r>
+                <a:r>
+                  <a:rPr lang="nl-BE" dirty="0" err="1">
+                    <a:solidFill>
+                      <a:schemeClr val="tx2"/>
+                    </a:solidFill>
+                  </a:rPr>
+                  <a:t>agents</a:t>
+                </a:r>
+                <a:endParaRPr lang="nl-BE" dirty="0">
+                  <a:solidFill>
+                    <a:schemeClr val="tx2"/>
+                  </a:solidFill>
+                </a:endParaRPr>
+              </a:p>
+              <a:p>
+                <a:pPr lvl="1"/>
+                <a:r>
+                  <a:rPr lang="nl-BE" dirty="0">
+                    <a:solidFill>
+                      <a:schemeClr val="tx2"/>
+                    </a:solidFill>
+                  </a:rPr>
+                  <a:t>(bord configuratie, diepte, score)</a:t>
+                </a:r>
+                <a:endParaRPr lang="nl-BE" dirty="0">
+                  <a:solidFill>
+                    <a:srgbClr val="2E2E2E"/>
+                  </a:solidFill>
+                </a:endParaRPr>
+              </a:p>
+              <a:p>
+                <a:pPr lvl="1"/>
+                <a:r>
+                  <a:rPr lang="nl-BE" dirty="0">
+                    <a:solidFill>
+                      <a:srgbClr val="2E2E2E"/>
+                    </a:solidFill>
+                  </a:rPr>
+                  <a:t>Kostfunctie:</a:t>
+                </a:r>
+              </a:p>
+              <a:p>
+                <a:pPr marL="457200" lvl="1" indent="0">
+                  <a:buNone/>
+                </a:pPr>
+                <a:r>
+                  <a:rPr lang="nl-BE" b="0" dirty="0">
+                    <a:solidFill>
+                      <a:srgbClr val="2E2E2E"/>
+                    </a:solidFill>
+                  </a:rPr>
+                  <a:t>	</a:t>
+                </a:r>
+                <a14:m>
+                  <m:oMath xmlns:m="http://schemas.openxmlformats.org/officeDocument/2006/math">
+                    <m:r>
+                      <a:rPr lang="nl-BE" b="0" i="1" smtClean="0">
+                        <a:solidFill>
+                          <a:srgbClr val="2E2E2E"/>
+                        </a:solidFill>
+                        <a:latin typeface="Cambria Math" panose="02040503050406030204" pitchFamily="18" charset="0"/>
+                      </a:rPr>
+                      <m:t>𝑥</m:t>
+                    </m:r>
+                    <m:r>
+                      <a:rPr lang="nl-BE" b="0" i="1" smtClean="0">
+                        <a:solidFill>
+                          <a:srgbClr val="2E2E2E"/>
+                        </a:solidFill>
+                        <a:latin typeface="Cambria Math" panose="02040503050406030204" pitchFamily="18" charset="0"/>
+                      </a:rPr>
+                      <m:t>=</m:t>
+                    </m:r>
+                    <m:r>
+                      <a:rPr lang="nl-BE" b="0" i="1" smtClean="0">
+                        <a:solidFill>
+                          <a:srgbClr val="2E2E2E"/>
+                        </a:solidFill>
+                        <a:latin typeface="Cambria Math" panose="02040503050406030204" pitchFamily="18" charset="0"/>
+                      </a:rPr>
+                      <m:t>𝑦</m:t>
+                    </m:r>
+                    <m:r>
+                      <a:rPr lang="nl-BE" b="0" i="1" smtClean="0">
+                        <a:solidFill>
+                          <a:srgbClr val="2E2E2E"/>
+                        </a:solidFill>
+                        <a:latin typeface="Cambria Math" panose="02040503050406030204" pitchFamily="18" charset="0"/>
+                      </a:rPr>
+                      <m:t>∗10+</m:t>
+                    </m:r>
+                    <m:r>
+                      <a:rPr lang="nl-BE" b="0" i="1" smtClean="0">
+                        <a:solidFill>
+                          <a:srgbClr val="2E2E2E"/>
+                        </a:solidFill>
+                        <a:latin typeface="Cambria Math" panose="02040503050406030204" pitchFamily="18" charset="0"/>
+                      </a:rPr>
+                      <m:t>𝑧</m:t>
+                    </m:r>
+                  </m:oMath>
+                </a14:m>
+                <a:r>
+                  <a:rPr lang="nl-BE" dirty="0">
+                    <a:solidFill>
+                      <a:srgbClr val="2E2E2E"/>
+                    </a:solidFill>
+                  </a:rPr>
+                  <a:t>  	</a:t>
+                </a:r>
+                <a:r>
+                  <a:rPr lang="nl-BE" sz="1800" dirty="0">
+                    <a:solidFill>
+                      <a:srgbClr val="2E2E2E"/>
+                    </a:solidFill>
+                  </a:rPr>
+                  <a:t>met:	x = score voor ieder kind</a:t>
+                </a:r>
+              </a:p>
+              <a:p>
+                <a:pPr marL="457200" lvl="1" indent="0">
+                  <a:buNone/>
+                </a:pPr>
+                <a:r>
+                  <a:rPr lang="nl-BE" dirty="0">
+                    <a:solidFill>
+                      <a:srgbClr val="2E2E2E"/>
+                    </a:solidFill>
+                  </a:rPr>
+                  <a:t>					</a:t>
+                </a:r>
+                <a:r>
+                  <a:rPr lang="nl-BE" sz="1800" dirty="0">
+                    <a:solidFill>
+                      <a:srgbClr val="2E2E2E"/>
+                    </a:solidFill>
+                  </a:rPr>
+                  <a:t>y = resultaat spel</a:t>
+                </a:r>
+              </a:p>
+              <a:p>
+                <a:pPr marL="457200" lvl="1" indent="0">
+                  <a:buNone/>
+                </a:pPr>
+                <a:r>
+                  <a:rPr lang="nl-BE" sz="1800" dirty="0">
+                    <a:solidFill>
+                      <a:srgbClr val="2E2E2E"/>
+                    </a:solidFill>
+                  </a:rPr>
+                  <a:t>					</a:t>
+                </a:r>
+                <a:r>
+                  <a:rPr lang="nl-BE" sz="1800" dirty="0" err="1">
+                    <a:solidFill>
+                      <a:srgbClr val="2E2E2E"/>
+                    </a:solidFill>
+                  </a:rPr>
+                  <a:t>z</a:t>
+                </a:r>
+                <a:r>
+                  <a:rPr lang="nl-BE" sz="1800" dirty="0">
+                    <a:solidFill>
+                      <a:srgbClr val="2E2E2E"/>
+                    </a:solidFill>
+                  </a:rPr>
+                  <a:t> = verwachte waarde</a:t>
+                </a:r>
+              </a:p>
+              <a:p>
+                <a:r>
+                  <a:rPr lang="nl-BE" dirty="0">
+                    <a:solidFill>
+                      <a:srgbClr val="2E2E2E"/>
+                    </a:solidFill>
+                  </a:rPr>
+                  <a:t>SVM vertoont betere resultaten dan </a:t>
+                </a:r>
+                <a:r>
+                  <a:rPr lang="nl-BE" dirty="0">
+                    <a:solidFill>
+                      <a:schemeClr val="tx2"/>
+                    </a:solidFill>
+                  </a:rPr>
+                  <a:t>α-β </a:t>
+                </a:r>
+                <a:r>
+                  <a:rPr lang="nl-BE" dirty="0" err="1">
+                    <a:solidFill>
+                      <a:schemeClr val="tx2"/>
+                    </a:solidFill>
+                  </a:rPr>
+                  <a:t>pruning</a:t>
+                </a:r>
+                <a:r>
+                  <a:rPr lang="nl-BE" dirty="0">
+                    <a:solidFill>
+                      <a:srgbClr val="2E2E2E"/>
+                    </a:solidFill>
+                  </a:rPr>
+                  <a:t>		</a:t>
+                </a:r>
+              </a:p>
+              <a:p>
+                <a:endParaRPr lang="nl-BE" dirty="0">
+                  <a:solidFill>
+                    <a:schemeClr val="tx2"/>
+                  </a:solidFill>
+                </a:endParaRPr>
+              </a:p>
+              <a:p>
+                <a:pPr lvl="1"/>
+                <a:endParaRPr lang="nl-BE" dirty="0">
+                  <a:solidFill>
+                    <a:schemeClr val="tx2"/>
+                  </a:solidFill>
+                </a:endParaRPr>
+              </a:p>
+              <a:p>
+                <a:pPr lvl="1"/>
+                <a:endParaRPr lang="nl-BE" dirty="0">
+                  <a:solidFill>
+                    <a:schemeClr val="tx2"/>
+                  </a:solidFill>
+                </a:endParaRPr>
+              </a:p>
+              <a:p>
+                <a:endParaRPr lang="nl-BE" dirty="0">
+                  <a:solidFill>
+                    <a:srgbClr val="2E2E2E"/>
+                  </a:solidFill>
+                </a:endParaRPr>
+              </a:p>
+            </p:txBody>
+          </p:sp>
+        </mc:Choice>
+        <mc:Fallback>
+          <p:sp>
+            <p:nvSpPr>
+              <p:cNvPr id="2" name="Content Placeholder 1">
+                <a:extLst>
+                  <a:ext uri="{FF2B5EF4-FFF2-40B4-BE49-F238E27FC236}">
+                    <a16:creationId xmlns:a16="http://schemas.microsoft.com/office/drawing/2014/main" id="{197F4CBE-668E-40E5-A308-1F04E101E2EF}"/>
+                  </a:ext>
+                </a:extLst>
+              </p:cNvPr>
+              <p:cNvSpPr>
+                <a:spLocks noGrp="1" noRot="1" noChangeAspect="1" noMove="1" noResize="1" noEditPoints="1" noAdjustHandles="1" noChangeArrowheads="1" noChangeShapeType="1" noTextEdit="1"/>
+              </p:cNvSpPr>
+              <p:nvPr>
+                <p:ph idx="1"/>
+              </p:nvPr>
+            </p:nvSpPr>
+            <p:spPr>
+              <a:blipFill>
+                <a:blip r:embed="rId2"/>
+                <a:stretch>
+                  <a:fillRect l="-717" t="-956"/>
+                </a:stretch>
+              </a:blipFill>
+            </p:spPr>
+            <p:txBody>
+              <a:bodyPr/>
+              <a:lstStyle/>
+              <a:p>
+                <a:r>
+                  <a:rPr lang="nl-BE">
+                    <a:noFill/>
+                  </a:rPr>
+                  <a:t> </a:t>
+                </a:r>
+              </a:p>
+            </p:txBody>
+          </p:sp>
+        </mc:Fallback>
+      </mc:AlternateContent>
       <p:sp>
         <p:nvSpPr>
           <p:cNvPr id="3" name="Title 2">
@@ -10530,10 +10646,9 @@
           <a:lstStyle/>
           <a:p>
             <a:r>
-              <a:rPr lang="nl-NL" dirty="0"/>
+              <a:rPr lang="nl-BE" dirty="0"/>
               <a:t>Paper</a:t>
             </a:r>
-            <a:endParaRPr lang="en-GB" dirty="0"/>
           </a:p>
         </p:txBody>
       </p:sp>
@@ -10589,10 +10704,9 @@
           <a:lstStyle/>
           <a:p>
             <a:r>
-              <a:rPr lang="nl-NL" dirty="0"/>
+              <a:rPr lang="nl-BE" dirty="0"/>
               <a:t>Bedankt voor uw aandacht</a:t>
             </a:r>
-            <a:endParaRPr lang="en-GB" dirty="0"/>
           </a:p>
         </p:txBody>
       </p:sp>
@@ -10708,94 +10822,145 @@
           <a:lstStyle/>
           <a:p>
             <a:r>
-              <a:rPr lang="nl-NL" dirty="0"/>
+              <a:rPr lang="nl-BE" dirty="0">
+                <a:solidFill>
+                  <a:srgbClr val="2E2E2E"/>
+                </a:solidFill>
+              </a:rPr>
               <a:t>Offensief</a:t>
             </a:r>
           </a:p>
           <a:p>
             <a:pPr lvl="1"/>
             <a:r>
-              <a:rPr lang="nl-NL" dirty="0"/>
+              <a:rPr lang="nl-BE" dirty="0">
+                <a:solidFill>
+                  <a:srgbClr val="2E2E2E"/>
+                </a:solidFill>
+              </a:rPr>
               <a:t>Maak een vierkant (A1)</a:t>
             </a:r>
           </a:p>
           <a:p>
             <a:pPr lvl="1"/>
             <a:r>
-              <a:rPr lang="nl-NL" dirty="0"/>
+              <a:rPr lang="nl-BE" dirty="0">
+                <a:solidFill>
+                  <a:srgbClr val="2E2E2E"/>
+                </a:solidFill>
+              </a:rPr>
               <a:t>Leg in meest vertegenwoordigde vierkant (E)</a:t>
             </a:r>
           </a:p>
           <a:p>
             <a:pPr lvl="1"/>
             <a:r>
-              <a:rPr lang="nl-BE" dirty="0"/>
+              <a:rPr lang="nl-BE" dirty="0">
+                <a:solidFill>
+                  <a:srgbClr val="2E2E2E"/>
+                </a:solidFill>
+              </a:rPr>
               <a:t>Claim een zo hoog mogelijke locatie (G)</a:t>
             </a:r>
-            <a:endParaRPr lang="nl-NL" dirty="0"/>
-          </a:p>
-          <a:p>
-            <a:r>
-              <a:rPr lang="nl-NL" dirty="0"/>
+          </a:p>
+          <a:p>
+            <a:r>
+              <a:rPr lang="nl-BE" dirty="0">
+                <a:solidFill>
+                  <a:srgbClr val="2E2E2E"/>
+                </a:solidFill>
+              </a:rPr>
               <a:t>Defensief (A21, A22)</a:t>
             </a:r>
           </a:p>
           <a:p>
             <a:r>
-              <a:rPr lang="nl-NL" dirty="0"/>
+              <a:rPr lang="nl-BE" dirty="0">
+                <a:solidFill>
+                  <a:srgbClr val="2E2E2E"/>
+                </a:solidFill>
+              </a:rPr>
               <a:t>Combinatie</a:t>
             </a:r>
           </a:p>
           <a:p>
             <a:pPr lvl="1"/>
             <a:r>
-              <a:rPr lang="nl-NL" dirty="0"/>
+              <a:rPr lang="nl-BE" dirty="0">
+                <a:solidFill>
+                  <a:srgbClr val="2E2E2E"/>
+                </a:solidFill>
+              </a:rPr>
               <a:t>claim midden niveau 1 (B)</a:t>
             </a:r>
           </a:p>
           <a:p>
             <a:pPr lvl="1"/>
             <a:r>
-              <a:rPr lang="en-GB" dirty="0"/>
+              <a:rPr lang="nl-BE" dirty="0">
+                <a:solidFill>
+                  <a:srgbClr val="2E2E2E"/>
+                </a:solidFill>
+              </a:rPr>
               <a:t>claim midden van </a:t>
             </a:r>
             <a:r>
-              <a:rPr lang="en-GB" dirty="0" err="1"/>
+              <a:rPr lang="nl-BE" dirty="0" err="1">
+                <a:solidFill>
+                  <a:srgbClr val="2E2E2E"/>
+                </a:solidFill>
+              </a:rPr>
               <a:t>randen</a:t>
             </a:r>
             <a:r>
-              <a:rPr lang="en-GB" dirty="0"/>
+              <a:rPr lang="nl-BE" dirty="0">
+                <a:solidFill>
+                  <a:srgbClr val="2E2E2E"/>
+                </a:solidFill>
+              </a:rPr>
               <a:t> op </a:t>
             </a:r>
             <a:r>
-              <a:rPr lang="en-GB" dirty="0" err="1"/>
+              <a:rPr lang="nl-BE" dirty="0" err="1">
+                <a:solidFill>
+                  <a:srgbClr val="2E2E2E"/>
+                </a:solidFill>
+              </a:rPr>
               <a:t>niveau</a:t>
             </a:r>
             <a:r>
-              <a:rPr lang="en-GB" dirty="0"/>
-              <a:t> 1 </a:t>
-            </a:r>
-            <a:r>
-              <a:rPr lang="nl-NL" dirty="0"/>
-              <a:t>(</a:t>
-            </a:r>
-            <a:r>
-              <a:rPr lang="en-GB" dirty="0"/>
-              <a:t>C1, C21, C22)</a:t>
-            </a:r>
-          </a:p>
-          <a:p>
-            <a:r>
-              <a:rPr lang="nl-BE" dirty="0"/>
+              <a:rPr lang="nl-BE" dirty="0">
+                <a:solidFill>
+                  <a:srgbClr val="2E2E2E"/>
+                </a:solidFill>
+              </a:rPr>
+              <a:t> 1 (C1, C21, C22)</a:t>
+            </a:r>
+          </a:p>
+          <a:p>
+            <a:r>
+              <a:rPr lang="nl-BE" dirty="0">
+                <a:solidFill>
+                  <a:srgbClr val="2E2E2E"/>
+                </a:solidFill>
+              </a:rPr>
               <a:t>Random (F)</a:t>
             </a:r>
           </a:p>
           <a:p>
-            <a:endParaRPr lang="nl-BE" dirty="0"/>
-          </a:p>
-          <a:p>
-            <a:r>
-              <a:rPr lang="nl-BE" dirty="0"/>
+            <a:endParaRPr lang="nl-BE" dirty="0">
+              <a:solidFill>
+                <a:srgbClr val="2E2E2E"/>
+              </a:solidFill>
+            </a:endParaRPr>
+          </a:p>
+          <a:p>
+            <a:r>
+              <a:rPr lang="nl-BE" dirty="0">
+                <a:solidFill>
+                  <a:srgbClr val="2E2E2E"/>
+                </a:solidFill>
+              </a:rPr>
               <a:t>(D: Midden op grond claimen, indien er geen L structuur aanwezig is)</a:t>
             </a:r>
           </a:p>
@@ -10884,10 +11049,9 @@
           <a:lstStyle/>
           <a:p>
             <a:r>
-              <a:rPr lang="nl-NL" dirty="0"/>
+              <a:rPr lang="nl-BE" dirty="0"/>
               <a:t>Offensief</a:t>
             </a:r>
-            <a:endParaRPr lang="en-GB" dirty="0"/>
           </a:p>
         </p:txBody>
       </p:sp>
@@ -10917,18 +11081,13 @@
               <a:buChar char="•"/>
             </a:pPr>
             <a:r>
-              <a:rPr lang="nl-NL" dirty="0">
+              <a:rPr lang="nl-BE" dirty="0">
                 <a:solidFill>
                   <a:srgbClr val="2E2E2E"/>
                 </a:solidFill>
               </a:rPr>
               <a:t>A1</a:t>
             </a:r>
-            <a:endParaRPr lang="en-GB" dirty="0">
-              <a:solidFill>
-                <a:srgbClr val="2E2E2E"/>
-              </a:solidFill>
-            </a:endParaRPr>
           </a:p>
         </p:txBody>
       </p:sp>
@@ -10960,18 +11119,13 @@
               <a:buChar char="•"/>
             </a:pPr>
             <a:r>
-              <a:rPr lang="nl-NL" dirty="0">
+              <a:rPr lang="nl-BE" dirty="0">
                 <a:solidFill>
                   <a:srgbClr val="2E2E2E"/>
                 </a:solidFill>
               </a:rPr>
               <a:t>E</a:t>
             </a:r>
-            <a:endParaRPr lang="en-GB" dirty="0">
-              <a:solidFill>
-                <a:srgbClr val="2E2E2E"/>
-              </a:solidFill>
-            </a:endParaRPr>
           </a:p>
         </p:txBody>
       </p:sp>
@@ -11001,18 +11155,13 @@
               <a:buChar char="•"/>
             </a:pPr>
             <a:r>
-              <a:rPr lang="nl-NL" dirty="0">
+              <a:rPr lang="nl-BE" dirty="0">
                 <a:solidFill>
                   <a:srgbClr val="2E2E2E"/>
                 </a:solidFill>
               </a:rPr>
               <a:t>G</a:t>
             </a:r>
-            <a:endParaRPr lang="en-GB" dirty="0">
-              <a:solidFill>
-                <a:srgbClr val="2E2E2E"/>
-              </a:solidFill>
-            </a:endParaRPr>
           </a:p>
         </p:txBody>
       </p:sp>
@@ -11155,10 +11304,9 @@
           <a:lstStyle/>
           <a:p>
             <a:r>
-              <a:rPr lang="nl-NL" dirty="0"/>
+              <a:rPr lang="nl-BE" dirty="0"/>
               <a:t>Defensief</a:t>
             </a:r>
-            <a:endParaRPr lang="en-GB" dirty="0"/>
           </a:p>
         </p:txBody>
       </p:sp>
@@ -11184,10 +11332,9 @@
           <a:lstStyle/>
           <a:p>
             <a:r>
-              <a:rPr lang="nl-NL" dirty="0"/>
+              <a:rPr lang="nl-BE" dirty="0"/>
               <a:t>A22</a:t>
             </a:r>
-            <a:endParaRPr lang="en-GB" dirty="0"/>
           </a:p>
         </p:txBody>
       </p:sp>
@@ -11213,10 +11360,9 @@
           <a:lstStyle/>
           <a:p>
             <a:r>
-              <a:rPr lang="nl-NL" dirty="0"/>
+              <a:rPr lang="nl-BE" dirty="0"/>
               <a:t>A21</a:t>
             </a:r>
-            <a:endParaRPr lang="en-GB" dirty="0"/>
           </a:p>
         </p:txBody>
       </p:sp>
@@ -11330,10 +11476,9 @@
           <a:lstStyle/>
           <a:p>
             <a:r>
-              <a:rPr lang="nl-NL" dirty="0"/>
+              <a:rPr lang="nl-BE" dirty="0"/>
               <a:t>Combinatie</a:t>
             </a:r>
-            <a:endParaRPr lang="en-GB" dirty="0"/>
           </a:p>
         </p:txBody>
       </p:sp>
@@ -11359,10 +11504,9 @@
           <a:lstStyle/>
           <a:p>
             <a:r>
-              <a:rPr lang="nl-NL" dirty="0"/>
+              <a:rPr lang="nl-BE" dirty="0"/>
               <a:t>B</a:t>
             </a:r>
-            <a:endParaRPr lang="en-GB" dirty="0"/>
           </a:p>
         </p:txBody>
       </p:sp>
@@ -11391,10 +11535,9 @@
               <a:buNone/>
             </a:pPr>
             <a:r>
-              <a:rPr lang="nl-NL" dirty="0"/>
+              <a:rPr lang="nl-BE" dirty="0"/>
               <a:t>Waarom ?</a:t>
             </a:r>
-            <a:endParaRPr lang="en-GB" dirty="0"/>
           </a:p>
         </p:txBody>
       </p:sp>
@@ -11720,10 +11863,9 @@
           <a:lstStyle/>
           <a:p>
             <a:r>
-              <a:rPr lang="nl-NL" dirty="0"/>
+              <a:rPr lang="nl-BE" dirty="0"/>
               <a:t>Combinatie</a:t>
             </a:r>
-            <a:endParaRPr lang="en-GB" dirty="0"/>
           </a:p>
         </p:txBody>
       </p:sp>
@@ -11749,10 +11891,9 @@
           <a:lstStyle/>
           <a:p>
             <a:r>
-              <a:rPr lang="nl-NL" dirty="0"/>
+              <a:rPr lang="nl-BE" dirty="0"/>
               <a:t>C1</a:t>
             </a:r>
-            <a:endParaRPr lang="en-GB" dirty="0"/>
           </a:p>
         </p:txBody>
       </p:sp>
@@ -11778,10 +11919,9 @@
           <a:lstStyle/>
           <a:p>
             <a:r>
-              <a:rPr lang="nl-NL" dirty="0"/>
+              <a:rPr lang="nl-BE" dirty="0"/>
               <a:t>C21, C22</a:t>
             </a:r>
-            <a:endParaRPr lang="en-GB" dirty="0"/>
           </a:p>
         </p:txBody>
       </p:sp>
@@ -11812,10 +11952,9 @@
           <a:lstStyle/>
           <a:p>
             <a:r>
-              <a:rPr lang="nl-NL" dirty="0"/>
+              <a:rPr lang="nl-BE" dirty="0"/>
               <a:t>Waarom ?</a:t>
             </a:r>
-            <a:endParaRPr lang="en-GB" dirty="0"/>
           </a:p>
         </p:txBody>
       </p:sp>
@@ -12259,123 +12398,215 @@
           <a:lstStyle/>
           <a:p>
             <a:r>
-              <a:rPr lang="nl-BE" dirty="0"/>
+              <a:rPr lang="nl-BE" dirty="0">
+                <a:solidFill>
+                  <a:srgbClr val="2E2E2E"/>
+                </a:solidFill>
+              </a:rPr>
               <a:t>A: </a:t>
             </a:r>
             <a:r>
-              <a:rPr lang="nl-BE" noProof="0" dirty="0"/>
+              <a:rPr lang="nl-BE" noProof="0" dirty="0">
+                <a:solidFill>
+                  <a:srgbClr val="2E2E2E"/>
+                </a:solidFill>
+              </a:rPr>
               <a:t>Zoeken naar L structuren</a:t>
             </a:r>
           </a:p>
           <a:p>
             <a:pPr lvl="1"/>
             <a:r>
-              <a:rPr lang="nl-BE" noProof="0" dirty="0"/>
+              <a:rPr lang="nl-BE" noProof="0" dirty="0">
+                <a:solidFill>
+                  <a:srgbClr val="2E2E2E"/>
+                </a:solidFill>
+              </a:rPr>
               <a:t>A1: L structuur eigen kleur</a:t>
             </a:r>
           </a:p>
           <a:p>
             <a:pPr lvl="1"/>
             <a:r>
-              <a:rPr lang="nl-BE" dirty="0"/>
+              <a:rPr lang="nl-BE" dirty="0">
+                <a:solidFill>
+                  <a:srgbClr val="2E2E2E"/>
+                </a:solidFill>
+              </a:rPr>
               <a:t>A2: L structuur andere kleur</a:t>
             </a:r>
           </a:p>
           <a:p>
             <a:pPr lvl="2"/>
             <a:r>
-              <a:rPr lang="nl-BE" noProof="0" dirty="0"/>
+              <a:rPr lang="nl-BE" noProof="0" dirty="0">
+                <a:solidFill>
+                  <a:srgbClr val="2E2E2E"/>
+                </a:solidFill>
+              </a:rPr>
               <a:t>A21: 4</a:t>
             </a:r>
             <a:r>
-              <a:rPr lang="nl-BE" baseline="30000" noProof="0" dirty="0"/>
+              <a:rPr lang="nl-BE" baseline="30000" noProof="0" dirty="0">
+                <a:solidFill>
+                  <a:srgbClr val="2E2E2E"/>
+                </a:solidFill>
+              </a:rPr>
               <a:t>de</a:t>
             </a:r>
             <a:r>
-              <a:rPr lang="nl-BE" noProof="0" dirty="0"/>
+              <a:rPr lang="nl-BE" noProof="0" dirty="0">
+                <a:solidFill>
+                  <a:srgbClr val="2E2E2E"/>
+                </a:solidFill>
+              </a:rPr>
               <a:t> plek eigen kleur</a:t>
             </a:r>
           </a:p>
           <a:p>
             <a:pPr lvl="2"/>
             <a:r>
-              <a:rPr lang="nl-BE" dirty="0"/>
+              <a:rPr lang="nl-BE" dirty="0">
+                <a:solidFill>
+                  <a:srgbClr val="2E2E2E"/>
+                </a:solidFill>
+              </a:rPr>
               <a:t>A22: 4</a:t>
             </a:r>
             <a:r>
-              <a:rPr lang="nl-BE" baseline="30000" dirty="0"/>
+              <a:rPr lang="nl-BE" baseline="30000" dirty="0">
+                <a:solidFill>
+                  <a:srgbClr val="2E2E2E"/>
+                </a:solidFill>
+              </a:rPr>
               <a:t>de</a:t>
             </a:r>
             <a:r>
-              <a:rPr lang="nl-BE" dirty="0"/>
+              <a:rPr lang="nl-BE" dirty="0">
+                <a:solidFill>
+                  <a:srgbClr val="2E2E2E"/>
+                </a:solidFill>
+              </a:rPr>
               <a:t> </a:t>
             </a:r>
             <a:r>
-              <a:rPr lang="nl-BE" noProof="0" dirty="0"/>
+              <a:rPr lang="nl-BE" noProof="0" dirty="0">
+                <a:solidFill>
+                  <a:srgbClr val="2E2E2E"/>
+                </a:solidFill>
+              </a:rPr>
               <a:t>plek leeg</a:t>
             </a:r>
           </a:p>
           <a:p>
             <a:r>
-              <a:rPr lang="nl-BE" dirty="0"/>
+              <a:rPr lang="nl-BE" dirty="0">
+                <a:solidFill>
+                  <a:srgbClr val="2E2E2E"/>
+                </a:solidFill>
+              </a:rPr>
               <a:t>B: Midden van 1</a:t>
             </a:r>
             <a:r>
-              <a:rPr lang="nl-BE" baseline="30000" dirty="0"/>
+              <a:rPr lang="nl-BE" baseline="30000" dirty="0">
+                <a:solidFill>
+                  <a:srgbClr val="2E2E2E"/>
+                </a:solidFill>
+              </a:rPr>
               <a:t>ste</a:t>
             </a:r>
             <a:r>
-              <a:rPr lang="nl-BE" dirty="0"/>
+              <a:rPr lang="nl-BE" dirty="0">
+                <a:solidFill>
+                  <a:srgbClr val="2E2E2E"/>
+                </a:solidFill>
+              </a:rPr>
               <a:t> verdiep claimen</a:t>
             </a:r>
           </a:p>
           <a:p>
             <a:r>
-              <a:rPr lang="nl-BE" dirty="0"/>
+              <a:rPr lang="nl-BE" dirty="0">
+                <a:solidFill>
+                  <a:srgbClr val="2E2E2E"/>
+                </a:solidFill>
+              </a:rPr>
               <a:t>C: Midden van 1</a:t>
             </a:r>
             <a:r>
-              <a:rPr lang="nl-BE" baseline="30000" dirty="0"/>
+              <a:rPr lang="nl-BE" baseline="30000" dirty="0">
+                <a:solidFill>
+                  <a:srgbClr val="2E2E2E"/>
+                </a:solidFill>
+              </a:rPr>
               <a:t>ste</a:t>
             </a:r>
             <a:r>
-              <a:rPr lang="nl-BE" dirty="0"/>
+              <a:rPr lang="nl-BE" dirty="0">
+                <a:solidFill>
+                  <a:srgbClr val="2E2E2E"/>
+                </a:solidFill>
+              </a:rPr>
               <a:t> verdiep bezet</a:t>
             </a:r>
           </a:p>
           <a:p>
             <a:pPr lvl="1"/>
             <a:r>
-              <a:rPr lang="nl-BE" dirty="0"/>
+              <a:rPr lang="nl-BE" dirty="0">
+                <a:solidFill>
+                  <a:srgbClr val="2E2E2E"/>
+                </a:solidFill>
+              </a:rPr>
               <a:t>C1: Midden eigen kleur</a:t>
             </a:r>
           </a:p>
           <a:p>
             <a:pPr lvl="1"/>
             <a:r>
-              <a:rPr lang="nl-BE" dirty="0"/>
+              <a:rPr lang="nl-BE" dirty="0">
+                <a:solidFill>
+                  <a:srgbClr val="2E2E2E"/>
+                </a:solidFill>
+              </a:rPr>
               <a:t>C2: Midden ander kleur</a:t>
             </a:r>
           </a:p>
           <a:p>
             <a:pPr lvl="2"/>
             <a:r>
-              <a:rPr lang="nl-BE" dirty="0"/>
+              <a:rPr lang="nl-BE" dirty="0">
+                <a:solidFill>
+                  <a:srgbClr val="2E2E2E"/>
+                </a:solidFill>
+              </a:rPr>
               <a:t>C21: Eigen kleur op het midden van de rand</a:t>
             </a:r>
           </a:p>
           <a:p>
             <a:pPr lvl="2"/>
             <a:r>
-              <a:rPr lang="nl-BE" dirty="0"/>
+              <a:rPr lang="nl-BE" dirty="0">
+                <a:solidFill>
+                  <a:srgbClr val="2E2E2E"/>
+                </a:solidFill>
+              </a:rPr>
               <a:t>C22: Geen eigen kleur op het 1</a:t>
             </a:r>
             <a:r>
-              <a:rPr lang="nl-BE" baseline="30000" dirty="0"/>
+              <a:rPr lang="nl-BE" baseline="30000" dirty="0">
+                <a:solidFill>
+                  <a:srgbClr val="2E2E2E"/>
+                </a:solidFill>
+              </a:rPr>
               <a:t>ste</a:t>
             </a:r>
             <a:r>
-              <a:rPr lang="nl-BE" dirty="0"/>
+              <a:rPr lang="nl-BE" dirty="0">
+                <a:solidFill>
+                  <a:srgbClr val="2E2E2E"/>
+                </a:solidFill>
+              </a:rPr>
               <a:t> verdiep</a:t>
             </a:r>
           </a:p>
@@ -12475,10 +12706,18 @@
           <a:p>
             <a:pPr algn="ctr"/>
             <a:r>
-              <a:rPr lang="nl-NL" dirty="0"/>
+              <a:rPr lang="nl-NL" dirty="0">
+                <a:solidFill>
+                  <a:srgbClr val="2E2E2E"/>
+                </a:solidFill>
+              </a:rPr>
               <a:t>Illustratie: ‘Belang van claimen middens’</a:t>
             </a:r>
-            <a:endParaRPr lang="en-GB" dirty="0"/>
+            <a:endParaRPr lang="en-GB" dirty="0">
+              <a:solidFill>
+                <a:srgbClr val="2E2E2E"/>
+              </a:solidFill>
+            </a:endParaRPr>
           </a:p>
         </p:txBody>
       </p:sp>
@@ -12539,35 +12778,63 @@
           <a:lstStyle/>
           <a:p>
             <a:r>
-              <a:rPr lang="nl-BE" dirty="0"/>
+              <a:rPr lang="nl-BE" dirty="0">
+                <a:solidFill>
+                  <a:srgbClr val="2E2E2E"/>
+                </a:solidFill>
+              </a:rPr>
               <a:t>Welke methode meest gebruikt ?</a:t>
             </a:r>
           </a:p>
           <a:p>
             <a:r>
-              <a:rPr lang="nl-BE" dirty="0"/>
+              <a:rPr lang="nl-BE" dirty="0">
+                <a:solidFill>
+                  <a:srgbClr val="2E2E2E"/>
+                </a:solidFill>
+              </a:rPr>
               <a:t>Welke volgorde veroorzaakt grootste winst %?</a:t>
             </a:r>
           </a:p>
           <a:p>
             <a:r>
-              <a:rPr lang="nl-BE" dirty="0"/>
+              <a:rPr lang="nl-BE" dirty="0">
+                <a:solidFill>
+                  <a:srgbClr val="2E2E2E"/>
+                </a:solidFill>
+              </a:rPr>
               <a:t>Geen </a:t>
             </a:r>
             <a:r>
-              <a:rPr lang="nl-BE" dirty="0" err="1"/>
+              <a:rPr lang="nl-BE" dirty="0" err="1">
+                <a:solidFill>
+                  <a:srgbClr val="2E2E2E"/>
+                </a:solidFill>
+              </a:rPr>
               <a:t>one</a:t>
             </a:r>
             <a:r>
-              <a:rPr lang="nl-BE" dirty="0"/>
+              <a:rPr lang="nl-BE" dirty="0">
+                <a:solidFill>
+                  <a:srgbClr val="2E2E2E"/>
+                </a:solidFill>
+              </a:rPr>
               <a:t>-hit wonder (</a:t>
             </a:r>
             <a:r>
-              <a:rPr lang="nl-BE" dirty="0" err="1"/>
+              <a:rPr lang="nl-BE" dirty="0" err="1">
+                <a:solidFill>
+                  <a:srgbClr val="2E2E2E"/>
+                </a:solidFill>
+              </a:rPr>
               <a:t>lucky</a:t>
             </a:r>
             <a:r>
-              <a:rPr lang="nl-BE" dirty="0"/>
+              <a:rPr lang="nl-BE" dirty="0">
+                <a:solidFill>
+                  <a:srgbClr val="2E2E2E"/>
+                </a:solidFill>
+              </a:rPr>
               <a:t> shot)</a:t>
             </a:r>
           </a:p>
